--- a/optimization/docs/st-architecture.pptx
+++ b/optimization/docs/st-architecture.pptx
@@ -7,6 +7,7 @@
   <p:sldIdLst>
     <p:sldId id="256" r:id="rId2"/>
     <p:sldId id="257" r:id="rId3"/>
+    <p:sldId id="258" r:id="rId4"/>
   </p:sldIdLst>
   <p:sldSz cx="12192000" cy="6858000"/>
   <p:notesSz cx="6858000" cy="9144000"/>
@@ -244,7 +245,7 @@
           <a:p>
             <a:fld id="{B1197E15-315D-6C4E-84BE-9536A06A5A5E}" type="datetimeFigureOut">
               <a:rPr lang="en-US" smtClean="0"/>
-              <a:t>6/2/20</a:t>
+              <a:t>7/7/20</a:t>
             </a:fld>
             <a:endParaRPr lang="en-US"/>
           </a:p>
@@ -414,7 +415,7 @@
           <a:p>
             <a:fld id="{B1197E15-315D-6C4E-84BE-9536A06A5A5E}" type="datetimeFigureOut">
               <a:rPr lang="en-US" smtClean="0"/>
-              <a:t>6/2/20</a:t>
+              <a:t>7/7/20</a:t>
             </a:fld>
             <a:endParaRPr lang="en-US"/>
           </a:p>
@@ -594,7 +595,7 @@
           <a:p>
             <a:fld id="{B1197E15-315D-6C4E-84BE-9536A06A5A5E}" type="datetimeFigureOut">
               <a:rPr lang="en-US" smtClean="0"/>
-              <a:t>6/2/20</a:t>
+              <a:t>7/7/20</a:t>
             </a:fld>
             <a:endParaRPr lang="en-US"/>
           </a:p>
@@ -764,7 +765,7 @@
           <a:p>
             <a:fld id="{B1197E15-315D-6C4E-84BE-9536A06A5A5E}" type="datetimeFigureOut">
               <a:rPr lang="en-US" smtClean="0"/>
-              <a:t>6/2/20</a:t>
+              <a:t>7/7/20</a:t>
             </a:fld>
             <a:endParaRPr lang="en-US"/>
           </a:p>
@@ -1010,7 +1011,7 @@
           <a:p>
             <a:fld id="{B1197E15-315D-6C4E-84BE-9536A06A5A5E}" type="datetimeFigureOut">
               <a:rPr lang="en-US" smtClean="0"/>
-              <a:t>6/2/20</a:t>
+              <a:t>7/7/20</a:t>
             </a:fld>
             <a:endParaRPr lang="en-US"/>
           </a:p>
@@ -1242,7 +1243,7 @@
           <a:p>
             <a:fld id="{B1197E15-315D-6C4E-84BE-9536A06A5A5E}" type="datetimeFigureOut">
               <a:rPr lang="en-US" smtClean="0"/>
-              <a:t>6/2/20</a:t>
+              <a:t>7/7/20</a:t>
             </a:fld>
             <a:endParaRPr lang="en-US"/>
           </a:p>
@@ -1609,7 +1610,7 @@
           <a:p>
             <a:fld id="{B1197E15-315D-6C4E-84BE-9536A06A5A5E}" type="datetimeFigureOut">
               <a:rPr lang="en-US" smtClean="0"/>
-              <a:t>6/2/20</a:t>
+              <a:t>7/7/20</a:t>
             </a:fld>
             <a:endParaRPr lang="en-US"/>
           </a:p>
@@ -1727,7 +1728,7 @@
           <a:p>
             <a:fld id="{B1197E15-315D-6C4E-84BE-9536A06A5A5E}" type="datetimeFigureOut">
               <a:rPr lang="en-US" smtClean="0"/>
-              <a:t>6/2/20</a:t>
+              <a:t>7/7/20</a:t>
             </a:fld>
             <a:endParaRPr lang="en-US"/>
           </a:p>
@@ -1822,7 +1823,7 @@
           <a:p>
             <a:fld id="{B1197E15-315D-6C4E-84BE-9536A06A5A5E}" type="datetimeFigureOut">
               <a:rPr lang="en-US" smtClean="0"/>
-              <a:t>6/2/20</a:t>
+              <a:t>7/7/20</a:t>
             </a:fld>
             <a:endParaRPr lang="en-US"/>
           </a:p>
@@ -2099,7 +2100,7 @@
           <a:p>
             <a:fld id="{B1197E15-315D-6C4E-84BE-9536A06A5A5E}" type="datetimeFigureOut">
               <a:rPr lang="en-US" smtClean="0"/>
-              <a:t>6/2/20</a:t>
+              <a:t>7/7/20</a:t>
             </a:fld>
             <a:endParaRPr lang="en-US"/>
           </a:p>
@@ -2356,7 +2357,7 @@
           <a:p>
             <a:fld id="{B1197E15-315D-6C4E-84BE-9536A06A5A5E}" type="datetimeFigureOut">
               <a:rPr lang="en-US" smtClean="0"/>
-              <a:t>6/2/20</a:t>
+              <a:t>7/7/20</a:t>
             </a:fld>
             <a:endParaRPr lang="en-US"/>
           </a:p>
@@ -2569,7 +2570,7 @@
           <a:p>
             <a:fld id="{B1197E15-315D-6C4E-84BE-9536A06A5A5E}" type="datetimeFigureOut">
               <a:rPr lang="en-US" smtClean="0"/>
-              <a:t>6/2/20</a:t>
+              <a:t>7/7/20</a:t>
             </a:fld>
             <a:endParaRPr lang="en-US"/>
           </a:p>
@@ -3674,7 +3675,7 @@
         <p:spPr>
           <a:xfrm>
             <a:off x="605706" y="221756"/>
-            <a:ext cx="1279517" cy="369332"/>
+            <a:ext cx="1521570" cy="369332"/>
           </a:xfrm>
           <a:prstGeom prst="rect">
             <a:avLst/>
@@ -3689,7 +3690,7 @@
           <a:p>
             <a:r>
               <a:rPr lang="en-US" dirty="0"/>
-              <a:t>Namespace</a:t>
+              <a:t>V1 – Monolith</a:t>
             </a:r>
           </a:p>
         </p:txBody>
@@ -4980,10 +4981,10 @@
       </p:grpSpPr>
       <p:sp>
         <p:nvSpPr>
-          <p:cNvPr id="4" name="Rounded Rectangle 3">
+          <p:cNvPr id="58" name="Rounded Rectangle 57">
             <a:extLst>
               <a:ext uri="{FF2B5EF4-FFF2-40B4-BE49-F238E27FC236}">
-                <a16:creationId xmlns:a16="http://schemas.microsoft.com/office/drawing/2014/main" id="{5F97C001-C49E-8840-86A2-D1C7102A1272}"/>
+                <a16:creationId xmlns:a16="http://schemas.microsoft.com/office/drawing/2014/main" id="{61231171-1F96-4E42-8FD3-00B9707BF958}"/>
               </a:ext>
             </a:extLst>
           </p:cNvPr>
@@ -4992,22 +4993,23 @@
         </p:nvSpPr>
         <p:spPr>
           <a:xfrm>
-            <a:off x="1703584" y="4003294"/>
-            <a:ext cx="2152097" cy="1901241"/>
+            <a:off x="9244701" y="2232492"/>
+            <a:ext cx="2532945" cy="2214826"/>
           </a:xfrm>
           <a:prstGeom prst="roundRect">
             <a:avLst/>
           </a:prstGeom>
+          <a:noFill/>
         </p:spPr>
         <p:style>
-          <a:lnRef idx="1">
-            <a:schemeClr val="accent3"/>
+          <a:lnRef idx="2">
+            <a:schemeClr val="accent1"/>
           </a:lnRef>
-          <a:fillRef idx="2">
-            <a:schemeClr val="accent3"/>
+          <a:fillRef idx="1">
+            <a:schemeClr val="lt1"/>
           </a:fillRef>
-          <a:effectRef idx="1">
-            <a:schemeClr val="accent3"/>
+          <a:effectRef idx="0">
+            <a:schemeClr val="accent1"/>
           </a:effectRef>
           <a:fontRef idx="minor">
             <a:schemeClr val="dk1"/>
@@ -5018,16 +5020,16 @@
           <a:lstStyle/>
           <a:p>
             <a:pPr algn="ctr"/>
-            <a:endParaRPr lang="en-US" dirty="0"/>
-          </a:p>
-        </p:txBody>
-      </p:sp>
-      <p:sp>
-        <p:nvSpPr>
-          <p:cNvPr id="6" name="Hexagon 5">
+            <a:endParaRPr lang="en-US"/>
+          </a:p>
+        </p:txBody>
+      </p:sp>
+      <p:sp>
+        <p:nvSpPr>
+          <p:cNvPr id="94" name="Rounded Rectangle 93">
             <a:extLst>
               <a:ext uri="{FF2B5EF4-FFF2-40B4-BE49-F238E27FC236}">
-                <a16:creationId xmlns:a16="http://schemas.microsoft.com/office/drawing/2014/main" id="{D880FCDD-6DE3-EB4C-8A97-9D64689AEC50}"/>
+                <a16:creationId xmlns:a16="http://schemas.microsoft.com/office/drawing/2014/main" id="{82B673E7-005C-4C46-8ED0-C04266BF7653}"/>
               </a:ext>
             </a:extLst>
           </p:cNvPr>
@@ -5036,22 +5038,24 @@
         </p:nvSpPr>
         <p:spPr>
           <a:xfrm>
-            <a:off x="1767167" y="4991870"/>
-            <a:ext cx="966652" cy="793321"/>
-          </a:xfrm>
-          <a:prstGeom prst="hexagon">
+            <a:off x="660853" y="4541725"/>
+            <a:ext cx="2152097" cy="1901241"/>
+          </a:xfrm>
+          <a:prstGeom prst="roundRect">
             <a:avLst/>
           </a:prstGeom>
         </p:spPr>
         <p:style>
-          <a:lnRef idx="3">
-            <a:schemeClr val="lt1"/>
+          <a:lnRef idx="2">
+            <a:schemeClr val="accent3">
+              <a:shade val="50000"/>
+            </a:schemeClr>
           </a:lnRef>
           <a:fillRef idx="1">
-            <a:schemeClr val="accent2"/>
+            <a:schemeClr val="accent3"/>
           </a:fillRef>
-          <a:effectRef idx="1">
-            <a:schemeClr val="accent2"/>
+          <a:effectRef idx="0">
+            <a:schemeClr val="accent3"/>
           </a:effectRef>
           <a:fontRef idx="minor">
             <a:schemeClr val="lt1"/>
@@ -5062,19 +5066,16 @@
           <a:lstStyle/>
           <a:p>
             <a:pPr algn="ctr"/>
-            <a:r>
-              <a:rPr lang="en-US" dirty="0"/>
-              <a:t>App</a:t>
-            </a:r>
-          </a:p>
-        </p:txBody>
-      </p:sp>
-      <p:sp>
-        <p:nvSpPr>
-          <p:cNvPr id="7" name="Hexagon 6">
+            <a:endParaRPr lang="en-US" dirty="0"/>
+          </a:p>
+        </p:txBody>
+      </p:sp>
+      <p:sp>
+        <p:nvSpPr>
+          <p:cNvPr id="95" name="Rounded Rectangle 94">
             <a:extLst>
               <a:ext uri="{FF2B5EF4-FFF2-40B4-BE49-F238E27FC236}">
-                <a16:creationId xmlns:a16="http://schemas.microsoft.com/office/drawing/2014/main" id="{5F7F396E-DBDC-8F41-8D17-71054492499F}"/>
+                <a16:creationId xmlns:a16="http://schemas.microsoft.com/office/drawing/2014/main" id="{3389EB42-E9AD-6749-B18E-C9BCB5A79BDF}"/>
               </a:ext>
             </a:extLst>
           </p:cNvPr>
@@ -5083,22 +5084,24 @@
         </p:nvSpPr>
         <p:spPr>
           <a:xfrm>
-            <a:off x="2694072" y="4219472"/>
-            <a:ext cx="966652" cy="793321"/>
-          </a:xfrm>
-          <a:prstGeom prst="hexagon">
+            <a:off x="1746249" y="1776377"/>
+            <a:ext cx="2152097" cy="1901241"/>
+          </a:xfrm>
+          <a:prstGeom prst="roundRect">
             <a:avLst/>
           </a:prstGeom>
         </p:spPr>
         <p:style>
-          <a:lnRef idx="3">
-            <a:schemeClr val="lt1"/>
+          <a:lnRef idx="2">
+            <a:schemeClr val="accent3">
+              <a:shade val="50000"/>
+            </a:schemeClr>
           </a:lnRef>
           <a:fillRef idx="1">
-            <a:schemeClr val="accent2"/>
+            <a:schemeClr val="accent3"/>
           </a:fillRef>
-          <a:effectRef idx="1">
-            <a:schemeClr val="accent2"/>
+          <a:effectRef idx="0">
+            <a:schemeClr val="accent3"/>
           </a:effectRef>
           <a:fontRef idx="minor">
             <a:schemeClr val="lt1"/>
@@ -5109,19 +5112,16 @@
           <a:lstStyle/>
           <a:p>
             <a:pPr algn="ctr"/>
-            <a:r>
-              <a:rPr lang="en-US" sz="1600" dirty="0"/>
-              <a:t>Proxy</a:t>
-            </a:r>
+            <a:endParaRPr lang="en-US" dirty="0"/>
           </a:p>
         </p:txBody>
       </p:sp>
       <p:grpSp>
         <p:nvGrpSpPr>
-          <p:cNvPr id="12" name="Group 11">
+          <p:cNvPr id="96" name="Group 95">
             <a:extLst>
               <a:ext uri="{FF2B5EF4-FFF2-40B4-BE49-F238E27FC236}">
-                <a16:creationId xmlns:a16="http://schemas.microsoft.com/office/drawing/2014/main" id="{1822E32B-1E00-9E40-80BD-9043EB90F021}"/>
+                <a16:creationId xmlns:a16="http://schemas.microsoft.com/office/drawing/2014/main" id="{88FDC85C-37C6-5C42-838D-D66FCD2637CF}"/>
               </a:ext>
             </a:extLst>
           </p:cNvPr>
@@ -5130,18 +5130,18 @@
         </p:nvGrpSpPr>
         <p:grpSpPr>
           <a:xfrm>
-            <a:off x="5588128" y="1934774"/>
-            <a:ext cx="994171" cy="815906"/>
-            <a:chOff x="7451634" y="809897"/>
-            <a:chExt cx="1262743" cy="1036320"/>
+            <a:off x="10404030" y="1732710"/>
+            <a:ext cx="994172" cy="815906"/>
+            <a:chOff x="6721891" y="3594467"/>
+            <a:chExt cx="994172" cy="815906"/>
           </a:xfrm>
         </p:grpSpPr>
         <p:sp>
           <p:nvSpPr>
-            <p:cNvPr id="11" name="Hexagon 10">
+            <p:cNvPr id="97" name="Hexagon 96">
               <a:extLst>
                 <a:ext uri="{FF2B5EF4-FFF2-40B4-BE49-F238E27FC236}">
-                  <a16:creationId xmlns:a16="http://schemas.microsoft.com/office/drawing/2014/main" id="{E34A61D6-AB60-8A4C-8E65-64A2ECADE5DC}"/>
+                  <a16:creationId xmlns:a16="http://schemas.microsoft.com/office/drawing/2014/main" id="{0438FC80-C86C-CC43-A630-F1875BA6308B}"/>
                 </a:ext>
               </a:extLst>
             </p:cNvPr>
@@ -5150,8 +5150,8 @@
           </p:nvSpPr>
           <p:spPr>
             <a:xfrm>
-              <a:off x="7451634" y="809897"/>
-              <a:ext cx="1262743" cy="1036320"/>
+              <a:off x="6721891" y="3594467"/>
+              <a:ext cx="994172" cy="815906"/>
             </a:xfrm>
             <a:prstGeom prst="hexagon">
               <a:avLst/>
@@ -5180,68 +5180,69 @@
             </a:fontRef>
           </p:style>
           <p:txBody>
-            <a:bodyPr rtlCol="0" anchor="ctr"/>
+            <a:bodyPr tIns="0" bIns="0" rtlCol="0" anchor="b" anchorCtr="1"/>
             <a:lstStyle/>
             <a:p>
               <a:pPr algn="ctr"/>
-              <a:endParaRPr lang="en-US" dirty="0"/>
+              <a:r>
+                <a:rPr lang="en-US" sz="1100" dirty="0">
+                  <a:solidFill>
+                    <a:schemeClr val="tx1"/>
+                  </a:solidFill>
+                </a:rPr>
+                <a:t>uServ-1</a:t>
+              </a:r>
+              <a:endParaRPr lang="en-US" sz="1400" dirty="0">
+                <a:solidFill>
+                  <a:schemeClr val="tx1"/>
+                </a:solidFill>
+              </a:endParaRPr>
             </a:p>
           </p:txBody>
         </p:sp>
         <p:pic>
           <p:nvPicPr>
-            <p:cNvPr id="1026" name="Picture 2" descr="Container monitoring system Prometheus gets a major update ...">
+            <p:cNvPr id="98" name="Graphic 97" descr="Gauge">
               <a:extLst>
                 <a:ext uri="{FF2B5EF4-FFF2-40B4-BE49-F238E27FC236}">
-                  <a16:creationId xmlns:a16="http://schemas.microsoft.com/office/drawing/2014/main" id="{73791BC1-3FE9-8944-B9C4-1CD609401BC5}"/>
+                  <a16:creationId xmlns:a16="http://schemas.microsoft.com/office/drawing/2014/main" id="{499FD9A3-97EF-A944-861A-7231ED0A73FC}"/>
                 </a:ext>
               </a:extLst>
             </p:cNvPr>
             <p:cNvPicPr>
-              <a:picLocks noChangeAspect="1" noChangeArrowheads="1"/>
+              <a:picLocks noChangeAspect="1"/>
             </p:cNvPicPr>
             <p:nvPr/>
           </p:nvPicPr>
           <p:blipFill>
             <a:blip r:embed="rId2">
               <a:extLst>
-                <a:ext uri="{28A0092B-C50C-407E-A947-70E740481C1C}">
-                  <a14:useLocalDpi xmlns:a14="http://schemas.microsoft.com/office/drawing/2010/main" val="0"/>
+                <a:ext uri="{96DAC541-7B7A-43D3-8B79-37D633B846F1}">
+                  <asvg:svgBlip xmlns:asvg="http://schemas.microsoft.com/office/drawing/2016/SVG/main" r:embed="rId3"/>
                 </a:ext>
               </a:extLst>
             </a:blip>
-            <a:srcRect/>
             <a:stretch>
               <a:fillRect/>
             </a:stretch>
           </p:blipFill>
-          <p:spPr bwMode="auto">
+          <p:spPr>
             <a:xfrm>
-              <a:off x="7518399" y="982236"/>
-              <a:ext cx="1129212" cy="691642"/>
+              <a:off x="6987895" y="3614266"/>
+              <a:ext cx="479983" cy="479983"/>
             </a:xfrm>
             <a:prstGeom prst="rect">
               <a:avLst/>
             </a:prstGeom>
-            <a:noFill/>
-            <a:extLst>
-              <a:ext uri="{909E8E84-426E-40DD-AFC4-6F175D3DCCD1}">
-                <a14:hiddenFill xmlns:a14="http://schemas.microsoft.com/office/drawing/2010/main">
-                  <a:solidFill>
-                    <a:srgbClr val="FFFFFF"/>
-                  </a:solidFill>
-                </a14:hiddenFill>
-              </a:ext>
-            </a:extLst>
           </p:spPr>
         </p:pic>
       </p:grpSp>
       <p:sp>
         <p:nvSpPr>
-          <p:cNvPr id="16" name="Hexagon 15">
+          <p:cNvPr id="93" name="Rounded Rectangle 92">
             <a:extLst>
               <a:ext uri="{FF2B5EF4-FFF2-40B4-BE49-F238E27FC236}">
-                <a16:creationId xmlns:a16="http://schemas.microsoft.com/office/drawing/2014/main" id="{3B353774-7E67-BF4A-9FE7-F4F4031EDDB1}"/>
+                <a16:creationId xmlns:a16="http://schemas.microsoft.com/office/drawing/2014/main" id="{DDCFF376-C2A6-884F-B55E-AE33244A5CB1}"/>
               </a:ext>
             </a:extLst>
           </p:cNvPr>
@@ -5250,22 +5251,24 @@
         </p:nvSpPr>
         <p:spPr>
           <a:xfrm>
-            <a:off x="10032271" y="5138447"/>
-            <a:ext cx="1262743" cy="1036320"/>
-          </a:xfrm>
-          <a:prstGeom prst="hexagon">
+            <a:off x="548445" y="4332587"/>
+            <a:ext cx="2152097" cy="1901241"/>
+          </a:xfrm>
+          <a:prstGeom prst="roundRect">
             <a:avLst/>
           </a:prstGeom>
         </p:spPr>
         <p:style>
-          <a:lnRef idx="3">
-            <a:schemeClr val="lt1"/>
+          <a:lnRef idx="2">
+            <a:schemeClr val="accent3">
+              <a:shade val="50000"/>
+            </a:schemeClr>
           </a:lnRef>
           <a:fillRef idx="1">
-            <a:schemeClr val="accent2"/>
+            <a:schemeClr val="accent3"/>
           </a:fillRef>
-          <a:effectRef idx="1">
-            <a:schemeClr val="accent2"/>
+          <a:effectRef idx="0">
+            <a:schemeClr val="accent3"/>
           </a:effectRef>
           <a:fontRef idx="minor">
             <a:schemeClr val="lt1"/>
@@ -5276,26 +5279,16 @@
           <a:lstStyle/>
           <a:p>
             <a:pPr algn="ctr"/>
-            <a:r>
-              <a:rPr lang="en-US" dirty="0"/>
-              <a:t>Smart</a:t>
-            </a:r>
-          </a:p>
-          <a:p>
-            <a:pPr algn="ctr"/>
-            <a:r>
-              <a:rPr lang="en-US" dirty="0"/>
-              <a:t>Tuning</a:t>
-            </a:r>
-          </a:p>
-        </p:txBody>
-      </p:sp>
-      <p:sp>
-        <p:nvSpPr>
-          <p:cNvPr id="17" name="Rounded Rectangle 16">
+            <a:endParaRPr lang="en-US" dirty="0"/>
+          </a:p>
+        </p:txBody>
+      </p:sp>
+      <p:sp>
+        <p:nvSpPr>
+          <p:cNvPr id="92" name="Rounded Rectangle 91">
             <a:extLst>
               <a:ext uri="{FF2B5EF4-FFF2-40B4-BE49-F238E27FC236}">
-                <a16:creationId xmlns:a16="http://schemas.microsoft.com/office/drawing/2014/main" id="{90F9BEEE-E9E8-7348-B9EB-B877F65E2185}"/>
+                <a16:creationId xmlns:a16="http://schemas.microsoft.com/office/drawing/2014/main" id="{C68486E2-2DC5-7E4A-9831-BDFDFDD86CC9}"/>
               </a:ext>
             </a:extLst>
           </p:cNvPr>
@@ -5304,8 +5297,8 @@
         </p:nvSpPr>
         <p:spPr>
           <a:xfrm>
-            <a:off x="1271451" y="765685"/>
-            <a:ext cx="6008915" cy="661851"/>
+            <a:off x="1622157" y="1567902"/>
+            <a:ext cx="2152097" cy="1901241"/>
           </a:xfrm>
           <a:prstGeom prst="roundRect">
             <a:avLst/>
@@ -5313,15 +5306,15 @@
         </p:spPr>
         <p:style>
           <a:lnRef idx="2">
-            <a:schemeClr val="accent1">
+            <a:schemeClr val="accent3">
               <a:shade val="50000"/>
             </a:schemeClr>
           </a:lnRef>
           <a:fillRef idx="1">
-            <a:schemeClr val="accent1"/>
+            <a:schemeClr val="accent3"/>
           </a:fillRef>
           <a:effectRef idx="0">
-            <a:schemeClr val="accent1"/>
+            <a:schemeClr val="accent3"/>
           </a:effectRef>
           <a:fontRef idx="minor">
             <a:schemeClr val="lt1"/>
@@ -5332,731 +5325,10 @@
           <a:lstStyle/>
           <a:p>
             <a:pPr algn="ctr"/>
-            <a:r>
-              <a:rPr lang="en-US" dirty="0"/>
-              <a:t>K8S Service (Load Balancer)</a:t>
-            </a:r>
-          </a:p>
-        </p:txBody>
-      </p:sp>
-      <p:sp>
-        <p:nvSpPr>
-          <p:cNvPr id="30" name="TextBox 29">
-            <a:extLst>
-              <a:ext uri="{FF2B5EF4-FFF2-40B4-BE49-F238E27FC236}">
-                <a16:creationId xmlns:a16="http://schemas.microsoft.com/office/drawing/2014/main" id="{DF46E165-11D0-AA41-8922-BEC738C01FBF}"/>
-              </a:ext>
-            </a:extLst>
-          </p:cNvPr>
-          <p:cNvSpPr txBox="1"/>
-          <p:nvPr/>
-        </p:nvSpPr>
-        <p:spPr>
-          <a:xfrm>
-            <a:off x="605706" y="221756"/>
-            <a:ext cx="1279517" cy="369332"/>
-          </a:xfrm>
-          <a:prstGeom prst="rect">
-            <a:avLst/>
-          </a:prstGeom>
-          <a:noFill/>
-        </p:spPr>
-        <p:txBody>
-          <a:bodyPr wrap="none" rtlCol="0">
-            <a:spAutoFit/>
-          </a:bodyPr>
-          <a:lstStyle/>
-          <a:p>
-            <a:r>
-              <a:rPr lang="en-US" dirty="0"/>
-              <a:t>Namespace</a:t>
-            </a:r>
-          </a:p>
-        </p:txBody>
-      </p:sp>
-      <p:sp>
-        <p:nvSpPr>
-          <p:cNvPr id="32" name="Folded Corner 31">
-            <a:extLst>
-              <a:ext uri="{FF2B5EF4-FFF2-40B4-BE49-F238E27FC236}">
-                <a16:creationId xmlns:a16="http://schemas.microsoft.com/office/drawing/2014/main" id="{EE0636EE-2B15-3D4F-80A6-FECBF47AC641}"/>
-              </a:ext>
-            </a:extLst>
-          </p:cNvPr>
-          <p:cNvSpPr/>
-          <p:nvPr/>
-        </p:nvSpPr>
-        <p:spPr>
-          <a:xfrm>
-            <a:off x="4258951" y="5137596"/>
-            <a:ext cx="673715" cy="812506"/>
-          </a:xfrm>
-          <a:prstGeom prst="foldedCorner">
-            <a:avLst/>
-          </a:prstGeom>
-        </p:spPr>
-        <p:style>
-          <a:lnRef idx="2">
-            <a:schemeClr val="accent1">
-              <a:shade val="50000"/>
-            </a:schemeClr>
-          </a:lnRef>
-          <a:fillRef idx="1">
-            <a:schemeClr val="accent1"/>
-          </a:fillRef>
-          <a:effectRef idx="0">
-            <a:schemeClr val="accent1"/>
-          </a:effectRef>
-          <a:fontRef idx="minor">
-            <a:schemeClr val="lt1"/>
-          </a:fontRef>
-        </p:style>
-        <p:txBody>
-          <a:bodyPr rtlCol="0" anchor="ctr"/>
-          <a:lstStyle/>
-          <a:p>
-            <a:pPr algn="ctr"/>
-            <a:r>
-              <a:rPr lang="en-US" sz="1200" dirty="0"/>
-              <a:t>Config</a:t>
-            </a:r>
-          </a:p>
-          <a:p>
-            <a:pPr algn="ctr"/>
-            <a:r>
-              <a:rPr lang="en-US" sz="1200" dirty="0"/>
-              <a:t>map</a:t>
-            </a:r>
-          </a:p>
-        </p:txBody>
-      </p:sp>
-      <p:cxnSp>
-        <p:nvCxnSpPr>
-          <p:cNvPr id="46" name="Straight Connector 45">
-            <a:extLst>
-              <a:ext uri="{FF2B5EF4-FFF2-40B4-BE49-F238E27FC236}">
-                <a16:creationId xmlns:a16="http://schemas.microsoft.com/office/drawing/2014/main" id="{3CA6108F-88FF-B340-A4BD-97F12B77ED8B}"/>
-              </a:ext>
-            </a:extLst>
-          </p:cNvPr>
-          <p:cNvCxnSpPr>
-            <a:cxnSpLocks/>
-            <a:endCxn id="32" idx="1"/>
-          </p:cNvCxnSpPr>
-          <p:nvPr/>
-        </p:nvCxnSpPr>
-        <p:spPr>
-          <a:xfrm flipV="1">
-            <a:off x="3855681" y="5543849"/>
-            <a:ext cx="403270" cy="1"/>
-          </a:xfrm>
-          <a:prstGeom prst="line">
-            <a:avLst/>
-          </a:prstGeom>
-          <a:ln w="28575">
-            <a:solidFill>
-              <a:srgbClr val="FF0000"/>
-            </a:solidFill>
-          </a:ln>
-        </p:spPr>
-        <p:style>
-          <a:lnRef idx="1">
-            <a:schemeClr val="accent1"/>
-          </a:lnRef>
-          <a:fillRef idx="0">
-            <a:schemeClr val="accent1"/>
-          </a:fillRef>
-          <a:effectRef idx="0">
-            <a:schemeClr val="accent1"/>
-          </a:effectRef>
-          <a:fontRef idx="minor">
-            <a:schemeClr val="tx1"/>
-          </a:fontRef>
-        </p:style>
-      </p:cxnSp>
-      <p:sp>
-        <p:nvSpPr>
-          <p:cNvPr id="1024" name="Can 1023">
-            <a:extLst>
-              <a:ext uri="{FF2B5EF4-FFF2-40B4-BE49-F238E27FC236}">
-                <a16:creationId xmlns:a16="http://schemas.microsoft.com/office/drawing/2014/main" id="{88E99B06-448C-CF4B-AE1F-21F2D7C30A63}"/>
-              </a:ext>
-            </a:extLst>
-          </p:cNvPr>
-          <p:cNvSpPr/>
-          <p:nvPr/>
-        </p:nvSpPr>
-        <p:spPr>
-          <a:xfrm>
-            <a:off x="11450832" y="5887222"/>
-            <a:ext cx="631373" cy="809892"/>
-          </a:xfrm>
-          <a:prstGeom prst="can">
-            <a:avLst/>
-          </a:prstGeom>
-        </p:spPr>
-        <p:style>
-          <a:lnRef idx="2">
-            <a:schemeClr val="accent1">
-              <a:shade val="50000"/>
-            </a:schemeClr>
-          </a:lnRef>
-          <a:fillRef idx="1">
-            <a:schemeClr val="accent1"/>
-          </a:fillRef>
-          <a:effectRef idx="0">
-            <a:schemeClr val="accent1"/>
-          </a:effectRef>
-          <a:fontRef idx="minor">
-            <a:schemeClr val="lt1"/>
-          </a:fontRef>
-        </p:style>
-        <p:txBody>
-          <a:bodyPr rtlCol="0" anchor="ctr"/>
-          <a:lstStyle/>
-          <a:p>
-            <a:pPr algn="ctr"/>
-            <a:endParaRPr lang="en-US"/>
-          </a:p>
-        </p:txBody>
-      </p:sp>
-      <p:cxnSp>
-        <p:nvCxnSpPr>
-          <p:cNvPr id="66" name="Straight Connector 65">
-            <a:extLst>
-              <a:ext uri="{FF2B5EF4-FFF2-40B4-BE49-F238E27FC236}">
-                <a16:creationId xmlns:a16="http://schemas.microsoft.com/office/drawing/2014/main" id="{38BC6752-6815-3744-AFF8-990E531F7FA3}"/>
-              </a:ext>
-            </a:extLst>
-          </p:cNvPr>
-          <p:cNvCxnSpPr>
-            <a:cxnSpLocks/>
-            <a:stCxn id="1024" idx="1"/>
-            <a:endCxn id="16" idx="0"/>
-          </p:cNvCxnSpPr>
-          <p:nvPr/>
-        </p:nvCxnSpPr>
-        <p:spPr>
-          <a:xfrm flipH="1" flipV="1">
-            <a:off x="11295014" y="5656607"/>
-            <a:ext cx="471505" cy="230615"/>
-          </a:xfrm>
-          <a:prstGeom prst="line">
-            <a:avLst/>
-          </a:prstGeom>
-          <a:ln w="28575"/>
-        </p:spPr>
-        <p:style>
-          <a:lnRef idx="1">
-            <a:schemeClr val="accent1"/>
-          </a:lnRef>
-          <a:fillRef idx="0">
-            <a:schemeClr val="accent1"/>
-          </a:fillRef>
-          <a:effectRef idx="0">
-            <a:schemeClr val="accent1"/>
-          </a:effectRef>
-          <a:fontRef idx="minor">
-            <a:schemeClr val="tx1"/>
-          </a:fontRef>
-        </p:style>
-      </p:cxnSp>
-      <p:sp>
-        <p:nvSpPr>
-          <p:cNvPr id="1056" name="TextBox 1055">
-            <a:extLst>
-              <a:ext uri="{FF2B5EF4-FFF2-40B4-BE49-F238E27FC236}">
-                <a16:creationId xmlns:a16="http://schemas.microsoft.com/office/drawing/2014/main" id="{E45D379B-87A2-EB4D-9551-ECB0DFD5E09D}"/>
-              </a:ext>
-            </a:extLst>
-          </p:cNvPr>
-          <p:cNvSpPr txBox="1"/>
-          <p:nvPr/>
-        </p:nvSpPr>
-        <p:spPr>
-          <a:xfrm>
-            <a:off x="1848327" y="4286051"/>
-            <a:ext cx="764568" cy="523220"/>
-          </a:xfrm>
-          <a:prstGeom prst="rect">
-            <a:avLst/>
-          </a:prstGeom>
-          <a:noFill/>
-        </p:spPr>
-        <p:txBody>
-          <a:bodyPr wrap="none" rtlCol="0">
-            <a:spAutoFit/>
-          </a:bodyPr>
-          <a:lstStyle/>
-          <a:p>
-            <a:pPr algn="ctr"/>
-            <a:r>
-              <a:rPr lang="en-US" sz="1400" dirty="0"/>
-              <a:t>Training</a:t>
-            </a:r>
-          </a:p>
-          <a:p>
-            <a:pPr algn="ctr"/>
-            <a:r>
-              <a:rPr lang="en-US" sz="1400" dirty="0"/>
-              <a:t>Pod</a:t>
-            </a:r>
-          </a:p>
-        </p:txBody>
-      </p:sp>
-      <p:sp>
-        <p:nvSpPr>
-          <p:cNvPr id="120" name="TextBox 119">
-            <a:extLst>
-              <a:ext uri="{FF2B5EF4-FFF2-40B4-BE49-F238E27FC236}">
-                <a16:creationId xmlns:a16="http://schemas.microsoft.com/office/drawing/2014/main" id="{1CDA0234-E2F1-1A40-AF28-7C4B1F334C9F}"/>
-              </a:ext>
-            </a:extLst>
-          </p:cNvPr>
-          <p:cNvSpPr txBox="1"/>
-          <p:nvPr/>
-        </p:nvSpPr>
-        <p:spPr>
-          <a:xfrm>
-            <a:off x="8516879" y="5789590"/>
-            <a:ext cx="1528680" cy="369332"/>
-          </a:xfrm>
-          <a:prstGeom prst="rect">
-            <a:avLst/>
-          </a:prstGeom>
-          <a:noFill/>
-        </p:spPr>
-        <p:txBody>
-          <a:bodyPr wrap="square" rtlCol="0">
-            <a:spAutoFit/>
-          </a:bodyPr>
-          <a:lstStyle/>
-          <a:p>
-            <a:r>
-              <a:rPr lang="en-US" sz="900" dirty="0"/>
-              <a:t>updates the </a:t>
-            </a:r>
-            <a:r>
-              <a:rPr lang="en-US" sz="900" dirty="0" err="1"/>
-              <a:t>configmap</a:t>
-            </a:r>
-            <a:r>
-              <a:rPr lang="en-US" sz="900" dirty="0"/>
-              <a:t> for each new config sampled</a:t>
-            </a:r>
-          </a:p>
-        </p:txBody>
-      </p:sp>
-      <p:sp>
-        <p:nvSpPr>
-          <p:cNvPr id="121" name="TextBox 120">
-            <a:extLst>
-              <a:ext uri="{FF2B5EF4-FFF2-40B4-BE49-F238E27FC236}">
-                <a16:creationId xmlns:a16="http://schemas.microsoft.com/office/drawing/2014/main" id="{35632433-02A9-7B41-A00A-4F56C1362954}"/>
-              </a:ext>
-            </a:extLst>
-          </p:cNvPr>
-          <p:cNvSpPr txBox="1"/>
-          <p:nvPr/>
-        </p:nvSpPr>
-        <p:spPr>
-          <a:xfrm rot="1476774">
-            <a:off x="8152029" y="5038309"/>
-            <a:ext cx="1664212" cy="369332"/>
-          </a:xfrm>
-          <a:prstGeom prst="rect">
-            <a:avLst/>
-          </a:prstGeom>
-          <a:noFill/>
-        </p:spPr>
-        <p:txBody>
-          <a:bodyPr wrap="square" rtlCol="0">
-            <a:spAutoFit/>
-          </a:bodyPr>
-          <a:lstStyle/>
-          <a:p>
-            <a:r>
-              <a:rPr lang="en-US" sz="900" dirty="0"/>
-              <a:t>Pod updates its config when reloading</a:t>
-            </a:r>
-          </a:p>
-        </p:txBody>
-      </p:sp>
-      <p:sp>
-        <p:nvSpPr>
-          <p:cNvPr id="124" name="TextBox 123">
-            <a:extLst>
-              <a:ext uri="{FF2B5EF4-FFF2-40B4-BE49-F238E27FC236}">
-                <a16:creationId xmlns:a16="http://schemas.microsoft.com/office/drawing/2014/main" id="{E518F46C-95CB-7F4C-9FB2-E277CB446641}"/>
-              </a:ext>
-            </a:extLst>
-          </p:cNvPr>
-          <p:cNvSpPr txBox="1"/>
-          <p:nvPr/>
-        </p:nvSpPr>
-        <p:spPr>
-          <a:xfrm>
-            <a:off x="7893475" y="1358445"/>
-            <a:ext cx="2038649" cy="507831"/>
-          </a:xfrm>
-          <a:prstGeom prst="rect">
-            <a:avLst/>
-          </a:prstGeom>
-          <a:noFill/>
-        </p:spPr>
-        <p:txBody>
-          <a:bodyPr wrap="square" rtlCol="0">
-            <a:spAutoFit/>
-          </a:bodyPr>
-          <a:lstStyle/>
-          <a:p>
-            <a:r>
-              <a:rPr lang="en-US" sz="900" dirty="0"/>
-              <a:t>Prometheus monitors URL counters – provides app histogram and throughput; auto-discovery new pods</a:t>
-            </a:r>
-          </a:p>
-        </p:txBody>
-      </p:sp>
-      <p:sp>
-        <p:nvSpPr>
-          <p:cNvPr id="127" name="TextBox 126">
-            <a:extLst>
-              <a:ext uri="{FF2B5EF4-FFF2-40B4-BE49-F238E27FC236}">
-                <a16:creationId xmlns:a16="http://schemas.microsoft.com/office/drawing/2014/main" id="{E7757629-5557-B346-87B5-FCE844306E75}"/>
-              </a:ext>
-            </a:extLst>
-          </p:cNvPr>
-          <p:cNvSpPr txBox="1"/>
-          <p:nvPr/>
-        </p:nvSpPr>
-        <p:spPr>
-          <a:xfrm rot="2572650">
-            <a:off x="7161565" y="803854"/>
-            <a:ext cx="2182527" cy="507831"/>
-          </a:xfrm>
-          <a:prstGeom prst="rect">
-            <a:avLst/>
-          </a:prstGeom>
-          <a:noFill/>
-        </p:spPr>
-        <p:txBody>
-          <a:bodyPr wrap="square" rtlCol="0">
-            <a:spAutoFit/>
-          </a:bodyPr>
-          <a:lstStyle/>
-          <a:p>
-            <a:r>
-              <a:rPr lang="en-US" sz="900" dirty="0"/>
-              <a:t>Proxy intercepts and forwards all http requests to the app, counting how many times they occur</a:t>
-            </a:r>
-          </a:p>
-        </p:txBody>
-      </p:sp>
-      <p:sp>
-        <p:nvSpPr>
-          <p:cNvPr id="144" name="TextBox 143">
-            <a:extLst>
-              <a:ext uri="{FF2B5EF4-FFF2-40B4-BE49-F238E27FC236}">
-                <a16:creationId xmlns:a16="http://schemas.microsoft.com/office/drawing/2014/main" id="{EA02A99B-1EDE-C44E-ADDB-540B8BC24ED2}"/>
-              </a:ext>
-            </a:extLst>
-          </p:cNvPr>
-          <p:cNvSpPr txBox="1"/>
-          <p:nvPr/>
-        </p:nvSpPr>
-        <p:spPr>
-          <a:xfrm>
-            <a:off x="9697507" y="4472494"/>
-            <a:ext cx="2069011" cy="369332"/>
-          </a:xfrm>
-          <a:prstGeom prst="rect">
-            <a:avLst/>
-          </a:prstGeom>
-          <a:noFill/>
-          <a:ln>
-            <a:solidFill>
-              <a:schemeClr val="accent1"/>
-            </a:solidFill>
-          </a:ln>
-        </p:spPr>
-        <p:txBody>
-          <a:bodyPr wrap="square" rtlCol="0">
-            <a:spAutoFit/>
-          </a:bodyPr>
-          <a:lstStyle/>
-          <a:p>
-            <a:r>
-              <a:rPr lang="en-US" sz="900" dirty="0"/>
-              <a:t>samples a new config and checks app’s perf (throughput) after T time-units</a:t>
-            </a:r>
-          </a:p>
-        </p:txBody>
-      </p:sp>
-      <p:sp>
-        <p:nvSpPr>
-          <p:cNvPr id="145" name="TextBox 144">
-            <a:extLst>
-              <a:ext uri="{FF2B5EF4-FFF2-40B4-BE49-F238E27FC236}">
-                <a16:creationId xmlns:a16="http://schemas.microsoft.com/office/drawing/2014/main" id="{18EAD982-1C74-C441-875B-5F84766D730A}"/>
-              </a:ext>
-            </a:extLst>
-          </p:cNvPr>
-          <p:cNvSpPr txBox="1"/>
-          <p:nvPr/>
-        </p:nvSpPr>
-        <p:spPr>
-          <a:xfrm rot="4588890">
-            <a:off x="10246853" y="3291851"/>
-            <a:ext cx="1198080" cy="369332"/>
-          </a:xfrm>
-          <a:prstGeom prst="rect">
-            <a:avLst/>
-          </a:prstGeom>
-          <a:noFill/>
-        </p:spPr>
-        <p:txBody>
-          <a:bodyPr wrap="square" rtlCol="0">
-            <a:spAutoFit/>
-          </a:bodyPr>
-          <a:lstStyle/>
-          <a:p>
-            <a:r>
-              <a:rPr lang="en-US" sz="900" dirty="0"/>
-              <a:t>sample workloads and classify them</a:t>
-            </a:r>
-          </a:p>
-        </p:txBody>
-      </p:sp>
-      <p:sp>
-        <p:nvSpPr>
-          <p:cNvPr id="155" name="TextBox 154">
-            <a:extLst>
-              <a:ext uri="{FF2B5EF4-FFF2-40B4-BE49-F238E27FC236}">
-                <a16:creationId xmlns:a16="http://schemas.microsoft.com/office/drawing/2014/main" id="{32CF4AF2-7AE2-2245-9295-0AED9FDE1A19}"/>
-              </a:ext>
-            </a:extLst>
-          </p:cNvPr>
-          <p:cNvSpPr txBox="1"/>
-          <p:nvPr/>
-        </p:nvSpPr>
-        <p:spPr>
-          <a:xfrm>
-            <a:off x="8752754" y="6473384"/>
-            <a:ext cx="2358740" cy="369332"/>
-          </a:xfrm>
-          <a:prstGeom prst="rect">
-            <a:avLst/>
-          </a:prstGeom>
-          <a:noFill/>
-          <a:ln>
-            <a:solidFill>
-              <a:schemeClr val="tx1"/>
-            </a:solidFill>
-          </a:ln>
-        </p:spPr>
-        <p:txBody>
-          <a:bodyPr wrap="square" rtlCol="0">
-            <a:spAutoFit/>
-          </a:bodyPr>
-          <a:lstStyle/>
-          <a:p>
-            <a:r>
-              <a:rPr lang="en-US" sz="900" dirty="0"/>
-              <a:t>Tuning matches the current configuration with its respective workload and performance</a:t>
-            </a:r>
-          </a:p>
-        </p:txBody>
-      </p:sp>
-      <p:sp>
-        <p:nvSpPr>
-          <p:cNvPr id="79" name="Freeform 78">
-            <a:extLst>
-              <a:ext uri="{FF2B5EF4-FFF2-40B4-BE49-F238E27FC236}">
-                <a16:creationId xmlns:a16="http://schemas.microsoft.com/office/drawing/2014/main" id="{105BEE1A-ECF8-694F-B6E0-604122656C5A}"/>
-              </a:ext>
-            </a:extLst>
-          </p:cNvPr>
-          <p:cNvSpPr/>
-          <p:nvPr/>
-        </p:nvSpPr>
-        <p:spPr>
-          <a:xfrm>
-            <a:off x="11026120" y="4676502"/>
-            <a:ext cx="401145" cy="1835907"/>
-          </a:xfrm>
-          <a:custGeom>
-            <a:avLst/>
-            <a:gdLst>
-              <a:gd name="connsiteX0" fmla="*/ 0 w 406020"/>
-              <a:gd name="connsiteY0" fmla="*/ 0 h 1663337"/>
-              <a:gd name="connsiteX1" fmla="*/ 391886 w 406020"/>
-              <a:gd name="connsiteY1" fmla="*/ 269965 h 1663337"/>
-              <a:gd name="connsiteX2" fmla="*/ 322217 w 406020"/>
-              <a:gd name="connsiteY2" fmla="*/ 740228 h 1663337"/>
-              <a:gd name="connsiteX3" fmla="*/ 348343 w 406020"/>
-              <a:gd name="connsiteY3" fmla="*/ 1349828 h 1663337"/>
-              <a:gd name="connsiteX4" fmla="*/ 191589 w 406020"/>
-              <a:gd name="connsiteY4" fmla="*/ 1663337 h 1663337"/>
-              <a:gd name="connsiteX0" fmla="*/ 0 w 257966"/>
-              <a:gd name="connsiteY0" fmla="*/ 0 h 1763732"/>
-              <a:gd name="connsiteX1" fmla="*/ 251880 w 257966"/>
-              <a:gd name="connsiteY1" fmla="*/ 370360 h 1763732"/>
-              <a:gd name="connsiteX2" fmla="*/ 182211 w 257966"/>
-              <a:gd name="connsiteY2" fmla="*/ 840623 h 1763732"/>
-              <a:gd name="connsiteX3" fmla="*/ 208337 w 257966"/>
-              <a:gd name="connsiteY3" fmla="*/ 1450223 h 1763732"/>
-              <a:gd name="connsiteX4" fmla="*/ 51583 w 257966"/>
-              <a:gd name="connsiteY4" fmla="*/ 1763732 h 1763732"/>
-            </a:gdLst>
-            <a:ahLst/>
-            <a:cxnLst>
-              <a:cxn ang="0">
-                <a:pos x="connsiteX0" y="connsiteY0"/>
-              </a:cxn>
-              <a:cxn ang="0">
-                <a:pos x="connsiteX1" y="connsiteY1"/>
-              </a:cxn>
-              <a:cxn ang="0">
-                <a:pos x="connsiteX2" y="connsiteY2"/>
-              </a:cxn>
-              <a:cxn ang="0">
-                <a:pos x="connsiteX3" y="connsiteY3"/>
-              </a:cxn>
-              <a:cxn ang="0">
-                <a:pos x="connsiteX4" y="connsiteY4"/>
-              </a:cxn>
-            </a:cxnLst>
-            <a:rect l="l" t="t" r="r" b="b"/>
-            <a:pathLst>
-              <a:path w="257966" h="1763732">
-                <a:moveTo>
-                  <a:pt x="0" y="0"/>
-                </a:moveTo>
-                <a:cubicBezTo>
-                  <a:pt x="169091" y="73297"/>
-                  <a:pt x="221512" y="230256"/>
-                  <a:pt x="251880" y="370360"/>
-                </a:cubicBezTo>
-                <a:cubicBezTo>
-                  <a:pt x="282248" y="510464"/>
-                  <a:pt x="189468" y="660646"/>
-                  <a:pt x="182211" y="840623"/>
-                </a:cubicBezTo>
-                <a:cubicBezTo>
-                  <a:pt x="174954" y="1020600"/>
-                  <a:pt x="230108" y="1296371"/>
-                  <a:pt x="208337" y="1450223"/>
-                </a:cubicBezTo>
-                <a:cubicBezTo>
-                  <a:pt x="186566" y="1604075"/>
-                  <a:pt x="119074" y="1683903"/>
-                  <a:pt x="51583" y="1763732"/>
-                </a:cubicBezTo>
-              </a:path>
-            </a:pathLst>
-          </a:custGeom>
-          <a:noFill/>
-        </p:spPr>
-        <p:style>
-          <a:lnRef idx="2">
-            <a:schemeClr val="accent1">
-              <a:shade val="50000"/>
-            </a:schemeClr>
-          </a:lnRef>
-          <a:fillRef idx="1">
-            <a:schemeClr val="accent1"/>
-          </a:fillRef>
-          <a:effectRef idx="0">
-            <a:schemeClr val="accent1"/>
-          </a:effectRef>
-          <a:fontRef idx="minor">
-            <a:schemeClr val="lt1"/>
-          </a:fontRef>
-        </p:style>
-        <p:txBody>
-          <a:bodyPr rtlCol="0" anchor="ctr"/>
-          <a:lstStyle/>
-          <a:p>
-            <a:pPr algn="ctr"/>
             <a:endParaRPr lang="en-US" dirty="0"/>
           </a:p>
         </p:txBody>
       </p:sp>
-      <p:sp>
-        <p:nvSpPr>
-          <p:cNvPr id="159" name="TextBox 158">
-            <a:extLst>
-              <a:ext uri="{FF2B5EF4-FFF2-40B4-BE49-F238E27FC236}">
-                <a16:creationId xmlns:a16="http://schemas.microsoft.com/office/drawing/2014/main" id="{68B6DFDC-F239-E34C-8ECE-C4C079F10B16}"/>
-              </a:ext>
-            </a:extLst>
-          </p:cNvPr>
-          <p:cNvSpPr txBox="1"/>
-          <p:nvPr/>
-        </p:nvSpPr>
-        <p:spPr>
-          <a:xfrm>
-            <a:off x="-32154" y="4318942"/>
-            <a:ext cx="1664212" cy="369332"/>
-          </a:xfrm>
-          <a:prstGeom prst="rect">
-            <a:avLst/>
-          </a:prstGeom>
-          <a:noFill/>
-        </p:spPr>
-        <p:txBody>
-          <a:bodyPr wrap="square" rtlCol="0">
-            <a:spAutoFit/>
-          </a:bodyPr>
-          <a:lstStyle/>
-          <a:p>
-            <a:r>
-              <a:rPr lang="en-US" sz="900" dirty="0"/>
-              <a:t>Pod updates its state (config) when reloading</a:t>
-            </a:r>
-          </a:p>
-        </p:txBody>
-      </p:sp>
-      <p:cxnSp>
-        <p:nvCxnSpPr>
-          <p:cNvPr id="20" name="Straight Connector 19">
-            <a:extLst>
-              <a:ext uri="{FF2B5EF4-FFF2-40B4-BE49-F238E27FC236}">
-                <a16:creationId xmlns:a16="http://schemas.microsoft.com/office/drawing/2014/main" id="{0D3137ED-4144-A844-9EF5-293F51C9642F}"/>
-              </a:ext>
-            </a:extLst>
-          </p:cNvPr>
-          <p:cNvCxnSpPr>
-            <a:stCxn id="144" idx="2"/>
-            <a:endCxn id="16" idx="4"/>
-          </p:cNvCxnSpPr>
-          <p:nvPr/>
-        </p:nvCxnSpPr>
-        <p:spPr>
-          <a:xfrm flipH="1">
-            <a:off x="10291351" y="4841826"/>
-            <a:ext cx="440662" cy="296621"/>
-          </a:xfrm>
-          <a:prstGeom prst="line">
-            <a:avLst/>
-          </a:prstGeom>
-          <a:ln w="28575"/>
-        </p:spPr>
-        <p:style>
-          <a:lnRef idx="1">
-            <a:schemeClr val="accent1"/>
-          </a:lnRef>
-          <a:fillRef idx="0">
-            <a:schemeClr val="accent1"/>
-          </a:fillRef>
-          <a:effectRef idx="0">
-            <a:schemeClr val="accent1"/>
-          </a:effectRef>
-          <a:fontRef idx="minor">
-            <a:schemeClr val="tx1"/>
-          </a:fontRef>
-        </p:style>
-      </p:cxnSp>
       <p:grpSp>
         <p:nvGrpSpPr>
           <p:cNvPr id="49" name="Group 48">
@@ -6071,7 +5343,7 @@
         </p:nvGrpSpPr>
         <p:grpSpPr>
           <a:xfrm>
-            <a:off x="5619656" y="4078244"/>
+            <a:off x="9124383" y="3450054"/>
             <a:ext cx="994172" cy="815906"/>
             <a:chOff x="7451634" y="809897"/>
             <a:chExt cx="1262743" cy="1036320"/>
@@ -6156,10 +5428,10 @@
             <p:nvPr/>
           </p:nvPicPr>
           <p:blipFill>
-            <a:blip r:embed="rId3">
+            <a:blip r:embed="rId4">
               <a:extLst>
                 <a:ext uri="{96DAC541-7B7A-43D3-8B79-37D633B846F1}">
-                  <asvg:svgBlip xmlns:asvg="http://schemas.microsoft.com/office/drawing/2016/SVG/main" r:embed="rId4"/>
+                  <asvg:svgBlip xmlns:asvg="http://schemas.microsoft.com/office/drawing/2016/SVG/main" r:embed="rId5"/>
                 </a:ext>
               </a:extLst>
             </a:blip>
@@ -6201,7 +5473,7 @@
         </p:nvSpPr>
         <p:spPr>
           <a:xfrm>
-            <a:off x="1679310" y="1849120"/>
+            <a:off x="1516430" y="1399180"/>
             <a:ext cx="2152097" cy="1901241"/>
           </a:xfrm>
           <a:prstGeom prst="roundRect">
@@ -6245,7 +5517,7 @@
         </p:nvSpPr>
         <p:spPr>
           <a:xfrm>
-            <a:off x="1742893" y="2837696"/>
+            <a:off x="1580013" y="2387756"/>
             <a:ext cx="966652" cy="793321"/>
           </a:xfrm>
           <a:prstGeom prst="hexagon">
@@ -6292,7 +5564,7 @@
         </p:nvSpPr>
         <p:spPr>
           <a:xfrm>
-            <a:off x="2669798" y="2065298"/>
+            <a:off x="2506918" y="1615358"/>
             <a:ext cx="966652" cy="793321"/>
           </a:xfrm>
           <a:prstGeom prst="hexagon">
@@ -6339,8 +5611,8 @@
         </p:nvSpPr>
         <p:spPr>
           <a:xfrm>
-            <a:off x="4234677" y="2973590"/>
-            <a:ext cx="673715" cy="812506"/>
+            <a:off x="2531590" y="3025942"/>
+            <a:ext cx="615771" cy="742625"/>
           </a:xfrm>
           <a:prstGeom prst="foldedCorner">
             <a:avLst/>
@@ -6368,63 +5640,19 @@
           <a:p>
             <a:pPr algn="ctr"/>
             <a:r>
-              <a:rPr lang="en-US" sz="1200" dirty="0"/>
+              <a:rPr lang="en-US" sz="1100" dirty="0"/>
               <a:t>Config</a:t>
             </a:r>
           </a:p>
           <a:p>
             <a:pPr algn="ctr"/>
             <a:r>
-              <a:rPr lang="en-US" sz="1200" dirty="0"/>
+              <a:rPr lang="en-US" sz="1100" dirty="0"/>
               <a:t>map</a:t>
             </a:r>
           </a:p>
         </p:txBody>
       </p:sp>
-      <p:cxnSp>
-        <p:nvCxnSpPr>
-          <p:cNvPr id="69" name="Straight Connector 68">
-            <a:extLst>
-              <a:ext uri="{FF2B5EF4-FFF2-40B4-BE49-F238E27FC236}">
-                <a16:creationId xmlns:a16="http://schemas.microsoft.com/office/drawing/2014/main" id="{5B4D8F2D-6AE5-A949-B679-C35F5AEBF5A4}"/>
-              </a:ext>
-            </a:extLst>
-          </p:cNvPr>
-          <p:cNvCxnSpPr>
-            <a:cxnSpLocks/>
-            <a:endCxn id="68" idx="1"/>
-          </p:cNvCxnSpPr>
-          <p:nvPr/>
-        </p:nvCxnSpPr>
-        <p:spPr>
-          <a:xfrm flipV="1">
-            <a:off x="3831407" y="3379843"/>
-            <a:ext cx="403270" cy="1"/>
-          </a:xfrm>
-          <a:prstGeom prst="line">
-            <a:avLst/>
-          </a:prstGeom>
-          <a:ln w="28575">
-            <a:solidFill>
-              <a:srgbClr val="FF0000"/>
-            </a:solidFill>
-          </a:ln>
-        </p:spPr>
-        <p:style>
-          <a:lnRef idx="1">
-            <a:schemeClr val="accent1"/>
-          </a:lnRef>
-          <a:fillRef idx="0">
-            <a:schemeClr val="accent1"/>
-          </a:fillRef>
-          <a:effectRef idx="0">
-            <a:schemeClr val="accent1"/>
-          </a:effectRef>
-          <a:fontRef idx="minor">
-            <a:schemeClr val="tx1"/>
-          </a:fontRef>
-        </p:style>
-      </p:cxnSp>
       <p:sp>
         <p:nvSpPr>
           <p:cNvPr id="70" name="TextBox 69">
@@ -6439,7 +5667,7 @@
         </p:nvSpPr>
         <p:spPr>
           <a:xfrm>
-            <a:off x="1721454" y="2084540"/>
+            <a:off x="1558574" y="1634600"/>
             <a:ext cx="988091" cy="523220"/>
           </a:xfrm>
           <a:prstGeom prst="rect">
@@ -6464,60 +5692,6 @@
             <a:r>
               <a:rPr lang="en-US" sz="1400" dirty="0"/>
               <a:t>Pod</a:t>
-            </a:r>
-          </a:p>
-        </p:txBody>
-      </p:sp>
-      <p:sp>
-        <p:nvSpPr>
-          <p:cNvPr id="71" name="Hexagon 70">
-            <a:extLst>
-              <a:ext uri="{FF2B5EF4-FFF2-40B4-BE49-F238E27FC236}">
-                <a16:creationId xmlns:a16="http://schemas.microsoft.com/office/drawing/2014/main" id="{8506892B-F98B-F047-8A07-18676D29167E}"/>
-              </a:ext>
-            </a:extLst>
-          </p:cNvPr>
-          <p:cNvSpPr/>
-          <p:nvPr/>
-        </p:nvSpPr>
-        <p:spPr>
-          <a:xfrm>
-            <a:off x="6817933" y="2936270"/>
-            <a:ext cx="1002037" cy="822361"/>
-          </a:xfrm>
-          <a:prstGeom prst="hexagon">
-            <a:avLst/>
-          </a:prstGeom>
-        </p:spPr>
-        <p:style>
-          <a:lnRef idx="3">
-            <a:schemeClr val="lt1"/>
-          </a:lnRef>
-          <a:fillRef idx="1">
-            <a:schemeClr val="accent2"/>
-          </a:fillRef>
-          <a:effectRef idx="1">
-            <a:schemeClr val="accent2"/>
-          </a:effectRef>
-          <a:fontRef idx="minor">
-            <a:schemeClr val="lt1"/>
-          </a:fontRef>
-        </p:style>
-        <p:txBody>
-          <a:bodyPr rtlCol="0" anchor="ctr"/>
-          <a:lstStyle/>
-          <a:p>
-            <a:pPr algn="ctr"/>
-            <a:r>
-              <a:rPr lang="en-US" sz="1400" dirty="0"/>
-              <a:t>Smart</a:t>
-            </a:r>
-          </a:p>
-          <a:p>
-            <a:pPr algn="ctr"/>
-            <a:r>
-              <a:rPr lang="en-US" sz="1400" dirty="0"/>
-              <a:t>Tuning</a:t>
             </a:r>
           </a:p>
         </p:txBody>
@@ -6538,7 +5712,7 @@
         </p:nvCxnSpPr>
         <p:spPr>
           <a:xfrm>
-            <a:off x="3636450" y="2461958"/>
+            <a:off x="3473570" y="2012018"/>
             <a:ext cx="396592" cy="0"/>
           </a:xfrm>
           <a:prstGeom prst="line">
@@ -6577,7 +5751,7 @@
         </p:nvCxnSpPr>
         <p:spPr>
           <a:xfrm flipV="1">
-            <a:off x="4037652" y="2230429"/>
+            <a:off x="3874772" y="1780489"/>
             <a:ext cx="0" cy="423391"/>
           </a:xfrm>
           <a:prstGeom prst="line">
@@ -6600,6 +5774,834 @@
           </a:fontRef>
         </p:style>
       </p:cxnSp>
+      <p:sp>
+        <p:nvSpPr>
+          <p:cNvPr id="60" name="TextBox 59">
+            <a:extLst>
+              <a:ext uri="{FF2B5EF4-FFF2-40B4-BE49-F238E27FC236}">
+                <a16:creationId xmlns:a16="http://schemas.microsoft.com/office/drawing/2014/main" id="{25FC46F2-2014-8F43-846D-A017D3165738}"/>
+              </a:ext>
+            </a:extLst>
+          </p:cNvPr>
+          <p:cNvSpPr txBox="1"/>
+          <p:nvPr/>
+        </p:nvSpPr>
+        <p:spPr>
+          <a:xfrm>
+            <a:off x="9097995" y="1932217"/>
+            <a:ext cx="1106457" cy="307777"/>
+          </a:xfrm>
+          <a:prstGeom prst="rect">
+            <a:avLst/>
+          </a:prstGeom>
+          <a:noFill/>
+        </p:spPr>
+        <p:txBody>
+          <a:bodyPr wrap="none" rtlCol="0">
+            <a:spAutoFit/>
+          </a:bodyPr>
+          <a:lstStyle/>
+          <a:p>
+            <a:r>
+              <a:rPr lang="en-US" sz="1400" dirty="0"/>
+              <a:t>SmartTuning</a:t>
+            </a:r>
+          </a:p>
+        </p:txBody>
+      </p:sp>
+      <p:grpSp>
+        <p:nvGrpSpPr>
+          <p:cNvPr id="5" name="Group 4">
+            <a:extLst>
+              <a:ext uri="{FF2B5EF4-FFF2-40B4-BE49-F238E27FC236}">
+                <a16:creationId xmlns:a16="http://schemas.microsoft.com/office/drawing/2014/main" id="{87D68B9A-1FA9-2F40-96FB-6233C3DC0684}"/>
+              </a:ext>
+            </a:extLst>
+          </p:cNvPr>
+          <p:cNvGrpSpPr/>
+          <p:nvPr/>
+        </p:nvGrpSpPr>
+        <p:grpSpPr>
+          <a:xfrm>
+            <a:off x="9175912" y="2403051"/>
+            <a:ext cx="994172" cy="820393"/>
+            <a:chOff x="5671185" y="3031241"/>
+            <a:chExt cx="994172" cy="820393"/>
+          </a:xfrm>
+        </p:grpSpPr>
+        <p:sp>
+          <p:nvSpPr>
+            <p:cNvPr id="59" name="Hexagon 58">
+              <a:extLst>
+                <a:ext uri="{FF2B5EF4-FFF2-40B4-BE49-F238E27FC236}">
+                  <a16:creationId xmlns:a16="http://schemas.microsoft.com/office/drawing/2014/main" id="{58212186-F961-3D44-A1D4-B182752EA6C5}"/>
+                </a:ext>
+              </a:extLst>
+            </p:cNvPr>
+            <p:cNvSpPr/>
+            <p:nvPr/>
+          </p:nvSpPr>
+          <p:spPr>
+            <a:xfrm>
+              <a:off x="5671185" y="3035728"/>
+              <a:ext cx="994172" cy="815906"/>
+            </a:xfrm>
+            <a:prstGeom prst="hexagon">
+              <a:avLst/>
+            </a:prstGeom>
+            <a:solidFill>
+              <a:srgbClr val="FFFFFF"/>
+            </a:solidFill>
+            <a:ln>
+              <a:solidFill>
+                <a:schemeClr val="tx1"/>
+              </a:solidFill>
+            </a:ln>
+          </p:spPr>
+          <p:style>
+            <a:lnRef idx="3">
+              <a:schemeClr val="lt1"/>
+            </a:lnRef>
+            <a:fillRef idx="1">
+              <a:schemeClr val="accent1"/>
+            </a:fillRef>
+            <a:effectRef idx="1">
+              <a:schemeClr val="accent1"/>
+            </a:effectRef>
+            <a:fontRef idx="minor">
+              <a:schemeClr val="lt1"/>
+            </a:fontRef>
+          </p:style>
+          <p:txBody>
+            <a:bodyPr tIns="0" bIns="0" rtlCol="0" anchor="b" anchorCtr="1"/>
+            <a:lstStyle/>
+            <a:p>
+              <a:pPr algn="ctr"/>
+              <a:r>
+                <a:rPr lang="en-US" sz="1100" dirty="0">
+                  <a:solidFill>
+                    <a:schemeClr val="tx1"/>
+                  </a:solidFill>
+                </a:rPr>
+                <a:t>Injector</a:t>
+              </a:r>
+              <a:endParaRPr lang="en-US" sz="1400" dirty="0">
+                <a:solidFill>
+                  <a:schemeClr val="tx1"/>
+                </a:solidFill>
+              </a:endParaRPr>
+            </a:p>
+          </p:txBody>
+        </p:sp>
+        <p:pic>
+          <p:nvPicPr>
+            <p:cNvPr id="3" name="Graphic 2" descr="Puzzle pieces">
+              <a:extLst>
+                <a:ext uri="{FF2B5EF4-FFF2-40B4-BE49-F238E27FC236}">
+                  <a16:creationId xmlns:a16="http://schemas.microsoft.com/office/drawing/2014/main" id="{613451D9-E90A-F947-9200-0B9A35E730E8}"/>
+                </a:ext>
+              </a:extLst>
+            </p:cNvPr>
+            <p:cNvPicPr>
+              <a:picLocks noChangeAspect="1"/>
+            </p:cNvPicPr>
+            <p:nvPr/>
+          </p:nvPicPr>
+          <p:blipFill>
+            <a:blip r:embed="rId6">
+              <a:extLst>
+                <a:ext uri="{96DAC541-7B7A-43D3-8B79-37D633B846F1}">
+                  <asvg:svgBlip xmlns:asvg="http://schemas.microsoft.com/office/drawing/2016/SVG/main" r:embed="rId7"/>
+                </a:ext>
+              </a:extLst>
+            </a:blip>
+            <a:stretch>
+              <a:fillRect/>
+            </a:stretch>
+          </p:blipFill>
+          <p:spPr>
+            <a:xfrm>
+              <a:off x="5906026" y="3031241"/>
+              <a:ext cx="502650" cy="502650"/>
+            </a:xfrm>
+            <a:prstGeom prst="rect">
+              <a:avLst/>
+            </a:prstGeom>
+          </p:spPr>
+        </p:pic>
+      </p:grpSp>
+      <p:grpSp>
+        <p:nvGrpSpPr>
+          <p:cNvPr id="13" name="Group 12">
+            <a:extLst>
+              <a:ext uri="{FF2B5EF4-FFF2-40B4-BE49-F238E27FC236}">
+                <a16:creationId xmlns:a16="http://schemas.microsoft.com/office/drawing/2014/main" id="{8BA3711A-BD2A-144F-B6E2-B969BED92AE7}"/>
+              </a:ext>
+            </a:extLst>
+          </p:cNvPr>
+          <p:cNvGrpSpPr/>
+          <p:nvPr/>
+        </p:nvGrpSpPr>
+        <p:grpSpPr>
+          <a:xfrm>
+            <a:off x="10091276" y="2916540"/>
+            <a:ext cx="994172" cy="815906"/>
+            <a:chOff x="6721891" y="3594467"/>
+            <a:chExt cx="994172" cy="815906"/>
+          </a:xfrm>
+        </p:grpSpPr>
+        <p:sp>
+          <p:nvSpPr>
+            <p:cNvPr id="63" name="Hexagon 62">
+              <a:extLst>
+                <a:ext uri="{FF2B5EF4-FFF2-40B4-BE49-F238E27FC236}">
+                  <a16:creationId xmlns:a16="http://schemas.microsoft.com/office/drawing/2014/main" id="{672A8B81-9146-3240-BAAF-CDB78CF65F98}"/>
+                </a:ext>
+              </a:extLst>
+            </p:cNvPr>
+            <p:cNvSpPr/>
+            <p:nvPr/>
+          </p:nvSpPr>
+          <p:spPr>
+            <a:xfrm>
+              <a:off x="6721891" y="3594467"/>
+              <a:ext cx="994172" cy="815906"/>
+            </a:xfrm>
+            <a:prstGeom prst="hexagon">
+              <a:avLst/>
+            </a:prstGeom>
+            <a:solidFill>
+              <a:srgbClr val="FFFFFF"/>
+            </a:solidFill>
+            <a:ln>
+              <a:solidFill>
+                <a:schemeClr val="tx1"/>
+              </a:solidFill>
+            </a:ln>
+          </p:spPr>
+          <p:style>
+            <a:lnRef idx="3">
+              <a:schemeClr val="lt1"/>
+            </a:lnRef>
+            <a:fillRef idx="1">
+              <a:schemeClr val="accent1"/>
+            </a:fillRef>
+            <a:effectRef idx="1">
+              <a:schemeClr val="accent1"/>
+            </a:effectRef>
+            <a:fontRef idx="minor">
+              <a:schemeClr val="lt1"/>
+            </a:fontRef>
+          </p:style>
+          <p:txBody>
+            <a:bodyPr tIns="0" bIns="0" rtlCol="0" anchor="b" anchorCtr="1"/>
+            <a:lstStyle/>
+            <a:p>
+              <a:pPr algn="ctr"/>
+              <a:r>
+                <a:rPr lang="en-US" sz="1100" dirty="0" err="1">
+                  <a:solidFill>
+                    <a:schemeClr val="tx1"/>
+                  </a:solidFill>
+                </a:rPr>
+                <a:t>Optimiz</a:t>
+              </a:r>
+              <a:r>
+                <a:rPr lang="en-US" sz="1100" dirty="0">
+                  <a:solidFill>
+                    <a:schemeClr val="tx1"/>
+                  </a:solidFill>
+                </a:rPr>
+                <a:t>.</a:t>
+              </a:r>
+              <a:endParaRPr lang="en-US" sz="1400" dirty="0">
+                <a:solidFill>
+                  <a:schemeClr val="tx1"/>
+                </a:solidFill>
+              </a:endParaRPr>
+            </a:p>
+          </p:txBody>
+        </p:sp>
+        <p:pic>
+          <p:nvPicPr>
+            <p:cNvPr id="9" name="Graphic 8" descr="Gauge">
+              <a:extLst>
+                <a:ext uri="{FF2B5EF4-FFF2-40B4-BE49-F238E27FC236}">
+                  <a16:creationId xmlns:a16="http://schemas.microsoft.com/office/drawing/2014/main" id="{84508ABC-5D54-4546-8AB3-FEFBD6388E13}"/>
+                </a:ext>
+              </a:extLst>
+            </p:cNvPr>
+            <p:cNvPicPr>
+              <a:picLocks noChangeAspect="1"/>
+            </p:cNvPicPr>
+            <p:nvPr/>
+          </p:nvPicPr>
+          <p:blipFill>
+            <a:blip r:embed="rId2">
+              <a:extLst>
+                <a:ext uri="{96DAC541-7B7A-43D3-8B79-37D633B846F1}">
+                  <asvg:svgBlip xmlns:asvg="http://schemas.microsoft.com/office/drawing/2016/SVG/main" r:embed="rId3"/>
+                </a:ext>
+              </a:extLst>
+            </a:blip>
+            <a:stretch>
+              <a:fillRect/>
+            </a:stretch>
+          </p:blipFill>
+          <p:spPr>
+            <a:xfrm>
+              <a:off x="6987895" y="3614266"/>
+              <a:ext cx="479983" cy="479983"/>
+            </a:xfrm>
+            <a:prstGeom prst="rect">
+              <a:avLst/>
+            </a:prstGeom>
+          </p:spPr>
+        </p:pic>
+      </p:grpSp>
+      <p:grpSp>
+        <p:nvGrpSpPr>
+          <p:cNvPr id="89" name="Group 88">
+            <a:extLst>
+              <a:ext uri="{FF2B5EF4-FFF2-40B4-BE49-F238E27FC236}">
+                <a16:creationId xmlns:a16="http://schemas.microsoft.com/office/drawing/2014/main" id="{E4DFEECC-05D7-5240-9BEF-42935F44D4A8}"/>
+              </a:ext>
+            </a:extLst>
+          </p:cNvPr>
+          <p:cNvGrpSpPr/>
+          <p:nvPr/>
+        </p:nvGrpSpPr>
+        <p:grpSpPr>
+          <a:xfrm>
+            <a:off x="10257862" y="1824539"/>
+            <a:ext cx="994172" cy="815906"/>
+            <a:chOff x="6721891" y="3594467"/>
+            <a:chExt cx="994172" cy="815906"/>
+          </a:xfrm>
+        </p:grpSpPr>
+        <p:sp>
+          <p:nvSpPr>
+            <p:cNvPr id="90" name="Hexagon 89">
+              <a:extLst>
+                <a:ext uri="{FF2B5EF4-FFF2-40B4-BE49-F238E27FC236}">
+                  <a16:creationId xmlns:a16="http://schemas.microsoft.com/office/drawing/2014/main" id="{6D73BCD6-7AB8-8A41-906A-FCC5B9B23894}"/>
+                </a:ext>
+              </a:extLst>
+            </p:cNvPr>
+            <p:cNvSpPr/>
+            <p:nvPr/>
+          </p:nvSpPr>
+          <p:spPr>
+            <a:xfrm>
+              <a:off x="6721891" y="3594467"/>
+              <a:ext cx="994172" cy="815906"/>
+            </a:xfrm>
+            <a:prstGeom prst="hexagon">
+              <a:avLst/>
+            </a:prstGeom>
+            <a:solidFill>
+              <a:srgbClr val="FFFFFF"/>
+            </a:solidFill>
+            <a:ln>
+              <a:solidFill>
+                <a:schemeClr val="tx1"/>
+              </a:solidFill>
+            </a:ln>
+          </p:spPr>
+          <p:style>
+            <a:lnRef idx="3">
+              <a:schemeClr val="lt1"/>
+            </a:lnRef>
+            <a:fillRef idx="1">
+              <a:schemeClr val="accent1"/>
+            </a:fillRef>
+            <a:effectRef idx="1">
+              <a:schemeClr val="accent1"/>
+            </a:effectRef>
+            <a:fontRef idx="minor">
+              <a:schemeClr val="lt1"/>
+            </a:fontRef>
+          </p:style>
+          <p:txBody>
+            <a:bodyPr tIns="0" bIns="0" rtlCol="0" anchor="b" anchorCtr="1"/>
+            <a:lstStyle/>
+            <a:p>
+              <a:pPr algn="ctr"/>
+              <a:r>
+                <a:rPr lang="en-US" sz="1100" dirty="0">
+                  <a:solidFill>
+                    <a:schemeClr val="tx1"/>
+                  </a:solidFill>
+                </a:rPr>
+                <a:t>uServ-1</a:t>
+              </a:r>
+              <a:endParaRPr lang="en-US" sz="1400" dirty="0">
+                <a:solidFill>
+                  <a:schemeClr val="tx1"/>
+                </a:solidFill>
+              </a:endParaRPr>
+            </a:p>
+          </p:txBody>
+        </p:sp>
+        <p:pic>
+          <p:nvPicPr>
+            <p:cNvPr id="91" name="Graphic 90" descr="Gauge">
+              <a:extLst>
+                <a:ext uri="{FF2B5EF4-FFF2-40B4-BE49-F238E27FC236}">
+                  <a16:creationId xmlns:a16="http://schemas.microsoft.com/office/drawing/2014/main" id="{9A3D1169-B58D-9144-9FC0-E5DB13284BFA}"/>
+                </a:ext>
+              </a:extLst>
+            </p:cNvPr>
+            <p:cNvPicPr>
+              <a:picLocks noChangeAspect="1"/>
+            </p:cNvPicPr>
+            <p:nvPr/>
+          </p:nvPicPr>
+          <p:blipFill>
+            <a:blip r:embed="rId2">
+              <a:extLst>
+                <a:ext uri="{96DAC541-7B7A-43D3-8B79-37D633B846F1}">
+                  <asvg:svgBlip xmlns:asvg="http://schemas.microsoft.com/office/drawing/2016/SVG/main" r:embed="rId3"/>
+                </a:ext>
+              </a:extLst>
+            </a:blip>
+            <a:stretch>
+              <a:fillRect/>
+            </a:stretch>
+          </p:blipFill>
+          <p:spPr>
+            <a:xfrm>
+              <a:off x="6987895" y="3614266"/>
+              <a:ext cx="479983" cy="479983"/>
+            </a:xfrm>
+            <a:prstGeom prst="rect">
+              <a:avLst/>
+            </a:prstGeom>
+          </p:spPr>
+        </p:pic>
+      </p:grpSp>
+      <p:grpSp>
+        <p:nvGrpSpPr>
+          <p:cNvPr id="78" name="Group 77">
+            <a:extLst>
+              <a:ext uri="{FF2B5EF4-FFF2-40B4-BE49-F238E27FC236}">
+                <a16:creationId xmlns:a16="http://schemas.microsoft.com/office/drawing/2014/main" id="{DFC07634-1D70-2F46-A6B3-44ECCD04D760}"/>
+              </a:ext>
+            </a:extLst>
+          </p:cNvPr>
+          <p:cNvGrpSpPr/>
+          <p:nvPr/>
+        </p:nvGrpSpPr>
+        <p:grpSpPr>
+          <a:xfrm>
+            <a:off x="10100185" y="1955489"/>
+            <a:ext cx="994172" cy="815906"/>
+            <a:chOff x="6721891" y="3594467"/>
+            <a:chExt cx="994172" cy="815906"/>
+          </a:xfrm>
+        </p:grpSpPr>
+        <p:sp>
+          <p:nvSpPr>
+            <p:cNvPr id="80" name="Hexagon 79">
+              <a:extLst>
+                <a:ext uri="{FF2B5EF4-FFF2-40B4-BE49-F238E27FC236}">
+                  <a16:creationId xmlns:a16="http://schemas.microsoft.com/office/drawing/2014/main" id="{E6929B33-D016-2649-B715-60642EC3BDA4}"/>
+                </a:ext>
+              </a:extLst>
+            </p:cNvPr>
+            <p:cNvSpPr/>
+            <p:nvPr/>
+          </p:nvSpPr>
+          <p:spPr>
+            <a:xfrm>
+              <a:off x="6721891" y="3594467"/>
+              <a:ext cx="994172" cy="815906"/>
+            </a:xfrm>
+            <a:prstGeom prst="hexagon">
+              <a:avLst/>
+            </a:prstGeom>
+            <a:solidFill>
+              <a:srgbClr val="FFFFFF"/>
+            </a:solidFill>
+            <a:ln>
+              <a:solidFill>
+                <a:schemeClr val="tx1"/>
+              </a:solidFill>
+            </a:ln>
+          </p:spPr>
+          <p:style>
+            <a:lnRef idx="3">
+              <a:schemeClr val="lt1"/>
+            </a:lnRef>
+            <a:fillRef idx="1">
+              <a:schemeClr val="accent1"/>
+            </a:fillRef>
+            <a:effectRef idx="1">
+              <a:schemeClr val="accent1"/>
+            </a:effectRef>
+            <a:fontRef idx="minor">
+              <a:schemeClr val="lt1"/>
+            </a:fontRef>
+          </p:style>
+          <p:txBody>
+            <a:bodyPr tIns="0" bIns="0" rtlCol="0" anchor="b" anchorCtr="1"/>
+            <a:lstStyle/>
+            <a:p>
+              <a:pPr algn="ctr"/>
+              <a:r>
+                <a:rPr lang="en-US" sz="1100" dirty="0">
+                  <a:solidFill>
+                    <a:schemeClr val="tx1"/>
+                  </a:solidFill>
+                </a:rPr>
+                <a:t>uServ-1</a:t>
+              </a:r>
+              <a:endParaRPr lang="en-US" sz="1400" dirty="0">
+                <a:solidFill>
+                  <a:schemeClr val="tx1"/>
+                </a:solidFill>
+              </a:endParaRPr>
+            </a:p>
+          </p:txBody>
+        </p:sp>
+        <p:pic>
+          <p:nvPicPr>
+            <p:cNvPr id="83" name="Graphic 82" descr="Gauge">
+              <a:extLst>
+                <a:ext uri="{FF2B5EF4-FFF2-40B4-BE49-F238E27FC236}">
+                  <a16:creationId xmlns:a16="http://schemas.microsoft.com/office/drawing/2014/main" id="{432EE9F4-AA43-2343-9B9C-E3C74AEC6DDC}"/>
+                </a:ext>
+              </a:extLst>
+            </p:cNvPr>
+            <p:cNvPicPr>
+              <a:picLocks noChangeAspect="1"/>
+            </p:cNvPicPr>
+            <p:nvPr/>
+          </p:nvPicPr>
+          <p:blipFill>
+            <a:blip r:embed="rId2">
+              <a:extLst>
+                <a:ext uri="{96DAC541-7B7A-43D3-8B79-37D633B846F1}">
+                  <asvg:svgBlip xmlns:asvg="http://schemas.microsoft.com/office/drawing/2016/SVG/main" r:embed="rId3"/>
+                </a:ext>
+              </a:extLst>
+            </a:blip>
+            <a:stretch>
+              <a:fillRect/>
+            </a:stretch>
+          </p:blipFill>
+          <p:spPr>
+            <a:xfrm>
+              <a:off x="6987895" y="3614266"/>
+              <a:ext cx="479983" cy="479983"/>
+            </a:xfrm>
+            <a:prstGeom prst="rect">
+              <a:avLst/>
+            </a:prstGeom>
+          </p:spPr>
+        </p:pic>
+      </p:grpSp>
+      <p:sp>
+        <p:nvSpPr>
+          <p:cNvPr id="4" name="Rounded Rectangle 3">
+            <a:extLst>
+              <a:ext uri="{FF2B5EF4-FFF2-40B4-BE49-F238E27FC236}">
+                <a16:creationId xmlns:a16="http://schemas.microsoft.com/office/drawing/2014/main" id="{5F97C001-C49E-8840-86A2-D1C7102A1272}"/>
+              </a:ext>
+            </a:extLst>
+          </p:cNvPr>
+          <p:cNvSpPr/>
+          <p:nvPr/>
+        </p:nvSpPr>
+        <p:spPr>
+          <a:xfrm>
+            <a:off x="440382" y="4155526"/>
+            <a:ext cx="2152097" cy="1901241"/>
+          </a:xfrm>
+          <a:prstGeom prst="roundRect">
+            <a:avLst/>
+          </a:prstGeom>
+        </p:spPr>
+        <p:style>
+          <a:lnRef idx="1">
+            <a:schemeClr val="accent3"/>
+          </a:lnRef>
+          <a:fillRef idx="2">
+            <a:schemeClr val="accent3"/>
+          </a:fillRef>
+          <a:effectRef idx="1">
+            <a:schemeClr val="accent3"/>
+          </a:effectRef>
+          <a:fontRef idx="minor">
+            <a:schemeClr val="dk1"/>
+          </a:fontRef>
+        </p:style>
+        <p:txBody>
+          <a:bodyPr rtlCol="0" anchor="ctr"/>
+          <a:lstStyle/>
+          <a:p>
+            <a:pPr algn="ctr"/>
+            <a:endParaRPr lang="en-US" dirty="0"/>
+          </a:p>
+        </p:txBody>
+      </p:sp>
+      <p:sp>
+        <p:nvSpPr>
+          <p:cNvPr id="6" name="Hexagon 5">
+            <a:extLst>
+              <a:ext uri="{FF2B5EF4-FFF2-40B4-BE49-F238E27FC236}">
+                <a16:creationId xmlns:a16="http://schemas.microsoft.com/office/drawing/2014/main" id="{D880FCDD-6DE3-EB4C-8A97-9D64689AEC50}"/>
+              </a:ext>
+            </a:extLst>
+          </p:cNvPr>
+          <p:cNvSpPr/>
+          <p:nvPr/>
+        </p:nvSpPr>
+        <p:spPr>
+          <a:xfrm>
+            <a:off x="503965" y="5144102"/>
+            <a:ext cx="966652" cy="793321"/>
+          </a:xfrm>
+          <a:prstGeom prst="hexagon">
+            <a:avLst/>
+          </a:prstGeom>
+        </p:spPr>
+        <p:style>
+          <a:lnRef idx="3">
+            <a:schemeClr val="lt1"/>
+          </a:lnRef>
+          <a:fillRef idx="1">
+            <a:schemeClr val="accent2"/>
+          </a:fillRef>
+          <a:effectRef idx="1">
+            <a:schemeClr val="accent2"/>
+          </a:effectRef>
+          <a:fontRef idx="minor">
+            <a:schemeClr val="lt1"/>
+          </a:fontRef>
+        </p:style>
+        <p:txBody>
+          <a:bodyPr rtlCol="0" anchor="ctr"/>
+          <a:lstStyle/>
+          <a:p>
+            <a:pPr algn="ctr"/>
+            <a:r>
+              <a:rPr lang="en-US" dirty="0"/>
+              <a:t>App</a:t>
+            </a:r>
+          </a:p>
+        </p:txBody>
+      </p:sp>
+      <p:sp>
+        <p:nvSpPr>
+          <p:cNvPr id="7" name="Hexagon 6">
+            <a:extLst>
+              <a:ext uri="{FF2B5EF4-FFF2-40B4-BE49-F238E27FC236}">
+                <a16:creationId xmlns:a16="http://schemas.microsoft.com/office/drawing/2014/main" id="{5F7F396E-DBDC-8F41-8D17-71054492499F}"/>
+              </a:ext>
+            </a:extLst>
+          </p:cNvPr>
+          <p:cNvSpPr/>
+          <p:nvPr/>
+        </p:nvSpPr>
+        <p:spPr>
+          <a:xfrm>
+            <a:off x="1430870" y="4371704"/>
+            <a:ext cx="966652" cy="793321"/>
+          </a:xfrm>
+          <a:prstGeom prst="hexagon">
+            <a:avLst/>
+          </a:prstGeom>
+        </p:spPr>
+        <p:style>
+          <a:lnRef idx="3">
+            <a:schemeClr val="lt1"/>
+          </a:lnRef>
+          <a:fillRef idx="1">
+            <a:schemeClr val="accent2"/>
+          </a:fillRef>
+          <a:effectRef idx="1">
+            <a:schemeClr val="accent2"/>
+          </a:effectRef>
+          <a:fontRef idx="minor">
+            <a:schemeClr val="lt1"/>
+          </a:fontRef>
+        </p:style>
+        <p:txBody>
+          <a:bodyPr rtlCol="0" anchor="ctr"/>
+          <a:lstStyle/>
+          <a:p>
+            <a:pPr algn="ctr"/>
+            <a:r>
+              <a:rPr lang="en-US" sz="1600" dirty="0"/>
+              <a:t>Proxy</a:t>
+            </a:r>
+          </a:p>
+        </p:txBody>
+      </p:sp>
+      <p:grpSp>
+        <p:nvGrpSpPr>
+          <p:cNvPr id="12" name="Group 11">
+            <a:extLst>
+              <a:ext uri="{FF2B5EF4-FFF2-40B4-BE49-F238E27FC236}">
+                <a16:creationId xmlns:a16="http://schemas.microsoft.com/office/drawing/2014/main" id="{1822E32B-1E00-9E40-80BD-9043EB90F021}"/>
+              </a:ext>
+            </a:extLst>
+          </p:cNvPr>
+          <p:cNvGrpSpPr/>
+          <p:nvPr/>
+        </p:nvGrpSpPr>
+        <p:grpSpPr>
+          <a:xfrm>
+            <a:off x="11003849" y="3416322"/>
+            <a:ext cx="994171" cy="815906"/>
+            <a:chOff x="7451634" y="809897"/>
+            <a:chExt cx="1262743" cy="1036320"/>
+          </a:xfrm>
+        </p:grpSpPr>
+        <p:sp>
+          <p:nvSpPr>
+            <p:cNvPr id="11" name="Hexagon 10">
+              <a:extLst>
+                <a:ext uri="{FF2B5EF4-FFF2-40B4-BE49-F238E27FC236}">
+                  <a16:creationId xmlns:a16="http://schemas.microsoft.com/office/drawing/2014/main" id="{E34A61D6-AB60-8A4C-8E65-64A2ECADE5DC}"/>
+                </a:ext>
+              </a:extLst>
+            </p:cNvPr>
+            <p:cNvSpPr/>
+            <p:nvPr/>
+          </p:nvSpPr>
+          <p:spPr>
+            <a:xfrm>
+              <a:off x="7451634" y="809897"/>
+              <a:ext cx="1262743" cy="1036320"/>
+            </a:xfrm>
+            <a:prstGeom prst="hexagon">
+              <a:avLst/>
+            </a:prstGeom>
+            <a:solidFill>
+              <a:srgbClr val="FFFFFF"/>
+            </a:solidFill>
+            <a:ln>
+              <a:solidFill>
+                <a:schemeClr val="tx1"/>
+              </a:solidFill>
+            </a:ln>
+          </p:spPr>
+          <p:style>
+            <a:lnRef idx="3">
+              <a:schemeClr val="lt1"/>
+            </a:lnRef>
+            <a:fillRef idx="1">
+              <a:schemeClr val="accent1"/>
+            </a:fillRef>
+            <a:effectRef idx="1">
+              <a:schemeClr val="accent1"/>
+            </a:effectRef>
+            <a:fontRef idx="minor">
+              <a:schemeClr val="lt1"/>
+            </a:fontRef>
+          </p:style>
+          <p:txBody>
+            <a:bodyPr rtlCol="0" anchor="ctr"/>
+            <a:lstStyle/>
+            <a:p>
+              <a:pPr algn="ctr"/>
+              <a:endParaRPr lang="en-US" dirty="0"/>
+            </a:p>
+          </p:txBody>
+        </p:sp>
+        <p:pic>
+          <p:nvPicPr>
+            <p:cNvPr id="1026" name="Picture 2" descr="Container monitoring system Prometheus gets a major update ...">
+              <a:extLst>
+                <a:ext uri="{FF2B5EF4-FFF2-40B4-BE49-F238E27FC236}">
+                  <a16:creationId xmlns:a16="http://schemas.microsoft.com/office/drawing/2014/main" id="{73791BC1-3FE9-8944-B9C4-1CD609401BC5}"/>
+                </a:ext>
+              </a:extLst>
+            </p:cNvPr>
+            <p:cNvPicPr>
+              <a:picLocks noChangeAspect="1" noChangeArrowheads="1"/>
+            </p:cNvPicPr>
+            <p:nvPr/>
+          </p:nvPicPr>
+          <p:blipFill>
+            <a:blip r:embed="rId8">
+              <a:extLst>
+                <a:ext uri="{28A0092B-C50C-407E-A947-70E740481C1C}">
+                  <a14:useLocalDpi xmlns:a14="http://schemas.microsoft.com/office/drawing/2010/main" val="0"/>
+                </a:ext>
+              </a:extLst>
+            </a:blip>
+            <a:srcRect/>
+            <a:stretch>
+              <a:fillRect/>
+            </a:stretch>
+          </p:blipFill>
+          <p:spPr bwMode="auto">
+            <a:xfrm>
+              <a:off x="7518399" y="982236"/>
+              <a:ext cx="1129212" cy="691642"/>
+            </a:xfrm>
+            <a:prstGeom prst="rect">
+              <a:avLst/>
+            </a:prstGeom>
+            <a:noFill/>
+            <a:extLst>
+              <a:ext uri="{909E8E84-426E-40DD-AFC4-6F175D3DCCD1}">
+                <a14:hiddenFill xmlns:a14="http://schemas.microsoft.com/office/drawing/2010/main">
+                  <a:solidFill>
+                    <a:srgbClr val="FFFFFF"/>
+                  </a:solidFill>
+                </a14:hiddenFill>
+              </a:ext>
+            </a:extLst>
+          </p:spPr>
+        </p:pic>
+      </p:grpSp>
+      <p:sp>
+        <p:nvSpPr>
+          <p:cNvPr id="1056" name="TextBox 1055">
+            <a:extLst>
+              <a:ext uri="{FF2B5EF4-FFF2-40B4-BE49-F238E27FC236}">
+                <a16:creationId xmlns:a16="http://schemas.microsoft.com/office/drawing/2014/main" id="{E45D379B-87A2-EB4D-9551-ECB0DFD5E09D}"/>
+              </a:ext>
+            </a:extLst>
+          </p:cNvPr>
+          <p:cNvSpPr txBox="1"/>
+          <p:nvPr/>
+        </p:nvSpPr>
+        <p:spPr>
+          <a:xfrm>
+            <a:off x="585125" y="4438283"/>
+            <a:ext cx="764568" cy="523220"/>
+          </a:xfrm>
+          <a:prstGeom prst="rect">
+            <a:avLst/>
+          </a:prstGeom>
+          <a:noFill/>
+        </p:spPr>
+        <p:txBody>
+          <a:bodyPr wrap="none" rtlCol="0">
+            <a:spAutoFit/>
+          </a:bodyPr>
+          <a:lstStyle/>
+          <a:p>
+            <a:pPr algn="ctr"/>
+            <a:r>
+              <a:rPr lang="en-US" sz="1400" dirty="0"/>
+              <a:t>Training</a:t>
+            </a:r>
+          </a:p>
+          <a:p>
+            <a:pPr algn="ctr"/>
+            <a:r>
+              <a:rPr lang="en-US" sz="1400" dirty="0"/>
+              <a:t>Pod</a:t>
+            </a:r>
+          </a:p>
+        </p:txBody>
+      </p:sp>
       <p:cxnSp>
         <p:nvCxnSpPr>
           <p:cNvPr id="81" name="Straight Connector 80">
@@ -6616,7 +6618,7 @@
         </p:nvCxnSpPr>
         <p:spPr>
           <a:xfrm>
-            <a:off x="3660724" y="4616132"/>
+            <a:off x="2397522" y="4768364"/>
             <a:ext cx="396592" cy="0"/>
           </a:xfrm>
           <a:prstGeom prst="line">
@@ -6655,7 +6657,7 @@
         </p:nvCxnSpPr>
         <p:spPr>
           <a:xfrm flipV="1">
-            <a:off x="4061926" y="4384603"/>
+            <a:off x="2798724" y="4536835"/>
             <a:ext cx="0" cy="423391"/>
           </a:xfrm>
           <a:prstGeom prst="line">
@@ -6680,10 +6682,10 @@
       </p:cxnSp>
       <p:sp>
         <p:nvSpPr>
-          <p:cNvPr id="40" name="Freeform 39">
+          <p:cNvPr id="73" name="Folded Corner 72">
             <a:extLst>
               <a:ext uri="{FF2B5EF4-FFF2-40B4-BE49-F238E27FC236}">
-                <a16:creationId xmlns:a16="http://schemas.microsoft.com/office/drawing/2014/main" id="{FA553B95-82BA-0743-BD8C-6A0E85EB4699}"/>
+                <a16:creationId xmlns:a16="http://schemas.microsoft.com/office/drawing/2014/main" id="{B5469526-6F33-B444-AE0F-22FE4A179770}"/>
               </a:ext>
             </a:extLst>
           </p:cNvPr>
@@ -6692,87 +6694,12 @@
         </p:nvSpPr>
         <p:spPr>
           <a:xfrm>
-            <a:off x="4050890" y="2399072"/>
-            <a:ext cx="1504336" cy="92062"/>
-          </a:xfrm>
-          <a:custGeom>
+            <a:off x="4827065" y="3812074"/>
+            <a:ext cx="615771" cy="742625"/>
+          </a:xfrm>
+          <a:prstGeom prst="foldedCorner">
             <a:avLst/>
-            <a:gdLst>
-              <a:gd name="connsiteX0" fmla="*/ 0 w 1504336"/>
-              <a:gd name="connsiteY0" fmla="*/ 550887 h 550887"/>
-              <a:gd name="connsiteX1" fmla="*/ 639097 w 1504336"/>
-              <a:gd name="connsiteY1" fmla="*/ 280 h 550887"/>
-              <a:gd name="connsiteX2" fmla="*/ 1504336 w 1504336"/>
-              <a:gd name="connsiteY2" fmla="*/ 491893 h 550887"/>
-              <a:gd name="connsiteX0" fmla="*/ 0 w 1504336"/>
-              <a:gd name="connsiteY0" fmla="*/ 257464 h 257464"/>
-              <a:gd name="connsiteX1" fmla="*/ 688258 w 1504336"/>
-              <a:gd name="connsiteY1" fmla="*/ 11657 h 257464"/>
-              <a:gd name="connsiteX2" fmla="*/ 1504336 w 1504336"/>
-              <a:gd name="connsiteY2" fmla="*/ 198470 h 257464"/>
-              <a:gd name="connsiteX0" fmla="*/ 0 w 1504336"/>
-              <a:gd name="connsiteY0" fmla="*/ 246024 h 246024"/>
-              <a:gd name="connsiteX1" fmla="*/ 688258 w 1504336"/>
-              <a:gd name="connsiteY1" fmla="*/ 217 h 246024"/>
-              <a:gd name="connsiteX2" fmla="*/ 1504336 w 1504336"/>
-              <a:gd name="connsiteY2" fmla="*/ 187030 h 246024"/>
-              <a:gd name="connsiteX0" fmla="*/ 0 w 1504336"/>
-              <a:gd name="connsiteY0" fmla="*/ 246024 h 246024"/>
-              <a:gd name="connsiteX1" fmla="*/ 688258 w 1504336"/>
-              <a:gd name="connsiteY1" fmla="*/ 217 h 246024"/>
-              <a:gd name="connsiteX2" fmla="*/ 1504336 w 1504336"/>
-              <a:gd name="connsiteY2" fmla="*/ 187030 h 246024"/>
-              <a:gd name="connsiteX0" fmla="*/ 0 w 1504336"/>
-              <a:gd name="connsiteY0" fmla="*/ 58994 h 98847"/>
-              <a:gd name="connsiteX1" fmla="*/ 953729 w 1504336"/>
-              <a:gd name="connsiteY1" fmla="*/ 98323 h 98847"/>
-              <a:gd name="connsiteX2" fmla="*/ 1504336 w 1504336"/>
-              <a:gd name="connsiteY2" fmla="*/ 0 h 98847"/>
-              <a:gd name="connsiteX0" fmla="*/ 0 w 1504336"/>
-              <a:gd name="connsiteY0" fmla="*/ 58994 h 58994"/>
-              <a:gd name="connsiteX1" fmla="*/ 1504336 w 1504336"/>
-              <a:gd name="connsiteY1" fmla="*/ 0 h 58994"/>
-              <a:gd name="connsiteX0" fmla="*/ 0 w 1504336"/>
-              <a:gd name="connsiteY0" fmla="*/ 58994 h 92062"/>
-              <a:gd name="connsiteX1" fmla="*/ 766916 w 1504336"/>
-              <a:gd name="connsiteY1" fmla="*/ 88489 h 92062"/>
-              <a:gd name="connsiteX2" fmla="*/ 1504336 w 1504336"/>
-              <a:gd name="connsiteY2" fmla="*/ 0 h 92062"/>
-            </a:gdLst>
-            <a:ahLst/>
-            <a:cxnLst>
-              <a:cxn ang="0">
-                <a:pos x="connsiteX0" y="connsiteY0"/>
-              </a:cxn>
-              <a:cxn ang="0">
-                <a:pos x="connsiteX1" y="connsiteY1"/>
-              </a:cxn>
-              <a:cxn ang="0">
-                <a:pos x="connsiteX2" y="connsiteY2"/>
-              </a:cxn>
-            </a:cxnLst>
-            <a:rect l="l" t="t" r="r" b="b"/>
-            <a:pathLst>
-              <a:path w="1504336" h="92062">
-                <a:moveTo>
-                  <a:pt x="0" y="58994"/>
-                </a:moveTo>
-                <a:cubicBezTo>
-                  <a:pt x="252361" y="39329"/>
-                  <a:pt x="514555" y="108154"/>
-                  <a:pt x="766916" y="88489"/>
-                </a:cubicBezTo>
-                <a:lnTo>
-                  <a:pt x="1504336" y="0"/>
-                </a:lnTo>
-              </a:path>
-            </a:pathLst>
-          </a:custGeom>
-          <a:noFill/>
-          <a:ln>
-            <a:headEnd type="none" w="med" len="med"/>
-            <a:tailEnd type="triangle" w="med" len="med"/>
-          </a:ln>
+          </a:prstGeom>
         </p:spPr>
         <p:style>
           <a:lnRef idx="2">
@@ -6795,16 +6722,26 @@
           <a:lstStyle/>
           <a:p>
             <a:pPr algn="ctr"/>
-            <a:endParaRPr lang="en-US" dirty="0"/>
-          </a:p>
-        </p:txBody>
-      </p:sp>
-      <p:sp>
-        <p:nvSpPr>
-          <p:cNvPr id="45" name="Freeform 44">
+            <a:r>
+              <a:rPr lang="en-US" sz="1100" dirty="0"/>
+              <a:t>Search</a:t>
+            </a:r>
+          </a:p>
+          <a:p>
+            <a:pPr algn="ctr"/>
+            <a:r>
+              <a:rPr lang="en-US" sz="1100" dirty="0"/>
+              <a:t>Space</a:t>
+            </a:r>
+          </a:p>
+        </p:txBody>
+      </p:sp>
+      <p:sp>
+        <p:nvSpPr>
+          <p:cNvPr id="75" name="Folded Corner 74">
             <a:extLst>
               <a:ext uri="{FF2B5EF4-FFF2-40B4-BE49-F238E27FC236}">
-                <a16:creationId xmlns:a16="http://schemas.microsoft.com/office/drawing/2014/main" id="{6E9C51D3-F25B-C646-86F4-8B945CD21C06}"/>
+                <a16:creationId xmlns:a16="http://schemas.microsoft.com/office/drawing/2014/main" id="{AD3E16F7-11EE-0042-8478-4886C562136E}"/>
               </a:ext>
             </a:extLst>
           </p:cNvPr>
@@ -6813,85 +6750,12 @@
         </p:nvSpPr>
         <p:spPr>
           <a:xfrm>
-            <a:off x="4070555" y="2467897"/>
-            <a:ext cx="1484671" cy="2153264"/>
-          </a:xfrm>
-          <a:custGeom>
+            <a:off x="1470617" y="5782288"/>
+            <a:ext cx="615771" cy="742625"/>
+          </a:xfrm>
+          <a:prstGeom prst="foldedCorner">
             <a:avLst/>
-            <a:gdLst>
-              <a:gd name="connsiteX0" fmla="*/ 0 w 1722836"/>
-              <a:gd name="connsiteY0" fmla="*/ 2153264 h 2153264"/>
-              <a:gd name="connsiteX1" fmla="*/ 1602658 w 1722836"/>
-              <a:gd name="connsiteY1" fmla="*/ 1327355 h 2153264"/>
-              <a:gd name="connsiteX2" fmla="*/ 1484671 w 1722836"/>
-              <a:gd name="connsiteY2" fmla="*/ 0 h 2153264"/>
-              <a:gd name="connsiteX0" fmla="*/ 0 w 1593338"/>
-              <a:gd name="connsiteY0" fmla="*/ 2153264 h 2153264"/>
-              <a:gd name="connsiteX1" fmla="*/ 1366684 w 1593338"/>
-              <a:gd name="connsiteY1" fmla="*/ 1140542 h 2153264"/>
-              <a:gd name="connsiteX2" fmla="*/ 1484671 w 1593338"/>
-              <a:gd name="connsiteY2" fmla="*/ 0 h 2153264"/>
-              <a:gd name="connsiteX0" fmla="*/ 0 w 1532504"/>
-              <a:gd name="connsiteY0" fmla="*/ 2153264 h 2153264"/>
-              <a:gd name="connsiteX1" fmla="*/ 1366684 w 1532504"/>
-              <a:gd name="connsiteY1" fmla="*/ 1140542 h 2153264"/>
-              <a:gd name="connsiteX2" fmla="*/ 1484671 w 1532504"/>
-              <a:gd name="connsiteY2" fmla="*/ 0 h 2153264"/>
-              <a:gd name="connsiteX0" fmla="*/ 0 w 1519836"/>
-              <a:gd name="connsiteY0" fmla="*/ 2153264 h 2153264"/>
-              <a:gd name="connsiteX1" fmla="*/ 1179871 w 1519836"/>
-              <a:gd name="connsiteY1" fmla="*/ 1042219 h 2153264"/>
-              <a:gd name="connsiteX2" fmla="*/ 1484671 w 1519836"/>
-              <a:gd name="connsiteY2" fmla="*/ 0 h 2153264"/>
-              <a:gd name="connsiteX0" fmla="*/ 0 w 1533805"/>
-              <a:gd name="connsiteY0" fmla="*/ 2153264 h 2153264"/>
-              <a:gd name="connsiteX1" fmla="*/ 1179871 w 1533805"/>
-              <a:gd name="connsiteY1" fmla="*/ 1042219 h 2153264"/>
-              <a:gd name="connsiteX2" fmla="*/ 1484671 w 1533805"/>
-              <a:gd name="connsiteY2" fmla="*/ 0 h 2153264"/>
-              <a:gd name="connsiteX0" fmla="*/ 0 w 1484671"/>
-              <a:gd name="connsiteY0" fmla="*/ 2153264 h 2153264"/>
-              <a:gd name="connsiteX1" fmla="*/ 1179871 w 1484671"/>
-              <a:gd name="connsiteY1" fmla="*/ 1042219 h 2153264"/>
-              <a:gd name="connsiteX2" fmla="*/ 1484671 w 1484671"/>
-              <a:gd name="connsiteY2" fmla="*/ 0 h 2153264"/>
-            </a:gdLst>
-            <a:ahLst/>
-            <a:cxnLst>
-              <a:cxn ang="0">
-                <a:pos x="connsiteX0" y="connsiteY0"/>
-              </a:cxn>
-              <a:cxn ang="0">
-                <a:pos x="connsiteX1" y="connsiteY1"/>
-              </a:cxn>
-              <a:cxn ang="0">
-                <a:pos x="connsiteX2" y="connsiteY2"/>
-              </a:cxn>
-            </a:cxnLst>
-            <a:rect l="l" t="t" r="r" b="b"/>
-            <a:pathLst>
-              <a:path w="1484671" h="2153264">
-                <a:moveTo>
-                  <a:pt x="0" y="2153264"/>
-                </a:moveTo>
-                <a:cubicBezTo>
-                  <a:pt x="677606" y="1919748"/>
-                  <a:pt x="1070077" y="1686231"/>
-                  <a:pt x="1179871" y="1042219"/>
-                </a:cubicBezTo>
-                <a:cubicBezTo>
-                  <a:pt x="1289665" y="398207"/>
-                  <a:pt x="1116781" y="248264"/>
-                  <a:pt x="1484671" y="0"/>
-                </a:cubicBezTo>
-              </a:path>
-            </a:pathLst>
-          </a:custGeom>
-          <a:noFill/>
-          <a:ln>
-            <a:headEnd type="none" w="med" len="med"/>
-            <a:tailEnd type="triangle" w="med" len="med"/>
-          </a:ln>
+          </a:prstGeom>
         </p:spPr>
         <p:style>
           <a:lnRef idx="2">
@@ -6914,16 +6778,26 @@
           <a:lstStyle/>
           <a:p>
             <a:pPr algn="ctr"/>
-            <a:endParaRPr lang="en-US"/>
-          </a:p>
-        </p:txBody>
-      </p:sp>
-      <p:sp>
-        <p:nvSpPr>
-          <p:cNvPr id="47" name="Freeform 46">
+            <a:r>
+              <a:rPr lang="en-US" sz="1100" dirty="0"/>
+              <a:t>Config</a:t>
+            </a:r>
+          </a:p>
+          <a:p>
+            <a:pPr algn="ctr"/>
+            <a:r>
+              <a:rPr lang="en-US" sz="1100" dirty="0"/>
+              <a:t>map</a:t>
+            </a:r>
+          </a:p>
+        </p:txBody>
+      </p:sp>
+      <p:sp>
+        <p:nvSpPr>
+          <p:cNvPr id="76" name="Folded Corner 75">
             <a:extLst>
               <a:ext uri="{FF2B5EF4-FFF2-40B4-BE49-F238E27FC236}">
-                <a16:creationId xmlns:a16="http://schemas.microsoft.com/office/drawing/2014/main" id="{31D40B56-AD49-ED4F-ACAC-5C9C76BF86C3}"/>
+                <a16:creationId xmlns:a16="http://schemas.microsoft.com/office/drawing/2014/main" id="{4C275A05-AFA4-4F46-8980-104729F0FFAF}"/>
               </a:ext>
             </a:extLst>
           </p:cNvPr>
@@ -6932,55 +6806,12 @@
         </p:nvSpPr>
         <p:spPr>
           <a:xfrm>
-            <a:off x="4925961" y="3342968"/>
-            <a:ext cx="806245" cy="816077"/>
-          </a:xfrm>
-          <a:custGeom>
+            <a:off x="5204639" y="4704356"/>
+            <a:ext cx="615771" cy="742625"/>
+          </a:xfrm>
+          <a:prstGeom prst="foldedCorner">
             <a:avLst/>
-            <a:gdLst>
-              <a:gd name="connsiteX0" fmla="*/ 0 w 806245"/>
-              <a:gd name="connsiteY0" fmla="*/ 0 h 816077"/>
-              <a:gd name="connsiteX1" fmla="*/ 540774 w 806245"/>
-              <a:gd name="connsiteY1" fmla="*/ 255638 h 816077"/>
-              <a:gd name="connsiteX2" fmla="*/ 806245 w 806245"/>
-              <a:gd name="connsiteY2" fmla="*/ 816077 h 816077"/>
-            </a:gdLst>
-            <a:ahLst/>
-            <a:cxnLst>
-              <a:cxn ang="0">
-                <a:pos x="connsiteX0" y="connsiteY0"/>
-              </a:cxn>
-              <a:cxn ang="0">
-                <a:pos x="connsiteX1" y="connsiteY1"/>
-              </a:cxn>
-              <a:cxn ang="0">
-                <a:pos x="connsiteX2" y="connsiteY2"/>
-              </a:cxn>
-            </a:cxnLst>
-            <a:rect l="l" t="t" r="r" b="b"/>
-            <a:pathLst>
-              <a:path w="806245" h="816077">
-                <a:moveTo>
-                  <a:pt x="0" y="0"/>
-                </a:moveTo>
-                <a:cubicBezTo>
-                  <a:pt x="203200" y="59812"/>
-                  <a:pt x="406400" y="119625"/>
-                  <a:pt x="540774" y="255638"/>
-                </a:cubicBezTo>
-                <a:cubicBezTo>
-                  <a:pt x="675148" y="391651"/>
-                  <a:pt x="740696" y="603864"/>
-                  <a:pt x="806245" y="816077"/>
-                </a:cubicBezTo>
-              </a:path>
-            </a:pathLst>
-          </a:custGeom>
-          <a:noFill/>
-          <a:ln>
-            <a:headEnd type="none" w="med" len="med"/>
-            <a:tailEnd type="triangle" w="med" len="med"/>
-          </a:ln>
+          </a:prstGeom>
         </p:spPr>
         <p:style>
           <a:lnRef idx="2">
@@ -7003,16 +6834,19 @@
           <a:lstStyle/>
           <a:p>
             <a:pPr algn="ctr"/>
-            <a:endParaRPr lang="en-US"/>
-          </a:p>
-        </p:txBody>
-      </p:sp>
-      <p:sp>
-        <p:nvSpPr>
-          <p:cNvPr id="48" name="Freeform 47">
+            <a:r>
+              <a:rPr lang="en-US" sz="1100" dirty="0"/>
+              <a:t>Deploy</a:t>
+            </a:r>
+          </a:p>
+        </p:txBody>
+      </p:sp>
+      <p:sp>
+        <p:nvSpPr>
+          <p:cNvPr id="77" name="Folded Corner 76">
             <a:extLst>
               <a:ext uri="{FF2B5EF4-FFF2-40B4-BE49-F238E27FC236}">
-                <a16:creationId xmlns:a16="http://schemas.microsoft.com/office/drawing/2014/main" id="{10421528-476E-5740-A990-EB149DFA9F6A}"/>
+                <a16:creationId xmlns:a16="http://schemas.microsoft.com/office/drawing/2014/main" id="{8DA14E1A-357A-984B-AAB0-C2F68C94CC6B}"/>
               </a:ext>
             </a:extLst>
           </p:cNvPr>
@@ -7021,55 +6855,12 @@
         </p:nvSpPr>
         <p:spPr>
           <a:xfrm>
-            <a:off x="4975123" y="4857135"/>
-            <a:ext cx="766916" cy="711075"/>
-          </a:xfrm>
-          <a:custGeom>
+            <a:off x="4455866" y="4704356"/>
+            <a:ext cx="615771" cy="742625"/>
+          </a:xfrm>
+          <a:prstGeom prst="foldedCorner">
             <a:avLst/>
-            <a:gdLst>
-              <a:gd name="connsiteX0" fmla="*/ 0 w 766916"/>
-              <a:gd name="connsiteY0" fmla="*/ 668594 h 711075"/>
-              <a:gd name="connsiteX1" fmla="*/ 452283 w 766916"/>
-              <a:gd name="connsiteY1" fmla="*/ 639097 h 711075"/>
-              <a:gd name="connsiteX2" fmla="*/ 766916 w 766916"/>
-              <a:gd name="connsiteY2" fmla="*/ 0 h 711075"/>
-            </a:gdLst>
-            <a:ahLst/>
-            <a:cxnLst>
-              <a:cxn ang="0">
-                <a:pos x="connsiteX0" y="connsiteY0"/>
-              </a:cxn>
-              <a:cxn ang="0">
-                <a:pos x="connsiteX1" y="connsiteY1"/>
-              </a:cxn>
-              <a:cxn ang="0">
-                <a:pos x="connsiteX2" y="connsiteY2"/>
-              </a:cxn>
-            </a:cxnLst>
-            <a:rect l="l" t="t" r="r" b="b"/>
-            <a:pathLst>
-              <a:path w="766916" h="711075">
-                <a:moveTo>
-                  <a:pt x="0" y="668594"/>
-                </a:moveTo>
-                <a:cubicBezTo>
-                  <a:pt x="162232" y="709561"/>
-                  <a:pt x="324464" y="750529"/>
-                  <a:pt x="452283" y="639097"/>
-                </a:cubicBezTo>
-                <a:cubicBezTo>
-                  <a:pt x="580102" y="527665"/>
-                  <a:pt x="673509" y="263832"/>
-                  <a:pt x="766916" y="0"/>
-                </a:cubicBezTo>
-              </a:path>
-            </a:pathLst>
-          </a:custGeom>
-          <a:noFill/>
-          <a:ln>
-            <a:headEnd type="none" w="med" len="med"/>
-            <a:tailEnd type="triangle" w="med" len="med"/>
-          </a:ln>
+          </a:prstGeom>
         </p:spPr>
         <p:style>
           <a:lnRef idx="2">
@@ -7092,16 +6883,1248 @@
           <a:lstStyle/>
           <a:p>
             <a:pPr algn="ctr"/>
-            <a:endParaRPr lang="en-US"/>
-          </a:p>
-        </p:txBody>
-      </p:sp>
-      <p:sp>
-        <p:nvSpPr>
-          <p:cNvPr id="53" name="Freeform 52">
+            <a:r>
+              <a:rPr lang="en-US" sz="1100" dirty="0"/>
+              <a:t>Config</a:t>
+            </a:r>
+          </a:p>
+          <a:p>
+            <a:pPr algn="ctr"/>
+            <a:r>
+              <a:rPr lang="en-US" sz="1100" dirty="0"/>
+              <a:t>map</a:t>
+            </a:r>
+          </a:p>
+        </p:txBody>
+      </p:sp>
+      <p:grpSp>
+        <p:nvGrpSpPr>
+          <p:cNvPr id="19" name="Group 18">
             <a:extLst>
               <a:ext uri="{FF2B5EF4-FFF2-40B4-BE49-F238E27FC236}">
-                <a16:creationId xmlns:a16="http://schemas.microsoft.com/office/drawing/2014/main" id="{24C7251D-B553-3B42-9A10-33500CCEFC8B}"/>
+                <a16:creationId xmlns:a16="http://schemas.microsoft.com/office/drawing/2014/main" id="{14E0D2DD-B2D9-0E42-9330-3C010388EFD8}"/>
+              </a:ext>
+            </a:extLst>
+          </p:cNvPr>
+          <p:cNvGrpSpPr/>
+          <p:nvPr/>
+        </p:nvGrpSpPr>
+        <p:grpSpPr>
+          <a:xfrm>
+            <a:off x="10069110" y="3891342"/>
+            <a:ext cx="994172" cy="815906"/>
+            <a:chOff x="10204452" y="3941079"/>
+            <a:chExt cx="994172" cy="815906"/>
+          </a:xfrm>
+        </p:grpSpPr>
+        <p:sp>
+          <p:nvSpPr>
+            <p:cNvPr id="100" name="Hexagon 99">
+              <a:extLst>
+                <a:ext uri="{FF2B5EF4-FFF2-40B4-BE49-F238E27FC236}">
+                  <a16:creationId xmlns:a16="http://schemas.microsoft.com/office/drawing/2014/main" id="{BD21FF0F-DAC1-E046-9E5A-82DC36228C6E}"/>
+                </a:ext>
+              </a:extLst>
+            </p:cNvPr>
+            <p:cNvSpPr/>
+            <p:nvPr/>
+          </p:nvSpPr>
+          <p:spPr>
+            <a:xfrm>
+              <a:off x="10204452" y="3941079"/>
+              <a:ext cx="994172" cy="815906"/>
+            </a:xfrm>
+            <a:prstGeom prst="hexagon">
+              <a:avLst/>
+            </a:prstGeom>
+            <a:solidFill>
+              <a:srgbClr val="FFFFFF"/>
+            </a:solidFill>
+            <a:ln>
+              <a:solidFill>
+                <a:schemeClr val="tx1"/>
+              </a:solidFill>
+            </a:ln>
+          </p:spPr>
+          <p:style>
+            <a:lnRef idx="3">
+              <a:schemeClr val="lt1"/>
+            </a:lnRef>
+            <a:fillRef idx="1">
+              <a:schemeClr val="accent1"/>
+            </a:fillRef>
+            <a:effectRef idx="1">
+              <a:schemeClr val="accent1"/>
+            </a:effectRef>
+            <a:fontRef idx="minor">
+              <a:schemeClr val="lt1"/>
+            </a:fontRef>
+          </p:style>
+          <p:txBody>
+            <a:bodyPr tIns="0" bIns="0" rtlCol="0" anchor="b" anchorCtr="1"/>
+            <a:lstStyle/>
+            <a:p>
+              <a:pPr algn="ctr"/>
+              <a:r>
+                <a:rPr lang="en-US" sz="1100" dirty="0">
+                  <a:solidFill>
+                    <a:schemeClr val="tx1"/>
+                  </a:solidFill>
+                </a:rPr>
+                <a:t>Sampler</a:t>
+              </a:r>
+              <a:endParaRPr lang="en-US" sz="1400" dirty="0">
+                <a:solidFill>
+                  <a:schemeClr val="tx1"/>
+                </a:solidFill>
+              </a:endParaRPr>
+            </a:p>
+          </p:txBody>
+        </p:sp>
+        <p:pic>
+          <p:nvPicPr>
+            <p:cNvPr id="18" name="Graphic 17" descr="Research">
+              <a:extLst>
+                <a:ext uri="{FF2B5EF4-FFF2-40B4-BE49-F238E27FC236}">
+                  <a16:creationId xmlns:a16="http://schemas.microsoft.com/office/drawing/2014/main" id="{04C40901-44B1-2544-B28F-FB78E7E4EF0D}"/>
+                </a:ext>
+              </a:extLst>
+            </p:cNvPr>
+            <p:cNvPicPr>
+              <a:picLocks noChangeAspect="1"/>
+            </p:cNvPicPr>
+            <p:nvPr/>
+          </p:nvPicPr>
+          <p:blipFill>
+            <a:blip r:embed="rId9">
+              <a:extLst>
+                <a:ext uri="{96DAC541-7B7A-43D3-8B79-37D633B846F1}">
+                  <asvg:svgBlip xmlns:asvg="http://schemas.microsoft.com/office/drawing/2016/SVG/main" r:embed="rId10"/>
+                </a:ext>
+              </a:extLst>
+            </a:blip>
+            <a:stretch>
+              <a:fillRect/>
+            </a:stretch>
+          </p:blipFill>
+          <p:spPr>
+            <a:xfrm>
+              <a:off x="10453187" y="3962338"/>
+              <a:ext cx="494972" cy="494972"/>
+            </a:xfrm>
+            <a:prstGeom prst="rect">
+              <a:avLst/>
+            </a:prstGeom>
+          </p:spPr>
+        </p:pic>
+      </p:grpSp>
+      <p:sp>
+        <p:nvSpPr>
+          <p:cNvPr id="22" name="TextBox 21">
+            <a:extLst>
+              <a:ext uri="{FF2B5EF4-FFF2-40B4-BE49-F238E27FC236}">
+                <a16:creationId xmlns:a16="http://schemas.microsoft.com/office/drawing/2014/main" id="{8887F5EC-8568-A74C-AC23-C91BC04C1B67}"/>
+              </a:ext>
+            </a:extLst>
+          </p:cNvPr>
+          <p:cNvSpPr txBox="1"/>
+          <p:nvPr/>
+        </p:nvSpPr>
+        <p:spPr>
+          <a:xfrm>
+            <a:off x="376543" y="332527"/>
+            <a:ext cx="3025828" cy="369332"/>
+          </a:xfrm>
+          <a:prstGeom prst="rect">
+            <a:avLst/>
+          </a:prstGeom>
+          <a:noFill/>
+        </p:spPr>
+        <p:txBody>
+          <a:bodyPr wrap="none" rtlCol="0">
+            <a:spAutoFit/>
+          </a:bodyPr>
+          <a:lstStyle/>
+          <a:p>
+            <a:r>
+              <a:rPr lang="en-US" dirty="0"/>
+              <a:t>Arch. V2 – Microservice-aware</a:t>
+            </a:r>
+          </a:p>
+        </p:txBody>
+      </p:sp>
+      <p:grpSp>
+        <p:nvGrpSpPr>
+          <p:cNvPr id="108" name="Group 107">
+            <a:extLst>
+              <a:ext uri="{FF2B5EF4-FFF2-40B4-BE49-F238E27FC236}">
+                <a16:creationId xmlns:a16="http://schemas.microsoft.com/office/drawing/2014/main" id="{F6AD378E-E7F2-ED4F-8654-EE47AE18BD73}"/>
+              </a:ext>
+            </a:extLst>
+          </p:cNvPr>
+          <p:cNvGrpSpPr/>
+          <p:nvPr/>
+        </p:nvGrpSpPr>
+        <p:grpSpPr>
+          <a:xfrm>
+            <a:off x="11026616" y="2502480"/>
+            <a:ext cx="994172" cy="815906"/>
+            <a:chOff x="9136843" y="3063833"/>
+            <a:chExt cx="994172" cy="815906"/>
+          </a:xfrm>
+        </p:grpSpPr>
+        <p:sp>
+          <p:nvSpPr>
+            <p:cNvPr id="109" name="Hexagon 108">
+              <a:extLst>
+                <a:ext uri="{FF2B5EF4-FFF2-40B4-BE49-F238E27FC236}">
+                  <a16:creationId xmlns:a16="http://schemas.microsoft.com/office/drawing/2014/main" id="{F1E0503C-5D09-7F48-BCD4-EF2843A66C3E}"/>
+                </a:ext>
+              </a:extLst>
+            </p:cNvPr>
+            <p:cNvSpPr/>
+            <p:nvPr/>
+          </p:nvSpPr>
+          <p:spPr>
+            <a:xfrm>
+              <a:off x="9136843" y="3063833"/>
+              <a:ext cx="994172" cy="815906"/>
+            </a:xfrm>
+            <a:prstGeom prst="hexagon">
+              <a:avLst/>
+            </a:prstGeom>
+            <a:solidFill>
+              <a:srgbClr val="FFFFFF"/>
+            </a:solidFill>
+            <a:ln>
+              <a:solidFill>
+                <a:schemeClr val="tx1"/>
+              </a:solidFill>
+            </a:ln>
+          </p:spPr>
+          <p:style>
+            <a:lnRef idx="3">
+              <a:schemeClr val="lt1"/>
+            </a:lnRef>
+            <a:fillRef idx="1">
+              <a:schemeClr val="accent1"/>
+            </a:fillRef>
+            <a:effectRef idx="1">
+              <a:schemeClr val="accent1"/>
+            </a:effectRef>
+            <a:fontRef idx="minor">
+              <a:schemeClr val="lt1"/>
+            </a:fontRef>
+          </p:style>
+          <p:txBody>
+            <a:bodyPr tIns="0" bIns="0" rtlCol="0" anchor="b" anchorCtr="1"/>
+            <a:lstStyle/>
+            <a:p>
+              <a:pPr algn="ctr"/>
+              <a:r>
+                <a:rPr lang="en-US" sz="1100" dirty="0">
+                  <a:solidFill>
+                    <a:schemeClr val="tx1"/>
+                  </a:solidFill>
+                </a:rPr>
+                <a:t>Classifier</a:t>
+              </a:r>
+              <a:endParaRPr lang="en-US" sz="1400" dirty="0">
+                <a:solidFill>
+                  <a:schemeClr val="tx1"/>
+                </a:solidFill>
+              </a:endParaRPr>
+            </a:p>
+          </p:txBody>
+        </p:sp>
+        <p:pic>
+          <p:nvPicPr>
+            <p:cNvPr id="110" name="Graphic 109" descr="Sport balls">
+              <a:extLst>
+                <a:ext uri="{FF2B5EF4-FFF2-40B4-BE49-F238E27FC236}">
+                  <a16:creationId xmlns:a16="http://schemas.microsoft.com/office/drawing/2014/main" id="{E941F634-DE09-9846-8EE6-7E7681229C13}"/>
+                </a:ext>
+              </a:extLst>
+            </p:cNvPr>
+            <p:cNvPicPr>
+              <a:picLocks noChangeAspect="1"/>
+            </p:cNvPicPr>
+            <p:nvPr/>
+          </p:nvPicPr>
+          <p:blipFill>
+            <a:blip r:embed="rId11">
+              <a:extLst>
+                <a:ext uri="{96DAC541-7B7A-43D3-8B79-37D633B846F1}">
+                  <asvg:svgBlip xmlns:asvg="http://schemas.microsoft.com/office/drawing/2016/SVG/main" r:embed="rId12"/>
+                </a:ext>
+              </a:extLst>
+            </a:blip>
+            <a:stretch>
+              <a:fillRect/>
+            </a:stretch>
+          </p:blipFill>
+          <p:spPr>
+            <a:xfrm>
+              <a:off x="9406004" y="3099124"/>
+              <a:ext cx="455850" cy="455850"/>
+            </a:xfrm>
+            <a:prstGeom prst="rect">
+              <a:avLst/>
+            </a:prstGeom>
+          </p:spPr>
+        </p:pic>
+      </p:grpSp>
+    </p:spTree>
+    <p:extLst>
+      <p:ext uri="{BB962C8B-B14F-4D97-AF65-F5344CB8AC3E}">
+        <p14:creationId xmlns:p14="http://schemas.microsoft.com/office/powerpoint/2010/main" val="3063124472"/>
+      </p:ext>
+    </p:extLst>
+  </p:cSld>
+  <p:clrMapOvr>
+    <a:masterClrMapping/>
+  </p:clrMapOvr>
+  <p:timing>
+    <p:tnLst>
+      <p:par>
+        <p:cTn id="1" dur="indefinite" restart="never" nodeType="tmRoot">
+          <p:childTnLst>
+            <p:seq concurrent="1" nextAc="seek">
+              <p:cTn id="2" dur="indefinite" nodeType="mainSeq">
+                <p:childTnLst>
+                  <p:par>
+                    <p:cTn id="3" fill="hold">
+                      <p:stCondLst>
+                        <p:cond delay="indefinite"/>
+                      </p:stCondLst>
+                      <p:childTnLst>
+                        <p:par>
+                          <p:cTn id="4" fill="hold">
+                            <p:stCondLst>
+                              <p:cond delay="0"/>
+                            </p:stCondLst>
+                            <p:childTnLst>
+                              <p:par>
+                                <p:cTn id="5" presetID="0" presetClass="path" presetSubtype="0" accel="50000" decel="50000" fill="hold" grpId="0" nodeType="clickEffect">
+                                  <p:stCondLst>
+                                    <p:cond delay="0"/>
+                                  </p:stCondLst>
+                                  <p:childTnLst>
+                                    <p:animMotion origin="layout" path="M -3.33333E-6 3.7037E-6 L 0.29948 -0.32292 " pathEditMode="relative" rAng="0" ptsTypes="AA">
+                                      <p:cBhvr>
+                                        <p:cTn id="6" dur="2000" fill="hold"/>
+                                        <p:tgtEl>
+                                          <p:spTgt spid="76"/>
+                                        </p:tgtEl>
+                                        <p:attrNameLst>
+                                          <p:attrName>ppt_x</p:attrName>
+                                          <p:attrName>ppt_y</p:attrName>
+                                        </p:attrNameLst>
+                                      </p:cBhvr>
+                                      <p:rCtr x="14974" y="-16157"/>
+                                    </p:animMotion>
+                                  </p:childTnLst>
+                                </p:cTn>
+                              </p:par>
+                              <p:par>
+                                <p:cTn id="7" presetID="0" presetClass="path" presetSubtype="0" accel="50000" decel="50000" fill="hold" grpId="0" nodeType="withEffect">
+                                  <p:stCondLst>
+                                    <p:cond delay="0"/>
+                                  </p:stCondLst>
+                                  <p:childTnLst>
+                                    <p:animMotion origin="layout" path="M 4.79167E-6 3.7037E-6 L 0.36002 -0.32292 " pathEditMode="relative" rAng="0" ptsTypes="AA">
+                                      <p:cBhvr>
+                                        <p:cTn id="8" dur="2000" fill="hold"/>
+                                        <p:tgtEl>
+                                          <p:spTgt spid="77"/>
+                                        </p:tgtEl>
+                                        <p:attrNameLst>
+                                          <p:attrName>ppt_x</p:attrName>
+                                          <p:attrName>ppt_y</p:attrName>
+                                        </p:attrNameLst>
+                                      </p:cBhvr>
+                                      <p:rCtr x="17995" y="-16157"/>
+                                    </p:animMotion>
+                                  </p:childTnLst>
+                                  <p:subTnLst>
+                                    <p:set>
+                                      <p:cBhvr override="childStyle">
+                                        <p:cTn dur="1" fill="hold" display="0" masterRel="sameClick" afterEffect="1">
+                                          <p:stCondLst>
+                                            <p:cond evt="end" delay="0">
+                                              <p:tn val="7"/>
+                                            </p:cond>
+                                          </p:stCondLst>
+                                        </p:cTn>
+                                        <p:tgtEl>
+                                          <p:spTgt spid="77"/>
+                                        </p:tgtEl>
+                                        <p:attrNameLst>
+                                          <p:attrName>style.visibility</p:attrName>
+                                        </p:attrNameLst>
+                                      </p:cBhvr>
+                                      <p:to>
+                                        <p:strVal val="hidden"/>
+                                      </p:to>
+                                    </p:set>
+                                  </p:subTnLst>
+                                </p:cTn>
+                              </p:par>
+                            </p:childTnLst>
+                          </p:cTn>
+                        </p:par>
+                      </p:childTnLst>
+                    </p:cTn>
+                  </p:par>
+                  <p:par>
+                    <p:cTn id="9" fill="hold">
+                      <p:stCondLst>
+                        <p:cond delay="indefinite"/>
+                      </p:stCondLst>
+                      <p:childTnLst>
+                        <p:par>
+                          <p:cTn id="10" fill="hold">
+                            <p:stCondLst>
+                              <p:cond delay="0"/>
+                            </p:stCondLst>
+                            <p:childTnLst>
+                              <p:par>
+                                <p:cTn id="11" presetID="1" presetClass="entr" presetSubtype="0" fill="hold" grpId="0" nodeType="clickEffect">
+                                  <p:stCondLst>
+                                    <p:cond delay="0"/>
+                                  </p:stCondLst>
+                                  <p:childTnLst>
+                                    <p:set>
+                                      <p:cBhvr>
+                                        <p:cTn id="12" dur="1" fill="hold">
+                                          <p:stCondLst>
+                                            <p:cond delay="0"/>
+                                          </p:stCondLst>
+                                        </p:cTn>
+                                        <p:tgtEl>
+                                          <p:spTgt spid="65"/>
+                                        </p:tgtEl>
+                                        <p:attrNameLst>
+                                          <p:attrName>style.visibility</p:attrName>
+                                        </p:attrNameLst>
+                                      </p:cBhvr>
+                                      <p:to>
+                                        <p:strVal val="visible"/>
+                                      </p:to>
+                                    </p:set>
+                                  </p:childTnLst>
+                                </p:cTn>
+                              </p:par>
+                              <p:par>
+                                <p:cTn id="13" presetID="1" presetClass="entr" presetSubtype="0" fill="hold" grpId="0" nodeType="withEffect">
+                                  <p:stCondLst>
+                                    <p:cond delay="0"/>
+                                  </p:stCondLst>
+                                  <p:childTnLst>
+                                    <p:set>
+                                      <p:cBhvr>
+                                        <p:cTn id="14" dur="1" fill="hold">
+                                          <p:stCondLst>
+                                            <p:cond delay="0"/>
+                                          </p:stCondLst>
+                                        </p:cTn>
+                                        <p:tgtEl>
+                                          <p:spTgt spid="70"/>
+                                        </p:tgtEl>
+                                        <p:attrNameLst>
+                                          <p:attrName>style.visibility</p:attrName>
+                                        </p:attrNameLst>
+                                      </p:cBhvr>
+                                      <p:to>
+                                        <p:strVal val="visible"/>
+                                      </p:to>
+                                    </p:set>
+                                  </p:childTnLst>
+                                </p:cTn>
+                              </p:par>
+                              <p:par>
+                                <p:cTn id="15" presetID="1" presetClass="entr" presetSubtype="0" fill="hold" grpId="0" nodeType="withEffect">
+                                  <p:stCondLst>
+                                    <p:cond delay="0"/>
+                                  </p:stCondLst>
+                                  <p:childTnLst>
+                                    <p:set>
+                                      <p:cBhvr>
+                                        <p:cTn id="16" dur="1" fill="hold">
+                                          <p:stCondLst>
+                                            <p:cond delay="0"/>
+                                          </p:stCondLst>
+                                        </p:cTn>
+                                        <p:tgtEl>
+                                          <p:spTgt spid="64"/>
+                                        </p:tgtEl>
+                                        <p:attrNameLst>
+                                          <p:attrName>style.visibility</p:attrName>
+                                        </p:attrNameLst>
+                                      </p:cBhvr>
+                                      <p:to>
+                                        <p:strVal val="visible"/>
+                                      </p:to>
+                                    </p:set>
+                                  </p:childTnLst>
+                                </p:cTn>
+                              </p:par>
+                              <p:par>
+                                <p:cTn id="17" presetID="1" presetClass="entr" presetSubtype="0" fill="hold" grpId="0" nodeType="withEffect">
+                                  <p:stCondLst>
+                                    <p:cond delay="0"/>
+                                  </p:stCondLst>
+                                  <p:childTnLst>
+                                    <p:set>
+                                      <p:cBhvr>
+                                        <p:cTn id="18" dur="1" fill="hold">
+                                          <p:stCondLst>
+                                            <p:cond delay="0"/>
+                                          </p:stCondLst>
+                                        </p:cTn>
+                                        <p:tgtEl>
+                                          <p:spTgt spid="68"/>
+                                        </p:tgtEl>
+                                        <p:attrNameLst>
+                                          <p:attrName>style.visibility</p:attrName>
+                                        </p:attrNameLst>
+                                      </p:cBhvr>
+                                      <p:to>
+                                        <p:strVal val="visible"/>
+                                      </p:to>
+                                    </p:set>
+                                  </p:childTnLst>
+                                </p:cTn>
+                              </p:par>
+                            </p:childTnLst>
+                          </p:cTn>
+                        </p:par>
+                      </p:childTnLst>
+                    </p:cTn>
+                  </p:par>
+                  <p:par>
+                    <p:cTn id="19" fill="hold">
+                      <p:stCondLst>
+                        <p:cond delay="indefinite"/>
+                      </p:stCondLst>
+                      <p:childTnLst>
+                        <p:par>
+                          <p:cTn id="20" fill="hold">
+                            <p:stCondLst>
+                              <p:cond delay="0"/>
+                            </p:stCondLst>
+                            <p:childTnLst>
+                              <p:par>
+                                <p:cTn id="21" presetID="1" presetClass="entr" presetSubtype="0" fill="hold" grpId="0" nodeType="clickEffect">
+                                  <p:stCondLst>
+                                    <p:cond delay="0"/>
+                                  </p:stCondLst>
+                                  <p:childTnLst>
+                                    <p:set>
+                                      <p:cBhvr>
+                                        <p:cTn id="22" dur="1" fill="hold">
+                                          <p:stCondLst>
+                                            <p:cond delay="0"/>
+                                          </p:stCondLst>
+                                        </p:cTn>
+                                        <p:tgtEl>
+                                          <p:spTgt spid="67"/>
+                                        </p:tgtEl>
+                                        <p:attrNameLst>
+                                          <p:attrName>style.visibility</p:attrName>
+                                        </p:attrNameLst>
+                                      </p:cBhvr>
+                                      <p:to>
+                                        <p:strVal val="visible"/>
+                                      </p:to>
+                                    </p:set>
+                                  </p:childTnLst>
+                                </p:cTn>
+                              </p:par>
+                              <p:par>
+                                <p:cTn id="23" presetID="1" presetClass="entr" presetSubtype="0" fill="hold" nodeType="withEffect">
+                                  <p:stCondLst>
+                                    <p:cond delay="0"/>
+                                  </p:stCondLst>
+                                  <p:childTnLst>
+                                    <p:set>
+                                      <p:cBhvr>
+                                        <p:cTn id="24" dur="1" fill="hold">
+                                          <p:stCondLst>
+                                            <p:cond delay="0"/>
+                                          </p:stCondLst>
+                                        </p:cTn>
+                                        <p:tgtEl>
+                                          <p:spTgt spid="37"/>
+                                        </p:tgtEl>
+                                        <p:attrNameLst>
+                                          <p:attrName>style.visibility</p:attrName>
+                                        </p:attrNameLst>
+                                      </p:cBhvr>
+                                      <p:to>
+                                        <p:strVal val="visible"/>
+                                      </p:to>
+                                    </p:set>
+                                  </p:childTnLst>
+                                </p:cTn>
+                              </p:par>
+                              <p:par>
+                                <p:cTn id="25" presetID="1" presetClass="entr" presetSubtype="0" fill="hold" nodeType="withEffect">
+                                  <p:stCondLst>
+                                    <p:cond delay="0"/>
+                                  </p:stCondLst>
+                                  <p:childTnLst>
+                                    <p:set>
+                                      <p:cBhvr>
+                                        <p:cTn id="26" dur="1" fill="hold">
+                                          <p:stCondLst>
+                                            <p:cond delay="0"/>
+                                          </p:stCondLst>
+                                        </p:cTn>
+                                        <p:tgtEl>
+                                          <p:spTgt spid="74"/>
+                                        </p:tgtEl>
+                                        <p:attrNameLst>
+                                          <p:attrName>style.visibility</p:attrName>
+                                        </p:attrNameLst>
+                                      </p:cBhvr>
+                                      <p:to>
+                                        <p:strVal val="visible"/>
+                                      </p:to>
+                                    </p:set>
+                                  </p:childTnLst>
+                                </p:cTn>
+                              </p:par>
+                            </p:childTnLst>
+                          </p:cTn>
+                        </p:par>
+                      </p:childTnLst>
+                    </p:cTn>
+                  </p:par>
+                  <p:par>
+                    <p:cTn id="27" fill="hold">
+                      <p:stCondLst>
+                        <p:cond delay="indefinite"/>
+                      </p:stCondLst>
+                      <p:childTnLst>
+                        <p:par>
+                          <p:cTn id="28" fill="hold">
+                            <p:stCondLst>
+                              <p:cond delay="0"/>
+                            </p:stCondLst>
+                            <p:childTnLst>
+                              <p:par>
+                                <p:cTn id="29" presetID="1" presetClass="entr" presetSubtype="0" fill="hold" grpId="0" nodeType="clickEffect">
+                                  <p:stCondLst>
+                                    <p:cond delay="0"/>
+                                  </p:stCondLst>
+                                  <p:childTnLst>
+                                    <p:set>
+                                      <p:cBhvr>
+                                        <p:cTn id="30" dur="1" fill="hold">
+                                          <p:stCondLst>
+                                            <p:cond delay="0"/>
+                                          </p:stCondLst>
+                                        </p:cTn>
+                                        <p:tgtEl>
+                                          <p:spTgt spid="4"/>
+                                        </p:tgtEl>
+                                        <p:attrNameLst>
+                                          <p:attrName>style.visibility</p:attrName>
+                                        </p:attrNameLst>
+                                      </p:cBhvr>
+                                      <p:to>
+                                        <p:strVal val="visible"/>
+                                      </p:to>
+                                    </p:set>
+                                  </p:childTnLst>
+                                </p:cTn>
+                              </p:par>
+                              <p:par>
+                                <p:cTn id="31" presetID="1" presetClass="entr" presetSubtype="0" fill="hold" grpId="0" nodeType="withEffect">
+                                  <p:stCondLst>
+                                    <p:cond delay="0"/>
+                                  </p:stCondLst>
+                                  <p:childTnLst>
+                                    <p:set>
+                                      <p:cBhvr>
+                                        <p:cTn id="32" dur="1" fill="hold">
+                                          <p:stCondLst>
+                                            <p:cond delay="0"/>
+                                          </p:stCondLst>
+                                        </p:cTn>
+                                        <p:tgtEl>
+                                          <p:spTgt spid="6"/>
+                                        </p:tgtEl>
+                                        <p:attrNameLst>
+                                          <p:attrName>style.visibility</p:attrName>
+                                        </p:attrNameLst>
+                                      </p:cBhvr>
+                                      <p:to>
+                                        <p:strVal val="visible"/>
+                                      </p:to>
+                                    </p:set>
+                                  </p:childTnLst>
+                                </p:cTn>
+                              </p:par>
+                              <p:par>
+                                <p:cTn id="33" presetID="1" presetClass="entr" presetSubtype="0" fill="hold" grpId="0" nodeType="withEffect">
+                                  <p:stCondLst>
+                                    <p:cond delay="0"/>
+                                  </p:stCondLst>
+                                  <p:childTnLst>
+                                    <p:set>
+                                      <p:cBhvr>
+                                        <p:cTn id="34" dur="1" fill="hold">
+                                          <p:stCondLst>
+                                            <p:cond delay="0"/>
+                                          </p:stCondLst>
+                                        </p:cTn>
+                                        <p:tgtEl>
+                                          <p:spTgt spid="7"/>
+                                        </p:tgtEl>
+                                        <p:attrNameLst>
+                                          <p:attrName>style.visibility</p:attrName>
+                                        </p:attrNameLst>
+                                      </p:cBhvr>
+                                      <p:to>
+                                        <p:strVal val="visible"/>
+                                      </p:to>
+                                    </p:set>
+                                  </p:childTnLst>
+                                </p:cTn>
+                              </p:par>
+                              <p:par>
+                                <p:cTn id="35" presetID="1" presetClass="entr" presetSubtype="0" fill="hold" grpId="0" nodeType="withEffect">
+                                  <p:stCondLst>
+                                    <p:cond delay="0"/>
+                                  </p:stCondLst>
+                                  <p:childTnLst>
+                                    <p:set>
+                                      <p:cBhvr>
+                                        <p:cTn id="36" dur="1" fill="hold">
+                                          <p:stCondLst>
+                                            <p:cond delay="0"/>
+                                          </p:stCondLst>
+                                        </p:cTn>
+                                        <p:tgtEl>
+                                          <p:spTgt spid="1056"/>
+                                        </p:tgtEl>
+                                        <p:attrNameLst>
+                                          <p:attrName>style.visibility</p:attrName>
+                                        </p:attrNameLst>
+                                      </p:cBhvr>
+                                      <p:to>
+                                        <p:strVal val="visible"/>
+                                      </p:to>
+                                    </p:set>
+                                  </p:childTnLst>
+                                </p:cTn>
+                              </p:par>
+                              <p:par>
+                                <p:cTn id="37" presetID="1" presetClass="entr" presetSubtype="0" fill="hold" nodeType="withEffect">
+                                  <p:stCondLst>
+                                    <p:cond delay="0"/>
+                                  </p:stCondLst>
+                                  <p:childTnLst>
+                                    <p:set>
+                                      <p:cBhvr>
+                                        <p:cTn id="38" dur="1" fill="hold">
+                                          <p:stCondLst>
+                                            <p:cond delay="0"/>
+                                          </p:stCondLst>
+                                        </p:cTn>
+                                        <p:tgtEl>
+                                          <p:spTgt spid="81"/>
+                                        </p:tgtEl>
+                                        <p:attrNameLst>
+                                          <p:attrName>style.visibility</p:attrName>
+                                        </p:attrNameLst>
+                                      </p:cBhvr>
+                                      <p:to>
+                                        <p:strVal val="visible"/>
+                                      </p:to>
+                                    </p:set>
+                                  </p:childTnLst>
+                                </p:cTn>
+                              </p:par>
+                              <p:par>
+                                <p:cTn id="39" presetID="1" presetClass="entr" presetSubtype="0" fill="hold" nodeType="withEffect">
+                                  <p:stCondLst>
+                                    <p:cond delay="0"/>
+                                  </p:stCondLst>
+                                  <p:childTnLst>
+                                    <p:set>
+                                      <p:cBhvr>
+                                        <p:cTn id="40" dur="1" fill="hold">
+                                          <p:stCondLst>
+                                            <p:cond delay="0"/>
+                                          </p:stCondLst>
+                                        </p:cTn>
+                                        <p:tgtEl>
+                                          <p:spTgt spid="82"/>
+                                        </p:tgtEl>
+                                        <p:attrNameLst>
+                                          <p:attrName>style.visibility</p:attrName>
+                                        </p:attrNameLst>
+                                      </p:cBhvr>
+                                      <p:to>
+                                        <p:strVal val="visible"/>
+                                      </p:to>
+                                    </p:set>
+                                  </p:childTnLst>
+                                </p:cTn>
+                              </p:par>
+                              <p:par>
+                                <p:cTn id="41" presetID="1" presetClass="entr" presetSubtype="0" fill="hold" grpId="0" nodeType="withEffect">
+                                  <p:stCondLst>
+                                    <p:cond delay="0"/>
+                                  </p:stCondLst>
+                                  <p:childTnLst>
+                                    <p:set>
+                                      <p:cBhvr>
+                                        <p:cTn id="42" dur="1" fill="hold">
+                                          <p:stCondLst>
+                                            <p:cond delay="0"/>
+                                          </p:stCondLst>
+                                        </p:cTn>
+                                        <p:tgtEl>
+                                          <p:spTgt spid="75"/>
+                                        </p:tgtEl>
+                                        <p:attrNameLst>
+                                          <p:attrName>style.visibility</p:attrName>
+                                        </p:attrNameLst>
+                                      </p:cBhvr>
+                                      <p:to>
+                                        <p:strVal val="visible"/>
+                                      </p:to>
+                                    </p:set>
+                                  </p:childTnLst>
+                                </p:cTn>
+                              </p:par>
+                            </p:childTnLst>
+                          </p:cTn>
+                        </p:par>
+                      </p:childTnLst>
+                    </p:cTn>
+                  </p:par>
+                  <p:par>
+                    <p:cTn id="43" fill="hold">
+                      <p:stCondLst>
+                        <p:cond delay="indefinite"/>
+                      </p:stCondLst>
+                      <p:childTnLst>
+                        <p:par>
+                          <p:cTn id="44" fill="hold">
+                            <p:stCondLst>
+                              <p:cond delay="0"/>
+                            </p:stCondLst>
+                            <p:childTnLst>
+                              <p:par>
+                                <p:cTn id="45" presetID="0" presetClass="path" presetSubtype="0" accel="50000" decel="50000" fill="hold" grpId="0" nodeType="clickEffect">
+                                  <p:stCondLst>
+                                    <p:cond delay="0"/>
+                                  </p:stCondLst>
+                                  <p:childTnLst>
+                                    <p:animMotion origin="layout" path="M -3.95833E-6 -3.7037E-6 L 0.44818 -0.11898 " pathEditMode="relative" rAng="0" ptsTypes="AA">
+                                      <p:cBhvr>
+                                        <p:cTn id="46" dur="2000" fill="hold"/>
+                                        <p:tgtEl>
+                                          <p:spTgt spid="73"/>
+                                        </p:tgtEl>
+                                        <p:attrNameLst>
+                                          <p:attrName>ppt_x</p:attrName>
+                                          <p:attrName>ppt_y</p:attrName>
+                                        </p:attrNameLst>
+                                      </p:cBhvr>
+                                      <p:rCtr x="22409" y="-5949"/>
+                                    </p:animMotion>
+                                  </p:childTnLst>
+                                  <p:subTnLst>
+                                    <p:set>
+                                      <p:cBhvr override="childStyle">
+                                        <p:cTn dur="1" fill="hold" display="0" masterRel="sameClick" afterEffect="1">
+                                          <p:stCondLst>
+                                            <p:cond evt="end" delay="0">
+                                              <p:tn val="45"/>
+                                            </p:cond>
+                                          </p:stCondLst>
+                                        </p:cTn>
+                                        <p:tgtEl>
+                                          <p:spTgt spid="73"/>
+                                        </p:tgtEl>
+                                        <p:attrNameLst>
+                                          <p:attrName>style.visibility</p:attrName>
+                                        </p:attrNameLst>
+                                      </p:cBhvr>
+                                      <p:to>
+                                        <p:strVal val="hidden"/>
+                                      </p:to>
+                                    </p:set>
+                                  </p:subTnLst>
+                                </p:cTn>
+                              </p:par>
+                            </p:childTnLst>
+                          </p:cTn>
+                        </p:par>
+                        <p:par>
+                          <p:cTn id="47" fill="hold">
+                            <p:stCondLst>
+                              <p:cond delay="2000"/>
+                            </p:stCondLst>
+                            <p:childTnLst>
+                              <p:par>
+                                <p:cTn id="48" presetID="1" presetClass="entr" presetSubtype="0" fill="hold" nodeType="afterEffect">
+                                  <p:stCondLst>
+                                    <p:cond delay="0"/>
+                                  </p:stCondLst>
+                                  <p:childTnLst>
+                                    <p:set>
+                                      <p:cBhvr>
+                                        <p:cTn id="49" dur="1" fill="hold">
+                                          <p:stCondLst>
+                                            <p:cond delay="0"/>
+                                          </p:stCondLst>
+                                        </p:cTn>
+                                        <p:tgtEl>
+                                          <p:spTgt spid="78"/>
+                                        </p:tgtEl>
+                                        <p:attrNameLst>
+                                          <p:attrName>style.visibility</p:attrName>
+                                        </p:attrNameLst>
+                                      </p:cBhvr>
+                                      <p:to>
+                                        <p:strVal val="visible"/>
+                                      </p:to>
+                                    </p:set>
+                                  </p:childTnLst>
+                                </p:cTn>
+                              </p:par>
+                            </p:childTnLst>
+                          </p:cTn>
+                        </p:par>
+                      </p:childTnLst>
+                    </p:cTn>
+                  </p:par>
+                  <p:par>
+                    <p:cTn id="50" fill="hold">
+                      <p:stCondLst>
+                        <p:cond delay="indefinite"/>
+                      </p:stCondLst>
+                      <p:childTnLst>
+                        <p:par>
+                          <p:cTn id="51" fill="hold">
+                            <p:stCondLst>
+                              <p:cond delay="0"/>
+                            </p:stCondLst>
+                            <p:childTnLst>
+                              <p:par>
+                                <p:cTn id="52" presetID="1" presetClass="entr" presetSubtype="0" fill="hold" nodeType="clickEffect">
+                                  <p:stCondLst>
+                                    <p:cond delay="0"/>
+                                  </p:stCondLst>
+                                  <p:childTnLst>
+                                    <p:set>
+                                      <p:cBhvr>
+                                        <p:cTn id="53" dur="1" fill="hold">
+                                          <p:stCondLst>
+                                            <p:cond delay="0"/>
+                                          </p:stCondLst>
+                                        </p:cTn>
+                                        <p:tgtEl>
+                                          <p:spTgt spid="89"/>
+                                        </p:tgtEl>
+                                        <p:attrNameLst>
+                                          <p:attrName>style.visibility</p:attrName>
+                                        </p:attrNameLst>
+                                      </p:cBhvr>
+                                      <p:to>
+                                        <p:strVal val="visible"/>
+                                      </p:to>
+                                    </p:set>
+                                  </p:childTnLst>
+                                </p:cTn>
+                              </p:par>
+                              <p:par>
+                                <p:cTn id="54" presetID="1" presetClass="entr" presetSubtype="0" fill="hold" grpId="0" nodeType="withEffect">
+                                  <p:stCondLst>
+                                    <p:cond delay="0"/>
+                                  </p:stCondLst>
+                                  <p:childTnLst>
+                                    <p:set>
+                                      <p:cBhvr>
+                                        <p:cTn id="55" dur="1" fill="hold">
+                                          <p:stCondLst>
+                                            <p:cond delay="0"/>
+                                          </p:stCondLst>
+                                        </p:cTn>
+                                        <p:tgtEl>
+                                          <p:spTgt spid="92"/>
+                                        </p:tgtEl>
+                                        <p:attrNameLst>
+                                          <p:attrName>style.visibility</p:attrName>
+                                        </p:attrNameLst>
+                                      </p:cBhvr>
+                                      <p:to>
+                                        <p:strVal val="visible"/>
+                                      </p:to>
+                                    </p:set>
+                                  </p:childTnLst>
+                                </p:cTn>
+                              </p:par>
+                              <p:par>
+                                <p:cTn id="56" presetID="1" presetClass="entr" presetSubtype="0" fill="hold" grpId="0" nodeType="withEffect">
+                                  <p:stCondLst>
+                                    <p:cond delay="0"/>
+                                  </p:stCondLst>
+                                  <p:childTnLst>
+                                    <p:set>
+                                      <p:cBhvr>
+                                        <p:cTn id="57" dur="1" fill="hold">
+                                          <p:stCondLst>
+                                            <p:cond delay="0"/>
+                                          </p:stCondLst>
+                                        </p:cTn>
+                                        <p:tgtEl>
+                                          <p:spTgt spid="93"/>
+                                        </p:tgtEl>
+                                        <p:attrNameLst>
+                                          <p:attrName>style.visibility</p:attrName>
+                                        </p:attrNameLst>
+                                      </p:cBhvr>
+                                      <p:to>
+                                        <p:strVal val="visible"/>
+                                      </p:to>
+                                    </p:set>
+                                  </p:childTnLst>
+                                </p:cTn>
+                              </p:par>
+                              <p:par>
+                                <p:cTn id="58" presetID="26" presetClass="emph" presetSubtype="0" fill="hold" grpId="1" nodeType="withEffect">
+                                  <p:stCondLst>
+                                    <p:cond delay="0"/>
+                                  </p:stCondLst>
+                                  <p:childTnLst>
+                                    <p:animEffect transition="out" filter="fade">
+                                      <p:cBhvr>
+                                        <p:cTn id="59" dur="500" tmFilter="0, 0; .2, .5; .8, .5; 1, 0"/>
+                                        <p:tgtEl>
+                                          <p:spTgt spid="76"/>
+                                        </p:tgtEl>
+                                      </p:cBhvr>
+                                    </p:animEffect>
+                                    <p:animScale>
+                                      <p:cBhvr>
+                                        <p:cTn id="60" dur="250" autoRev="1" fill="hold"/>
+                                        <p:tgtEl>
+                                          <p:spTgt spid="76"/>
+                                        </p:tgtEl>
+                                      </p:cBhvr>
+                                      <p:by x="105000" y="105000"/>
+                                    </p:animScale>
+                                  </p:childTnLst>
+                                </p:cTn>
+                              </p:par>
+                            </p:childTnLst>
+                          </p:cTn>
+                        </p:par>
+                      </p:childTnLst>
+                    </p:cTn>
+                  </p:par>
+                  <p:par>
+                    <p:cTn id="61" fill="hold">
+                      <p:stCondLst>
+                        <p:cond delay="indefinite"/>
+                      </p:stCondLst>
+                      <p:childTnLst>
+                        <p:par>
+                          <p:cTn id="62" fill="hold">
+                            <p:stCondLst>
+                              <p:cond delay="0"/>
+                            </p:stCondLst>
+                            <p:childTnLst>
+                              <p:par>
+                                <p:cTn id="63" presetID="1" presetClass="entr" presetSubtype="0" fill="hold" grpId="0" nodeType="clickEffect">
+                                  <p:stCondLst>
+                                    <p:cond delay="0"/>
+                                  </p:stCondLst>
+                                  <p:childTnLst>
+                                    <p:set>
+                                      <p:cBhvr>
+                                        <p:cTn id="64" dur="1" fill="hold">
+                                          <p:stCondLst>
+                                            <p:cond delay="0"/>
+                                          </p:stCondLst>
+                                        </p:cTn>
+                                        <p:tgtEl>
+                                          <p:spTgt spid="95"/>
+                                        </p:tgtEl>
+                                        <p:attrNameLst>
+                                          <p:attrName>style.visibility</p:attrName>
+                                        </p:attrNameLst>
+                                      </p:cBhvr>
+                                      <p:to>
+                                        <p:strVal val="visible"/>
+                                      </p:to>
+                                    </p:set>
+                                  </p:childTnLst>
+                                </p:cTn>
+                              </p:par>
+                              <p:par>
+                                <p:cTn id="65" presetID="1" presetClass="entr" presetSubtype="0" fill="hold" grpId="0" nodeType="withEffect">
+                                  <p:stCondLst>
+                                    <p:cond delay="0"/>
+                                  </p:stCondLst>
+                                  <p:childTnLst>
+                                    <p:set>
+                                      <p:cBhvr>
+                                        <p:cTn id="66" dur="1" fill="hold">
+                                          <p:stCondLst>
+                                            <p:cond delay="0"/>
+                                          </p:stCondLst>
+                                        </p:cTn>
+                                        <p:tgtEl>
+                                          <p:spTgt spid="94"/>
+                                        </p:tgtEl>
+                                        <p:attrNameLst>
+                                          <p:attrName>style.visibility</p:attrName>
+                                        </p:attrNameLst>
+                                      </p:cBhvr>
+                                      <p:to>
+                                        <p:strVal val="visible"/>
+                                      </p:to>
+                                    </p:set>
+                                  </p:childTnLst>
+                                </p:cTn>
+                              </p:par>
+                              <p:par>
+                                <p:cTn id="67" presetID="1" presetClass="entr" presetSubtype="0" fill="hold" nodeType="withEffect">
+                                  <p:stCondLst>
+                                    <p:cond delay="0"/>
+                                  </p:stCondLst>
+                                  <p:childTnLst>
+                                    <p:set>
+                                      <p:cBhvr>
+                                        <p:cTn id="68" dur="1" fill="hold">
+                                          <p:stCondLst>
+                                            <p:cond delay="0"/>
+                                          </p:stCondLst>
+                                        </p:cTn>
+                                        <p:tgtEl>
+                                          <p:spTgt spid="96"/>
+                                        </p:tgtEl>
+                                        <p:attrNameLst>
+                                          <p:attrName>style.visibility</p:attrName>
+                                        </p:attrNameLst>
+                                      </p:cBhvr>
+                                      <p:to>
+                                        <p:strVal val="visible"/>
+                                      </p:to>
+                                    </p:set>
+                                  </p:childTnLst>
+                                </p:cTn>
+                              </p:par>
+                              <p:par>
+                                <p:cTn id="69" presetID="26" presetClass="emph" presetSubtype="0" fill="hold" grpId="2" nodeType="withEffect">
+                                  <p:stCondLst>
+                                    <p:cond delay="0"/>
+                                  </p:stCondLst>
+                                  <p:childTnLst>
+                                    <p:animEffect transition="out" filter="fade">
+                                      <p:cBhvr>
+                                        <p:cTn id="70" dur="500" tmFilter="0, 0; .2, .5; .8, .5; 1, 0"/>
+                                        <p:tgtEl>
+                                          <p:spTgt spid="76"/>
+                                        </p:tgtEl>
+                                      </p:cBhvr>
+                                    </p:animEffect>
+                                    <p:animScale>
+                                      <p:cBhvr>
+                                        <p:cTn id="71" dur="250" autoRev="1" fill="hold"/>
+                                        <p:tgtEl>
+                                          <p:spTgt spid="76"/>
+                                        </p:tgtEl>
+                                      </p:cBhvr>
+                                      <p:by x="105000" y="105000"/>
+                                    </p:animScale>
+                                  </p:childTnLst>
+                                </p:cTn>
+                              </p:par>
+                            </p:childTnLst>
+                          </p:cTn>
+                        </p:par>
+                      </p:childTnLst>
+                    </p:cTn>
+                  </p:par>
+                </p:childTnLst>
+              </p:cTn>
+              <p:prevCondLst>
+                <p:cond evt="onPrev" delay="0">
+                  <p:tgtEl>
+                    <p:sldTgt/>
+                  </p:tgtEl>
+                </p:cond>
+              </p:prevCondLst>
+              <p:nextCondLst>
+                <p:cond evt="onNext" delay="0">
+                  <p:tgtEl>
+                    <p:sldTgt/>
+                  </p:tgtEl>
+                </p:cond>
+              </p:nextCondLst>
+            </p:seq>
+          </p:childTnLst>
+        </p:cTn>
+      </p:par>
+    </p:tnLst>
+    <p:bldLst>
+      <p:bldP spid="94" grpId="0" animBg="1"/>
+      <p:bldP spid="95" grpId="0" animBg="1"/>
+      <p:bldP spid="93" grpId="0" animBg="1"/>
+      <p:bldP spid="92" grpId="0" animBg="1"/>
+      <p:bldP spid="64" grpId="0" animBg="1"/>
+      <p:bldP spid="65" grpId="0" animBg="1"/>
+      <p:bldP spid="67" grpId="0" animBg="1"/>
+      <p:bldP spid="68" grpId="0" animBg="1"/>
+      <p:bldP spid="70" grpId="0"/>
+      <p:bldP spid="4" grpId="0" animBg="1"/>
+      <p:bldP spid="6" grpId="0" animBg="1"/>
+      <p:bldP spid="7" grpId="0" animBg="1"/>
+      <p:bldP spid="1056" grpId="0"/>
+      <p:bldP spid="73" grpId="0" animBg="1"/>
+      <p:bldP spid="75" grpId="0" animBg="1"/>
+      <p:bldP spid="76" grpId="0" animBg="1"/>
+      <p:bldP spid="76" grpId="1" animBg="1"/>
+      <p:bldP spid="76" grpId="2" animBg="1"/>
+      <p:bldP spid="77" grpId="0" animBg="1"/>
+    </p:bldLst>
+  </p:timing>
+</p:sld>
+</file>
+
+<file path=ppt/slides/slide3.xml><?xml version="1.0" encoding="utf-8"?>
+<p:sld xmlns:a="http://schemas.openxmlformats.org/drawingml/2006/main" xmlns:r="http://schemas.openxmlformats.org/officeDocument/2006/relationships" xmlns:p="http://schemas.openxmlformats.org/presentationml/2006/main">
+  <p:cSld>
+    <p:spTree>
+      <p:nvGrpSpPr>
+        <p:cNvPr id="1" name=""/>
+        <p:cNvGrpSpPr/>
+        <p:nvPr/>
+      </p:nvGrpSpPr>
+      <p:grpSpPr>
+        <a:xfrm>
+          <a:off x="0" y="0"/>
+          <a:ext cx="0" cy="0"/>
+          <a:chOff x="0" y="0"/>
+          <a:chExt cx="0" cy="0"/>
+        </a:xfrm>
+      </p:grpSpPr>
+      <p:sp>
+        <p:nvSpPr>
+          <p:cNvPr id="58" name="Rounded Rectangle 57">
+            <a:extLst>
+              <a:ext uri="{FF2B5EF4-FFF2-40B4-BE49-F238E27FC236}">
+                <a16:creationId xmlns:a16="http://schemas.microsoft.com/office/drawing/2014/main" id="{61231171-1F96-4E42-8FD3-00B9707BF958}"/>
               </a:ext>
             </a:extLst>
           </p:cNvPr>
@@ -7110,55 +8133,894 @@
         </p:nvSpPr>
         <p:spPr>
           <a:xfrm>
-            <a:off x="3854245" y="2729319"/>
-            <a:ext cx="2261420" cy="1321571"/>
-          </a:xfrm>
-          <a:custGeom>
+            <a:off x="7364885" y="2888747"/>
+            <a:ext cx="2532945" cy="2214826"/>
+          </a:xfrm>
+          <a:prstGeom prst="roundRect">
             <a:avLst/>
-            <a:gdLst>
-              <a:gd name="connsiteX0" fmla="*/ 2261420 w 2261420"/>
-              <a:gd name="connsiteY0" fmla="*/ 1321571 h 1321571"/>
-              <a:gd name="connsiteX1" fmla="*/ 1592826 w 2261420"/>
-              <a:gd name="connsiteY1" fmla="*/ 122036 h 1321571"/>
-              <a:gd name="connsiteX2" fmla="*/ 0 w 2261420"/>
-              <a:gd name="connsiteY2" fmla="*/ 102371 h 1321571"/>
-            </a:gdLst>
-            <a:ahLst/>
-            <a:cxnLst>
-              <a:cxn ang="0">
-                <a:pos x="connsiteX0" y="connsiteY0"/>
-              </a:cxn>
-              <a:cxn ang="0">
-                <a:pos x="connsiteX1" y="connsiteY1"/>
-              </a:cxn>
-              <a:cxn ang="0">
-                <a:pos x="connsiteX2" y="connsiteY2"/>
-              </a:cxn>
-            </a:cxnLst>
-            <a:rect l="l" t="t" r="r" b="b"/>
-            <a:pathLst>
-              <a:path w="2261420" h="1321571">
-                <a:moveTo>
-                  <a:pt x="2261420" y="1321571"/>
-                </a:moveTo>
-                <a:cubicBezTo>
-                  <a:pt x="2115574" y="823403"/>
-                  <a:pt x="1969729" y="325236"/>
-                  <a:pt x="1592826" y="122036"/>
-                </a:cubicBezTo>
-                <a:cubicBezTo>
-                  <a:pt x="1215923" y="-81164"/>
-                  <a:pt x="607961" y="10603"/>
-                  <a:pt x="0" y="102371"/>
-                </a:cubicBezTo>
-              </a:path>
-            </a:pathLst>
-          </a:custGeom>
+          </a:prstGeom>
           <a:noFill/>
-          <a:ln>
-            <a:headEnd type="none" w="med" len="med"/>
-            <a:tailEnd type="triangle" w="med" len="med"/>
-          </a:ln>
+        </p:spPr>
+        <p:style>
+          <a:lnRef idx="2">
+            <a:schemeClr val="accent1"/>
+          </a:lnRef>
+          <a:fillRef idx="1">
+            <a:schemeClr val="lt1"/>
+          </a:fillRef>
+          <a:effectRef idx="0">
+            <a:schemeClr val="accent1"/>
+          </a:effectRef>
+          <a:fontRef idx="minor">
+            <a:schemeClr val="dk1"/>
+          </a:fontRef>
+        </p:style>
+        <p:txBody>
+          <a:bodyPr rtlCol="0" anchor="ctr"/>
+          <a:lstStyle/>
+          <a:p>
+            <a:pPr algn="ctr"/>
+            <a:endParaRPr lang="en-US"/>
+          </a:p>
+        </p:txBody>
+      </p:sp>
+      <p:grpSp>
+        <p:nvGrpSpPr>
+          <p:cNvPr id="49" name="Group 48">
+            <a:extLst>
+              <a:ext uri="{FF2B5EF4-FFF2-40B4-BE49-F238E27FC236}">
+                <a16:creationId xmlns:a16="http://schemas.microsoft.com/office/drawing/2014/main" id="{44C5A221-6955-C248-B12E-BBB8C76A8AEA}"/>
+              </a:ext>
+            </a:extLst>
+          </p:cNvPr>
+          <p:cNvGrpSpPr/>
+          <p:nvPr/>
+        </p:nvGrpSpPr>
+        <p:grpSpPr>
+          <a:xfrm>
+            <a:off x="7244567" y="4106309"/>
+            <a:ext cx="994172" cy="815906"/>
+            <a:chOff x="7451634" y="809897"/>
+            <a:chExt cx="1262743" cy="1036320"/>
+          </a:xfrm>
+        </p:grpSpPr>
+        <p:sp>
+          <p:nvSpPr>
+            <p:cNvPr id="50" name="Hexagon 49">
+              <a:extLst>
+                <a:ext uri="{FF2B5EF4-FFF2-40B4-BE49-F238E27FC236}">
+                  <a16:creationId xmlns:a16="http://schemas.microsoft.com/office/drawing/2014/main" id="{C34685C1-7050-3549-8902-D82900B143C3}"/>
+                </a:ext>
+              </a:extLst>
+            </p:cNvPr>
+            <p:cNvSpPr/>
+            <p:nvPr/>
+          </p:nvSpPr>
+          <p:spPr>
+            <a:xfrm>
+              <a:off x="7451634" y="809897"/>
+              <a:ext cx="1262743" cy="1036320"/>
+            </a:xfrm>
+            <a:prstGeom prst="hexagon">
+              <a:avLst/>
+            </a:prstGeom>
+            <a:solidFill>
+              <a:srgbClr val="FFFFFF"/>
+            </a:solidFill>
+            <a:ln>
+              <a:solidFill>
+                <a:schemeClr val="tx1"/>
+              </a:solidFill>
+            </a:ln>
+          </p:spPr>
+          <p:style>
+            <a:lnRef idx="3">
+              <a:schemeClr val="lt1"/>
+            </a:lnRef>
+            <a:fillRef idx="1">
+              <a:schemeClr val="accent1"/>
+            </a:fillRef>
+            <a:effectRef idx="1">
+              <a:schemeClr val="accent1"/>
+            </a:effectRef>
+            <a:fontRef idx="minor">
+              <a:schemeClr val="lt1"/>
+            </a:fontRef>
+          </p:style>
+          <p:txBody>
+            <a:bodyPr tIns="0" bIns="0" rtlCol="0" anchor="b" anchorCtr="1"/>
+            <a:lstStyle/>
+            <a:p>
+              <a:pPr algn="ctr"/>
+              <a:r>
+                <a:rPr lang="en-US" sz="1100" dirty="0">
+                  <a:solidFill>
+                    <a:schemeClr val="tx1"/>
+                  </a:solidFill>
+                </a:rPr>
+                <a:t>Reloader</a:t>
+              </a:r>
+              <a:endParaRPr lang="en-US" sz="1400" dirty="0">
+                <a:solidFill>
+                  <a:schemeClr val="tx1"/>
+                </a:solidFill>
+              </a:endParaRPr>
+            </a:p>
+          </p:txBody>
+        </p:sp>
+        <p:pic>
+          <p:nvPicPr>
+            <p:cNvPr id="52" name="Picture 2" descr="Line arrow Rotate left">
+              <a:extLst>
+                <a:ext uri="{FF2B5EF4-FFF2-40B4-BE49-F238E27FC236}">
+                  <a16:creationId xmlns:a16="http://schemas.microsoft.com/office/drawing/2014/main" id="{F01644BC-4268-984D-AFFD-90357219919A}"/>
+                </a:ext>
+              </a:extLst>
+            </p:cNvPr>
+            <p:cNvPicPr>
+              <a:picLocks noChangeAspect="1" noChangeArrowheads="1"/>
+            </p:cNvPicPr>
+            <p:nvPr/>
+          </p:nvPicPr>
+          <p:blipFill>
+            <a:blip r:embed="rId2">
+              <a:extLst>
+                <a:ext uri="{96DAC541-7B7A-43D3-8B79-37D633B846F1}">
+                  <asvg:svgBlip xmlns:asvg="http://schemas.microsoft.com/office/drawing/2016/SVG/main" r:embed="rId3"/>
+                </a:ext>
+              </a:extLst>
+            </a:blip>
+            <a:srcRect/>
+            <a:stretch/>
+          </p:blipFill>
+          <p:spPr bwMode="auto">
+            <a:xfrm>
+              <a:off x="7737184" y="844586"/>
+              <a:ext cx="691642" cy="691642"/>
+            </a:xfrm>
+            <a:prstGeom prst="rect">
+              <a:avLst/>
+            </a:prstGeom>
+            <a:noFill/>
+            <a:extLst>
+              <a:ext uri="{909E8E84-426E-40DD-AFC4-6F175D3DCCD1}">
+                <a14:hiddenFill xmlns:a14="http://schemas.microsoft.com/office/drawing/2010/main">
+                  <a:solidFill>
+                    <a:srgbClr val="FFFFFF"/>
+                  </a:solidFill>
+                </a14:hiddenFill>
+              </a:ext>
+            </a:extLst>
+          </p:spPr>
+        </p:pic>
+      </p:grpSp>
+      <p:sp>
+        <p:nvSpPr>
+          <p:cNvPr id="60" name="TextBox 59">
+            <a:extLst>
+              <a:ext uri="{FF2B5EF4-FFF2-40B4-BE49-F238E27FC236}">
+                <a16:creationId xmlns:a16="http://schemas.microsoft.com/office/drawing/2014/main" id="{25FC46F2-2014-8F43-846D-A017D3165738}"/>
+              </a:ext>
+            </a:extLst>
+          </p:cNvPr>
+          <p:cNvSpPr txBox="1"/>
+          <p:nvPr/>
+        </p:nvSpPr>
+        <p:spPr>
+          <a:xfrm>
+            <a:off x="7218179" y="2588472"/>
+            <a:ext cx="1106457" cy="307777"/>
+          </a:xfrm>
+          <a:prstGeom prst="rect">
+            <a:avLst/>
+          </a:prstGeom>
+          <a:noFill/>
+        </p:spPr>
+        <p:txBody>
+          <a:bodyPr wrap="none" rtlCol="0">
+            <a:spAutoFit/>
+          </a:bodyPr>
+          <a:lstStyle/>
+          <a:p>
+            <a:r>
+              <a:rPr lang="en-US" sz="1400" dirty="0"/>
+              <a:t>SmartTuning</a:t>
+            </a:r>
+          </a:p>
+        </p:txBody>
+      </p:sp>
+      <p:grpSp>
+        <p:nvGrpSpPr>
+          <p:cNvPr id="5" name="Group 4">
+            <a:extLst>
+              <a:ext uri="{FF2B5EF4-FFF2-40B4-BE49-F238E27FC236}">
+                <a16:creationId xmlns:a16="http://schemas.microsoft.com/office/drawing/2014/main" id="{87D68B9A-1FA9-2F40-96FB-6233C3DC0684}"/>
+              </a:ext>
+            </a:extLst>
+          </p:cNvPr>
+          <p:cNvGrpSpPr/>
+          <p:nvPr/>
+        </p:nvGrpSpPr>
+        <p:grpSpPr>
+          <a:xfrm>
+            <a:off x="7296096" y="3059306"/>
+            <a:ext cx="994172" cy="820393"/>
+            <a:chOff x="5671185" y="3031241"/>
+            <a:chExt cx="994172" cy="820393"/>
+          </a:xfrm>
+        </p:grpSpPr>
+        <p:sp>
+          <p:nvSpPr>
+            <p:cNvPr id="59" name="Hexagon 58">
+              <a:extLst>
+                <a:ext uri="{FF2B5EF4-FFF2-40B4-BE49-F238E27FC236}">
+                  <a16:creationId xmlns:a16="http://schemas.microsoft.com/office/drawing/2014/main" id="{58212186-F961-3D44-A1D4-B182752EA6C5}"/>
+                </a:ext>
+              </a:extLst>
+            </p:cNvPr>
+            <p:cNvSpPr/>
+            <p:nvPr/>
+          </p:nvSpPr>
+          <p:spPr>
+            <a:xfrm>
+              <a:off x="5671185" y="3035728"/>
+              <a:ext cx="994172" cy="815906"/>
+            </a:xfrm>
+            <a:prstGeom prst="hexagon">
+              <a:avLst/>
+            </a:prstGeom>
+            <a:solidFill>
+              <a:srgbClr val="FFFFFF"/>
+            </a:solidFill>
+            <a:ln>
+              <a:solidFill>
+                <a:schemeClr val="tx1"/>
+              </a:solidFill>
+            </a:ln>
+          </p:spPr>
+          <p:style>
+            <a:lnRef idx="3">
+              <a:schemeClr val="lt1"/>
+            </a:lnRef>
+            <a:fillRef idx="1">
+              <a:schemeClr val="accent1"/>
+            </a:fillRef>
+            <a:effectRef idx="1">
+              <a:schemeClr val="accent1"/>
+            </a:effectRef>
+            <a:fontRef idx="minor">
+              <a:schemeClr val="lt1"/>
+            </a:fontRef>
+          </p:style>
+          <p:txBody>
+            <a:bodyPr tIns="0" bIns="0" rtlCol="0" anchor="b" anchorCtr="1"/>
+            <a:lstStyle/>
+            <a:p>
+              <a:pPr algn="ctr"/>
+              <a:r>
+                <a:rPr lang="en-US" sz="1100" dirty="0">
+                  <a:solidFill>
+                    <a:schemeClr val="tx1"/>
+                  </a:solidFill>
+                </a:rPr>
+                <a:t>Injector</a:t>
+              </a:r>
+              <a:endParaRPr lang="en-US" sz="1400" dirty="0">
+                <a:solidFill>
+                  <a:schemeClr val="tx1"/>
+                </a:solidFill>
+              </a:endParaRPr>
+            </a:p>
+          </p:txBody>
+        </p:sp>
+        <p:pic>
+          <p:nvPicPr>
+            <p:cNvPr id="3" name="Graphic 2" descr="Puzzle pieces">
+              <a:extLst>
+                <a:ext uri="{FF2B5EF4-FFF2-40B4-BE49-F238E27FC236}">
+                  <a16:creationId xmlns:a16="http://schemas.microsoft.com/office/drawing/2014/main" id="{613451D9-E90A-F947-9200-0B9A35E730E8}"/>
+                </a:ext>
+              </a:extLst>
+            </p:cNvPr>
+            <p:cNvPicPr>
+              <a:picLocks noChangeAspect="1"/>
+            </p:cNvPicPr>
+            <p:nvPr/>
+          </p:nvPicPr>
+          <p:blipFill>
+            <a:blip r:embed="rId4">
+              <a:extLst>
+                <a:ext uri="{96DAC541-7B7A-43D3-8B79-37D633B846F1}">
+                  <asvg:svgBlip xmlns:asvg="http://schemas.microsoft.com/office/drawing/2016/SVG/main" r:embed="rId5"/>
+                </a:ext>
+              </a:extLst>
+            </a:blip>
+            <a:stretch>
+              <a:fillRect/>
+            </a:stretch>
+          </p:blipFill>
+          <p:spPr>
+            <a:xfrm>
+              <a:off x="5906026" y="3031241"/>
+              <a:ext cx="502650" cy="502650"/>
+            </a:xfrm>
+            <a:prstGeom prst="rect">
+              <a:avLst/>
+            </a:prstGeom>
+          </p:spPr>
+        </p:pic>
+      </p:grpSp>
+      <p:grpSp>
+        <p:nvGrpSpPr>
+          <p:cNvPr id="13" name="Group 12">
+            <a:extLst>
+              <a:ext uri="{FF2B5EF4-FFF2-40B4-BE49-F238E27FC236}">
+                <a16:creationId xmlns:a16="http://schemas.microsoft.com/office/drawing/2014/main" id="{8BA3711A-BD2A-144F-B6E2-B969BED92AE7}"/>
+              </a:ext>
+            </a:extLst>
+          </p:cNvPr>
+          <p:cNvGrpSpPr/>
+          <p:nvPr/>
+        </p:nvGrpSpPr>
+        <p:grpSpPr>
+          <a:xfrm>
+            <a:off x="8211460" y="3572795"/>
+            <a:ext cx="994172" cy="815906"/>
+            <a:chOff x="6721891" y="3594467"/>
+            <a:chExt cx="994172" cy="815906"/>
+          </a:xfrm>
+        </p:grpSpPr>
+        <p:sp>
+          <p:nvSpPr>
+            <p:cNvPr id="63" name="Hexagon 62">
+              <a:extLst>
+                <a:ext uri="{FF2B5EF4-FFF2-40B4-BE49-F238E27FC236}">
+                  <a16:creationId xmlns:a16="http://schemas.microsoft.com/office/drawing/2014/main" id="{672A8B81-9146-3240-BAAF-CDB78CF65F98}"/>
+                </a:ext>
+              </a:extLst>
+            </p:cNvPr>
+            <p:cNvSpPr/>
+            <p:nvPr/>
+          </p:nvSpPr>
+          <p:spPr>
+            <a:xfrm>
+              <a:off x="6721891" y="3594467"/>
+              <a:ext cx="994172" cy="815906"/>
+            </a:xfrm>
+            <a:prstGeom prst="hexagon">
+              <a:avLst/>
+            </a:prstGeom>
+            <a:solidFill>
+              <a:srgbClr val="FFFFFF"/>
+            </a:solidFill>
+            <a:ln>
+              <a:solidFill>
+                <a:schemeClr val="tx1"/>
+              </a:solidFill>
+            </a:ln>
+          </p:spPr>
+          <p:style>
+            <a:lnRef idx="3">
+              <a:schemeClr val="lt1"/>
+            </a:lnRef>
+            <a:fillRef idx="1">
+              <a:schemeClr val="accent1"/>
+            </a:fillRef>
+            <a:effectRef idx="1">
+              <a:schemeClr val="accent1"/>
+            </a:effectRef>
+            <a:fontRef idx="minor">
+              <a:schemeClr val="lt1"/>
+            </a:fontRef>
+          </p:style>
+          <p:txBody>
+            <a:bodyPr tIns="0" bIns="0" rtlCol="0" anchor="b" anchorCtr="1"/>
+            <a:lstStyle/>
+            <a:p>
+              <a:pPr algn="ctr"/>
+              <a:r>
+                <a:rPr lang="en-US" sz="1100" dirty="0" err="1">
+                  <a:solidFill>
+                    <a:schemeClr val="tx1"/>
+                  </a:solidFill>
+                </a:rPr>
+                <a:t>Optimiz</a:t>
+              </a:r>
+              <a:r>
+                <a:rPr lang="en-US" sz="1100" dirty="0">
+                  <a:solidFill>
+                    <a:schemeClr val="tx1"/>
+                  </a:solidFill>
+                </a:rPr>
+                <a:t>.</a:t>
+              </a:r>
+              <a:endParaRPr lang="en-US" sz="1400" dirty="0">
+                <a:solidFill>
+                  <a:schemeClr val="tx1"/>
+                </a:solidFill>
+              </a:endParaRPr>
+            </a:p>
+          </p:txBody>
+        </p:sp>
+        <p:pic>
+          <p:nvPicPr>
+            <p:cNvPr id="9" name="Graphic 8" descr="Gauge">
+              <a:extLst>
+                <a:ext uri="{FF2B5EF4-FFF2-40B4-BE49-F238E27FC236}">
+                  <a16:creationId xmlns:a16="http://schemas.microsoft.com/office/drawing/2014/main" id="{84508ABC-5D54-4546-8AB3-FEFBD6388E13}"/>
+                </a:ext>
+              </a:extLst>
+            </p:cNvPr>
+            <p:cNvPicPr>
+              <a:picLocks noChangeAspect="1"/>
+            </p:cNvPicPr>
+            <p:nvPr/>
+          </p:nvPicPr>
+          <p:blipFill>
+            <a:blip r:embed="rId6">
+              <a:extLst>
+                <a:ext uri="{96DAC541-7B7A-43D3-8B79-37D633B846F1}">
+                  <asvg:svgBlip xmlns:asvg="http://schemas.microsoft.com/office/drawing/2016/SVG/main" r:embed="rId7"/>
+                </a:ext>
+              </a:extLst>
+            </a:blip>
+            <a:stretch>
+              <a:fillRect/>
+            </a:stretch>
+          </p:blipFill>
+          <p:spPr>
+            <a:xfrm>
+              <a:off x="6987895" y="3614266"/>
+              <a:ext cx="479983" cy="479983"/>
+            </a:xfrm>
+            <a:prstGeom prst="rect">
+              <a:avLst/>
+            </a:prstGeom>
+          </p:spPr>
+        </p:pic>
+      </p:grpSp>
+      <p:grpSp>
+        <p:nvGrpSpPr>
+          <p:cNvPr id="78" name="Group 77">
+            <a:extLst>
+              <a:ext uri="{FF2B5EF4-FFF2-40B4-BE49-F238E27FC236}">
+                <a16:creationId xmlns:a16="http://schemas.microsoft.com/office/drawing/2014/main" id="{DFC07634-1D70-2F46-A6B3-44ECCD04D760}"/>
+              </a:ext>
+            </a:extLst>
+          </p:cNvPr>
+          <p:cNvGrpSpPr/>
+          <p:nvPr/>
+        </p:nvGrpSpPr>
+        <p:grpSpPr>
+          <a:xfrm>
+            <a:off x="8220369" y="2611744"/>
+            <a:ext cx="994172" cy="815906"/>
+            <a:chOff x="6721891" y="3594467"/>
+            <a:chExt cx="994172" cy="815906"/>
+          </a:xfrm>
+        </p:grpSpPr>
+        <p:sp>
+          <p:nvSpPr>
+            <p:cNvPr id="80" name="Hexagon 79">
+              <a:extLst>
+                <a:ext uri="{FF2B5EF4-FFF2-40B4-BE49-F238E27FC236}">
+                  <a16:creationId xmlns:a16="http://schemas.microsoft.com/office/drawing/2014/main" id="{E6929B33-D016-2649-B715-60642EC3BDA4}"/>
+                </a:ext>
+              </a:extLst>
+            </p:cNvPr>
+            <p:cNvSpPr/>
+            <p:nvPr/>
+          </p:nvSpPr>
+          <p:spPr>
+            <a:xfrm>
+              <a:off x="6721891" y="3594467"/>
+              <a:ext cx="994172" cy="815906"/>
+            </a:xfrm>
+            <a:prstGeom prst="hexagon">
+              <a:avLst/>
+            </a:prstGeom>
+            <a:solidFill>
+              <a:srgbClr val="FFFFFF"/>
+            </a:solidFill>
+            <a:ln>
+              <a:solidFill>
+                <a:schemeClr val="tx1"/>
+              </a:solidFill>
+            </a:ln>
+          </p:spPr>
+          <p:style>
+            <a:lnRef idx="3">
+              <a:schemeClr val="lt1"/>
+            </a:lnRef>
+            <a:fillRef idx="1">
+              <a:schemeClr val="accent1"/>
+            </a:fillRef>
+            <a:effectRef idx="1">
+              <a:schemeClr val="accent1"/>
+            </a:effectRef>
+            <a:fontRef idx="minor">
+              <a:schemeClr val="lt1"/>
+            </a:fontRef>
+          </p:style>
+          <p:txBody>
+            <a:bodyPr tIns="0" bIns="0" rtlCol="0" anchor="b" anchorCtr="1"/>
+            <a:lstStyle/>
+            <a:p>
+              <a:pPr algn="ctr"/>
+              <a:r>
+                <a:rPr lang="en-US" sz="1100" dirty="0">
+                  <a:solidFill>
+                    <a:schemeClr val="tx1"/>
+                  </a:solidFill>
+                </a:rPr>
+                <a:t>uServ-1</a:t>
+              </a:r>
+              <a:endParaRPr lang="en-US" sz="1400" dirty="0">
+                <a:solidFill>
+                  <a:schemeClr val="tx1"/>
+                </a:solidFill>
+              </a:endParaRPr>
+            </a:p>
+          </p:txBody>
+        </p:sp>
+        <p:pic>
+          <p:nvPicPr>
+            <p:cNvPr id="83" name="Graphic 82" descr="Gauge">
+              <a:extLst>
+                <a:ext uri="{FF2B5EF4-FFF2-40B4-BE49-F238E27FC236}">
+                  <a16:creationId xmlns:a16="http://schemas.microsoft.com/office/drawing/2014/main" id="{432EE9F4-AA43-2343-9B9C-E3C74AEC6DDC}"/>
+                </a:ext>
+              </a:extLst>
+            </p:cNvPr>
+            <p:cNvPicPr>
+              <a:picLocks noChangeAspect="1"/>
+            </p:cNvPicPr>
+            <p:nvPr/>
+          </p:nvPicPr>
+          <p:blipFill>
+            <a:blip r:embed="rId6">
+              <a:extLst>
+                <a:ext uri="{96DAC541-7B7A-43D3-8B79-37D633B846F1}">
+                  <asvg:svgBlip xmlns:asvg="http://schemas.microsoft.com/office/drawing/2016/SVG/main" r:embed="rId7"/>
+                </a:ext>
+              </a:extLst>
+            </a:blip>
+            <a:stretch>
+              <a:fillRect/>
+            </a:stretch>
+          </p:blipFill>
+          <p:spPr>
+            <a:xfrm>
+              <a:off x="6987895" y="3614266"/>
+              <a:ext cx="479983" cy="479983"/>
+            </a:xfrm>
+            <a:prstGeom prst="rect">
+              <a:avLst/>
+            </a:prstGeom>
+          </p:spPr>
+        </p:pic>
+      </p:grpSp>
+      <p:sp>
+        <p:nvSpPr>
+          <p:cNvPr id="4" name="Rounded Rectangle 3">
+            <a:extLst>
+              <a:ext uri="{FF2B5EF4-FFF2-40B4-BE49-F238E27FC236}">
+                <a16:creationId xmlns:a16="http://schemas.microsoft.com/office/drawing/2014/main" id="{5F97C001-C49E-8840-86A2-D1C7102A1272}"/>
+              </a:ext>
+            </a:extLst>
+          </p:cNvPr>
+          <p:cNvSpPr/>
+          <p:nvPr/>
+        </p:nvSpPr>
+        <p:spPr>
+          <a:xfrm>
+            <a:off x="1929053" y="2554757"/>
+            <a:ext cx="2152097" cy="1901241"/>
+          </a:xfrm>
+          <a:prstGeom prst="roundRect">
+            <a:avLst/>
+          </a:prstGeom>
+        </p:spPr>
+        <p:style>
+          <a:lnRef idx="1">
+            <a:schemeClr val="accent3"/>
+          </a:lnRef>
+          <a:fillRef idx="2">
+            <a:schemeClr val="accent3"/>
+          </a:fillRef>
+          <a:effectRef idx="1">
+            <a:schemeClr val="accent3"/>
+          </a:effectRef>
+          <a:fontRef idx="minor">
+            <a:schemeClr val="dk1"/>
+          </a:fontRef>
+        </p:style>
+        <p:txBody>
+          <a:bodyPr rtlCol="0" anchor="ctr"/>
+          <a:lstStyle/>
+          <a:p>
+            <a:pPr algn="ctr"/>
+            <a:endParaRPr lang="en-US" dirty="0"/>
+          </a:p>
+        </p:txBody>
+      </p:sp>
+      <p:sp>
+        <p:nvSpPr>
+          <p:cNvPr id="6" name="Hexagon 5">
+            <a:extLst>
+              <a:ext uri="{FF2B5EF4-FFF2-40B4-BE49-F238E27FC236}">
+                <a16:creationId xmlns:a16="http://schemas.microsoft.com/office/drawing/2014/main" id="{D880FCDD-6DE3-EB4C-8A97-9D64689AEC50}"/>
+              </a:ext>
+            </a:extLst>
+          </p:cNvPr>
+          <p:cNvSpPr/>
+          <p:nvPr/>
+        </p:nvSpPr>
+        <p:spPr>
+          <a:xfrm>
+            <a:off x="1992636" y="3543333"/>
+            <a:ext cx="966652" cy="793321"/>
+          </a:xfrm>
+          <a:prstGeom prst="hexagon">
+            <a:avLst/>
+          </a:prstGeom>
+        </p:spPr>
+        <p:style>
+          <a:lnRef idx="3">
+            <a:schemeClr val="lt1"/>
+          </a:lnRef>
+          <a:fillRef idx="1">
+            <a:schemeClr val="accent2"/>
+          </a:fillRef>
+          <a:effectRef idx="1">
+            <a:schemeClr val="accent2"/>
+          </a:effectRef>
+          <a:fontRef idx="minor">
+            <a:schemeClr val="lt1"/>
+          </a:fontRef>
+        </p:style>
+        <p:txBody>
+          <a:bodyPr rtlCol="0" anchor="ctr"/>
+          <a:lstStyle/>
+          <a:p>
+            <a:pPr algn="ctr"/>
+            <a:r>
+              <a:rPr lang="en-US" dirty="0"/>
+              <a:t>App</a:t>
+            </a:r>
+          </a:p>
+        </p:txBody>
+      </p:sp>
+      <p:sp>
+        <p:nvSpPr>
+          <p:cNvPr id="7" name="Hexagon 6">
+            <a:extLst>
+              <a:ext uri="{FF2B5EF4-FFF2-40B4-BE49-F238E27FC236}">
+                <a16:creationId xmlns:a16="http://schemas.microsoft.com/office/drawing/2014/main" id="{5F7F396E-DBDC-8F41-8D17-71054492499F}"/>
+              </a:ext>
+            </a:extLst>
+          </p:cNvPr>
+          <p:cNvSpPr/>
+          <p:nvPr/>
+        </p:nvSpPr>
+        <p:spPr>
+          <a:xfrm>
+            <a:off x="2968873" y="3202839"/>
+            <a:ext cx="966652" cy="793321"/>
+          </a:xfrm>
+          <a:prstGeom prst="hexagon">
+            <a:avLst/>
+          </a:prstGeom>
+        </p:spPr>
+        <p:style>
+          <a:lnRef idx="3">
+            <a:schemeClr val="lt1"/>
+          </a:lnRef>
+          <a:fillRef idx="1">
+            <a:schemeClr val="accent2"/>
+          </a:fillRef>
+          <a:effectRef idx="1">
+            <a:schemeClr val="accent2"/>
+          </a:effectRef>
+          <a:fontRef idx="minor">
+            <a:schemeClr val="lt1"/>
+          </a:fontRef>
+        </p:style>
+        <p:txBody>
+          <a:bodyPr rtlCol="0" anchor="ctr"/>
+          <a:lstStyle/>
+          <a:p>
+            <a:pPr algn="ctr"/>
+            <a:r>
+              <a:rPr lang="en-US" sz="1600" dirty="0"/>
+              <a:t>Proxy</a:t>
+            </a:r>
+          </a:p>
+        </p:txBody>
+      </p:sp>
+      <p:grpSp>
+        <p:nvGrpSpPr>
+          <p:cNvPr id="12" name="Group 11">
+            <a:extLst>
+              <a:ext uri="{FF2B5EF4-FFF2-40B4-BE49-F238E27FC236}">
+                <a16:creationId xmlns:a16="http://schemas.microsoft.com/office/drawing/2014/main" id="{1822E32B-1E00-9E40-80BD-9043EB90F021}"/>
+              </a:ext>
+            </a:extLst>
+          </p:cNvPr>
+          <p:cNvGrpSpPr/>
+          <p:nvPr/>
+        </p:nvGrpSpPr>
+        <p:grpSpPr>
+          <a:xfrm>
+            <a:off x="9124033" y="4072577"/>
+            <a:ext cx="994171" cy="815906"/>
+            <a:chOff x="7451634" y="809897"/>
+            <a:chExt cx="1262743" cy="1036320"/>
+          </a:xfrm>
+        </p:grpSpPr>
+        <p:sp>
+          <p:nvSpPr>
+            <p:cNvPr id="11" name="Hexagon 10">
+              <a:extLst>
+                <a:ext uri="{FF2B5EF4-FFF2-40B4-BE49-F238E27FC236}">
+                  <a16:creationId xmlns:a16="http://schemas.microsoft.com/office/drawing/2014/main" id="{E34A61D6-AB60-8A4C-8E65-64A2ECADE5DC}"/>
+                </a:ext>
+              </a:extLst>
+            </p:cNvPr>
+            <p:cNvSpPr/>
+            <p:nvPr/>
+          </p:nvSpPr>
+          <p:spPr>
+            <a:xfrm>
+              <a:off x="7451634" y="809897"/>
+              <a:ext cx="1262743" cy="1036320"/>
+            </a:xfrm>
+            <a:prstGeom prst="hexagon">
+              <a:avLst/>
+            </a:prstGeom>
+            <a:solidFill>
+              <a:srgbClr val="FFFFFF"/>
+            </a:solidFill>
+            <a:ln>
+              <a:solidFill>
+                <a:schemeClr val="tx1"/>
+              </a:solidFill>
+            </a:ln>
+          </p:spPr>
+          <p:style>
+            <a:lnRef idx="3">
+              <a:schemeClr val="lt1"/>
+            </a:lnRef>
+            <a:fillRef idx="1">
+              <a:schemeClr val="accent1"/>
+            </a:fillRef>
+            <a:effectRef idx="1">
+              <a:schemeClr val="accent1"/>
+            </a:effectRef>
+            <a:fontRef idx="minor">
+              <a:schemeClr val="lt1"/>
+            </a:fontRef>
+          </p:style>
+          <p:txBody>
+            <a:bodyPr rtlCol="0" anchor="ctr"/>
+            <a:lstStyle/>
+            <a:p>
+              <a:pPr algn="ctr"/>
+              <a:endParaRPr lang="en-US" dirty="0"/>
+            </a:p>
+          </p:txBody>
+        </p:sp>
+        <p:pic>
+          <p:nvPicPr>
+            <p:cNvPr id="1026" name="Picture 2" descr="Container monitoring system Prometheus gets a major update ...">
+              <a:extLst>
+                <a:ext uri="{FF2B5EF4-FFF2-40B4-BE49-F238E27FC236}">
+                  <a16:creationId xmlns:a16="http://schemas.microsoft.com/office/drawing/2014/main" id="{73791BC1-3FE9-8944-B9C4-1CD609401BC5}"/>
+                </a:ext>
+              </a:extLst>
+            </p:cNvPr>
+            <p:cNvPicPr>
+              <a:picLocks noChangeAspect="1" noChangeArrowheads="1"/>
+            </p:cNvPicPr>
+            <p:nvPr/>
+          </p:nvPicPr>
+          <p:blipFill>
+            <a:blip r:embed="rId8">
+              <a:extLst>
+                <a:ext uri="{28A0092B-C50C-407E-A947-70E740481C1C}">
+                  <a14:useLocalDpi xmlns:a14="http://schemas.microsoft.com/office/drawing/2010/main" val="0"/>
+                </a:ext>
+              </a:extLst>
+            </a:blip>
+            <a:srcRect/>
+            <a:stretch>
+              <a:fillRect/>
+            </a:stretch>
+          </p:blipFill>
+          <p:spPr bwMode="auto">
+            <a:xfrm>
+              <a:off x="7518399" y="982236"/>
+              <a:ext cx="1129212" cy="691642"/>
+            </a:xfrm>
+            <a:prstGeom prst="rect">
+              <a:avLst/>
+            </a:prstGeom>
+            <a:noFill/>
+            <a:extLst>
+              <a:ext uri="{909E8E84-426E-40DD-AFC4-6F175D3DCCD1}">
+                <a14:hiddenFill xmlns:a14="http://schemas.microsoft.com/office/drawing/2010/main">
+                  <a:solidFill>
+                    <a:srgbClr val="FFFFFF"/>
+                  </a:solidFill>
+                </a14:hiddenFill>
+              </a:ext>
+            </a:extLst>
+          </p:spPr>
+        </p:pic>
+      </p:grpSp>
+      <p:sp>
+        <p:nvSpPr>
+          <p:cNvPr id="1056" name="TextBox 1055">
+            <a:extLst>
+              <a:ext uri="{FF2B5EF4-FFF2-40B4-BE49-F238E27FC236}">
+                <a16:creationId xmlns:a16="http://schemas.microsoft.com/office/drawing/2014/main" id="{E45D379B-87A2-EB4D-9551-ECB0DFD5E09D}"/>
+              </a:ext>
+            </a:extLst>
+          </p:cNvPr>
+          <p:cNvSpPr txBox="1"/>
+          <p:nvPr/>
+        </p:nvSpPr>
+        <p:spPr>
+          <a:xfrm>
+            <a:off x="2073796" y="2837514"/>
+            <a:ext cx="764568" cy="523220"/>
+          </a:xfrm>
+          <a:prstGeom prst="rect">
+            <a:avLst/>
+          </a:prstGeom>
+          <a:noFill/>
+        </p:spPr>
+        <p:txBody>
+          <a:bodyPr wrap="none" rtlCol="0">
+            <a:spAutoFit/>
+          </a:bodyPr>
+          <a:lstStyle/>
+          <a:p>
+            <a:pPr algn="ctr"/>
+            <a:r>
+              <a:rPr lang="en-US" sz="1400" dirty="0"/>
+              <a:t>Training</a:t>
+            </a:r>
+          </a:p>
+          <a:p>
+            <a:pPr algn="ctr"/>
+            <a:r>
+              <a:rPr lang="en-US" sz="1400" dirty="0"/>
+              <a:t>Pod</a:t>
+            </a:r>
+          </a:p>
+        </p:txBody>
+      </p:sp>
+      <p:sp>
+        <p:nvSpPr>
+          <p:cNvPr id="75" name="Folded Corner 74">
+            <a:extLst>
+              <a:ext uri="{FF2B5EF4-FFF2-40B4-BE49-F238E27FC236}">
+                <a16:creationId xmlns:a16="http://schemas.microsoft.com/office/drawing/2014/main" id="{AD3E16F7-11EE-0042-8478-4886C562136E}"/>
+              </a:ext>
+            </a:extLst>
+          </p:cNvPr>
+          <p:cNvSpPr/>
+          <p:nvPr/>
+        </p:nvSpPr>
+        <p:spPr>
+          <a:xfrm>
+            <a:off x="3222748" y="2094889"/>
+            <a:ext cx="615771" cy="742625"/>
+          </a:xfrm>
+          <a:prstGeom prst="foldedCorner">
+            <a:avLst/>
+          </a:prstGeom>
         </p:spPr>
         <p:style>
           <a:lnRef idx="2">
@@ -7181,16 +9043,753 @@
           <a:lstStyle/>
           <a:p>
             <a:pPr algn="ctr"/>
-            <a:endParaRPr lang="en-US"/>
-          </a:p>
-        </p:txBody>
-      </p:sp>
-      <p:sp>
-        <p:nvSpPr>
-          <p:cNvPr id="54" name="Freeform 53">
+            <a:r>
+              <a:rPr lang="en-US" sz="1100" dirty="0"/>
+              <a:t>Config</a:t>
+            </a:r>
+          </a:p>
+          <a:p>
+            <a:pPr algn="ctr"/>
+            <a:r>
+              <a:rPr lang="en-US" sz="1100" dirty="0"/>
+              <a:t>map</a:t>
+            </a:r>
+          </a:p>
+        </p:txBody>
+      </p:sp>
+      <p:grpSp>
+        <p:nvGrpSpPr>
+          <p:cNvPr id="19" name="Group 18">
             <a:extLst>
               <a:ext uri="{FF2B5EF4-FFF2-40B4-BE49-F238E27FC236}">
-                <a16:creationId xmlns:a16="http://schemas.microsoft.com/office/drawing/2014/main" id="{5FBC2E16-58B6-3947-B5FA-B52486F7D1AC}"/>
+                <a16:creationId xmlns:a16="http://schemas.microsoft.com/office/drawing/2014/main" id="{14E0D2DD-B2D9-0E42-9330-3C010388EFD8}"/>
+              </a:ext>
+            </a:extLst>
+          </p:cNvPr>
+          <p:cNvGrpSpPr/>
+          <p:nvPr/>
+        </p:nvGrpSpPr>
+        <p:grpSpPr>
+          <a:xfrm>
+            <a:off x="8182426" y="4564670"/>
+            <a:ext cx="994172" cy="815906"/>
+            <a:chOff x="10204452" y="3941079"/>
+            <a:chExt cx="994172" cy="815906"/>
+          </a:xfrm>
+        </p:grpSpPr>
+        <p:sp>
+          <p:nvSpPr>
+            <p:cNvPr id="100" name="Hexagon 99">
+              <a:extLst>
+                <a:ext uri="{FF2B5EF4-FFF2-40B4-BE49-F238E27FC236}">
+                  <a16:creationId xmlns:a16="http://schemas.microsoft.com/office/drawing/2014/main" id="{BD21FF0F-DAC1-E046-9E5A-82DC36228C6E}"/>
+                </a:ext>
+              </a:extLst>
+            </p:cNvPr>
+            <p:cNvSpPr/>
+            <p:nvPr/>
+          </p:nvSpPr>
+          <p:spPr>
+            <a:xfrm>
+              <a:off x="10204452" y="3941079"/>
+              <a:ext cx="994172" cy="815906"/>
+            </a:xfrm>
+            <a:prstGeom prst="hexagon">
+              <a:avLst/>
+            </a:prstGeom>
+            <a:solidFill>
+              <a:srgbClr val="FFFFFF"/>
+            </a:solidFill>
+            <a:ln>
+              <a:solidFill>
+                <a:schemeClr val="tx1"/>
+              </a:solidFill>
+            </a:ln>
+          </p:spPr>
+          <p:style>
+            <a:lnRef idx="3">
+              <a:schemeClr val="lt1"/>
+            </a:lnRef>
+            <a:fillRef idx="1">
+              <a:schemeClr val="accent1"/>
+            </a:fillRef>
+            <a:effectRef idx="1">
+              <a:schemeClr val="accent1"/>
+            </a:effectRef>
+            <a:fontRef idx="minor">
+              <a:schemeClr val="lt1"/>
+            </a:fontRef>
+          </p:style>
+          <p:txBody>
+            <a:bodyPr tIns="0" bIns="0" rtlCol="0" anchor="b" anchorCtr="1"/>
+            <a:lstStyle/>
+            <a:p>
+              <a:pPr algn="ctr"/>
+              <a:r>
+                <a:rPr lang="en-US" sz="1100" dirty="0">
+                  <a:solidFill>
+                    <a:schemeClr val="tx1"/>
+                  </a:solidFill>
+                </a:rPr>
+                <a:t>Sampler</a:t>
+              </a:r>
+              <a:endParaRPr lang="en-US" sz="1400" dirty="0">
+                <a:solidFill>
+                  <a:schemeClr val="tx1"/>
+                </a:solidFill>
+              </a:endParaRPr>
+            </a:p>
+          </p:txBody>
+        </p:sp>
+        <p:pic>
+          <p:nvPicPr>
+            <p:cNvPr id="18" name="Graphic 17" descr="Research">
+              <a:extLst>
+                <a:ext uri="{FF2B5EF4-FFF2-40B4-BE49-F238E27FC236}">
+                  <a16:creationId xmlns:a16="http://schemas.microsoft.com/office/drawing/2014/main" id="{04C40901-44B1-2544-B28F-FB78E7E4EF0D}"/>
+                </a:ext>
+              </a:extLst>
+            </p:cNvPr>
+            <p:cNvPicPr>
+              <a:picLocks noChangeAspect="1"/>
+            </p:cNvPicPr>
+            <p:nvPr/>
+          </p:nvPicPr>
+          <p:blipFill>
+            <a:blip r:embed="rId9">
+              <a:extLst>
+                <a:ext uri="{96DAC541-7B7A-43D3-8B79-37D633B846F1}">
+                  <asvg:svgBlip xmlns:asvg="http://schemas.microsoft.com/office/drawing/2016/SVG/main" r:embed="rId10"/>
+                </a:ext>
+              </a:extLst>
+            </a:blip>
+            <a:stretch>
+              <a:fillRect/>
+            </a:stretch>
+          </p:blipFill>
+          <p:spPr>
+            <a:xfrm>
+              <a:off x="10453187" y="3962338"/>
+              <a:ext cx="494972" cy="494972"/>
+            </a:xfrm>
+            <a:prstGeom prst="rect">
+              <a:avLst/>
+            </a:prstGeom>
+          </p:spPr>
+        </p:pic>
+      </p:grpSp>
+      <p:sp>
+        <p:nvSpPr>
+          <p:cNvPr id="22" name="TextBox 21">
+            <a:extLst>
+              <a:ext uri="{FF2B5EF4-FFF2-40B4-BE49-F238E27FC236}">
+                <a16:creationId xmlns:a16="http://schemas.microsoft.com/office/drawing/2014/main" id="{8887F5EC-8568-A74C-AC23-C91BC04C1B67}"/>
+              </a:ext>
+            </a:extLst>
+          </p:cNvPr>
+          <p:cNvSpPr txBox="1"/>
+          <p:nvPr/>
+        </p:nvSpPr>
+        <p:spPr>
+          <a:xfrm>
+            <a:off x="376543" y="332527"/>
+            <a:ext cx="3043462" cy="646331"/>
+          </a:xfrm>
+          <a:prstGeom prst="rect">
+            <a:avLst/>
+          </a:prstGeom>
+          <a:noFill/>
+        </p:spPr>
+        <p:txBody>
+          <a:bodyPr wrap="none" rtlCol="0">
+            <a:spAutoFit/>
+          </a:bodyPr>
+          <a:lstStyle/>
+          <a:p>
+            <a:r>
+              <a:rPr lang="en-US" dirty="0"/>
+              <a:t>Arch. V2 – Microservice-aware</a:t>
+            </a:r>
+          </a:p>
+          <a:p>
+            <a:r>
+              <a:rPr lang="en-US" dirty="0"/>
+              <a:t>Tuning Loop</a:t>
+            </a:r>
+          </a:p>
+        </p:txBody>
+      </p:sp>
+      <p:grpSp>
+        <p:nvGrpSpPr>
+          <p:cNvPr id="38" name="Group 37">
+            <a:extLst>
+              <a:ext uri="{FF2B5EF4-FFF2-40B4-BE49-F238E27FC236}">
+                <a16:creationId xmlns:a16="http://schemas.microsoft.com/office/drawing/2014/main" id="{0CEFA952-C509-CB45-9D81-83AC70553761}"/>
+              </a:ext>
+            </a:extLst>
+          </p:cNvPr>
+          <p:cNvGrpSpPr/>
+          <p:nvPr/>
+        </p:nvGrpSpPr>
+        <p:grpSpPr>
+          <a:xfrm>
+            <a:off x="4689988" y="520006"/>
+            <a:ext cx="2360536" cy="1338291"/>
+            <a:chOff x="4689988" y="520006"/>
+            <a:chExt cx="2360536" cy="1338291"/>
+          </a:xfrm>
+        </p:grpSpPr>
+        <p:sp>
+          <p:nvSpPr>
+            <p:cNvPr id="2" name="Rounded Rectangle 1">
+              <a:extLst>
+                <a:ext uri="{FF2B5EF4-FFF2-40B4-BE49-F238E27FC236}">
+                  <a16:creationId xmlns:a16="http://schemas.microsoft.com/office/drawing/2014/main" id="{0467541F-586C-5A4B-A4C7-90389158C61B}"/>
+                </a:ext>
+              </a:extLst>
+            </p:cNvPr>
+            <p:cNvSpPr/>
+            <p:nvPr/>
+          </p:nvSpPr>
+          <p:spPr>
+            <a:xfrm>
+              <a:off x="4689988" y="520006"/>
+              <a:ext cx="2360536" cy="1171143"/>
+            </a:xfrm>
+            <a:prstGeom prst="roundRect">
+              <a:avLst/>
+            </a:prstGeom>
+          </p:spPr>
+          <p:style>
+            <a:lnRef idx="2">
+              <a:schemeClr val="accent1">
+                <a:shade val="50000"/>
+              </a:schemeClr>
+            </a:lnRef>
+            <a:fillRef idx="1">
+              <a:schemeClr val="accent1"/>
+            </a:fillRef>
+            <a:effectRef idx="0">
+              <a:schemeClr val="accent1"/>
+            </a:effectRef>
+            <a:fontRef idx="minor">
+              <a:schemeClr val="lt1"/>
+            </a:fontRef>
+          </p:style>
+          <p:txBody>
+            <a:bodyPr rtlCol="0" anchor="ctr"/>
+            <a:lstStyle/>
+            <a:p>
+              <a:pPr algn="ctr"/>
+              <a:r>
+                <a:rPr lang="en-US" u="sng" dirty="0"/>
+                <a:t>uServ-1</a:t>
+              </a:r>
+            </a:p>
+            <a:p>
+              <a:pPr algn="ctr"/>
+              <a:r>
+                <a:rPr lang="en-US" dirty="0"/>
+                <a:t>Bayesian module</a:t>
+              </a:r>
+            </a:p>
+          </p:txBody>
+        </p:sp>
+        <p:sp>
+          <p:nvSpPr>
+            <p:cNvPr id="8" name="Rectangle 7">
+              <a:extLst>
+                <a:ext uri="{FF2B5EF4-FFF2-40B4-BE49-F238E27FC236}">
+                  <a16:creationId xmlns:a16="http://schemas.microsoft.com/office/drawing/2014/main" id="{CDA6DB9A-7E2C-FB45-8DA6-5A0ACC65065A}"/>
+                </a:ext>
+              </a:extLst>
+            </p:cNvPr>
+            <p:cNvSpPr/>
+            <p:nvPr/>
+          </p:nvSpPr>
+          <p:spPr>
+            <a:xfrm>
+              <a:off x="6179574" y="1523999"/>
+              <a:ext cx="442452" cy="334297"/>
+            </a:xfrm>
+            <a:prstGeom prst="rect">
+              <a:avLst/>
+            </a:prstGeom>
+          </p:spPr>
+          <p:style>
+            <a:lnRef idx="2">
+              <a:schemeClr val="accent1"/>
+            </a:lnRef>
+            <a:fillRef idx="1">
+              <a:schemeClr val="lt1"/>
+            </a:fillRef>
+            <a:effectRef idx="0">
+              <a:schemeClr val="accent1"/>
+            </a:effectRef>
+            <a:fontRef idx="minor">
+              <a:schemeClr val="dk1"/>
+            </a:fontRef>
+          </p:style>
+          <p:txBody>
+            <a:bodyPr rtlCol="0" anchor="ctr"/>
+            <a:lstStyle/>
+            <a:p>
+              <a:pPr algn="ctr"/>
+              <a:r>
+                <a:rPr lang="en-US" sz="1200" dirty="0"/>
+                <a:t>in</a:t>
+              </a:r>
+            </a:p>
+          </p:txBody>
+        </p:sp>
+        <p:sp>
+          <p:nvSpPr>
+            <p:cNvPr id="53" name="Rectangle 52">
+              <a:extLst>
+                <a:ext uri="{FF2B5EF4-FFF2-40B4-BE49-F238E27FC236}">
+                  <a16:creationId xmlns:a16="http://schemas.microsoft.com/office/drawing/2014/main" id="{541612C2-7693-FB42-88E5-FAE80B382583}"/>
+                </a:ext>
+              </a:extLst>
+            </p:cNvPr>
+            <p:cNvSpPr/>
+            <p:nvPr/>
+          </p:nvSpPr>
+          <p:spPr>
+            <a:xfrm>
+              <a:off x="5127524" y="1524000"/>
+              <a:ext cx="442452" cy="334297"/>
+            </a:xfrm>
+            <a:prstGeom prst="rect">
+              <a:avLst/>
+            </a:prstGeom>
+          </p:spPr>
+          <p:style>
+            <a:lnRef idx="2">
+              <a:schemeClr val="accent1"/>
+            </a:lnRef>
+            <a:fillRef idx="1">
+              <a:schemeClr val="lt1"/>
+            </a:fillRef>
+            <a:effectRef idx="0">
+              <a:schemeClr val="accent1"/>
+            </a:effectRef>
+            <a:fontRef idx="minor">
+              <a:schemeClr val="dk1"/>
+            </a:fontRef>
+          </p:style>
+          <p:txBody>
+            <a:bodyPr rtlCol="0" anchor="ctr"/>
+            <a:lstStyle/>
+            <a:p>
+              <a:pPr algn="ctr"/>
+              <a:r>
+                <a:rPr lang="en-US" sz="1200" dirty="0"/>
+                <a:t>out</a:t>
+              </a:r>
+            </a:p>
+          </p:txBody>
+        </p:sp>
+      </p:grpSp>
+      <p:cxnSp>
+        <p:nvCxnSpPr>
+          <p:cNvPr id="14" name="Curved Connector 13">
+            <a:extLst>
+              <a:ext uri="{FF2B5EF4-FFF2-40B4-BE49-F238E27FC236}">
+                <a16:creationId xmlns:a16="http://schemas.microsoft.com/office/drawing/2014/main" id="{0244DE1E-E9E8-4D48-BCEA-78B8978D6E8A}"/>
+              </a:ext>
+            </a:extLst>
+          </p:cNvPr>
+          <p:cNvCxnSpPr>
+            <a:stCxn id="53" idx="2"/>
+            <a:endCxn id="75" idx="3"/>
+          </p:cNvCxnSpPr>
+          <p:nvPr/>
+        </p:nvCxnSpPr>
+        <p:spPr>
+          <a:xfrm rot="5400000">
+            <a:off x="4289683" y="1407134"/>
+            <a:ext cx="607905" cy="1510231"/>
+          </a:xfrm>
+          <a:prstGeom prst="curvedConnector2">
+            <a:avLst/>
+          </a:prstGeom>
+          <a:ln w="12700">
+            <a:tailEnd type="triangle"/>
+          </a:ln>
+        </p:spPr>
+        <p:style>
+          <a:lnRef idx="1">
+            <a:schemeClr val="accent1"/>
+          </a:lnRef>
+          <a:fillRef idx="0">
+            <a:schemeClr val="accent1"/>
+          </a:fillRef>
+          <a:effectRef idx="0">
+            <a:schemeClr val="accent1"/>
+          </a:effectRef>
+          <a:fontRef idx="minor">
+            <a:schemeClr val="tx1"/>
+          </a:fontRef>
+        </p:style>
+      </p:cxnSp>
+      <p:sp>
+        <p:nvSpPr>
+          <p:cNvPr id="15" name="TextBox 14">
+            <a:extLst>
+              <a:ext uri="{FF2B5EF4-FFF2-40B4-BE49-F238E27FC236}">
+                <a16:creationId xmlns:a16="http://schemas.microsoft.com/office/drawing/2014/main" id="{E15F12B3-78F6-7C4E-B147-11F33A8EF466}"/>
+              </a:ext>
+            </a:extLst>
+          </p:cNvPr>
+          <p:cNvSpPr txBox="1"/>
+          <p:nvPr/>
+        </p:nvSpPr>
+        <p:spPr>
+          <a:xfrm>
+            <a:off x="3934084" y="1847720"/>
+            <a:ext cx="888641" cy="369332"/>
+          </a:xfrm>
+          <a:prstGeom prst="rect">
+            <a:avLst/>
+          </a:prstGeom>
+          <a:noFill/>
+        </p:spPr>
+        <p:txBody>
+          <a:bodyPr wrap="none" rtlCol="0">
+            <a:spAutoFit/>
+          </a:bodyPr>
+          <a:lstStyle/>
+          <a:p>
+            <a:r>
+              <a:rPr lang="en-US" dirty="0"/>
+              <a:t>Config </a:t>
+            </a:r>
+            <a:r>
+              <a:rPr lang="en-US" dirty="0" err="1"/>
+              <a:t>i</a:t>
+            </a:r>
+            <a:endParaRPr lang="en-US" dirty="0"/>
+          </a:p>
+        </p:txBody>
+      </p:sp>
+      <p:pic>
+        <p:nvPicPr>
+          <p:cNvPr id="17" name="Graphic 16" descr="Stopwatch">
+            <a:extLst>
+              <a:ext uri="{FF2B5EF4-FFF2-40B4-BE49-F238E27FC236}">
+                <a16:creationId xmlns:a16="http://schemas.microsoft.com/office/drawing/2014/main" id="{BC4A43E6-39B3-A242-80C9-7F3BF0B0905E}"/>
+              </a:ext>
+            </a:extLst>
+          </p:cNvPr>
+          <p:cNvPicPr>
+            <a:picLocks noChangeAspect="1"/>
+          </p:cNvPicPr>
+          <p:nvPr/>
+        </p:nvPicPr>
+        <p:blipFill>
+          <a:blip r:embed="rId11">
+            <a:extLst>
+              <a:ext uri="{96DAC541-7B7A-43D3-8B79-37D633B846F1}">
+                <asvg:svgBlip xmlns:asvg="http://schemas.microsoft.com/office/drawing/2016/SVG/main" r:embed="rId12"/>
+              </a:ext>
+            </a:extLst>
+          </a:blip>
+          <a:stretch>
+            <a:fillRect/>
+          </a:stretch>
+        </p:blipFill>
+        <p:spPr>
+          <a:xfrm>
+            <a:off x="3364288" y="4047877"/>
+            <a:ext cx="914400" cy="914400"/>
+          </a:xfrm>
+          <a:prstGeom prst="rect">
+            <a:avLst/>
+          </a:prstGeom>
+        </p:spPr>
+      </p:pic>
+      <p:cxnSp>
+        <p:nvCxnSpPr>
+          <p:cNvPr id="21" name="Curved Connector 20">
+            <a:extLst>
+              <a:ext uri="{FF2B5EF4-FFF2-40B4-BE49-F238E27FC236}">
+                <a16:creationId xmlns:a16="http://schemas.microsoft.com/office/drawing/2014/main" id="{E38D2F73-C310-5043-ABF9-57794EF0C203}"/>
+              </a:ext>
+            </a:extLst>
+          </p:cNvPr>
+          <p:cNvCxnSpPr>
+            <a:stCxn id="100" idx="2"/>
+            <a:endCxn id="8" idx="2"/>
+          </p:cNvCxnSpPr>
+          <p:nvPr/>
+        </p:nvCxnSpPr>
+        <p:spPr>
+          <a:xfrm rot="5400000" flipH="1">
+            <a:off x="5632462" y="2626635"/>
+            <a:ext cx="3522280" cy="1985603"/>
+          </a:xfrm>
+          <a:prstGeom prst="curvedConnector3">
+            <a:avLst>
+              <a:gd name="adj1" fmla="val -6490"/>
+            </a:avLst>
+          </a:prstGeom>
+          <a:ln w="12700">
+            <a:tailEnd type="triangle"/>
+          </a:ln>
+        </p:spPr>
+        <p:style>
+          <a:lnRef idx="1">
+            <a:schemeClr val="accent1"/>
+          </a:lnRef>
+          <a:fillRef idx="0">
+            <a:schemeClr val="accent1"/>
+          </a:fillRef>
+          <a:effectRef idx="0">
+            <a:schemeClr val="accent1"/>
+          </a:effectRef>
+          <a:fontRef idx="minor">
+            <a:schemeClr val="tx1"/>
+          </a:fontRef>
+        </p:style>
+      </p:cxnSp>
+      <p:grpSp>
+        <p:nvGrpSpPr>
+          <p:cNvPr id="25" name="Group 24">
+            <a:extLst>
+              <a:ext uri="{FF2B5EF4-FFF2-40B4-BE49-F238E27FC236}">
+                <a16:creationId xmlns:a16="http://schemas.microsoft.com/office/drawing/2014/main" id="{543795CD-0865-4D47-9039-1B0EE3BE7CCA}"/>
+              </a:ext>
+            </a:extLst>
+          </p:cNvPr>
+          <p:cNvGrpSpPr/>
+          <p:nvPr/>
+        </p:nvGrpSpPr>
+        <p:grpSpPr>
+          <a:xfrm>
+            <a:off x="9136843" y="3063833"/>
+            <a:ext cx="994172" cy="815906"/>
+            <a:chOff x="9136843" y="3063833"/>
+            <a:chExt cx="994172" cy="815906"/>
+          </a:xfrm>
+        </p:grpSpPr>
+        <p:sp>
+          <p:nvSpPr>
+            <p:cNvPr id="62" name="Hexagon 61">
+              <a:extLst>
+                <a:ext uri="{FF2B5EF4-FFF2-40B4-BE49-F238E27FC236}">
+                  <a16:creationId xmlns:a16="http://schemas.microsoft.com/office/drawing/2014/main" id="{85F152ED-7A3F-D64F-9761-3B009CCFB636}"/>
+                </a:ext>
+              </a:extLst>
+            </p:cNvPr>
+            <p:cNvSpPr/>
+            <p:nvPr/>
+          </p:nvSpPr>
+          <p:spPr>
+            <a:xfrm>
+              <a:off x="9136843" y="3063833"/>
+              <a:ext cx="994172" cy="815906"/>
+            </a:xfrm>
+            <a:prstGeom prst="hexagon">
+              <a:avLst/>
+            </a:prstGeom>
+            <a:solidFill>
+              <a:srgbClr val="FFFFFF"/>
+            </a:solidFill>
+            <a:ln>
+              <a:solidFill>
+                <a:schemeClr val="tx1"/>
+              </a:solidFill>
+            </a:ln>
+          </p:spPr>
+          <p:style>
+            <a:lnRef idx="3">
+              <a:schemeClr val="lt1"/>
+            </a:lnRef>
+            <a:fillRef idx="1">
+              <a:schemeClr val="accent1"/>
+            </a:fillRef>
+            <a:effectRef idx="1">
+              <a:schemeClr val="accent1"/>
+            </a:effectRef>
+            <a:fontRef idx="minor">
+              <a:schemeClr val="lt1"/>
+            </a:fontRef>
+          </p:style>
+          <p:txBody>
+            <a:bodyPr tIns="0" bIns="0" rtlCol="0" anchor="b" anchorCtr="1"/>
+            <a:lstStyle/>
+            <a:p>
+              <a:pPr algn="ctr"/>
+              <a:r>
+                <a:rPr lang="en-US" sz="1100" dirty="0">
+                  <a:solidFill>
+                    <a:schemeClr val="tx1"/>
+                  </a:solidFill>
+                </a:rPr>
+                <a:t>Classifier</a:t>
+              </a:r>
+              <a:endParaRPr lang="en-US" sz="1400" dirty="0">
+                <a:solidFill>
+                  <a:schemeClr val="tx1"/>
+                </a:solidFill>
+              </a:endParaRPr>
+            </a:p>
+          </p:txBody>
+        </p:sp>
+        <p:pic>
+          <p:nvPicPr>
+            <p:cNvPr id="24" name="Graphic 23" descr="Sport balls">
+              <a:extLst>
+                <a:ext uri="{FF2B5EF4-FFF2-40B4-BE49-F238E27FC236}">
+                  <a16:creationId xmlns:a16="http://schemas.microsoft.com/office/drawing/2014/main" id="{93561822-D264-744E-8D41-02AC2870A643}"/>
+                </a:ext>
+              </a:extLst>
+            </p:cNvPr>
+            <p:cNvPicPr>
+              <a:picLocks noChangeAspect="1"/>
+            </p:cNvPicPr>
+            <p:nvPr/>
+          </p:nvPicPr>
+          <p:blipFill>
+            <a:blip r:embed="rId13">
+              <a:extLst>
+                <a:ext uri="{96DAC541-7B7A-43D3-8B79-37D633B846F1}">
+                  <asvg:svgBlip xmlns:asvg="http://schemas.microsoft.com/office/drawing/2016/SVG/main" r:embed="rId14"/>
+                </a:ext>
+              </a:extLst>
+            </a:blip>
+            <a:stretch>
+              <a:fillRect/>
+            </a:stretch>
+          </p:blipFill>
+          <p:spPr>
+            <a:xfrm>
+              <a:off x="9406004" y="3099124"/>
+              <a:ext cx="455850" cy="455850"/>
+            </a:xfrm>
+            <a:prstGeom prst="rect">
+              <a:avLst/>
+            </a:prstGeom>
+          </p:spPr>
+        </p:pic>
+      </p:grpSp>
+      <p:cxnSp>
+        <p:nvCxnSpPr>
+          <p:cNvPr id="27" name="Curved Connector 26">
+            <a:extLst>
+              <a:ext uri="{FF2B5EF4-FFF2-40B4-BE49-F238E27FC236}">
+                <a16:creationId xmlns:a16="http://schemas.microsoft.com/office/drawing/2014/main" id="{F4A4440C-3D9F-A542-8D91-2E1EB21E2E1D}"/>
+              </a:ext>
+            </a:extLst>
+          </p:cNvPr>
+          <p:cNvCxnSpPr>
+            <a:stCxn id="62" idx="4"/>
+          </p:cNvCxnSpPr>
+          <p:nvPr/>
+        </p:nvCxnSpPr>
+        <p:spPr>
+          <a:xfrm rot="16200000" flipV="1">
+            <a:off x="7268042" y="991055"/>
+            <a:ext cx="1205537" cy="2940020"/>
+          </a:xfrm>
+          <a:prstGeom prst="curvedConnector2">
+            <a:avLst/>
+          </a:prstGeom>
+          <a:ln w="12700">
+            <a:tailEnd type="triangle"/>
+          </a:ln>
+        </p:spPr>
+        <p:style>
+          <a:lnRef idx="1">
+            <a:schemeClr val="accent1"/>
+          </a:lnRef>
+          <a:fillRef idx="0">
+            <a:schemeClr val="accent1"/>
+          </a:fillRef>
+          <a:effectRef idx="0">
+            <a:schemeClr val="accent1"/>
+          </a:effectRef>
+          <a:fontRef idx="minor">
+            <a:schemeClr val="tx1"/>
+          </a:fontRef>
+        </p:style>
+      </p:cxnSp>
+      <p:sp>
+        <p:nvSpPr>
+          <p:cNvPr id="28" name="TextBox 27">
+            <a:extLst>
+              <a:ext uri="{FF2B5EF4-FFF2-40B4-BE49-F238E27FC236}">
+                <a16:creationId xmlns:a16="http://schemas.microsoft.com/office/drawing/2014/main" id="{0D275658-C4F2-CC43-8B39-F131F0E8B265}"/>
+              </a:ext>
+            </a:extLst>
+          </p:cNvPr>
+          <p:cNvSpPr txBox="1"/>
+          <p:nvPr/>
+        </p:nvSpPr>
+        <p:spPr>
+          <a:xfrm>
+            <a:off x="6864229" y="5624311"/>
+            <a:ext cx="1356140" cy="369332"/>
+          </a:xfrm>
+          <a:prstGeom prst="rect">
+            <a:avLst/>
+          </a:prstGeom>
+          <a:noFill/>
+        </p:spPr>
+        <p:txBody>
+          <a:bodyPr wrap="none" rtlCol="0">
+            <a:spAutoFit/>
+          </a:bodyPr>
+          <a:lstStyle/>
+          <a:p>
+            <a:r>
+              <a:rPr lang="en-US" dirty="0"/>
+              <a:t>Perf. metrics</a:t>
+            </a:r>
+          </a:p>
+        </p:txBody>
+      </p:sp>
+      <p:sp>
+        <p:nvSpPr>
+          <p:cNvPr id="69" name="TextBox 68">
+            <a:extLst>
+              <a:ext uri="{FF2B5EF4-FFF2-40B4-BE49-F238E27FC236}">
+                <a16:creationId xmlns:a16="http://schemas.microsoft.com/office/drawing/2014/main" id="{A6DE318D-B0F3-4C44-A7E2-F411EA05A37F}"/>
+              </a:ext>
+            </a:extLst>
+          </p:cNvPr>
+          <p:cNvSpPr txBox="1"/>
+          <p:nvPr/>
+        </p:nvSpPr>
+        <p:spPr>
+          <a:xfrm>
+            <a:off x="8606858" y="2004190"/>
+            <a:ext cx="1564787" cy="369332"/>
+          </a:xfrm>
+          <a:prstGeom prst="rect">
+            <a:avLst/>
+          </a:prstGeom>
+          <a:noFill/>
+        </p:spPr>
+        <p:txBody>
+          <a:bodyPr wrap="none" rtlCol="0">
+            <a:spAutoFit/>
+          </a:bodyPr>
+          <a:lstStyle/>
+          <a:p>
+            <a:r>
+              <a:rPr lang="en-US" dirty="0"/>
+              <a:t>Workload type</a:t>
+            </a:r>
+          </a:p>
+        </p:txBody>
+      </p:sp>
+      <p:sp>
+        <p:nvSpPr>
+          <p:cNvPr id="29" name="Right Arrow 28">
+            <a:extLst>
+              <a:ext uri="{FF2B5EF4-FFF2-40B4-BE49-F238E27FC236}">
+                <a16:creationId xmlns:a16="http://schemas.microsoft.com/office/drawing/2014/main" id="{3BE85B09-5FE4-0948-A3BE-543C731902A0}"/>
               </a:ext>
             </a:extLst>
           </p:cNvPr>
@@ -7199,55 +9798,12 @@
         </p:nvSpPr>
         <p:spPr>
           <a:xfrm>
-            <a:off x="3893574" y="4709652"/>
-            <a:ext cx="1848465" cy="363793"/>
-          </a:xfrm>
-          <a:custGeom>
+            <a:off x="7511663" y="1022297"/>
+            <a:ext cx="505925" cy="245807"/>
+          </a:xfrm>
+          <a:prstGeom prst="rightArrow">
             <a:avLst/>
-            <a:gdLst>
-              <a:gd name="connsiteX0" fmla="*/ 1848465 w 1848465"/>
-              <a:gd name="connsiteY0" fmla="*/ 0 h 363793"/>
-              <a:gd name="connsiteX1" fmla="*/ 1160207 w 1848465"/>
-              <a:gd name="connsiteY1" fmla="*/ 98322 h 363793"/>
-              <a:gd name="connsiteX2" fmla="*/ 0 w 1848465"/>
-              <a:gd name="connsiteY2" fmla="*/ 363793 h 363793"/>
-            </a:gdLst>
-            <a:ahLst/>
-            <a:cxnLst>
-              <a:cxn ang="0">
-                <a:pos x="connsiteX0" y="connsiteY0"/>
-              </a:cxn>
-              <a:cxn ang="0">
-                <a:pos x="connsiteX1" y="connsiteY1"/>
-              </a:cxn>
-              <a:cxn ang="0">
-                <a:pos x="connsiteX2" y="connsiteY2"/>
-              </a:cxn>
-            </a:cxnLst>
-            <a:rect l="l" t="t" r="r" b="b"/>
-            <a:pathLst>
-              <a:path w="1848465" h="363793">
-                <a:moveTo>
-                  <a:pt x="1848465" y="0"/>
-                </a:moveTo>
-                <a:cubicBezTo>
-                  <a:pt x="1658374" y="18845"/>
-                  <a:pt x="1468284" y="37690"/>
-                  <a:pt x="1160207" y="98322"/>
-                </a:cubicBezTo>
-                <a:cubicBezTo>
-                  <a:pt x="852129" y="158954"/>
-                  <a:pt x="426064" y="261373"/>
-                  <a:pt x="0" y="363793"/>
-                </a:cubicBezTo>
-              </a:path>
-            </a:pathLst>
-          </a:custGeom>
-          <a:noFill/>
-          <a:ln>
-            <a:headEnd type="none" w="med" len="med"/>
-            <a:tailEnd type="triangle" w="med" len="med"/>
-          </a:ln>
+          </a:prstGeom>
         </p:spPr>
         <p:style>
           <a:lnRef idx="2">
@@ -7274,12 +9830,133 @@
           </a:p>
         </p:txBody>
       </p:sp>
-      <p:sp>
-        <p:nvSpPr>
-          <p:cNvPr id="55" name="Freeform 54">
+      <p:pic>
+        <p:nvPicPr>
+          <p:cNvPr id="31" name="Graphic 30" descr="Database">
             <a:extLst>
               <a:ext uri="{FF2B5EF4-FFF2-40B4-BE49-F238E27FC236}">
-                <a16:creationId xmlns:a16="http://schemas.microsoft.com/office/drawing/2014/main" id="{485BDD16-47D3-764D-96A0-A89127CF75D4}"/>
+                <a16:creationId xmlns:a16="http://schemas.microsoft.com/office/drawing/2014/main" id="{BB5F7DB2-5A05-7F42-BB96-499AD34E5B61}"/>
+              </a:ext>
+            </a:extLst>
+          </p:cNvPr>
+          <p:cNvPicPr>
+            <a:picLocks noChangeAspect="1"/>
+          </p:cNvPicPr>
+          <p:nvPr/>
+        </p:nvPicPr>
+        <p:blipFill>
+          <a:blip r:embed="rId15">
+            <a:extLst>
+              <a:ext uri="{96DAC541-7B7A-43D3-8B79-37D633B846F1}">
+                <asvg:svgBlip xmlns:asvg="http://schemas.microsoft.com/office/drawing/2016/SVG/main" r:embed="rId16"/>
+              </a:ext>
+            </a:extLst>
+          </a:blip>
+          <a:stretch>
+            <a:fillRect/>
+          </a:stretch>
+        </p:blipFill>
+        <p:spPr>
+          <a:xfrm>
+            <a:off x="8051956" y="686284"/>
+            <a:ext cx="914400" cy="914400"/>
+          </a:xfrm>
+          <a:prstGeom prst="rect">
+            <a:avLst/>
+          </a:prstGeom>
+        </p:spPr>
+      </p:pic>
+      <p:sp>
+        <p:nvSpPr>
+          <p:cNvPr id="32" name="TextBox 31">
+            <a:extLst>
+              <a:ext uri="{FF2B5EF4-FFF2-40B4-BE49-F238E27FC236}">
+                <a16:creationId xmlns:a16="http://schemas.microsoft.com/office/drawing/2014/main" id="{AD138BD0-314D-3A45-9E50-72CCF3E64497}"/>
+              </a:ext>
+            </a:extLst>
+          </p:cNvPr>
+          <p:cNvSpPr txBox="1"/>
+          <p:nvPr/>
+        </p:nvSpPr>
+        <p:spPr>
+          <a:xfrm>
+            <a:off x="7128807" y="256640"/>
+            <a:ext cx="3599896" cy="307777"/>
+          </a:xfrm>
+          <a:prstGeom prst="rect">
+            <a:avLst/>
+          </a:prstGeom>
+          <a:noFill/>
+        </p:spPr>
+        <p:txBody>
+          <a:bodyPr wrap="none" rtlCol="0">
+            <a:spAutoFit/>
+          </a:bodyPr>
+          <a:lstStyle/>
+          <a:p>
+            <a:r>
+              <a:rPr lang="en-US" sz="1400" dirty="0"/>
+              <a:t>Workload type, train. perf. , prod. perf., config </a:t>
+            </a:r>
+            <a:r>
+              <a:rPr lang="en-US" sz="1400" dirty="0" err="1"/>
+              <a:t>i</a:t>
+            </a:r>
+            <a:endParaRPr lang="en-US" sz="1400" dirty="0"/>
+          </a:p>
+        </p:txBody>
+      </p:sp>
+      <p:cxnSp>
+        <p:nvCxnSpPr>
+          <p:cNvPr id="34" name="Curved Connector 33">
+            <a:extLst>
+              <a:ext uri="{FF2B5EF4-FFF2-40B4-BE49-F238E27FC236}">
+                <a16:creationId xmlns:a16="http://schemas.microsoft.com/office/drawing/2014/main" id="{7017E4F8-367A-4B4A-9BCA-EA6080633C51}"/>
+              </a:ext>
+            </a:extLst>
+          </p:cNvPr>
+          <p:cNvCxnSpPr>
+            <a:stCxn id="11" idx="1"/>
+            <a:endCxn id="100" idx="1"/>
+          </p:cNvCxnSpPr>
+          <p:nvPr/>
+        </p:nvCxnSpPr>
+        <p:spPr>
+          <a:xfrm rot="5400000">
+            <a:off x="9197379" y="4663726"/>
+            <a:ext cx="492093" cy="941606"/>
+          </a:xfrm>
+          <a:prstGeom prst="curvedConnector3">
+            <a:avLst>
+              <a:gd name="adj1" fmla="val 146455"/>
+            </a:avLst>
+          </a:prstGeom>
+          <a:ln w="12700">
+            <a:headEnd type="none" w="med" len="med"/>
+            <a:tailEnd type="none" w="med" len="med"/>
+          </a:ln>
+        </p:spPr>
+        <p:style>
+          <a:lnRef idx="1">
+            <a:schemeClr val="accent1"/>
+          </a:lnRef>
+          <a:fillRef idx="0">
+            <a:schemeClr val="accent1"/>
+          </a:fillRef>
+          <a:effectRef idx="0">
+            <a:schemeClr val="accent1"/>
+          </a:effectRef>
+          <a:fontRef idx="minor">
+            <a:schemeClr val="tx1"/>
+          </a:fontRef>
+        </p:style>
+      </p:cxnSp>
+      <p:sp>
+        <p:nvSpPr>
+          <p:cNvPr id="85" name="Right Arrow 84">
+            <a:extLst>
+              <a:ext uri="{FF2B5EF4-FFF2-40B4-BE49-F238E27FC236}">
+                <a16:creationId xmlns:a16="http://schemas.microsoft.com/office/drawing/2014/main" id="{9C7306C5-9D33-424B-A58A-033D55082E7C}"/>
               </a:ext>
             </a:extLst>
           </p:cNvPr>
@@ -7288,61 +9965,12 @@
         </p:nvSpPr>
         <p:spPr>
           <a:xfrm>
-            <a:off x="6636774" y="2329493"/>
-            <a:ext cx="698091" cy="620184"/>
-          </a:xfrm>
-          <a:custGeom>
+            <a:off x="9131894" y="1038496"/>
+            <a:ext cx="505925" cy="245807"/>
+          </a:xfrm>
+          <a:prstGeom prst="rightArrow">
             <a:avLst/>
-            <a:gdLst>
-              <a:gd name="connsiteX0" fmla="*/ 0 w 737420"/>
-              <a:gd name="connsiteY0" fmla="*/ 5526 h 526635"/>
-              <a:gd name="connsiteX1" fmla="*/ 589936 w 737420"/>
-              <a:gd name="connsiteY1" fmla="*/ 74352 h 526635"/>
-              <a:gd name="connsiteX2" fmla="*/ 737420 w 737420"/>
-              <a:gd name="connsiteY2" fmla="*/ 526635 h 526635"/>
-              <a:gd name="connsiteX0" fmla="*/ 0 w 698091"/>
-              <a:gd name="connsiteY0" fmla="*/ 752 h 620184"/>
-              <a:gd name="connsiteX1" fmla="*/ 550607 w 698091"/>
-              <a:gd name="connsiteY1" fmla="*/ 167901 h 620184"/>
-              <a:gd name="connsiteX2" fmla="*/ 698091 w 698091"/>
-              <a:gd name="connsiteY2" fmla="*/ 620184 h 620184"/>
-            </a:gdLst>
-            <a:ahLst/>
-            <a:cxnLst>
-              <a:cxn ang="0">
-                <a:pos x="connsiteX0" y="connsiteY0"/>
-              </a:cxn>
-              <a:cxn ang="0">
-                <a:pos x="connsiteX1" y="connsiteY1"/>
-              </a:cxn>
-              <a:cxn ang="0">
-                <a:pos x="connsiteX2" y="connsiteY2"/>
-              </a:cxn>
-            </a:cxnLst>
-            <a:rect l="l" t="t" r="r" b="b"/>
-            <a:pathLst>
-              <a:path w="698091" h="620184">
-                <a:moveTo>
-                  <a:pt x="0" y="752"/>
-                </a:moveTo>
-                <a:cubicBezTo>
-                  <a:pt x="233516" y="-8261"/>
-                  <a:pt x="434259" y="64662"/>
-                  <a:pt x="550607" y="167901"/>
-                </a:cubicBezTo>
-                <a:cubicBezTo>
-                  <a:pt x="666955" y="271140"/>
-                  <a:pt x="685800" y="437468"/>
-                  <a:pt x="698091" y="620184"/>
-                </a:cubicBezTo>
-              </a:path>
-            </a:pathLst>
-          </a:custGeom>
-          <a:noFill/>
-          <a:ln>
-            <a:headEnd type="none" w="med" len="med"/>
-            <a:tailEnd type="triangle" w="med" len="med"/>
-          </a:ln>
+          </a:prstGeom>
         </p:spPr>
         <p:style>
           <a:lnRef idx="2">
@@ -7371,239 +9999,10 @@
       </p:sp>
       <p:sp>
         <p:nvSpPr>
-          <p:cNvPr id="56" name="Freeform 55">
+          <p:cNvPr id="35" name="TextBox 34">
             <a:extLst>
               <a:ext uri="{FF2B5EF4-FFF2-40B4-BE49-F238E27FC236}">
-                <a16:creationId xmlns:a16="http://schemas.microsoft.com/office/drawing/2014/main" id="{823F1ED4-F96B-6E4E-89A1-7FA25F559712}"/>
-              </a:ext>
-            </a:extLst>
-          </p:cNvPr>
-          <p:cNvSpPr/>
-          <p:nvPr/>
-        </p:nvSpPr>
-        <p:spPr>
-          <a:xfrm>
-            <a:off x="4965290" y="3234813"/>
-            <a:ext cx="1927123" cy="235974"/>
-          </a:xfrm>
-          <a:custGeom>
-            <a:avLst/>
-            <a:gdLst>
-              <a:gd name="connsiteX0" fmla="*/ 1927123 w 1927123"/>
-              <a:gd name="connsiteY0" fmla="*/ 235974 h 235974"/>
-              <a:gd name="connsiteX1" fmla="*/ 0 w 1927123"/>
-              <a:gd name="connsiteY1" fmla="*/ 0 h 235974"/>
-            </a:gdLst>
-            <a:ahLst/>
-            <a:cxnLst>
-              <a:cxn ang="0">
-                <a:pos x="connsiteX0" y="connsiteY0"/>
-              </a:cxn>
-              <a:cxn ang="0">
-                <a:pos x="connsiteX1" y="connsiteY1"/>
-              </a:cxn>
-            </a:cxnLst>
-            <a:rect l="l" t="t" r="r" b="b"/>
-            <a:pathLst>
-              <a:path w="1927123" h="235974">
-                <a:moveTo>
-                  <a:pt x="1927123" y="235974"/>
-                </a:moveTo>
-                <a:lnTo>
-                  <a:pt x="0" y="0"/>
-                </a:lnTo>
-              </a:path>
-            </a:pathLst>
-          </a:custGeom>
-          <a:noFill/>
-          <a:ln>
-            <a:solidFill>
-              <a:schemeClr val="accent1"/>
-            </a:solidFill>
-            <a:headEnd type="none" w="med" len="med"/>
-            <a:tailEnd type="triangle" w="med" len="med"/>
-          </a:ln>
-        </p:spPr>
-        <p:style>
-          <a:lnRef idx="2">
-            <a:schemeClr val="accent1">
-              <a:shade val="50000"/>
-            </a:schemeClr>
-          </a:lnRef>
-          <a:fillRef idx="1">
-            <a:schemeClr val="accent1"/>
-          </a:fillRef>
-          <a:effectRef idx="0">
-            <a:schemeClr val="accent1"/>
-          </a:effectRef>
-          <a:fontRef idx="minor">
-            <a:schemeClr val="lt1"/>
-          </a:fontRef>
-        </p:style>
-        <p:txBody>
-          <a:bodyPr rtlCol="0" anchor="ctr"/>
-          <a:lstStyle/>
-          <a:p>
-            <a:pPr algn="ctr"/>
-            <a:endParaRPr lang="en-US"/>
-          </a:p>
-        </p:txBody>
-      </p:sp>
-      <p:sp>
-        <p:nvSpPr>
-          <p:cNvPr id="57" name="Freeform 56">
-            <a:extLst>
-              <a:ext uri="{FF2B5EF4-FFF2-40B4-BE49-F238E27FC236}">
-                <a16:creationId xmlns:a16="http://schemas.microsoft.com/office/drawing/2014/main" id="{9FDF0545-1C35-1645-97E7-4F6DDE6666DD}"/>
-              </a:ext>
-            </a:extLst>
-          </p:cNvPr>
-          <p:cNvSpPr/>
-          <p:nvPr/>
-        </p:nvSpPr>
-        <p:spPr>
-          <a:xfrm>
-            <a:off x="5024283" y="3470787"/>
-            <a:ext cx="2005031" cy="2310581"/>
-          </a:xfrm>
-          <a:custGeom>
-            <a:avLst/>
-            <a:gdLst>
-              <a:gd name="connsiteX0" fmla="*/ 1858297 w 2415300"/>
-              <a:gd name="connsiteY0" fmla="*/ 0 h 2310581"/>
-              <a:gd name="connsiteX1" fmla="*/ 2300748 w 2415300"/>
-              <a:gd name="connsiteY1" fmla="*/ 1337187 h 2310581"/>
-              <a:gd name="connsiteX2" fmla="*/ 0 w 2415300"/>
-              <a:gd name="connsiteY2" fmla="*/ 2310581 h 2310581"/>
-              <a:gd name="connsiteX0" fmla="*/ 1858297 w 2140191"/>
-              <a:gd name="connsiteY0" fmla="*/ 0 h 2310581"/>
-              <a:gd name="connsiteX1" fmla="*/ 1907458 w 2140191"/>
-              <a:gd name="connsiteY1" fmla="*/ 1474839 h 2310581"/>
-              <a:gd name="connsiteX2" fmla="*/ 0 w 2140191"/>
-              <a:gd name="connsiteY2" fmla="*/ 2310581 h 2310581"/>
-              <a:gd name="connsiteX0" fmla="*/ 1858297 w 2005031"/>
-              <a:gd name="connsiteY0" fmla="*/ 0 h 2310581"/>
-              <a:gd name="connsiteX1" fmla="*/ 1907458 w 2005031"/>
-              <a:gd name="connsiteY1" fmla="*/ 1474839 h 2310581"/>
-              <a:gd name="connsiteX2" fmla="*/ 0 w 2005031"/>
-              <a:gd name="connsiteY2" fmla="*/ 2310581 h 2310581"/>
-            </a:gdLst>
-            <a:ahLst/>
-            <a:cxnLst>
-              <a:cxn ang="0">
-                <a:pos x="connsiteX0" y="connsiteY0"/>
-              </a:cxn>
-              <a:cxn ang="0">
-                <a:pos x="connsiteX1" y="connsiteY1"/>
-              </a:cxn>
-              <a:cxn ang="0">
-                <a:pos x="connsiteX2" y="connsiteY2"/>
-              </a:cxn>
-            </a:cxnLst>
-            <a:rect l="l" t="t" r="r" b="b"/>
-            <a:pathLst>
-              <a:path w="2005031" h="2310581">
-                <a:moveTo>
-                  <a:pt x="1858297" y="0"/>
-                </a:moveTo>
-                <a:cubicBezTo>
-                  <a:pt x="1673942" y="485878"/>
-                  <a:pt x="2217174" y="1089742"/>
-                  <a:pt x="1907458" y="1474839"/>
-                </a:cubicBezTo>
-                <a:cubicBezTo>
-                  <a:pt x="1597742" y="1859936"/>
-                  <a:pt x="995516" y="2016432"/>
-                  <a:pt x="0" y="2310581"/>
-                </a:cubicBezTo>
-              </a:path>
-            </a:pathLst>
-          </a:custGeom>
-          <a:noFill/>
-          <a:ln>
-            <a:solidFill>
-              <a:schemeClr val="accent1"/>
-            </a:solidFill>
-            <a:headEnd type="none" w="med" len="med"/>
-            <a:tailEnd type="triangle" w="med" len="med"/>
-          </a:ln>
-        </p:spPr>
-        <p:style>
-          <a:lnRef idx="2">
-            <a:schemeClr val="accent1">
-              <a:shade val="50000"/>
-            </a:schemeClr>
-          </a:lnRef>
-          <a:fillRef idx="1">
-            <a:schemeClr val="accent1"/>
-          </a:fillRef>
-          <a:effectRef idx="0">
-            <a:schemeClr val="accent1"/>
-          </a:effectRef>
-          <a:fontRef idx="minor">
-            <a:schemeClr val="lt1"/>
-          </a:fontRef>
-        </p:style>
-        <p:txBody>
-          <a:bodyPr rtlCol="0" anchor="ctr"/>
-          <a:lstStyle/>
-          <a:p>
-            <a:pPr algn="ctr"/>
-            <a:endParaRPr lang="en-US"/>
-          </a:p>
-        </p:txBody>
-      </p:sp>
-      <p:sp>
-        <p:nvSpPr>
-          <p:cNvPr id="58" name="Rounded Rectangle 57">
-            <a:extLst>
-              <a:ext uri="{FF2B5EF4-FFF2-40B4-BE49-F238E27FC236}">
-                <a16:creationId xmlns:a16="http://schemas.microsoft.com/office/drawing/2014/main" id="{61231171-1F96-4E42-8FD3-00B9707BF958}"/>
-              </a:ext>
-            </a:extLst>
-          </p:cNvPr>
-          <p:cNvSpPr/>
-          <p:nvPr/>
-        </p:nvSpPr>
-        <p:spPr>
-          <a:xfrm>
-            <a:off x="5437239" y="2858619"/>
-            <a:ext cx="2456236" cy="2214826"/>
-          </a:xfrm>
-          <a:prstGeom prst="roundRect">
-            <a:avLst/>
-          </a:prstGeom>
-          <a:noFill/>
-        </p:spPr>
-        <p:style>
-          <a:lnRef idx="2">
-            <a:schemeClr val="accent1"/>
-          </a:lnRef>
-          <a:fillRef idx="1">
-            <a:schemeClr val="lt1"/>
-          </a:fillRef>
-          <a:effectRef idx="0">
-            <a:schemeClr val="accent1"/>
-          </a:effectRef>
-          <a:fontRef idx="minor">
-            <a:schemeClr val="dk1"/>
-          </a:fontRef>
-        </p:style>
-        <p:txBody>
-          <a:bodyPr rtlCol="0" anchor="ctr"/>
-          <a:lstStyle/>
-          <a:p>
-            <a:pPr algn="ctr"/>
-            <a:endParaRPr lang="en-US"/>
-          </a:p>
-        </p:txBody>
-      </p:sp>
-      <p:sp>
-        <p:nvSpPr>
-          <p:cNvPr id="60" name="TextBox 59">
-            <a:extLst>
-              <a:ext uri="{FF2B5EF4-FFF2-40B4-BE49-F238E27FC236}">
-                <a16:creationId xmlns:a16="http://schemas.microsoft.com/office/drawing/2014/main" id="{25FC46F2-2014-8F43-846D-A017D3165738}"/>
+                <a16:creationId xmlns:a16="http://schemas.microsoft.com/office/drawing/2014/main" id="{7FA8D9CD-2E51-EA47-B04E-3C5C6D2B9018}"/>
               </a:ext>
             </a:extLst>
           </p:cNvPr>
@@ -7612,8 +10011,8 @@
         </p:nvSpPr>
         <p:spPr>
           <a:xfrm>
-            <a:off x="6988435" y="4669494"/>
-            <a:ext cx="847668" cy="307777"/>
+            <a:off x="9633929" y="930566"/>
+            <a:ext cx="2207912" cy="461665"/>
           </a:xfrm>
           <a:prstGeom prst="rect">
             <a:avLst/>
@@ -7627,8 +10026,82 @@
           <a:lstStyle/>
           <a:p>
             <a:r>
-              <a:rPr lang="en-US" sz="1400" dirty="0"/>
-              <a:t>Operator</a:t>
+              <a:rPr lang="en-US" sz="1200" b="1" dirty="0"/>
+              <a:t>If: </a:t>
+            </a:r>
+            <a:r>
+              <a:rPr lang="en-US" sz="1200" dirty="0"/>
+              <a:t>train perf &gt; prod perf</a:t>
+            </a:r>
+          </a:p>
+          <a:p>
+            <a:r>
+              <a:rPr lang="en-US" sz="1200" b="1" dirty="0"/>
+              <a:t>then</a:t>
+            </a:r>
+            <a:r>
+              <a:rPr lang="en-US" sz="1200" dirty="0"/>
+              <a:t>: apply config </a:t>
+            </a:r>
+            <a:r>
+              <a:rPr lang="en-US" sz="1200" dirty="0" err="1"/>
+              <a:t>i</a:t>
+            </a:r>
+            <a:r>
+              <a:rPr lang="en-US" sz="1200" dirty="0"/>
+              <a:t> to prod. pod</a:t>
+            </a:r>
+          </a:p>
+        </p:txBody>
+      </p:sp>
+      <p:sp>
+        <p:nvSpPr>
+          <p:cNvPr id="36" name="TextBox 35">
+            <a:extLst>
+              <a:ext uri="{FF2B5EF4-FFF2-40B4-BE49-F238E27FC236}">
+                <a16:creationId xmlns:a16="http://schemas.microsoft.com/office/drawing/2014/main" id="{385C4ADB-5CF8-7E47-8F37-AD3AEA86BD82}"/>
+              </a:ext>
+            </a:extLst>
+          </p:cNvPr>
+          <p:cNvSpPr txBox="1"/>
+          <p:nvPr/>
+        </p:nvSpPr>
+        <p:spPr>
+          <a:xfrm>
+            <a:off x="336025" y="5181802"/>
+            <a:ext cx="4235975" cy="1477328"/>
+          </a:xfrm>
+          <a:prstGeom prst="rect">
+            <a:avLst/>
+          </a:prstGeom>
+          <a:noFill/>
+        </p:spPr>
+        <p:txBody>
+          <a:bodyPr wrap="square" rtlCol="0">
+            <a:spAutoFit/>
+          </a:bodyPr>
+          <a:lstStyle/>
+          <a:p>
+            <a:r>
+              <a:rPr lang="en-US" dirty="0"/>
+              <a:t>Perf is an optimization function defined in terms of the metrics sampled (through, latency, </a:t>
+            </a:r>
+            <a:r>
+              <a:rPr lang="en-US" dirty="0" err="1"/>
+              <a:t>cpu</a:t>
+            </a:r>
+            <a:r>
+              <a:rPr lang="en-US" dirty="0"/>
+              <a:t>, memory, errors, net traffic.</a:t>
+            </a:r>
+          </a:p>
+          <a:p>
+            <a:endParaRPr lang="en-US" dirty="0"/>
+          </a:p>
+          <a:p>
+            <a:r>
+              <a:rPr lang="en-US" dirty="0"/>
+              <a:t>min ( … )</a:t>
             </a:r>
           </a:p>
         </p:txBody>
@@ -7636,13 +10109,591 @@
     </p:spTree>
     <p:extLst>
       <p:ext uri="{BB962C8B-B14F-4D97-AF65-F5344CB8AC3E}">
-        <p14:creationId xmlns:p14="http://schemas.microsoft.com/office/powerpoint/2010/main" val="3063124472"/>
+        <p14:creationId xmlns:p14="http://schemas.microsoft.com/office/powerpoint/2010/main" val="2471204322"/>
       </p:ext>
     </p:extLst>
   </p:cSld>
   <p:clrMapOvr>
     <a:masterClrMapping/>
   </p:clrMapOvr>
+  <p:timing>
+    <p:tnLst>
+      <p:par>
+        <p:cTn id="1" dur="indefinite" restart="never" nodeType="tmRoot">
+          <p:childTnLst>
+            <p:seq concurrent="1" nextAc="seek">
+              <p:cTn id="2" dur="indefinite" nodeType="mainSeq">
+                <p:childTnLst>
+                  <p:par>
+                    <p:cTn id="3" fill="hold">
+                      <p:stCondLst>
+                        <p:cond delay="indefinite"/>
+                      </p:stCondLst>
+                      <p:childTnLst>
+                        <p:par>
+                          <p:cTn id="4" fill="hold">
+                            <p:stCondLst>
+                              <p:cond delay="0"/>
+                            </p:stCondLst>
+                            <p:childTnLst>
+                              <p:par>
+                                <p:cTn id="5" presetID="26" presetClass="emph" presetSubtype="0" fill="hold" nodeType="clickEffect">
+                                  <p:stCondLst>
+                                    <p:cond delay="0"/>
+                                  </p:stCondLst>
+                                  <p:childTnLst>
+                                    <p:animEffect transition="out" filter="fade">
+                                      <p:cBhvr>
+                                        <p:cTn id="6" dur="500" tmFilter="0, 0; .2, .5; .8, .5; 1, 0"/>
+                                        <p:tgtEl>
+                                          <p:spTgt spid="78"/>
+                                        </p:tgtEl>
+                                      </p:cBhvr>
+                                    </p:animEffect>
+                                    <p:animScale>
+                                      <p:cBhvr>
+                                        <p:cTn id="7" dur="250" autoRev="1" fill="hold"/>
+                                        <p:tgtEl>
+                                          <p:spTgt spid="78"/>
+                                        </p:tgtEl>
+                                      </p:cBhvr>
+                                      <p:by x="105000" y="105000"/>
+                                    </p:animScale>
+                                  </p:childTnLst>
+                                </p:cTn>
+                              </p:par>
+                              <p:par>
+                                <p:cTn id="8" presetID="26" presetClass="emph" presetSubtype="0" fill="hold" nodeType="withEffect">
+                                  <p:stCondLst>
+                                    <p:cond delay="0"/>
+                                  </p:stCondLst>
+                                  <p:childTnLst>
+                                    <p:animEffect transition="out" filter="fade">
+                                      <p:cBhvr>
+                                        <p:cTn id="9" dur="500" tmFilter="0, 0; .2, .5; .8, .5; 1, 0"/>
+                                        <p:tgtEl>
+                                          <p:spTgt spid="38"/>
+                                        </p:tgtEl>
+                                      </p:cBhvr>
+                                    </p:animEffect>
+                                    <p:animScale>
+                                      <p:cBhvr>
+                                        <p:cTn id="10" dur="250" autoRev="1" fill="hold"/>
+                                        <p:tgtEl>
+                                          <p:spTgt spid="38"/>
+                                        </p:tgtEl>
+                                      </p:cBhvr>
+                                      <p:by x="105000" y="105000"/>
+                                    </p:animScale>
+                                  </p:childTnLst>
+                                </p:cTn>
+                              </p:par>
+                            </p:childTnLst>
+                          </p:cTn>
+                        </p:par>
+                      </p:childTnLst>
+                    </p:cTn>
+                  </p:par>
+                  <p:par>
+                    <p:cTn id="11" fill="hold">
+                      <p:stCondLst>
+                        <p:cond delay="indefinite"/>
+                      </p:stCondLst>
+                      <p:childTnLst>
+                        <p:par>
+                          <p:cTn id="12" fill="hold">
+                            <p:stCondLst>
+                              <p:cond delay="0"/>
+                            </p:stCondLst>
+                            <p:childTnLst>
+                              <p:par>
+                                <p:cTn id="13" presetID="1" presetClass="entr" presetSubtype="0" fill="hold" grpId="0" nodeType="clickEffect">
+                                  <p:stCondLst>
+                                    <p:cond delay="0"/>
+                                  </p:stCondLst>
+                                  <p:childTnLst>
+                                    <p:set>
+                                      <p:cBhvr>
+                                        <p:cTn id="14" dur="1" fill="hold">
+                                          <p:stCondLst>
+                                            <p:cond delay="0"/>
+                                          </p:stCondLst>
+                                        </p:cTn>
+                                        <p:tgtEl>
+                                          <p:spTgt spid="15"/>
+                                        </p:tgtEl>
+                                        <p:attrNameLst>
+                                          <p:attrName>style.visibility</p:attrName>
+                                        </p:attrNameLst>
+                                      </p:cBhvr>
+                                      <p:to>
+                                        <p:strVal val="visible"/>
+                                      </p:to>
+                                    </p:set>
+                                  </p:childTnLst>
+                                </p:cTn>
+                              </p:par>
+                              <p:par>
+                                <p:cTn id="15" presetID="1" presetClass="entr" presetSubtype="0" fill="hold" nodeType="withEffect">
+                                  <p:stCondLst>
+                                    <p:cond delay="0"/>
+                                  </p:stCondLst>
+                                  <p:childTnLst>
+                                    <p:set>
+                                      <p:cBhvr>
+                                        <p:cTn id="16" dur="1" fill="hold">
+                                          <p:stCondLst>
+                                            <p:cond delay="0"/>
+                                          </p:stCondLst>
+                                        </p:cTn>
+                                        <p:tgtEl>
+                                          <p:spTgt spid="14"/>
+                                        </p:tgtEl>
+                                        <p:attrNameLst>
+                                          <p:attrName>style.visibility</p:attrName>
+                                        </p:attrNameLst>
+                                      </p:cBhvr>
+                                      <p:to>
+                                        <p:strVal val="visible"/>
+                                      </p:to>
+                                    </p:set>
+                                  </p:childTnLst>
+                                </p:cTn>
+                              </p:par>
+                            </p:childTnLst>
+                          </p:cTn>
+                        </p:par>
+                      </p:childTnLst>
+                    </p:cTn>
+                  </p:par>
+                  <p:par>
+                    <p:cTn id="17" fill="hold">
+                      <p:stCondLst>
+                        <p:cond delay="indefinite"/>
+                      </p:stCondLst>
+                      <p:childTnLst>
+                        <p:par>
+                          <p:cTn id="18" fill="hold">
+                            <p:stCondLst>
+                              <p:cond delay="0"/>
+                            </p:stCondLst>
+                            <p:childTnLst>
+                              <p:par>
+                                <p:cTn id="19" presetID="1" presetClass="entr" presetSubtype="0" fill="hold" nodeType="clickEffect">
+                                  <p:stCondLst>
+                                    <p:cond delay="0"/>
+                                  </p:stCondLst>
+                                  <p:childTnLst>
+                                    <p:set>
+                                      <p:cBhvr>
+                                        <p:cTn id="20" dur="1" fill="hold">
+                                          <p:stCondLst>
+                                            <p:cond delay="0"/>
+                                          </p:stCondLst>
+                                        </p:cTn>
+                                        <p:tgtEl>
+                                          <p:spTgt spid="17"/>
+                                        </p:tgtEl>
+                                        <p:attrNameLst>
+                                          <p:attrName>style.visibility</p:attrName>
+                                        </p:attrNameLst>
+                                      </p:cBhvr>
+                                      <p:to>
+                                        <p:strVal val="visible"/>
+                                      </p:to>
+                                    </p:set>
+                                  </p:childTnLst>
+                                </p:cTn>
+                              </p:par>
+                            </p:childTnLst>
+                          </p:cTn>
+                        </p:par>
+                      </p:childTnLst>
+                    </p:cTn>
+                  </p:par>
+                  <p:par>
+                    <p:cTn id="21" fill="hold">
+                      <p:stCondLst>
+                        <p:cond delay="indefinite"/>
+                      </p:stCondLst>
+                      <p:childTnLst>
+                        <p:par>
+                          <p:cTn id="22" fill="hold">
+                            <p:stCondLst>
+                              <p:cond delay="0"/>
+                            </p:stCondLst>
+                            <p:childTnLst>
+                              <p:par>
+                                <p:cTn id="23" presetID="1" presetClass="entr" presetSubtype="0" fill="hold" nodeType="clickEffect">
+                                  <p:stCondLst>
+                                    <p:cond delay="0"/>
+                                  </p:stCondLst>
+                                  <p:childTnLst>
+                                    <p:set>
+                                      <p:cBhvr>
+                                        <p:cTn id="24" dur="1" fill="hold">
+                                          <p:stCondLst>
+                                            <p:cond delay="0"/>
+                                          </p:stCondLst>
+                                        </p:cTn>
+                                        <p:tgtEl>
+                                          <p:spTgt spid="34"/>
+                                        </p:tgtEl>
+                                        <p:attrNameLst>
+                                          <p:attrName>style.visibility</p:attrName>
+                                        </p:attrNameLst>
+                                      </p:cBhvr>
+                                      <p:to>
+                                        <p:strVal val="visible"/>
+                                      </p:to>
+                                    </p:set>
+                                  </p:childTnLst>
+                                </p:cTn>
+                              </p:par>
+                              <p:par>
+                                <p:cTn id="25" presetID="1" presetClass="entr" presetSubtype="0" fill="hold" grpId="0" nodeType="withEffect">
+                                  <p:stCondLst>
+                                    <p:cond delay="0"/>
+                                  </p:stCondLst>
+                                  <p:childTnLst>
+                                    <p:set>
+                                      <p:cBhvr>
+                                        <p:cTn id="26" dur="1" fill="hold">
+                                          <p:stCondLst>
+                                            <p:cond delay="0"/>
+                                          </p:stCondLst>
+                                        </p:cTn>
+                                        <p:tgtEl>
+                                          <p:spTgt spid="28"/>
+                                        </p:tgtEl>
+                                        <p:attrNameLst>
+                                          <p:attrName>style.visibility</p:attrName>
+                                        </p:attrNameLst>
+                                      </p:cBhvr>
+                                      <p:to>
+                                        <p:strVal val="visible"/>
+                                      </p:to>
+                                    </p:set>
+                                  </p:childTnLst>
+                                </p:cTn>
+                              </p:par>
+                              <p:par>
+                                <p:cTn id="27" presetID="1" presetClass="entr" presetSubtype="0" fill="hold" nodeType="withEffect">
+                                  <p:stCondLst>
+                                    <p:cond delay="0"/>
+                                  </p:stCondLst>
+                                  <p:childTnLst>
+                                    <p:set>
+                                      <p:cBhvr>
+                                        <p:cTn id="28" dur="1" fill="hold">
+                                          <p:stCondLst>
+                                            <p:cond delay="0"/>
+                                          </p:stCondLst>
+                                        </p:cTn>
+                                        <p:tgtEl>
+                                          <p:spTgt spid="21"/>
+                                        </p:tgtEl>
+                                        <p:attrNameLst>
+                                          <p:attrName>style.visibility</p:attrName>
+                                        </p:attrNameLst>
+                                      </p:cBhvr>
+                                      <p:to>
+                                        <p:strVal val="visible"/>
+                                      </p:to>
+                                    </p:set>
+                                  </p:childTnLst>
+                                </p:cTn>
+                              </p:par>
+                              <p:par>
+                                <p:cTn id="29" presetID="1" presetClass="entr" presetSubtype="0" fill="hold" nodeType="withEffect">
+                                  <p:stCondLst>
+                                    <p:cond delay="0"/>
+                                  </p:stCondLst>
+                                  <p:childTnLst>
+                                    <p:set>
+                                      <p:cBhvr>
+                                        <p:cTn id="30" dur="1" fill="hold">
+                                          <p:stCondLst>
+                                            <p:cond delay="0"/>
+                                          </p:stCondLst>
+                                        </p:cTn>
+                                        <p:tgtEl>
+                                          <p:spTgt spid="27"/>
+                                        </p:tgtEl>
+                                        <p:attrNameLst>
+                                          <p:attrName>style.visibility</p:attrName>
+                                        </p:attrNameLst>
+                                      </p:cBhvr>
+                                      <p:to>
+                                        <p:strVal val="visible"/>
+                                      </p:to>
+                                    </p:set>
+                                  </p:childTnLst>
+                                </p:cTn>
+                              </p:par>
+                              <p:par>
+                                <p:cTn id="31" presetID="1" presetClass="entr" presetSubtype="0" fill="hold" grpId="0" nodeType="withEffect">
+                                  <p:stCondLst>
+                                    <p:cond delay="0"/>
+                                  </p:stCondLst>
+                                  <p:childTnLst>
+                                    <p:set>
+                                      <p:cBhvr>
+                                        <p:cTn id="32" dur="1" fill="hold">
+                                          <p:stCondLst>
+                                            <p:cond delay="0"/>
+                                          </p:stCondLst>
+                                        </p:cTn>
+                                        <p:tgtEl>
+                                          <p:spTgt spid="69"/>
+                                        </p:tgtEl>
+                                        <p:attrNameLst>
+                                          <p:attrName>style.visibility</p:attrName>
+                                        </p:attrNameLst>
+                                      </p:cBhvr>
+                                      <p:to>
+                                        <p:strVal val="visible"/>
+                                      </p:to>
+                                    </p:set>
+                                  </p:childTnLst>
+                                </p:cTn>
+                              </p:par>
+                            </p:childTnLst>
+                          </p:cTn>
+                        </p:par>
+                      </p:childTnLst>
+                    </p:cTn>
+                  </p:par>
+                  <p:par>
+                    <p:cTn id="33" fill="hold">
+                      <p:stCondLst>
+                        <p:cond delay="indefinite"/>
+                      </p:stCondLst>
+                      <p:childTnLst>
+                        <p:par>
+                          <p:cTn id="34" fill="hold">
+                            <p:stCondLst>
+                              <p:cond delay="0"/>
+                            </p:stCondLst>
+                            <p:childTnLst>
+                              <p:par>
+                                <p:cTn id="35" presetID="1" presetClass="entr" presetSubtype="0" fill="hold" grpId="0" nodeType="clickEffect">
+                                  <p:stCondLst>
+                                    <p:cond delay="0"/>
+                                  </p:stCondLst>
+                                  <p:childTnLst>
+                                    <p:set>
+                                      <p:cBhvr>
+                                        <p:cTn id="36" dur="1" fill="hold">
+                                          <p:stCondLst>
+                                            <p:cond delay="0"/>
+                                          </p:stCondLst>
+                                        </p:cTn>
+                                        <p:tgtEl>
+                                          <p:spTgt spid="32"/>
+                                        </p:tgtEl>
+                                        <p:attrNameLst>
+                                          <p:attrName>style.visibility</p:attrName>
+                                        </p:attrNameLst>
+                                      </p:cBhvr>
+                                      <p:to>
+                                        <p:strVal val="visible"/>
+                                      </p:to>
+                                    </p:set>
+                                  </p:childTnLst>
+                                </p:cTn>
+                              </p:par>
+                              <p:par>
+                                <p:cTn id="37" presetID="1" presetClass="entr" presetSubtype="0" fill="hold" grpId="0" nodeType="withEffect">
+                                  <p:stCondLst>
+                                    <p:cond delay="0"/>
+                                  </p:stCondLst>
+                                  <p:childTnLst>
+                                    <p:set>
+                                      <p:cBhvr>
+                                        <p:cTn id="38" dur="1" fill="hold">
+                                          <p:stCondLst>
+                                            <p:cond delay="0"/>
+                                          </p:stCondLst>
+                                        </p:cTn>
+                                        <p:tgtEl>
+                                          <p:spTgt spid="29"/>
+                                        </p:tgtEl>
+                                        <p:attrNameLst>
+                                          <p:attrName>style.visibility</p:attrName>
+                                        </p:attrNameLst>
+                                      </p:cBhvr>
+                                      <p:to>
+                                        <p:strVal val="visible"/>
+                                      </p:to>
+                                    </p:set>
+                                  </p:childTnLst>
+                                </p:cTn>
+                              </p:par>
+                              <p:par>
+                                <p:cTn id="39" presetID="1" presetClass="entr" presetSubtype="0" fill="hold" nodeType="withEffect">
+                                  <p:stCondLst>
+                                    <p:cond delay="0"/>
+                                  </p:stCondLst>
+                                  <p:childTnLst>
+                                    <p:set>
+                                      <p:cBhvr>
+                                        <p:cTn id="40" dur="1" fill="hold">
+                                          <p:stCondLst>
+                                            <p:cond delay="0"/>
+                                          </p:stCondLst>
+                                        </p:cTn>
+                                        <p:tgtEl>
+                                          <p:spTgt spid="31"/>
+                                        </p:tgtEl>
+                                        <p:attrNameLst>
+                                          <p:attrName>style.visibility</p:attrName>
+                                        </p:attrNameLst>
+                                      </p:cBhvr>
+                                      <p:to>
+                                        <p:strVal val="visible"/>
+                                      </p:to>
+                                    </p:set>
+                                  </p:childTnLst>
+                                </p:cTn>
+                              </p:par>
+                            </p:childTnLst>
+                          </p:cTn>
+                        </p:par>
+                      </p:childTnLst>
+                    </p:cTn>
+                  </p:par>
+                  <p:par>
+                    <p:cTn id="41" fill="hold">
+                      <p:stCondLst>
+                        <p:cond delay="indefinite"/>
+                      </p:stCondLst>
+                      <p:childTnLst>
+                        <p:par>
+                          <p:cTn id="42" fill="hold">
+                            <p:stCondLst>
+                              <p:cond delay="0"/>
+                            </p:stCondLst>
+                            <p:childTnLst>
+                              <p:par>
+                                <p:cTn id="43" presetID="1" presetClass="entr" presetSubtype="0" fill="hold" grpId="0" nodeType="clickEffect">
+                                  <p:stCondLst>
+                                    <p:cond delay="0"/>
+                                  </p:stCondLst>
+                                  <p:childTnLst>
+                                    <p:set>
+                                      <p:cBhvr>
+                                        <p:cTn id="44" dur="1" fill="hold">
+                                          <p:stCondLst>
+                                            <p:cond delay="0"/>
+                                          </p:stCondLst>
+                                        </p:cTn>
+                                        <p:tgtEl>
+                                          <p:spTgt spid="85"/>
+                                        </p:tgtEl>
+                                        <p:attrNameLst>
+                                          <p:attrName>style.visibility</p:attrName>
+                                        </p:attrNameLst>
+                                      </p:cBhvr>
+                                      <p:to>
+                                        <p:strVal val="visible"/>
+                                      </p:to>
+                                    </p:set>
+                                  </p:childTnLst>
+                                </p:cTn>
+                              </p:par>
+                              <p:par>
+                                <p:cTn id="45" presetID="1" presetClass="entr" presetSubtype="0" fill="hold" grpId="0" nodeType="withEffect">
+                                  <p:stCondLst>
+                                    <p:cond delay="0"/>
+                                  </p:stCondLst>
+                                  <p:childTnLst>
+                                    <p:set>
+                                      <p:cBhvr>
+                                        <p:cTn id="46" dur="1" fill="hold">
+                                          <p:stCondLst>
+                                            <p:cond delay="0"/>
+                                          </p:stCondLst>
+                                        </p:cTn>
+                                        <p:tgtEl>
+                                          <p:spTgt spid="35"/>
+                                        </p:tgtEl>
+                                        <p:attrNameLst>
+                                          <p:attrName>style.visibility</p:attrName>
+                                        </p:attrNameLst>
+                                      </p:cBhvr>
+                                      <p:to>
+                                        <p:strVal val="visible"/>
+                                      </p:to>
+                                    </p:set>
+                                  </p:childTnLst>
+                                </p:cTn>
+                              </p:par>
+                              <p:par>
+                                <p:cTn id="47" presetID="1" presetClass="entr" presetSubtype="0" fill="hold" grpId="0" nodeType="withEffect">
+                                  <p:stCondLst>
+                                    <p:cond delay="0"/>
+                                  </p:stCondLst>
+                                  <p:childTnLst>
+                                    <p:set>
+                                      <p:cBhvr>
+                                        <p:cTn id="48" dur="1" fill="hold">
+                                          <p:stCondLst>
+                                            <p:cond delay="0"/>
+                                          </p:stCondLst>
+                                        </p:cTn>
+                                        <p:tgtEl>
+                                          <p:spTgt spid="36"/>
+                                        </p:tgtEl>
+                                        <p:attrNameLst>
+                                          <p:attrName>style.visibility</p:attrName>
+                                        </p:attrNameLst>
+                                      </p:cBhvr>
+                                      <p:to>
+                                        <p:strVal val="visible"/>
+                                      </p:to>
+                                    </p:set>
+                                  </p:childTnLst>
+                                </p:cTn>
+                              </p:par>
+                            </p:childTnLst>
+                          </p:cTn>
+                        </p:par>
+                      </p:childTnLst>
+                    </p:cTn>
+                  </p:par>
+                </p:childTnLst>
+              </p:cTn>
+              <p:prevCondLst>
+                <p:cond evt="onPrev" delay="0">
+                  <p:tgtEl>
+                    <p:sldTgt/>
+                  </p:tgtEl>
+                </p:cond>
+              </p:prevCondLst>
+              <p:nextCondLst>
+                <p:cond evt="onNext" delay="0">
+                  <p:tgtEl>
+                    <p:sldTgt/>
+                  </p:tgtEl>
+                </p:cond>
+              </p:nextCondLst>
+            </p:seq>
+          </p:childTnLst>
+        </p:cTn>
+      </p:par>
+    </p:tnLst>
+    <p:bldLst>
+      <p:bldP spid="15" grpId="0"/>
+      <p:bldP spid="28" grpId="0"/>
+      <p:bldP spid="69" grpId="0"/>
+      <p:bldP spid="29" grpId="0" animBg="1"/>
+      <p:bldP spid="32" grpId="0"/>
+      <p:bldP spid="85" grpId="0" animBg="1"/>
+      <p:bldP spid="35" grpId="0"/>
+      <p:bldP spid="36" grpId="0"/>
+    </p:bldLst>
+  </p:timing>
 </p:sld>
 </file>
 

--- a/optimization/docs/st-architecture.pptx
+++ b/optimization/docs/st-architecture.pptx
@@ -2142,10 +2142,14 @@
         <a:lstStyle/>
         <a:p>
           <a:r>
-            <a:rPr lang="en-US"/>
-            <a:t>smarttuning/models/metric2.py</a:t>
+            <a:rPr lang="en-US" dirty="0" err="1"/>
+            <a:t>smarttuning</a:t>
           </a:r>
-          <a:endParaRPr lang="en-CA"/>
+          <a:r>
+            <a:rPr lang="en-US" dirty="0"/>
+            <a:t>/models/metric2.py</a:t>
+          </a:r>
+          <a:endParaRPr lang="en-CA" dirty="0"/>
         </a:p>
       </dgm:t>
     </dgm:pt>
@@ -2171,6 +2175,43 @@
         </a:p>
       </dgm:t>
     </dgm:pt>
+    <dgm:pt modelId="{B454A65F-3564-6F42-9BD2-8D5156C6463D}">
+      <dgm:prSet/>
+      <dgm:spPr/>
+      <dgm:t>
+        <a:bodyPr/>
+        <a:lstStyle/>
+        <a:p>
+          <a:pPr algn="l"/>
+          <a:r>
+            <a:rPr lang="en-US" dirty="0"/>
+            <a:t>Mongo is used for storing logs/snapshots of all iterations</a:t>
+          </a:r>
+        </a:p>
+      </dgm:t>
+    </dgm:pt>
+    <dgm:pt modelId="{83A6D5A4-FCA3-784F-92E7-E5B001B4F6E1}" type="parTrans" cxnId="{941149A0-089A-8242-81DB-48F439A1535D}">
+      <dgm:prSet/>
+      <dgm:spPr/>
+      <dgm:t>
+        <a:bodyPr/>
+        <a:lstStyle/>
+        <a:p>
+          <a:endParaRPr lang="en-US"/>
+        </a:p>
+      </dgm:t>
+    </dgm:pt>
+    <dgm:pt modelId="{71F232FA-B35C-1845-80A3-BFFF8C9008D7}" type="sibTrans" cxnId="{941149A0-089A-8242-81DB-48F439A1535D}">
+      <dgm:prSet/>
+      <dgm:spPr/>
+      <dgm:t>
+        <a:bodyPr/>
+        <a:lstStyle/>
+        <a:p>
+          <a:endParaRPr lang="en-US"/>
+        </a:p>
+      </dgm:t>
+    </dgm:pt>
     <dgm:pt modelId="{BCC0B148-BCCE-0444-8E0F-16750EA554A7}" type="pres">
       <dgm:prSet presAssocID="{774DF0A3-09DD-C946-862F-C9E8494F46C0}" presName="linearFlow" presStyleCnt="0">
         <dgm:presLayoutVars>
@@ -2185,7 +2226,7 @@
       <dgm:spPr/>
     </dgm:pt>
     <dgm:pt modelId="{A58FDB2B-85DE-FF48-9001-7B942D3001F8}" type="pres">
-      <dgm:prSet presAssocID="{B240B794-CBF7-1E45-B64E-DDE0E4083703}" presName="imgShp" presStyleLbl="fgImgPlace1" presStyleIdx="0" presStyleCnt="6"/>
+      <dgm:prSet presAssocID="{B240B794-CBF7-1E45-B64E-DDE0E4083703}" presName="imgShp" presStyleLbl="fgImgPlace1" presStyleIdx="0" presStyleCnt="7"/>
       <dgm:spPr>
         <a:blipFill>
           <a:blip xmlns:r="http://schemas.openxmlformats.org/officeDocument/2006/relationships" r:embed="rId2">
@@ -2210,7 +2251,7 @@
       </dgm:spPr>
     </dgm:pt>
     <dgm:pt modelId="{B8D10309-F82A-AA47-AC1B-90B0CEEAA187}" type="pres">
-      <dgm:prSet presAssocID="{B240B794-CBF7-1E45-B64E-DDE0E4083703}" presName="txShp" presStyleLbl="node1" presStyleIdx="0" presStyleCnt="6">
+      <dgm:prSet presAssocID="{B240B794-CBF7-1E45-B64E-DDE0E4083703}" presName="txShp" presStyleLbl="node1" presStyleIdx="0" presStyleCnt="7">
         <dgm:presLayoutVars>
           <dgm:bulletEnabled val="1"/>
         </dgm:presLayoutVars>
@@ -2226,7 +2267,7 @@
       <dgm:spPr/>
     </dgm:pt>
     <dgm:pt modelId="{009F2F18-BED0-4448-BD9B-6E71FD165D68}" type="pres">
-      <dgm:prSet presAssocID="{8B226524-C1FF-D84A-BA17-9263AB858B53}" presName="imgShp" presStyleLbl="fgImgPlace1" presStyleIdx="1" presStyleCnt="6"/>
+      <dgm:prSet presAssocID="{8B226524-C1FF-D84A-BA17-9263AB858B53}" presName="imgShp" presStyleLbl="fgImgPlace1" presStyleIdx="1" presStyleCnt="7"/>
       <dgm:spPr>
         <a:blipFill>
           <a:blip xmlns:r="http://schemas.openxmlformats.org/officeDocument/2006/relationships" r:embed="rId4">
@@ -2251,7 +2292,7 @@
       </dgm:spPr>
     </dgm:pt>
     <dgm:pt modelId="{3C19C7D3-959A-FC4C-808D-B7D51F24425A}" type="pres">
-      <dgm:prSet presAssocID="{8B226524-C1FF-D84A-BA17-9263AB858B53}" presName="txShp" presStyleLbl="node1" presStyleIdx="1" presStyleCnt="6">
+      <dgm:prSet presAssocID="{8B226524-C1FF-D84A-BA17-9263AB858B53}" presName="txShp" presStyleLbl="node1" presStyleIdx="1" presStyleCnt="7">
         <dgm:presLayoutVars>
           <dgm:bulletEnabled val="1"/>
         </dgm:presLayoutVars>
@@ -2267,7 +2308,7 @@
       <dgm:spPr/>
     </dgm:pt>
     <dgm:pt modelId="{5E0323DC-A206-1D45-A075-E75D1F5B6397}" type="pres">
-      <dgm:prSet presAssocID="{A47F4B80-7376-E24B-B9D7-9A5930400620}" presName="imgShp" presStyleLbl="fgImgPlace1" presStyleIdx="2" presStyleCnt="6"/>
+      <dgm:prSet presAssocID="{A47F4B80-7376-E24B-B9D7-9A5930400620}" presName="imgShp" presStyleLbl="fgImgPlace1" presStyleIdx="2" presStyleCnt="7"/>
       <dgm:spPr>
         <a:blipFill>
           <a:blip xmlns:r="http://schemas.openxmlformats.org/officeDocument/2006/relationships" r:embed="rId6">
@@ -2292,7 +2333,7 @@
       </dgm:spPr>
     </dgm:pt>
     <dgm:pt modelId="{F3AA6B99-323C-6C4A-9052-A8A4A679E991}" type="pres">
-      <dgm:prSet presAssocID="{A47F4B80-7376-E24B-B9D7-9A5930400620}" presName="txShp" presStyleLbl="node1" presStyleIdx="2" presStyleCnt="6">
+      <dgm:prSet presAssocID="{A47F4B80-7376-E24B-B9D7-9A5930400620}" presName="txShp" presStyleLbl="node1" presStyleIdx="2" presStyleCnt="7">
         <dgm:presLayoutVars>
           <dgm:bulletEnabled val="1"/>
         </dgm:presLayoutVars>
@@ -2308,7 +2349,7 @@
       <dgm:spPr/>
     </dgm:pt>
     <dgm:pt modelId="{5F2FFE8D-02EB-0F4B-AE45-3869CDCB87C7}" type="pres">
-      <dgm:prSet presAssocID="{27279ECE-B3C1-EF49-8943-B62CD07322DF}" presName="imgShp" presStyleLbl="fgImgPlace1" presStyleIdx="3" presStyleCnt="6"/>
+      <dgm:prSet presAssocID="{27279ECE-B3C1-EF49-8943-B62CD07322DF}" presName="imgShp" presStyleLbl="fgImgPlace1" presStyleIdx="3" presStyleCnt="7"/>
       <dgm:spPr>
         <a:blipFill>
           <a:blip xmlns:r="http://schemas.openxmlformats.org/officeDocument/2006/relationships" r:embed="rId8">
@@ -2333,7 +2374,7 @@
       </dgm:spPr>
     </dgm:pt>
     <dgm:pt modelId="{9C9B1F86-4734-1242-9686-D13534E23B79}" type="pres">
-      <dgm:prSet presAssocID="{27279ECE-B3C1-EF49-8943-B62CD07322DF}" presName="txShp" presStyleLbl="node1" presStyleIdx="3" presStyleCnt="6">
+      <dgm:prSet presAssocID="{27279ECE-B3C1-EF49-8943-B62CD07322DF}" presName="txShp" presStyleLbl="node1" presStyleIdx="3" presStyleCnt="7">
         <dgm:presLayoutVars>
           <dgm:bulletEnabled val="1"/>
         </dgm:presLayoutVars>
@@ -2349,7 +2390,7 @@
       <dgm:spPr/>
     </dgm:pt>
     <dgm:pt modelId="{8259093F-0171-6046-BB26-27CD5091D815}" type="pres">
-      <dgm:prSet presAssocID="{73957566-1375-E443-8F4E-8E55616B8279}" presName="imgShp" presStyleLbl="fgImgPlace1" presStyleIdx="4" presStyleCnt="6"/>
+      <dgm:prSet presAssocID="{73957566-1375-E443-8F4E-8E55616B8279}" presName="imgShp" presStyleLbl="fgImgPlace1" presStyleIdx="4" presStyleCnt="7"/>
       <dgm:spPr>
         <a:blipFill>
           <a:blip xmlns:r="http://schemas.openxmlformats.org/officeDocument/2006/relationships" r:embed="rId10">
@@ -2374,7 +2415,7 @@
       </dgm:spPr>
     </dgm:pt>
     <dgm:pt modelId="{3F80E300-2BD6-8540-956F-A844A3390C10}" type="pres">
-      <dgm:prSet presAssocID="{73957566-1375-E443-8F4E-8E55616B8279}" presName="txShp" presStyleLbl="node1" presStyleIdx="4" presStyleCnt="6">
+      <dgm:prSet presAssocID="{73957566-1375-E443-8F4E-8E55616B8279}" presName="txShp" presStyleLbl="node1" presStyleIdx="4" presStyleCnt="7">
         <dgm:presLayoutVars>
           <dgm:bulletEnabled val="1"/>
         </dgm:presLayoutVars>
@@ -2390,7 +2431,7 @@
       <dgm:spPr/>
     </dgm:pt>
     <dgm:pt modelId="{2A5242F5-00E1-8D4D-ACBD-88176E12BAE0}" type="pres">
-      <dgm:prSet presAssocID="{201F5C42-3370-EE4C-9170-94415BD4FAB8}" presName="imgShp" presStyleLbl="fgImgPlace1" presStyleIdx="5" presStyleCnt="6"/>
+      <dgm:prSet presAssocID="{201F5C42-3370-EE4C-9170-94415BD4FAB8}" presName="imgShp" presStyleLbl="fgImgPlace1" presStyleIdx="5" presStyleCnt="7"/>
       <dgm:spPr>
         <a:blipFill>
           <a:blip xmlns:r="http://schemas.openxmlformats.org/officeDocument/2006/relationships" r:embed="rId12">
@@ -2415,7 +2456,35 @@
       </dgm:spPr>
     </dgm:pt>
     <dgm:pt modelId="{D9456614-C4AA-AB41-98B4-3C49DE230590}" type="pres">
-      <dgm:prSet presAssocID="{201F5C42-3370-EE4C-9170-94415BD4FAB8}" presName="txShp" presStyleLbl="node1" presStyleIdx="5" presStyleCnt="6">
+      <dgm:prSet presAssocID="{201F5C42-3370-EE4C-9170-94415BD4FAB8}" presName="txShp" presStyleLbl="node1" presStyleIdx="5" presStyleCnt="7">
+        <dgm:presLayoutVars>
+          <dgm:bulletEnabled val="1"/>
+        </dgm:presLayoutVars>
+      </dgm:prSet>
+      <dgm:spPr/>
+    </dgm:pt>
+    <dgm:pt modelId="{19AD0C52-18F3-2D45-8044-A2B6F53BD1B7}" type="pres">
+      <dgm:prSet presAssocID="{5F4E2930-E788-814B-ABBA-92B576610E02}" presName="spacing" presStyleCnt="0"/>
+      <dgm:spPr/>
+    </dgm:pt>
+    <dgm:pt modelId="{39069B3A-9A9F-694D-8FF8-D2FB63D50944}" type="pres">
+      <dgm:prSet presAssocID="{B454A65F-3564-6F42-9BD2-8D5156C6463D}" presName="composite" presStyleCnt="0"/>
+      <dgm:spPr/>
+    </dgm:pt>
+    <dgm:pt modelId="{F1F14B9E-8C8A-1544-9D40-D755F353F29F}" type="pres">
+      <dgm:prSet presAssocID="{B454A65F-3564-6F42-9BD2-8D5156C6463D}" presName="imgShp" presStyleLbl="fgImgPlace1" presStyleIdx="6" presStyleCnt="7"/>
+      <dgm:spPr>
+        <a:blipFill>
+          <a:blip xmlns:r="http://schemas.openxmlformats.org/officeDocument/2006/relationships" r:embed="rId14"/>
+          <a:srcRect/>
+          <a:stretch>
+            <a:fillRect t="-6000" b="-6000"/>
+          </a:stretch>
+        </a:blipFill>
+      </dgm:spPr>
+    </dgm:pt>
+    <dgm:pt modelId="{8D7B73F6-9C4B-2541-B167-2E1A4F0A264D}" type="pres">
+      <dgm:prSet presAssocID="{B454A65F-3564-6F42-9BD2-8D5156C6463D}" presName="txShp" presStyleLbl="node1" presStyleIdx="6" presStyleCnt="7">
         <dgm:presLayoutVars>
           <dgm:bulletEnabled val="1"/>
         </dgm:presLayoutVars>
@@ -2426,6 +2495,7 @@
   <dgm:cxnLst>
     <dgm:cxn modelId="{6616C70C-FCD4-E34D-AF28-3B0C4BA67C5F}" type="presOf" srcId="{201F5C42-3370-EE4C-9170-94415BD4FAB8}" destId="{D9456614-C4AA-AB41-98B4-3C49DE230590}" srcOrd="0" destOrd="0" presId="urn:microsoft.com/office/officeart/2005/8/layout/vList3"/>
     <dgm:cxn modelId="{F3A0F40F-407B-604E-B6BD-56134D4746A1}" type="presOf" srcId="{04C3090D-B012-F340-9AAB-A5DBBB4CDEA8}" destId="{D9456614-C4AA-AB41-98B4-3C49DE230590}" srcOrd="0" destOrd="1" presId="urn:microsoft.com/office/officeart/2005/8/layout/vList3"/>
+    <dgm:cxn modelId="{F2A1B321-93A5-CB4B-958C-B6780140EE20}" type="presOf" srcId="{B454A65F-3564-6F42-9BD2-8D5156C6463D}" destId="{8D7B73F6-9C4B-2541-B167-2E1A4F0A264D}" srcOrd="0" destOrd="0" presId="urn:microsoft.com/office/officeart/2005/8/layout/vList3"/>
     <dgm:cxn modelId="{5C1D3923-EA0C-F44F-8992-9681AC614619}" srcId="{774DF0A3-09DD-C946-862F-C9E8494F46C0}" destId="{201F5C42-3370-EE4C-9170-94415BD4FAB8}" srcOrd="5" destOrd="0" parTransId="{9704AFBE-EDDC-5243-A150-8146FE5721BB}" sibTransId="{5F4E2930-E788-814B-ABBA-92B576610E02}"/>
     <dgm:cxn modelId="{38BC022D-6BA4-D645-BC04-70FB41F9FF9B}" srcId="{A47F4B80-7376-E24B-B9D7-9A5930400620}" destId="{BB2C0C7B-CBC7-CD46-96BA-F019F4C411BB}" srcOrd="0" destOrd="0" parTransId="{4C497D29-8872-4246-9627-8676C161E1EB}" sibTransId="{03E3660A-792D-2749-B9F1-ACD8E44A4968}"/>
     <dgm:cxn modelId="{E24B7131-706A-A64B-B20F-A95B221E62BF}" srcId="{8B226524-C1FF-D84A-BA17-9263AB858B53}" destId="{C3CD4411-7EEF-DD4B-95BC-13ED1209BE25}" srcOrd="0" destOrd="0" parTransId="{4000F541-107F-EB4D-A4AC-55E2B27FA9AF}" sibTransId="{D229FFFF-987F-D848-B25B-E7E288E18AF1}"/>
@@ -2443,6 +2513,7 @@
     <dgm:cxn modelId="{75980F8F-7380-E54D-8EB1-87D3737D4914}" type="presOf" srcId="{774DF0A3-09DD-C946-862F-C9E8494F46C0}" destId="{BCC0B148-BCCE-0444-8E0F-16750EA554A7}" srcOrd="0" destOrd="0" presId="urn:microsoft.com/office/officeart/2005/8/layout/vList3"/>
     <dgm:cxn modelId="{4A20DC92-09C9-404C-B935-C55F5462BD01}" srcId="{774DF0A3-09DD-C946-862F-C9E8494F46C0}" destId="{B240B794-CBF7-1E45-B64E-DDE0E4083703}" srcOrd="0" destOrd="0" parTransId="{1CF7DF6D-42CB-F045-B663-C2DB0D14640C}" sibTransId="{A79D908F-4B80-5D40-B8DD-05FC6D5F0CFD}"/>
     <dgm:cxn modelId="{5610AB94-DDFF-234B-9C1D-16FD71474DA9}" srcId="{774DF0A3-09DD-C946-862F-C9E8494F46C0}" destId="{8B226524-C1FF-D84A-BA17-9263AB858B53}" srcOrd="1" destOrd="0" parTransId="{76D5B390-9A11-6749-B22D-A4451521EC72}" sibTransId="{262B057A-9113-E747-8432-F098AB6F2A92}"/>
+    <dgm:cxn modelId="{941149A0-089A-8242-81DB-48F439A1535D}" srcId="{774DF0A3-09DD-C946-862F-C9E8494F46C0}" destId="{B454A65F-3564-6F42-9BD2-8D5156C6463D}" srcOrd="6" destOrd="0" parTransId="{83A6D5A4-FCA3-784F-92E7-E5B001B4F6E1}" sibTransId="{71F232FA-B35C-1845-80A3-BFFF8C9008D7}"/>
     <dgm:cxn modelId="{26A09FAD-5C74-9F4B-B38F-9F1EF3DDF6D7}" type="presOf" srcId="{7DD1C6C9-CCCC-2C40-BCFE-6419599B50D5}" destId="{B8D10309-F82A-AA47-AC1B-90B0CEEAA187}" srcOrd="0" destOrd="1" presId="urn:microsoft.com/office/officeart/2005/8/layout/vList3"/>
     <dgm:cxn modelId="{EDA08AB4-B16A-6242-B5C6-E96235D4AD4C}" type="presOf" srcId="{7DCB76A5-E846-2940-98CD-B942D5890A93}" destId="{3F80E300-2BD6-8540-956F-A844A3390C10}" srcOrd="0" destOrd="1" presId="urn:microsoft.com/office/officeart/2005/8/layout/vList3"/>
     <dgm:cxn modelId="{5D544FC2-D0C4-1145-AD01-0FE7BC00F0B7}" srcId="{774DF0A3-09DD-C946-862F-C9E8494F46C0}" destId="{27279ECE-B3C1-EF49-8943-B62CD07322DF}" srcOrd="3" destOrd="0" parTransId="{F28C67E3-1799-424A-AAB9-E0BD888C5415}" sibTransId="{9803AC64-EED4-E241-B17E-B6E220884A5B}"/>
@@ -2474,6 +2545,10 @@
     <dgm:cxn modelId="{250CFAF4-9E89-C642-BA86-A2626AC6EB37}" type="presParOf" srcId="{BCC0B148-BCCE-0444-8E0F-16750EA554A7}" destId="{137E4B05-FE5B-094F-9F68-D64851A346F9}" srcOrd="10" destOrd="0" presId="urn:microsoft.com/office/officeart/2005/8/layout/vList3"/>
     <dgm:cxn modelId="{7D065809-3E8E-C146-9514-639B1D143E08}" type="presParOf" srcId="{137E4B05-FE5B-094F-9F68-D64851A346F9}" destId="{2A5242F5-00E1-8D4D-ACBD-88176E12BAE0}" srcOrd="0" destOrd="0" presId="urn:microsoft.com/office/officeart/2005/8/layout/vList3"/>
     <dgm:cxn modelId="{5DDBCAEF-4E8D-4B43-B545-B21E47AD5EF8}" type="presParOf" srcId="{137E4B05-FE5B-094F-9F68-D64851A346F9}" destId="{D9456614-C4AA-AB41-98B4-3C49DE230590}" srcOrd="1" destOrd="0" presId="urn:microsoft.com/office/officeart/2005/8/layout/vList3"/>
+    <dgm:cxn modelId="{D4F446BA-A30B-824E-A6FE-5916B95FE207}" type="presParOf" srcId="{BCC0B148-BCCE-0444-8E0F-16750EA554A7}" destId="{19AD0C52-18F3-2D45-8044-A2B6F53BD1B7}" srcOrd="11" destOrd="0" presId="urn:microsoft.com/office/officeart/2005/8/layout/vList3"/>
+    <dgm:cxn modelId="{95F07AF1-0143-7F4B-B609-81AD9EC5D4B4}" type="presParOf" srcId="{BCC0B148-BCCE-0444-8E0F-16750EA554A7}" destId="{39069B3A-9A9F-694D-8FF8-D2FB63D50944}" srcOrd="12" destOrd="0" presId="urn:microsoft.com/office/officeart/2005/8/layout/vList3"/>
+    <dgm:cxn modelId="{826A79D1-40F5-EA4D-B04B-BE218696AB52}" type="presParOf" srcId="{39069B3A-9A9F-694D-8FF8-D2FB63D50944}" destId="{F1F14B9E-8C8A-1544-9D40-D755F353F29F}" srcOrd="0" destOrd="0" presId="urn:microsoft.com/office/officeart/2005/8/layout/vList3"/>
+    <dgm:cxn modelId="{BC7C63BB-A4BD-6B42-B087-54882CA870F8}" type="presParOf" srcId="{39069B3A-9A9F-694D-8FF8-D2FB63D50944}" destId="{8D7B73F6-9C4B-2541-B167-2E1A4F0A264D}" srcOrd="1" destOrd="0" presId="urn:microsoft.com/office/officeart/2005/8/layout/vList3"/>
   </dgm:cxnLst>
   <dgm:bg/>
   <dgm:whole/>
@@ -3281,8 +3356,8 @@
       </dsp:nvSpPr>
       <dsp:spPr>
         <a:xfrm rot="10800000">
-          <a:off x="1480856" y="1529"/>
-          <a:ext cx="5024261" cy="861386"/>
+          <a:off x="1449033" y="1788"/>
+          <a:ext cx="5024261" cy="734094"/>
         </a:xfrm>
         <a:prstGeom prst="homePlate">
           <a:avLst/>
@@ -3324,12 +3399,12 @@
         </a:fontRef>
       </dsp:style>
       <dsp:txBody>
-        <a:bodyPr spcFirstLastPara="0" vert="horz" wrap="square" lIns="379848" tIns="38100" rIns="71120" bIns="38100" numCol="1" spcCol="1270" anchor="t" anchorCtr="0">
+        <a:bodyPr spcFirstLastPara="0" vert="horz" wrap="square" lIns="323715" tIns="34290" rIns="64008" bIns="34290" numCol="1" spcCol="1270" anchor="t" anchorCtr="0">
           <a:noAutofit/>
         </a:bodyPr>
         <a:lstStyle/>
         <a:p>
-          <a:pPr marL="0" lvl="0" indent="0" algn="l" defTabSz="444500">
+          <a:pPr marL="0" lvl="0" indent="0" algn="l" defTabSz="400050">
             <a:lnSpc>
               <a:spcPct val="90000"/>
             </a:lnSpc>
@@ -3342,13 +3417,13 @@
             <a:buNone/>
           </a:pPr>
           <a:r>
-            <a:rPr lang="en-US" sz="1000" kern="1200" dirty="0"/>
+            <a:rPr lang="en-US" sz="900" kern="1200" dirty="0"/>
             <a:t>Create one training replica per Deployments at Kubernetes annotated with:</a:t>
           </a:r>
-          <a:endParaRPr lang="en-CA" sz="1000" kern="1200" dirty="0"/>
+          <a:endParaRPr lang="en-CA" sz="900" kern="1200" dirty="0"/>
         </a:p>
         <a:p>
-          <a:pPr marL="57150" lvl="1" indent="-57150" algn="l" defTabSz="355600">
+          <a:pPr marL="57150" lvl="1" indent="-57150" algn="l" defTabSz="311150">
             <a:lnSpc>
               <a:spcPct val="90000"/>
             </a:lnSpc>
@@ -3361,19 +3436,19 @@
             <a:buChar char="•"/>
           </a:pPr>
           <a:r>
-            <a:rPr lang="en-US" sz="800" kern="1200" dirty="0" err="1"/>
+            <a:rPr lang="en-US" sz="700" kern="1200" dirty="0" err="1"/>
             <a:t>injection.smarttuning.ibm.com</a:t>
           </a:r>
           <a:r>
-            <a:rPr lang="en-US" sz="800" kern="1200" dirty="0"/>
+            <a:rPr lang="en-US" sz="700" kern="1200" dirty="0"/>
             <a:t>: "true”</a:t>
           </a:r>
-          <a:endParaRPr lang="en-CA" sz="800" kern="1200" dirty="0"/>
+          <a:endParaRPr lang="en-CA" sz="700" kern="1200" dirty="0"/>
         </a:p>
       </dsp:txBody>
       <dsp:txXfrm rot="10800000">
-        <a:off x="1696202" y="1529"/>
-        <a:ext cx="4808915" cy="861386"/>
+        <a:off x="1632556" y="1788"/>
+        <a:ext cx="4840738" cy="734094"/>
       </dsp:txXfrm>
     </dsp:sp>
     <dsp:sp modelId="{A58FDB2B-85DE-FF48-9001-7B942D3001F8}">
@@ -3383,8 +3458,8 @@
       </dsp:nvSpPr>
       <dsp:spPr>
         <a:xfrm>
-          <a:off x="1050162" y="1529"/>
-          <a:ext cx="861386" cy="861386"/>
+          <a:off x="1081985" y="1788"/>
+          <a:ext cx="734094" cy="734094"/>
         </a:xfrm>
         <a:prstGeom prst="ellipse">
           <a:avLst/>
@@ -3442,8 +3517,8 @@
       </dsp:nvSpPr>
       <dsp:spPr>
         <a:xfrm rot="10800000">
-          <a:off x="1480856" y="1120047"/>
-          <a:ext cx="5024261" cy="861386"/>
+          <a:off x="1449033" y="955015"/>
+          <a:ext cx="5024261" cy="734094"/>
         </a:xfrm>
         <a:prstGeom prst="homePlate">
           <a:avLst/>
@@ -3485,12 +3560,12 @@
         </a:fontRef>
       </dsp:style>
       <dsp:txBody>
-        <a:bodyPr spcFirstLastPara="0" vert="horz" wrap="square" lIns="379848" tIns="38100" rIns="71120" bIns="38100" numCol="1" spcCol="1270" anchor="t" anchorCtr="0">
+        <a:bodyPr spcFirstLastPara="0" vert="horz" wrap="square" lIns="323715" tIns="34290" rIns="64008" bIns="34290" numCol="1" spcCol="1270" anchor="t" anchorCtr="0">
           <a:noAutofit/>
         </a:bodyPr>
         <a:lstStyle/>
         <a:p>
-          <a:pPr marL="0" lvl="0" indent="0" algn="l" defTabSz="444500">
+          <a:pPr marL="0" lvl="0" indent="0" algn="l" defTabSz="400050">
             <a:lnSpc>
               <a:spcPct val="90000"/>
             </a:lnSpc>
@@ -3503,21 +3578,21 @@
             <a:buNone/>
           </a:pPr>
           <a:r>
-            <a:rPr lang="en-US" sz="1000" kern="1200" dirty="0"/>
+            <a:rPr lang="en-US" sz="900" kern="1200" dirty="0"/>
             <a:t>Automatically reload a pod which had its </a:t>
           </a:r>
           <a:r>
-            <a:rPr lang="en-US" sz="1000" kern="1200" dirty="0" err="1"/>
+            <a:rPr lang="en-US" sz="900" kern="1200" dirty="0" err="1"/>
             <a:t>ConfigMap</a:t>
           </a:r>
           <a:r>
-            <a:rPr lang="en-US" sz="1000" kern="1200" dirty="0"/>
+            <a:rPr lang="en-US" sz="900" kern="1200" dirty="0"/>
             <a:t> updated:</a:t>
           </a:r>
-          <a:endParaRPr lang="en-CA" sz="1000" kern="1200" dirty="0"/>
+          <a:endParaRPr lang="en-CA" sz="900" kern="1200" dirty="0"/>
         </a:p>
         <a:p>
-          <a:pPr marL="57150" lvl="1" indent="-57150" algn="l" defTabSz="355600">
+          <a:pPr marL="57150" lvl="1" indent="-57150" algn="l" defTabSz="311150">
             <a:lnSpc>
               <a:spcPct val="90000"/>
             </a:lnSpc>
@@ -3530,7 +3605,7 @@
             <a:buChar char="•"/>
           </a:pPr>
           <a:r>
-            <a:rPr lang="en-US" sz="800" kern="1200">
+            <a:rPr lang="en-US" sz="700" kern="1200">
               <a:solidFill>
                 <a:schemeClr val="bg1"/>
               </a:solidFill>
@@ -3544,7 +3619,7 @@
             </a:rPr>
             <a:t>https://github.com/stakater/Reloader</a:t>
           </a:r>
-          <a:endParaRPr lang="en-CA" sz="800" kern="1200" dirty="0">
+          <a:endParaRPr lang="en-CA" sz="700" kern="1200" dirty="0">
             <a:solidFill>
               <a:schemeClr val="bg1"/>
             </a:solidFill>
@@ -3552,8 +3627,8 @@
         </a:p>
       </dsp:txBody>
       <dsp:txXfrm rot="10800000">
-        <a:off x="1696202" y="1120047"/>
-        <a:ext cx="4808915" cy="861386"/>
+        <a:off x="1632556" y="955015"/>
+        <a:ext cx="4840738" cy="734094"/>
       </dsp:txXfrm>
     </dsp:sp>
     <dsp:sp modelId="{009F2F18-BED0-4448-BD9B-6E71FD165D68}">
@@ -3563,8 +3638,8 @@
       </dsp:nvSpPr>
       <dsp:spPr>
         <a:xfrm>
-          <a:off x="1050162" y="1120047"/>
-          <a:ext cx="861386" cy="861386"/>
+          <a:off x="1081985" y="955015"/>
+          <a:ext cx="734094" cy="734094"/>
         </a:xfrm>
         <a:prstGeom prst="ellipse">
           <a:avLst/>
@@ -3622,8 +3697,8 @@
       </dsp:nvSpPr>
       <dsp:spPr>
         <a:xfrm rot="10800000">
-          <a:off x="1480856" y="2238564"/>
-          <a:ext cx="5024261" cy="861386"/>
+          <a:off x="1449033" y="1908242"/>
+          <a:ext cx="5024261" cy="734094"/>
         </a:xfrm>
         <a:prstGeom prst="homePlate">
           <a:avLst/>
@@ -3665,12 +3740,12 @@
         </a:fontRef>
       </dsp:style>
       <dsp:txBody>
-        <a:bodyPr spcFirstLastPara="0" vert="horz" wrap="square" lIns="379848" tIns="38100" rIns="71120" bIns="38100" numCol="1" spcCol="1270" anchor="t" anchorCtr="0">
+        <a:bodyPr spcFirstLastPara="0" vert="horz" wrap="square" lIns="323715" tIns="34290" rIns="64008" bIns="34290" numCol="1" spcCol="1270" anchor="t" anchorCtr="0">
           <a:noAutofit/>
         </a:bodyPr>
         <a:lstStyle/>
         <a:p>
-          <a:pPr marL="0" lvl="0" indent="0" algn="l" defTabSz="444500">
+          <a:pPr marL="0" lvl="0" indent="0" algn="l" defTabSz="400050">
             <a:lnSpc>
               <a:spcPct val="90000"/>
             </a:lnSpc>
@@ -3683,13 +3758,13 @@
             <a:buNone/>
           </a:pPr>
           <a:r>
-            <a:rPr lang="en-US" sz="1000" kern="1200" dirty="0"/>
+            <a:rPr lang="en-US" sz="900" kern="1200" dirty="0"/>
             <a:t>A custom made CRD/Controller to hold one search space per applications (K8s deployment). This controller is responsible for sample a new configuration and resolve any dependency amongst the parameters.</a:t>
           </a:r>
-          <a:endParaRPr lang="en-CA" sz="1000" kern="1200" dirty="0"/>
+          <a:endParaRPr lang="en-CA" sz="900" kern="1200" dirty="0"/>
         </a:p>
         <a:p>
-          <a:pPr marL="57150" lvl="1" indent="-57150" algn="l" defTabSz="355600">
+          <a:pPr marL="57150" lvl="1" indent="-57150" algn="l" defTabSz="311150">
             <a:lnSpc>
               <a:spcPct val="90000"/>
             </a:lnSpc>
@@ -3702,13 +3777,13 @@
             <a:buChar char="•"/>
           </a:pPr>
           <a:r>
-            <a:rPr lang="en-US" sz="800" kern="1200"/>
+            <a:rPr lang="en-US" sz="700" kern="1200"/>
             <a:t>smarttuning/controllers/searchspace.py</a:t>
           </a:r>
-          <a:endParaRPr lang="en-CA" sz="800" kern="1200"/>
+          <a:endParaRPr lang="en-CA" sz="700" kern="1200"/>
         </a:p>
         <a:p>
-          <a:pPr marL="57150" lvl="1" indent="-57150" algn="l" defTabSz="355600">
+          <a:pPr marL="57150" lvl="1" indent="-57150" algn="l" defTabSz="311150">
             <a:lnSpc>
               <a:spcPct val="90000"/>
             </a:lnSpc>
@@ -3721,15 +3796,15 @@
             <a:buChar char="•"/>
           </a:pPr>
           <a:r>
-            <a:rPr lang="en-US" sz="800" kern="1200"/>
+            <a:rPr lang="en-US" sz="700" kern="1200"/>
             <a:t>smarttuning/controllers/searchspacemodel.py</a:t>
           </a:r>
-          <a:endParaRPr lang="en-CA" sz="800" kern="1200"/>
+          <a:endParaRPr lang="en-CA" sz="700" kern="1200"/>
         </a:p>
       </dsp:txBody>
       <dsp:txXfrm rot="10800000">
-        <a:off x="1696202" y="2238564"/>
-        <a:ext cx="4808915" cy="861386"/>
+        <a:off x="1632556" y="1908242"/>
+        <a:ext cx="4840738" cy="734094"/>
       </dsp:txXfrm>
     </dsp:sp>
     <dsp:sp modelId="{5E0323DC-A206-1D45-A075-E75D1F5B6397}">
@@ -3739,8 +3814,8 @@
       </dsp:nvSpPr>
       <dsp:spPr>
         <a:xfrm>
-          <a:off x="1050162" y="2238564"/>
-          <a:ext cx="861386" cy="861386"/>
+          <a:off x="1081985" y="1908242"/>
+          <a:ext cx="734094" cy="734094"/>
         </a:xfrm>
         <a:prstGeom prst="ellipse">
           <a:avLst/>
@@ -3798,8 +3873,8 @@
       </dsp:nvSpPr>
       <dsp:spPr>
         <a:xfrm rot="10800000">
-          <a:off x="1480856" y="3357081"/>
-          <a:ext cx="5024261" cy="861386"/>
+          <a:off x="1449033" y="2861469"/>
+          <a:ext cx="5024261" cy="734094"/>
         </a:xfrm>
         <a:prstGeom prst="homePlate">
           <a:avLst/>
@@ -3841,12 +3916,12 @@
         </a:fontRef>
       </dsp:style>
       <dsp:txBody>
-        <a:bodyPr spcFirstLastPara="0" vert="horz" wrap="square" lIns="379848" tIns="38100" rIns="71120" bIns="38100" numCol="1" spcCol="1270" anchor="t" anchorCtr="0">
+        <a:bodyPr spcFirstLastPara="0" vert="horz" wrap="square" lIns="323715" tIns="34290" rIns="64008" bIns="34290" numCol="1" spcCol="1270" anchor="t" anchorCtr="0">
           <a:noAutofit/>
         </a:bodyPr>
         <a:lstStyle/>
         <a:p>
-          <a:pPr marL="0" lvl="0" indent="0" algn="l" defTabSz="444500">
+          <a:pPr marL="0" lvl="0" indent="0" algn="l" defTabSz="400050">
             <a:lnSpc>
               <a:spcPct val="90000"/>
             </a:lnSpc>
@@ -3859,13 +3934,13 @@
             <a:buNone/>
           </a:pPr>
           <a:r>
-            <a:rPr lang="en-US" sz="1000" kern="1200"/>
+            <a:rPr lang="en-US" sz="900" kern="1200"/>
             <a:t>SmartTuning’s core, it has the loop implementation and perform the different tuning iterations (training, reinforcement, probation). ST automatically create a new instance of this for each workload identified.</a:t>
           </a:r>
-          <a:endParaRPr lang="en-CA" sz="1000" kern="1200"/>
+          <a:endParaRPr lang="en-CA" sz="900" kern="1200"/>
         </a:p>
         <a:p>
-          <a:pPr marL="57150" lvl="1" indent="-57150" algn="l" defTabSz="355600">
+          <a:pPr marL="57150" lvl="1" indent="-57150" algn="l" defTabSz="311150">
             <a:lnSpc>
               <a:spcPct val="90000"/>
             </a:lnSpc>
@@ -3878,15 +3953,15 @@
             <a:buChar char="•"/>
           </a:pPr>
           <a:r>
-            <a:rPr lang="en-US" sz="800" kern="1200"/>
+            <a:rPr lang="en-US" sz="700" kern="1200"/>
             <a:t>smarttuning/smarttuning2/iteration.py</a:t>
           </a:r>
-          <a:endParaRPr lang="en-CA" sz="800" kern="1200"/>
+          <a:endParaRPr lang="en-CA" sz="700" kern="1200"/>
         </a:p>
       </dsp:txBody>
       <dsp:txXfrm rot="10800000">
-        <a:off x="1696202" y="3357081"/>
-        <a:ext cx="4808915" cy="861386"/>
+        <a:off x="1632556" y="2861469"/>
+        <a:ext cx="4840738" cy="734094"/>
       </dsp:txXfrm>
     </dsp:sp>
     <dsp:sp modelId="{5F2FFE8D-02EB-0F4B-AE45-3869CDCB87C7}">
@@ -3896,8 +3971,8 @@
       </dsp:nvSpPr>
       <dsp:spPr>
         <a:xfrm>
-          <a:off x="1050162" y="3357081"/>
-          <a:ext cx="861386" cy="861386"/>
+          <a:off x="1081985" y="2861469"/>
+          <a:ext cx="734094" cy="734094"/>
         </a:xfrm>
         <a:prstGeom prst="ellipse">
           <a:avLst/>
@@ -3955,8 +4030,8 @@
       </dsp:nvSpPr>
       <dsp:spPr>
         <a:xfrm rot="10800000">
-          <a:off x="1480856" y="4475599"/>
-          <a:ext cx="5024261" cy="861386"/>
+          <a:off x="1449033" y="3814696"/>
+          <a:ext cx="5024261" cy="734094"/>
         </a:xfrm>
         <a:prstGeom prst="homePlate">
           <a:avLst/>
@@ -3998,12 +4073,12 @@
         </a:fontRef>
       </dsp:style>
       <dsp:txBody>
-        <a:bodyPr spcFirstLastPara="0" vert="horz" wrap="square" lIns="379848" tIns="38100" rIns="71120" bIns="38100" numCol="1" spcCol="1270" anchor="t" anchorCtr="0">
+        <a:bodyPr spcFirstLastPara="0" vert="horz" wrap="square" lIns="323715" tIns="34290" rIns="64008" bIns="34290" numCol="1" spcCol="1270" anchor="t" anchorCtr="0">
           <a:noAutofit/>
         </a:bodyPr>
         <a:lstStyle/>
         <a:p>
-          <a:pPr marL="0" lvl="0" indent="0" algn="l" defTabSz="444500">
+          <a:pPr marL="0" lvl="0" indent="0" algn="l" defTabSz="400050">
             <a:lnSpc>
               <a:spcPct val="90000"/>
             </a:lnSpc>
@@ -4016,37 +4091,37 @@
             <a:buNone/>
           </a:pPr>
           <a:r>
-            <a:rPr lang="en-US" sz="1000" kern="1200" dirty="0"/>
+            <a:rPr lang="en-US" sz="900" kern="1200" dirty="0"/>
             <a:t>A dummy implementations for workload classifier, in general they observes the </a:t>
           </a:r>
           <a:r>
-            <a:rPr lang="en-US" sz="1000" kern="1200" dirty="0" err="1"/>
+            <a:rPr lang="en-US" sz="900" kern="1200" dirty="0" err="1"/>
             <a:t>ConfigMap</a:t>
           </a:r>
           <a:r>
-            <a:rPr lang="en-US" sz="1000" kern="1200" dirty="0"/>
+            <a:rPr lang="en-US" sz="900" kern="1200" dirty="0"/>
             <a:t> attached to </a:t>
           </a:r>
           <a:r>
-            <a:rPr lang="en-US" sz="1000" kern="1200" dirty="0" err="1"/>
+            <a:rPr lang="en-US" sz="900" kern="1200" dirty="0" err="1"/>
             <a:t>Jmeter’s</a:t>
           </a:r>
           <a:r>
-            <a:rPr lang="en-US" sz="1000" kern="1200" dirty="0"/>
+            <a:rPr lang="en-US" sz="900" kern="1200" dirty="0"/>
             <a:t> </a:t>
           </a:r>
           <a:r>
-            <a:rPr lang="en-US" sz="1000" kern="1200" dirty="0" err="1"/>
+            <a:rPr lang="en-US" sz="900" kern="1200" dirty="0" err="1"/>
             <a:t>deployement</a:t>
           </a:r>
           <a:r>
-            <a:rPr lang="en-US" sz="1000" kern="1200" dirty="0"/>
+            <a:rPr lang="en-US" sz="900" kern="1200" dirty="0"/>
             <a:t>. Although, there is one more “realistic” implementation that observes the application throughput to classify the current workload.</a:t>
           </a:r>
-          <a:endParaRPr lang="en-CA" sz="1000" kern="1200" dirty="0"/>
+          <a:endParaRPr lang="en-CA" sz="900" kern="1200" dirty="0"/>
         </a:p>
         <a:p>
-          <a:pPr marL="57150" lvl="1" indent="-57150" algn="l" defTabSz="355600">
+          <a:pPr marL="57150" lvl="1" indent="-57150" algn="l" defTabSz="311150">
             <a:lnSpc>
               <a:spcPct val="90000"/>
             </a:lnSpc>
@@ -4059,15 +4134,15 @@
             <a:buChar char="•"/>
           </a:pPr>
           <a:r>
-            <a:rPr lang="en-US" sz="800" kern="1200"/>
+            <a:rPr lang="en-US" sz="700" kern="1200"/>
             <a:t>smarttuning/controllers/workloadctrl.py</a:t>
           </a:r>
-          <a:endParaRPr lang="en-CA" sz="800" kern="1200"/>
+          <a:endParaRPr lang="en-CA" sz="700" kern="1200"/>
         </a:p>
       </dsp:txBody>
       <dsp:txXfrm rot="10800000">
-        <a:off x="1696202" y="4475599"/>
-        <a:ext cx="4808915" cy="861386"/>
+        <a:off x="1632556" y="3814696"/>
+        <a:ext cx="4840738" cy="734094"/>
       </dsp:txXfrm>
     </dsp:sp>
     <dsp:sp modelId="{8259093F-0171-6046-BB26-27CD5091D815}">
@@ -4077,8 +4152,8 @@
       </dsp:nvSpPr>
       <dsp:spPr>
         <a:xfrm>
-          <a:off x="1050162" y="4475599"/>
-          <a:ext cx="861386" cy="861386"/>
+          <a:off x="1081985" y="3814696"/>
+          <a:ext cx="734094" cy="734094"/>
         </a:xfrm>
         <a:prstGeom prst="ellipse">
           <a:avLst/>
@@ -4136,8 +4211,8 @@
       </dsp:nvSpPr>
       <dsp:spPr>
         <a:xfrm rot="10800000">
-          <a:off x="1480856" y="5594116"/>
-          <a:ext cx="5024261" cy="861386"/>
+          <a:off x="1449033" y="4767923"/>
+          <a:ext cx="5024261" cy="734094"/>
         </a:xfrm>
         <a:prstGeom prst="homePlate">
           <a:avLst/>
@@ -4179,12 +4254,12 @@
         </a:fontRef>
       </dsp:style>
       <dsp:txBody>
-        <a:bodyPr spcFirstLastPara="0" vert="horz" wrap="square" lIns="379848" tIns="38100" rIns="71120" bIns="38100" numCol="1" spcCol="1270" anchor="t" anchorCtr="0">
+        <a:bodyPr spcFirstLastPara="0" vert="horz" wrap="square" lIns="323715" tIns="34290" rIns="64008" bIns="34290" numCol="1" spcCol="1270" anchor="t" anchorCtr="0">
           <a:noAutofit/>
         </a:bodyPr>
         <a:lstStyle/>
         <a:p>
-          <a:pPr marL="0" lvl="0" indent="0" algn="l" defTabSz="444500">
+          <a:pPr marL="0" lvl="0" indent="0" algn="l" defTabSz="400050">
             <a:lnSpc>
               <a:spcPct val="90000"/>
             </a:lnSpc>
@@ -4197,29 +4272,29 @@
             <a:buNone/>
           </a:pPr>
           <a:r>
-            <a:rPr lang="en-US" sz="1000" kern="1200" dirty="0"/>
+            <a:rPr lang="en-US" sz="900" kern="1200" dirty="0"/>
             <a:t>Sample </a:t>
           </a:r>
           <a:r>
-            <a:rPr lang="en-US" sz="1000" kern="1200" dirty="0" err="1"/>
+            <a:rPr lang="en-US" sz="900" kern="1200" dirty="0" err="1"/>
             <a:t>tunables</a:t>
           </a:r>
           <a:r>
-            <a:rPr lang="en-US" sz="1000" kern="1200" dirty="0"/>
+            <a:rPr lang="en-US" sz="900" kern="1200" dirty="0"/>
             <a:t> for different sources through a custom query. Data sources available: Prometheus, HPA, </a:t>
           </a:r>
           <a:r>
-            <a:rPr lang="en-US" sz="1000" kern="1200" dirty="0" err="1"/>
+            <a:rPr lang="en-US" sz="900" kern="1200" dirty="0" err="1"/>
             <a:t>ConfigMap</a:t>
           </a:r>
           <a:r>
-            <a:rPr lang="en-US" sz="1000" kern="1200" dirty="0"/>
+            <a:rPr lang="en-US" sz="900" kern="1200" dirty="0"/>
             <a:t>, scalar</a:t>
           </a:r>
-          <a:endParaRPr lang="en-CA" sz="1000" kern="1200" dirty="0"/>
+          <a:endParaRPr lang="en-CA" sz="900" kern="1200" dirty="0"/>
         </a:p>
         <a:p>
-          <a:pPr marL="57150" lvl="1" indent="-57150" algn="l" defTabSz="355600">
+          <a:pPr marL="57150" lvl="1" indent="-57150" algn="l" defTabSz="311150">
             <a:lnSpc>
               <a:spcPct val="90000"/>
             </a:lnSpc>
@@ -4232,15 +4307,19 @@
             <a:buChar char="•"/>
           </a:pPr>
           <a:r>
-            <a:rPr lang="en-US" sz="800" kern="1200"/>
-            <a:t>smarttuning/models/metric2.py</a:t>
+            <a:rPr lang="en-US" sz="700" kern="1200" dirty="0" err="1"/>
+            <a:t>smarttuning</a:t>
           </a:r>
-          <a:endParaRPr lang="en-CA" sz="800" kern="1200"/>
+          <a:r>
+            <a:rPr lang="en-US" sz="700" kern="1200" dirty="0"/>
+            <a:t>/models/metric2.py</a:t>
+          </a:r>
+          <a:endParaRPr lang="en-CA" sz="700" kern="1200" dirty="0"/>
         </a:p>
       </dsp:txBody>
       <dsp:txXfrm rot="10800000">
-        <a:off x="1696202" y="5594116"/>
-        <a:ext cx="4808915" cy="861386"/>
+        <a:off x="1632556" y="4767923"/>
+        <a:ext cx="4840738" cy="734094"/>
       </dsp:txXfrm>
     </dsp:sp>
     <dsp:sp modelId="{2A5242F5-00E1-8D4D-ACBD-88176E12BAE0}">
@@ -4250,8 +4329,8 @@
       </dsp:nvSpPr>
       <dsp:spPr>
         <a:xfrm>
-          <a:off x="1050162" y="5594116"/>
-          <a:ext cx="861386" cy="861386"/>
+          <a:off x="1081985" y="4767923"/>
+          <a:ext cx="734094" cy="734094"/>
         </a:xfrm>
         <a:prstGeom prst="ellipse">
           <a:avLst/>
@@ -4288,6 +4367,131 @@
             </a:prstClr>
           </a:outerShdw>
         </a:effectLst>
+      </dsp:spPr>
+      <dsp:style>
+        <a:lnRef idx="2">
+          <a:scrgbClr r="0" g="0" b="0"/>
+        </a:lnRef>
+        <a:fillRef idx="1">
+          <a:scrgbClr r="0" g="0" b="0"/>
+        </a:fillRef>
+        <a:effectRef idx="0">
+          <a:scrgbClr r="0" g="0" b="0"/>
+        </a:effectRef>
+        <a:fontRef idx="minor"/>
+      </dsp:style>
+    </dsp:sp>
+    <dsp:sp modelId="{8D7B73F6-9C4B-2541-B167-2E1A4F0A264D}">
+      <dsp:nvSpPr>
+        <dsp:cNvPr id="0" name=""/>
+        <dsp:cNvSpPr/>
+      </dsp:nvSpPr>
+      <dsp:spPr>
+        <a:xfrm rot="10800000">
+          <a:off x="1449033" y="5721150"/>
+          <a:ext cx="5024261" cy="734094"/>
+        </a:xfrm>
+        <a:prstGeom prst="homePlate">
+          <a:avLst/>
+        </a:prstGeom>
+        <a:solidFill>
+          <a:schemeClr val="accent1">
+            <a:hueOff val="0"/>
+            <a:satOff val="0"/>
+            <a:lumOff val="0"/>
+            <a:alphaOff val="0"/>
+          </a:schemeClr>
+        </a:solidFill>
+        <a:ln w="12700" cap="flat" cmpd="sng" algn="ctr">
+          <a:solidFill>
+            <a:schemeClr val="lt1">
+              <a:hueOff val="0"/>
+              <a:satOff val="0"/>
+              <a:lumOff val="0"/>
+              <a:alphaOff val="0"/>
+            </a:schemeClr>
+          </a:solidFill>
+          <a:prstDash val="solid"/>
+          <a:miter lim="800000"/>
+        </a:ln>
+        <a:effectLst/>
+      </dsp:spPr>
+      <dsp:style>
+        <a:lnRef idx="2">
+          <a:scrgbClr r="0" g="0" b="0"/>
+        </a:lnRef>
+        <a:fillRef idx="1">
+          <a:scrgbClr r="0" g="0" b="0"/>
+        </a:fillRef>
+        <a:effectRef idx="0">
+          <a:scrgbClr r="0" g="0" b="0"/>
+        </a:effectRef>
+        <a:fontRef idx="minor">
+          <a:schemeClr val="lt1"/>
+        </a:fontRef>
+      </dsp:style>
+      <dsp:txBody>
+        <a:bodyPr spcFirstLastPara="0" vert="horz" wrap="square" lIns="323715" tIns="34290" rIns="64008" bIns="34290" numCol="1" spcCol="1270" anchor="ctr" anchorCtr="0">
+          <a:noAutofit/>
+        </a:bodyPr>
+        <a:lstStyle/>
+        <a:p>
+          <a:pPr marL="0" lvl="0" indent="0" algn="l" defTabSz="400050">
+            <a:lnSpc>
+              <a:spcPct val="90000"/>
+            </a:lnSpc>
+            <a:spcBef>
+              <a:spcPct val="0"/>
+            </a:spcBef>
+            <a:spcAft>
+              <a:spcPct val="35000"/>
+            </a:spcAft>
+            <a:buNone/>
+          </a:pPr>
+          <a:r>
+            <a:rPr lang="en-US" sz="900" kern="1200" dirty="0"/>
+            <a:t>Mongo is used for storing logs/snapshots of all iterations</a:t>
+          </a:r>
+        </a:p>
+      </dsp:txBody>
+      <dsp:txXfrm rot="10800000">
+        <a:off x="1632556" y="5721150"/>
+        <a:ext cx="4840738" cy="734094"/>
+      </dsp:txXfrm>
+    </dsp:sp>
+    <dsp:sp modelId="{F1F14B9E-8C8A-1544-9D40-D755F353F29F}">
+      <dsp:nvSpPr>
+        <dsp:cNvPr id="0" name=""/>
+        <dsp:cNvSpPr/>
+      </dsp:nvSpPr>
+      <dsp:spPr>
+        <a:xfrm>
+          <a:off x="1081985" y="5721150"/>
+          <a:ext cx="734094" cy="734094"/>
+        </a:xfrm>
+        <a:prstGeom prst="ellipse">
+          <a:avLst/>
+        </a:prstGeom>
+        <a:blipFill>
+          <a:blip xmlns:r="http://schemas.openxmlformats.org/officeDocument/2006/relationships" r:embed="rId14"/>
+          <a:srcRect/>
+          <a:stretch>
+            <a:fillRect t="-6000" b="-6000"/>
+          </a:stretch>
+        </a:blipFill>
+        <a:ln w="12700" cap="flat" cmpd="sng" algn="ctr">
+          <a:solidFill>
+            <a:schemeClr val="lt1">
+              <a:hueOff val="0"/>
+              <a:satOff val="0"/>
+              <a:lumOff val="0"/>
+              <a:alphaOff val="0"/>
+            </a:schemeClr>
+          </a:solidFill>
+          <a:prstDash val="solid"/>
+          <a:miter lim="800000"/>
+        </a:ln>
+        <a:effectLst/>
       </dsp:spPr>
       <dsp:style>
         <a:lnRef idx="2">
@@ -7782,7 +7986,7 @@
           <a:p>
             <a:fld id="{B1197E15-315D-6C4E-84BE-9536A06A5A5E}" type="datetimeFigureOut">
               <a:rPr lang="en-US" smtClean="0"/>
-              <a:t>9/15/21</a:t>
+              <a:t>10/7/21</a:t>
             </a:fld>
             <a:endParaRPr lang="en-US"/>
           </a:p>
@@ -7952,7 +8156,7 @@
           <a:p>
             <a:fld id="{B1197E15-315D-6C4E-84BE-9536A06A5A5E}" type="datetimeFigureOut">
               <a:rPr lang="en-US" smtClean="0"/>
-              <a:t>9/15/21</a:t>
+              <a:t>10/7/21</a:t>
             </a:fld>
             <a:endParaRPr lang="en-US"/>
           </a:p>
@@ -8132,7 +8336,7 @@
           <a:p>
             <a:fld id="{B1197E15-315D-6C4E-84BE-9536A06A5A5E}" type="datetimeFigureOut">
               <a:rPr lang="en-US" smtClean="0"/>
-              <a:t>9/15/21</a:t>
+              <a:t>10/7/21</a:t>
             </a:fld>
             <a:endParaRPr lang="en-US"/>
           </a:p>
@@ -8302,7 +8506,7 @@
           <a:p>
             <a:fld id="{B1197E15-315D-6C4E-84BE-9536A06A5A5E}" type="datetimeFigureOut">
               <a:rPr lang="en-US" smtClean="0"/>
-              <a:t>9/15/21</a:t>
+              <a:t>10/7/21</a:t>
             </a:fld>
             <a:endParaRPr lang="en-US"/>
           </a:p>
@@ -8548,7 +8752,7 @@
           <a:p>
             <a:fld id="{B1197E15-315D-6C4E-84BE-9536A06A5A5E}" type="datetimeFigureOut">
               <a:rPr lang="en-US" smtClean="0"/>
-              <a:t>9/15/21</a:t>
+              <a:t>10/7/21</a:t>
             </a:fld>
             <a:endParaRPr lang="en-US"/>
           </a:p>
@@ -8780,7 +8984,7 @@
           <a:p>
             <a:fld id="{B1197E15-315D-6C4E-84BE-9536A06A5A5E}" type="datetimeFigureOut">
               <a:rPr lang="en-US" smtClean="0"/>
-              <a:t>9/15/21</a:t>
+              <a:t>10/7/21</a:t>
             </a:fld>
             <a:endParaRPr lang="en-US"/>
           </a:p>
@@ -9147,7 +9351,7 @@
           <a:p>
             <a:fld id="{B1197E15-315D-6C4E-84BE-9536A06A5A5E}" type="datetimeFigureOut">
               <a:rPr lang="en-US" smtClean="0"/>
-              <a:t>9/15/21</a:t>
+              <a:t>10/7/21</a:t>
             </a:fld>
             <a:endParaRPr lang="en-US"/>
           </a:p>
@@ -9265,7 +9469,7 @@
           <a:p>
             <a:fld id="{B1197E15-315D-6C4E-84BE-9536A06A5A5E}" type="datetimeFigureOut">
               <a:rPr lang="en-US" smtClean="0"/>
-              <a:t>9/15/21</a:t>
+              <a:t>10/7/21</a:t>
             </a:fld>
             <a:endParaRPr lang="en-US"/>
           </a:p>
@@ -9360,7 +9564,7 @@
           <a:p>
             <a:fld id="{B1197E15-315D-6C4E-84BE-9536A06A5A5E}" type="datetimeFigureOut">
               <a:rPr lang="en-US" smtClean="0"/>
-              <a:t>9/15/21</a:t>
+              <a:t>10/7/21</a:t>
             </a:fld>
             <a:endParaRPr lang="en-US"/>
           </a:p>
@@ -9637,7 +9841,7 @@
           <a:p>
             <a:fld id="{B1197E15-315D-6C4E-84BE-9536A06A5A5E}" type="datetimeFigureOut">
               <a:rPr lang="en-US" smtClean="0"/>
-              <a:t>9/15/21</a:t>
+              <a:t>10/7/21</a:t>
             </a:fld>
             <a:endParaRPr lang="en-US"/>
           </a:p>
@@ -9894,7 +10098,7 @@
           <a:p>
             <a:fld id="{B1197E15-315D-6C4E-84BE-9536A06A5A5E}" type="datetimeFigureOut">
               <a:rPr lang="en-US" smtClean="0"/>
-              <a:t>9/15/21</a:t>
+              <a:t>10/7/21</a:t>
             </a:fld>
             <a:endParaRPr lang="en-US"/>
           </a:p>
@@ -10107,7 +10311,7 @@
           <a:p>
             <a:fld id="{B1197E15-315D-6C4E-84BE-9536A06A5A5E}" type="datetimeFigureOut">
               <a:rPr lang="en-US" smtClean="0"/>
-              <a:t>9/15/21</a:t>
+              <a:t>10/7/21</a:t>
             </a:fld>
             <a:endParaRPr lang="en-US"/>
           </a:p>
@@ -11457,7 +11661,7 @@
           <p:nvPr>
             <p:extLst>
               <p:ext uri="{D42A27DB-BD31-4B8C-83A1-F6EECF244321}">
-                <p14:modId xmlns:p14="http://schemas.microsoft.com/office/powerpoint/2010/main" val="211374570"/>
+                <p14:modId xmlns:p14="http://schemas.microsoft.com/office/powerpoint/2010/main" val="3952912278"/>
               </p:ext>
             </p:extLst>
           </p:nvPr>
@@ -11472,6 +11676,128 @@
           </a:graphicData>
         </a:graphic>
       </p:graphicFrame>
+      <p:grpSp>
+        <p:nvGrpSpPr>
+          <p:cNvPr id="4" name="Group 3">
+            <a:extLst>
+              <a:ext uri="{FF2B5EF4-FFF2-40B4-BE49-F238E27FC236}">
+                <a16:creationId xmlns:a16="http://schemas.microsoft.com/office/drawing/2014/main" id="{B43424E5-A0CD-024B-A959-44CC408EB64D}"/>
+              </a:ext>
+            </a:extLst>
+          </p:cNvPr>
+          <p:cNvGrpSpPr/>
+          <p:nvPr/>
+        </p:nvGrpSpPr>
+        <p:grpSpPr>
+          <a:xfrm>
+            <a:off x="9405499" y="4993966"/>
+            <a:ext cx="1471979" cy="1208037"/>
+            <a:chOff x="9405499" y="4993966"/>
+            <a:chExt cx="1471979" cy="1208037"/>
+          </a:xfrm>
+        </p:grpSpPr>
+        <p:sp>
+          <p:nvSpPr>
+            <p:cNvPr id="28" name="Hexagon 27">
+              <a:extLst>
+                <a:ext uri="{FF2B5EF4-FFF2-40B4-BE49-F238E27FC236}">
+                  <a16:creationId xmlns:a16="http://schemas.microsoft.com/office/drawing/2014/main" id="{D7DABF96-8F16-1046-ABE7-9092BE3A48C3}"/>
+                </a:ext>
+              </a:extLst>
+            </p:cNvPr>
+            <p:cNvSpPr/>
+            <p:nvPr/>
+          </p:nvSpPr>
+          <p:spPr>
+            <a:xfrm>
+              <a:off x="9405499" y="4993966"/>
+              <a:ext cx="1471979" cy="1208037"/>
+            </a:xfrm>
+            <a:prstGeom prst="hexagon">
+              <a:avLst/>
+            </a:prstGeom>
+            <a:solidFill>
+              <a:srgbClr val="FFFFFF"/>
+            </a:solidFill>
+            <a:ln>
+              <a:solidFill>
+                <a:schemeClr val="tx1"/>
+              </a:solidFill>
+            </a:ln>
+          </p:spPr>
+          <p:style>
+            <a:lnRef idx="3">
+              <a:schemeClr val="lt1"/>
+            </a:lnRef>
+            <a:fillRef idx="1">
+              <a:schemeClr val="accent1"/>
+            </a:fillRef>
+            <a:effectRef idx="1">
+              <a:schemeClr val="accent1"/>
+            </a:effectRef>
+            <a:fontRef idx="minor">
+              <a:schemeClr val="lt1"/>
+            </a:fontRef>
+          </p:style>
+          <p:txBody>
+            <a:bodyPr tIns="0" bIns="0" rtlCol="0" anchor="b" anchorCtr="1"/>
+            <a:lstStyle/>
+            <a:p>
+              <a:pPr algn="ctr"/>
+              <a:endParaRPr lang="en-US" sz="1400" dirty="0">
+                <a:solidFill>
+                  <a:schemeClr val="tx1"/>
+                </a:solidFill>
+              </a:endParaRPr>
+            </a:p>
+          </p:txBody>
+        </p:sp>
+        <p:pic>
+          <p:nvPicPr>
+            <p:cNvPr id="2" name="Picture 2" descr="MongoDB logo and symbol, meaning, history, PNG">
+              <a:extLst>
+                <a:ext uri="{FF2B5EF4-FFF2-40B4-BE49-F238E27FC236}">
+                  <a16:creationId xmlns:a16="http://schemas.microsoft.com/office/drawing/2014/main" id="{1B1E49CB-4EDA-4542-8DD3-A922158C586B}"/>
+                </a:ext>
+              </a:extLst>
+            </p:cNvPr>
+            <p:cNvPicPr>
+              <a:picLocks noChangeAspect="1" noChangeArrowheads="1"/>
+            </p:cNvPicPr>
+            <p:nvPr/>
+          </p:nvPicPr>
+          <p:blipFill rotWithShape="1">
+            <a:blip r:embed="rId20">
+              <a:extLst>
+                <a:ext uri="{28A0092B-C50C-407E-A947-70E740481C1C}">
+                  <a14:useLocalDpi xmlns:a14="http://schemas.microsoft.com/office/drawing/2010/main" val="0"/>
+                </a:ext>
+              </a:extLst>
+            </a:blip>
+            <a:srcRect l="22110" r="22492"/>
+            <a:stretch/>
+          </p:blipFill>
+          <p:spPr bwMode="auto">
+            <a:xfrm>
+              <a:off x="9694126" y="5086432"/>
+              <a:ext cx="860338" cy="970632"/>
+            </a:xfrm>
+            <a:prstGeom prst="ellipse">
+              <a:avLst/>
+            </a:prstGeom>
+            <a:noFill/>
+            <a:extLst>
+              <a:ext uri="{909E8E84-426E-40DD-AFC4-6F175D3DCCD1}">
+                <a14:hiddenFill xmlns:a14="http://schemas.microsoft.com/office/drawing/2010/main">
+                  <a:solidFill>
+                    <a:srgbClr val="FFFFFF"/>
+                  </a:solidFill>
+                </a14:hiddenFill>
+              </a:ext>
+            </a:extLst>
+          </p:spPr>
+        </p:pic>
+      </p:grpSp>
     </p:spTree>
     <p:extLst>
       <p:ext uri="{BB962C8B-B14F-4D97-AF65-F5344CB8AC3E}">
@@ -11610,980 +11936,6 @@
           </a:fontRef>
         </p:style>
       </p:cxnSp>
-      <p:sp>
-        <p:nvSpPr>
-          <p:cNvPr id="139" name="Rounded Rectangle 138">
-            <a:extLst>
-              <a:ext uri="{FF2B5EF4-FFF2-40B4-BE49-F238E27FC236}">
-                <a16:creationId xmlns:a16="http://schemas.microsoft.com/office/drawing/2014/main" id="{74869A16-09DF-A94E-B85F-2B91D1E96F1B}"/>
-              </a:ext>
-            </a:extLst>
-          </p:cNvPr>
-          <p:cNvSpPr/>
-          <p:nvPr/>
-        </p:nvSpPr>
-        <p:spPr>
-          <a:xfrm>
-            <a:off x="4379950" y="2551776"/>
-            <a:ext cx="1454716" cy="1285149"/>
-          </a:xfrm>
-          <a:prstGeom prst="roundRect">
-            <a:avLst/>
-          </a:prstGeom>
-        </p:spPr>
-        <p:style>
-          <a:lnRef idx="1">
-            <a:schemeClr val="accent3"/>
-          </a:lnRef>
-          <a:fillRef idx="2">
-            <a:schemeClr val="accent3"/>
-          </a:fillRef>
-          <a:effectRef idx="1">
-            <a:schemeClr val="accent3"/>
-          </a:effectRef>
-          <a:fontRef idx="minor">
-            <a:schemeClr val="dk1"/>
-          </a:fontRef>
-        </p:style>
-        <p:txBody>
-          <a:bodyPr rtlCol="0" anchor="ctr"/>
-          <a:lstStyle/>
-          <a:p>
-            <a:pPr algn="ctr"/>
-            <a:endParaRPr lang="en-US" dirty="0"/>
-          </a:p>
-        </p:txBody>
-      </p:sp>
-      <p:sp>
-        <p:nvSpPr>
-          <p:cNvPr id="138" name="Rounded Rectangle 137">
-            <a:extLst>
-              <a:ext uri="{FF2B5EF4-FFF2-40B4-BE49-F238E27FC236}">
-                <a16:creationId xmlns:a16="http://schemas.microsoft.com/office/drawing/2014/main" id="{14000AC7-D495-6944-9960-FCF999688B50}"/>
-              </a:ext>
-            </a:extLst>
-          </p:cNvPr>
-          <p:cNvSpPr/>
-          <p:nvPr/>
-        </p:nvSpPr>
-        <p:spPr>
-          <a:xfrm>
-            <a:off x="4335126" y="2502063"/>
-            <a:ext cx="1454716" cy="1285149"/>
-          </a:xfrm>
-          <a:prstGeom prst="roundRect">
-            <a:avLst/>
-          </a:prstGeom>
-        </p:spPr>
-        <p:style>
-          <a:lnRef idx="1">
-            <a:schemeClr val="accent3"/>
-          </a:lnRef>
-          <a:fillRef idx="2">
-            <a:schemeClr val="accent3"/>
-          </a:fillRef>
-          <a:effectRef idx="1">
-            <a:schemeClr val="accent3"/>
-          </a:effectRef>
-          <a:fontRef idx="minor">
-            <a:schemeClr val="dk1"/>
-          </a:fontRef>
-        </p:style>
-        <p:txBody>
-          <a:bodyPr rtlCol="0" anchor="ctr"/>
-          <a:lstStyle/>
-          <a:p>
-            <a:pPr algn="ctr"/>
-            <a:endParaRPr lang="en-US" dirty="0"/>
-          </a:p>
-        </p:txBody>
-      </p:sp>
-      <p:sp>
-        <p:nvSpPr>
-          <p:cNvPr id="137" name="Rounded Rectangle 136">
-            <a:extLst>
-              <a:ext uri="{FF2B5EF4-FFF2-40B4-BE49-F238E27FC236}">
-                <a16:creationId xmlns:a16="http://schemas.microsoft.com/office/drawing/2014/main" id="{8FAF12A4-39A4-3042-BDF4-520AA643E7C1}"/>
-              </a:ext>
-            </a:extLst>
-          </p:cNvPr>
-          <p:cNvSpPr/>
-          <p:nvPr/>
-        </p:nvSpPr>
-        <p:spPr>
-          <a:xfrm>
-            <a:off x="4280526" y="2457243"/>
-            <a:ext cx="1454716" cy="1285149"/>
-          </a:xfrm>
-          <a:prstGeom prst="roundRect">
-            <a:avLst/>
-          </a:prstGeom>
-        </p:spPr>
-        <p:style>
-          <a:lnRef idx="1">
-            <a:schemeClr val="accent3"/>
-          </a:lnRef>
-          <a:fillRef idx="2">
-            <a:schemeClr val="accent3"/>
-          </a:fillRef>
-          <a:effectRef idx="1">
-            <a:schemeClr val="accent3"/>
-          </a:effectRef>
-          <a:fontRef idx="minor">
-            <a:schemeClr val="dk1"/>
-          </a:fontRef>
-        </p:style>
-        <p:txBody>
-          <a:bodyPr rtlCol="0" anchor="ctr"/>
-          <a:lstStyle/>
-          <a:p>
-            <a:pPr algn="ctr"/>
-            <a:endParaRPr lang="en-US" dirty="0"/>
-          </a:p>
-        </p:txBody>
-      </p:sp>
-      <p:sp>
-        <p:nvSpPr>
-          <p:cNvPr id="136" name="Rounded Rectangle 135">
-            <a:extLst>
-              <a:ext uri="{FF2B5EF4-FFF2-40B4-BE49-F238E27FC236}">
-                <a16:creationId xmlns:a16="http://schemas.microsoft.com/office/drawing/2014/main" id="{445627FD-4B50-3846-9503-22CE555574DD}"/>
-              </a:ext>
-            </a:extLst>
-          </p:cNvPr>
-          <p:cNvSpPr/>
-          <p:nvPr/>
-        </p:nvSpPr>
-        <p:spPr>
-          <a:xfrm>
-            <a:off x="4225926" y="2407526"/>
-            <a:ext cx="1454716" cy="1285149"/>
-          </a:xfrm>
-          <a:prstGeom prst="roundRect">
-            <a:avLst/>
-          </a:prstGeom>
-        </p:spPr>
-        <p:style>
-          <a:lnRef idx="1">
-            <a:schemeClr val="accent3"/>
-          </a:lnRef>
-          <a:fillRef idx="2">
-            <a:schemeClr val="accent3"/>
-          </a:fillRef>
-          <a:effectRef idx="1">
-            <a:schemeClr val="accent3"/>
-          </a:effectRef>
-          <a:fontRef idx="minor">
-            <a:schemeClr val="dk1"/>
-          </a:fontRef>
-        </p:style>
-        <p:txBody>
-          <a:bodyPr rtlCol="0" anchor="ctr"/>
-          <a:lstStyle/>
-          <a:p>
-            <a:pPr algn="ctr"/>
-            <a:endParaRPr lang="en-US" dirty="0"/>
-          </a:p>
-        </p:txBody>
-      </p:sp>
-      <p:sp>
-        <p:nvSpPr>
-          <p:cNvPr id="61" name="Rounded Rectangle 60">
-            <a:extLst>
-              <a:ext uri="{FF2B5EF4-FFF2-40B4-BE49-F238E27FC236}">
-                <a16:creationId xmlns:a16="http://schemas.microsoft.com/office/drawing/2014/main" id="{9A33A676-203F-634B-84E1-2F596C3B264A}"/>
-              </a:ext>
-            </a:extLst>
-          </p:cNvPr>
-          <p:cNvSpPr/>
-          <p:nvPr/>
-        </p:nvSpPr>
-        <p:spPr>
-          <a:xfrm>
-            <a:off x="3863271" y="1979541"/>
-            <a:ext cx="2004832" cy="3803379"/>
-          </a:xfrm>
-          <a:prstGeom prst="roundRect">
-            <a:avLst>
-              <a:gd name="adj" fmla="val 2799"/>
-            </a:avLst>
-          </a:prstGeom>
-          <a:solidFill>
-            <a:schemeClr val="bg1"/>
-          </a:solidFill>
-        </p:spPr>
-        <p:style>
-          <a:lnRef idx="1">
-            <a:schemeClr val="accent3"/>
-          </a:lnRef>
-          <a:fillRef idx="2">
-            <a:schemeClr val="accent3"/>
-          </a:fillRef>
-          <a:effectRef idx="1">
-            <a:schemeClr val="accent3"/>
-          </a:effectRef>
-          <a:fontRef idx="minor">
-            <a:schemeClr val="dk1"/>
-          </a:fontRef>
-        </p:style>
-        <p:txBody>
-          <a:bodyPr rtlCol="0" anchor="ctr"/>
-          <a:lstStyle/>
-          <a:p>
-            <a:pPr algn="ctr"/>
-            <a:endParaRPr lang="en-US" dirty="0"/>
-          </a:p>
-        </p:txBody>
-      </p:sp>
-      <p:grpSp>
-        <p:nvGrpSpPr>
-          <p:cNvPr id="71" name="Group 70">
-            <a:extLst>
-              <a:ext uri="{FF2B5EF4-FFF2-40B4-BE49-F238E27FC236}">
-                <a16:creationId xmlns:a16="http://schemas.microsoft.com/office/drawing/2014/main" id="{DB794BAA-DA21-6445-A6ED-BC0D42F7D5B4}"/>
-              </a:ext>
-            </a:extLst>
-          </p:cNvPr>
-          <p:cNvGrpSpPr/>
-          <p:nvPr/>
-        </p:nvGrpSpPr>
-        <p:grpSpPr>
-          <a:xfrm>
-            <a:off x="5627286" y="4009342"/>
-            <a:ext cx="361848" cy="361848"/>
-            <a:chOff x="3897202" y="1492216"/>
-            <a:chExt cx="361848" cy="361848"/>
-          </a:xfrm>
-        </p:grpSpPr>
-        <p:cxnSp>
-          <p:nvCxnSpPr>
-            <p:cNvPr id="72" name="Straight Connector 71">
-              <a:extLst>
-                <a:ext uri="{FF2B5EF4-FFF2-40B4-BE49-F238E27FC236}">
-                  <a16:creationId xmlns:a16="http://schemas.microsoft.com/office/drawing/2014/main" id="{015F702A-F787-1A43-88B4-54381150BEA5}"/>
-                </a:ext>
-              </a:extLst>
-            </p:cNvPr>
-            <p:cNvCxnSpPr>
-              <a:cxnSpLocks/>
-            </p:cNvCxnSpPr>
-            <p:nvPr/>
-          </p:nvCxnSpPr>
-          <p:spPr>
-            <a:xfrm>
-              <a:off x="3897202" y="1673140"/>
-              <a:ext cx="361848" cy="0"/>
-            </a:xfrm>
-            <a:prstGeom prst="line">
-              <a:avLst/>
-            </a:prstGeom>
-            <a:ln w="12700">
-              <a:solidFill>
-                <a:schemeClr val="tx1"/>
-              </a:solidFill>
-            </a:ln>
-          </p:spPr>
-          <p:style>
-            <a:lnRef idx="1">
-              <a:schemeClr val="accent1"/>
-            </a:lnRef>
-            <a:fillRef idx="0">
-              <a:schemeClr val="accent1"/>
-            </a:fillRef>
-            <a:effectRef idx="0">
-              <a:schemeClr val="accent1"/>
-            </a:effectRef>
-            <a:fontRef idx="minor">
-              <a:schemeClr val="tx1"/>
-            </a:fontRef>
-          </p:style>
-        </p:cxnSp>
-        <p:cxnSp>
-          <p:nvCxnSpPr>
-            <p:cNvPr id="73" name="Straight Connector 72">
-              <a:extLst>
-                <a:ext uri="{FF2B5EF4-FFF2-40B4-BE49-F238E27FC236}">
-                  <a16:creationId xmlns:a16="http://schemas.microsoft.com/office/drawing/2014/main" id="{CA338B73-D899-0943-BDB5-AEF8270B7E16}"/>
-                </a:ext>
-              </a:extLst>
-            </p:cNvPr>
-            <p:cNvCxnSpPr>
-              <a:cxnSpLocks/>
-            </p:cNvCxnSpPr>
-            <p:nvPr/>
-          </p:nvCxnSpPr>
-          <p:spPr>
-            <a:xfrm rot="16200000">
-              <a:off x="4078126" y="1673140"/>
-              <a:ext cx="361848" cy="0"/>
-            </a:xfrm>
-            <a:prstGeom prst="line">
-              <a:avLst/>
-            </a:prstGeom>
-            <a:ln w="12700">
-              <a:solidFill>
-                <a:schemeClr val="tx1"/>
-              </a:solidFill>
-            </a:ln>
-          </p:spPr>
-          <p:style>
-            <a:lnRef idx="1">
-              <a:schemeClr val="accent1"/>
-            </a:lnRef>
-            <a:fillRef idx="0">
-              <a:schemeClr val="accent1"/>
-            </a:fillRef>
-            <a:effectRef idx="0">
-              <a:schemeClr val="accent1"/>
-            </a:effectRef>
-            <a:fontRef idx="minor">
-              <a:schemeClr val="tx1"/>
-            </a:fontRef>
-          </p:style>
-        </p:cxnSp>
-      </p:grpSp>
-      <p:sp>
-        <p:nvSpPr>
-          <p:cNvPr id="67" name="Folded Corner 66">
-            <a:extLst>
-              <a:ext uri="{FF2B5EF4-FFF2-40B4-BE49-F238E27FC236}">
-                <a16:creationId xmlns:a16="http://schemas.microsoft.com/office/drawing/2014/main" id="{9F56A421-45CE-6E41-821F-5E66354DD644}"/>
-              </a:ext>
-            </a:extLst>
-          </p:cNvPr>
-          <p:cNvSpPr/>
-          <p:nvPr/>
-        </p:nvSpPr>
-        <p:spPr>
-          <a:xfrm>
-            <a:off x="5104803" y="3933108"/>
-            <a:ext cx="615771" cy="742625"/>
-          </a:xfrm>
-          <a:prstGeom prst="foldedCorner">
-            <a:avLst/>
-          </a:prstGeom>
-        </p:spPr>
-        <p:style>
-          <a:lnRef idx="2">
-            <a:schemeClr val="accent1">
-              <a:shade val="50000"/>
-            </a:schemeClr>
-          </a:lnRef>
-          <a:fillRef idx="1">
-            <a:schemeClr val="accent1"/>
-          </a:fillRef>
-          <a:effectRef idx="0">
-            <a:schemeClr val="accent1"/>
-          </a:effectRef>
-          <a:fontRef idx="minor">
-            <a:schemeClr val="lt1"/>
-          </a:fontRef>
-        </p:style>
-        <p:txBody>
-          <a:bodyPr rtlCol="0" anchor="ctr"/>
-          <a:lstStyle/>
-          <a:p>
-            <a:pPr algn="ctr"/>
-            <a:r>
-              <a:rPr lang="en-US" sz="1100" dirty="0"/>
-              <a:t>Config</a:t>
-            </a:r>
-          </a:p>
-          <a:p>
-            <a:pPr algn="ctr"/>
-            <a:r>
-              <a:rPr lang="en-US" sz="1100" dirty="0"/>
-              <a:t>map</a:t>
-            </a:r>
-          </a:p>
-        </p:txBody>
-      </p:sp>
-      <p:sp>
-        <p:nvSpPr>
-          <p:cNvPr id="66" name="Folded Corner 65">
-            <a:extLst>
-              <a:ext uri="{FF2B5EF4-FFF2-40B4-BE49-F238E27FC236}">
-                <a16:creationId xmlns:a16="http://schemas.microsoft.com/office/drawing/2014/main" id="{63BE1930-DBD4-A644-80C5-CB4050F900C7}"/>
-              </a:ext>
-            </a:extLst>
-          </p:cNvPr>
-          <p:cNvSpPr/>
-          <p:nvPr/>
-        </p:nvSpPr>
-        <p:spPr>
-          <a:xfrm>
-            <a:off x="5059982" y="3849168"/>
-            <a:ext cx="615771" cy="742625"/>
-          </a:xfrm>
-          <a:prstGeom prst="foldedCorner">
-            <a:avLst/>
-          </a:prstGeom>
-        </p:spPr>
-        <p:style>
-          <a:lnRef idx="2">
-            <a:schemeClr val="accent1">
-              <a:shade val="50000"/>
-            </a:schemeClr>
-          </a:lnRef>
-          <a:fillRef idx="1">
-            <a:schemeClr val="accent1"/>
-          </a:fillRef>
-          <a:effectRef idx="0">
-            <a:schemeClr val="accent1"/>
-          </a:effectRef>
-          <a:fontRef idx="minor">
-            <a:schemeClr val="lt1"/>
-          </a:fontRef>
-        </p:style>
-        <p:txBody>
-          <a:bodyPr rtlCol="0" anchor="ctr"/>
-          <a:lstStyle/>
-          <a:p>
-            <a:pPr algn="ctr"/>
-            <a:r>
-              <a:rPr lang="en-US" sz="1100" dirty="0"/>
-              <a:t>Config</a:t>
-            </a:r>
-          </a:p>
-          <a:p>
-            <a:pPr algn="ctr"/>
-            <a:r>
-              <a:rPr lang="en-US" sz="1100" dirty="0"/>
-              <a:t>map</a:t>
-            </a:r>
-          </a:p>
-        </p:txBody>
-      </p:sp>
-      <p:sp>
-        <p:nvSpPr>
-          <p:cNvPr id="75" name="Folded Corner 74">
-            <a:extLst>
-              <a:ext uri="{FF2B5EF4-FFF2-40B4-BE49-F238E27FC236}">
-                <a16:creationId xmlns:a16="http://schemas.microsoft.com/office/drawing/2014/main" id="{AD3E16F7-11EE-0042-8478-4886C562136E}"/>
-              </a:ext>
-            </a:extLst>
-          </p:cNvPr>
-          <p:cNvSpPr/>
-          <p:nvPr/>
-        </p:nvSpPr>
-        <p:spPr>
-          <a:xfrm>
-            <a:off x="5010271" y="4877574"/>
-            <a:ext cx="615771" cy="742625"/>
-          </a:xfrm>
-          <a:prstGeom prst="foldedCorner">
-            <a:avLst/>
-          </a:prstGeom>
-        </p:spPr>
-        <p:style>
-          <a:lnRef idx="2">
-            <a:schemeClr val="accent1">
-              <a:shade val="50000"/>
-            </a:schemeClr>
-          </a:lnRef>
-          <a:fillRef idx="1">
-            <a:schemeClr val="accent1"/>
-          </a:fillRef>
-          <a:effectRef idx="0">
-            <a:schemeClr val="accent1"/>
-          </a:effectRef>
-          <a:fontRef idx="minor">
-            <a:schemeClr val="lt1"/>
-          </a:fontRef>
-        </p:style>
-        <p:txBody>
-          <a:bodyPr rtlCol="0" anchor="ctr"/>
-          <a:lstStyle/>
-          <a:p>
-            <a:pPr algn="ctr"/>
-            <a:r>
-              <a:rPr lang="en-US" sz="1100" dirty="0"/>
-              <a:t>Res.</a:t>
-            </a:r>
-          </a:p>
-          <a:p>
-            <a:pPr algn="ctr"/>
-            <a:r>
-              <a:rPr lang="en-US" sz="1100" dirty="0"/>
-              <a:t>Limits</a:t>
-            </a:r>
-          </a:p>
-        </p:txBody>
-      </p:sp>
-      <p:grpSp>
-        <p:nvGrpSpPr>
-          <p:cNvPr id="55" name="Group 54">
-            <a:extLst>
-              <a:ext uri="{FF2B5EF4-FFF2-40B4-BE49-F238E27FC236}">
-                <a16:creationId xmlns:a16="http://schemas.microsoft.com/office/drawing/2014/main" id="{D6A5B715-4A61-0747-ABB5-A136FBB9DB5C}"/>
-              </a:ext>
-            </a:extLst>
-          </p:cNvPr>
-          <p:cNvGrpSpPr/>
-          <p:nvPr/>
-        </p:nvGrpSpPr>
-        <p:grpSpPr>
-          <a:xfrm>
-            <a:off x="5627286" y="2807786"/>
-            <a:ext cx="361848" cy="361848"/>
-            <a:chOff x="3897202" y="1492216"/>
-            <a:chExt cx="361848" cy="361848"/>
-          </a:xfrm>
-        </p:grpSpPr>
-        <p:cxnSp>
-          <p:nvCxnSpPr>
-            <p:cNvPr id="56" name="Straight Connector 55">
-              <a:extLst>
-                <a:ext uri="{FF2B5EF4-FFF2-40B4-BE49-F238E27FC236}">
-                  <a16:creationId xmlns:a16="http://schemas.microsoft.com/office/drawing/2014/main" id="{FB71D895-3E6D-6A48-BD55-1DDCB217E725}"/>
-                </a:ext>
-              </a:extLst>
-            </p:cNvPr>
-            <p:cNvCxnSpPr>
-              <a:cxnSpLocks/>
-            </p:cNvCxnSpPr>
-            <p:nvPr/>
-          </p:nvCxnSpPr>
-          <p:spPr>
-            <a:xfrm>
-              <a:off x="3897202" y="1673140"/>
-              <a:ext cx="361848" cy="0"/>
-            </a:xfrm>
-            <a:prstGeom prst="line">
-              <a:avLst/>
-            </a:prstGeom>
-            <a:ln w="12700">
-              <a:solidFill>
-                <a:schemeClr val="tx1"/>
-              </a:solidFill>
-            </a:ln>
-          </p:spPr>
-          <p:style>
-            <a:lnRef idx="1">
-              <a:schemeClr val="accent1"/>
-            </a:lnRef>
-            <a:fillRef idx="0">
-              <a:schemeClr val="accent1"/>
-            </a:fillRef>
-            <a:effectRef idx="0">
-              <a:schemeClr val="accent1"/>
-            </a:effectRef>
-            <a:fontRef idx="minor">
-              <a:schemeClr val="tx1"/>
-            </a:fontRef>
-          </p:style>
-        </p:cxnSp>
-        <p:cxnSp>
-          <p:nvCxnSpPr>
-            <p:cNvPr id="57" name="Straight Connector 56">
-              <a:extLst>
-                <a:ext uri="{FF2B5EF4-FFF2-40B4-BE49-F238E27FC236}">
-                  <a16:creationId xmlns:a16="http://schemas.microsoft.com/office/drawing/2014/main" id="{657353CC-FA53-F745-8756-4046D5C945AF}"/>
-                </a:ext>
-              </a:extLst>
-            </p:cNvPr>
-            <p:cNvCxnSpPr>
-              <a:cxnSpLocks/>
-            </p:cNvCxnSpPr>
-            <p:nvPr/>
-          </p:nvCxnSpPr>
-          <p:spPr>
-            <a:xfrm rot="16200000">
-              <a:off x="4078126" y="1673140"/>
-              <a:ext cx="361848" cy="0"/>
-            </a:xfrm>
-            <a:prstGeom prst="line">
-              <a:avLst/>
-            </a:prstGeom>
-            <a:ln w="12700">
-              <a:solidFill>
-                <a:schemeClr val="tx1"/>
-              </a:solidFill>
-            </a:ln>
-          </p:spPr>
-          <p:style>
-            <a:lnRef idx="1">
-              <a:schemeClr val="accent1"/>
-            </a:lnRef>
-            <a:fillRef idx="0">
-              <a:schemeClr val="accent1"/>
-            </a:fillRef>
-            <a:effectRef idx="0">
-              <a:schemeClr val="accent1"/>
-            </a:effectRef>
-            <a:fontRef idx="minor">
-              <a:schemeClr val="tx1"/>
-            </a:fontRef>
-          </p:style>
-        </p:cxnSp>
-      </p:grpSp>
-      <p:sp>
-        <p:nvSpPr>
-          <p:cNvPr id="23" name="TextBox 22">
-            <a:extLst>
-              <a:ext uri="{FF2B5EF4-FFF2-40B4-BE49-F238E27FC236}">
-                <a16:creationId xmlns:a16="http://schemas.microsoft.com/office/drawing/2014/main" id="{00DB3B05-D0D9-6446-91C5-5AF3183C182E}"/>
-              </a:ext>
-            </a:extLst>
-          </p:cNvPr>
-          <p:cNvSpPr txBox="1"/>
-          <p:nvPr/>
-        </p:nvSpPr>
-        <p:spPr>
-          <a:xfrm>
-            <a:off x="5989134" y="2865698"/>
-            <a:ext cx="800219" cy="261610"/>
-          </a:xfrm>
-          <a:prstGeom prst="rect">
-            <a:avLst/>
-          </a:prstGeom>
-          <a:noFill/>
-        </p:spPr>
-        <p:txBody>
-          <a:bodyPr wrap="none" rtlCol="0">
-            <a:spAutoFit/>
-          </a:bodyPr>
-          <a:lstStyle/>
-          <a:p>
-            <a:r>
-              <a:rPr lang="en-US" sz="1050" dirty="0">
-                <a:latin typeface="Consolas" panose="020B0609020204030204" pitchFamily="49" charset="0"/>
-                <a:cs typeface="Consolas" panose="020B0609020204030204" pitchFamily="49" charset="0"/>
-              </a:rPr>
-              <a:t>/metrics</a:t>
-            </a:r>
-          </a:p>
-        </p:txBody>
-      </p:sp>
-      <p:sp>
-        <p:nvSpPr>
-          <p:cNvPr id="64" name="TextBox 63">
-            <a:extLst>
-              <a:ext uri="{FF2B5EF4-FFF2-40B4-BE49-F238E27FC236}">
-                <a16:creationId xmlns:a16="http://schemas.microsoft.com/office/drawing/2014/main" id="{2509C6B5-D110-234C-806C-0D56A48587A5}"/>
-              </a:ext>
-            </a:extLst>
-          </p:cNvPr>
-          <p:cNvSpPr txBox="1"/>
-          <p:nvPr/>
-        </p:nvSpPr>
-        <p:spPr>
-          <a:xfrm>
-            <a:off x="3838173" y="1990340"/>
-            <a:ext cx="1082925" cy="307777"/>
-          </a:xfrm>
-          <a:prstGeom prst="rect">
-            <a:avLst/>
-          </a:prstGeom>
-          <a:noFill/>
-        </p:spPr>
-        <p:txBody>
-          <a:bodyPr wrap="none" rtlCol="0">
-            <a:spAutoFit/>
-          </a:bodyPr>
-          <a:lstStyle/>
-          <a:p>
-            <a:pPr algn="ctr"/>
-            <a:r>
-              <a:rPr lang="en-US" sz="1400" dirty="0"/>
-              <a:t>Deployment</a:t>
-            </a:r>
-          </a:p>
-        </p:txBody>
-      </p:sp>
-      <p:sp>
-        <p:nvSpPr>
-          <p:cNvPr id="65" name="Folded Corner 64">
-            <a:extLst>
-              <a:ext uri="{FF2B5EF4-FFF2-40B4-BE49-F238E27FC236}">
-                <a16:creationId xmlns:a16="http://schemas.microsoft.com/office/drawing/2014/main" id="{0F6D6FA6-D025-F94C-96AD-5A4E9C21B136}"/>
-              </a:ext>
-            </a:extLst>
-          </p:cNvPr>
-          <p:cNvSpPr/>
-          <p:nvPr/>
-        </p:nvSpPr>
-        <p:spPr>
-          <a:xfrm>
-            <a:off x="5010271" y="3750559"/>
-            <a:ext cx="615771" cy="742625"/>
-          </a:xfrm>
-          <a:prstGeom prst="foldedCorner">
-            <a:avLst/>
-          </a:prstGeom>
-        </p:spPr>
-        <p:style>
-          <a:lnRef idx="2">
-            <a:schemeClr val="accent1">
-              <a:shade val="50000"/>
-            </a:schemeClr>
-          </a:lnRef>
-          <a:fillRef idx="1">
-            <a:schemeClr val="accent1"/>
-          </a:fillRef>
-          <a:effectRef idx="0">
-            <a:schemeClr val="accent1"/>
-          </a:effectRef>
-          <a:fontRef idx="minor">
-            <a:schemeClr val="lt1"/>
-          </a:fontRef>
-        </p:style>
-        <p:txBody>
-          <a:bodyPr rtlCol="0" anchor="ctr"/>
-          <a:lstStyle/>
-          <a:p>
-            <a:pPr algn="ctr"/>
-            <a:r>
-              <a:rPr lang="en-US" sz="1100" dirty="0"/>
-              <a:t>Config</a:t>
-            </a:r>
-          </a:p>
-          <a:p>
-            <a:pPr algn="ctr"/>
-            <a:r>
-              <a:rPr lang="en-US" sz="1100" dirty="0"/>
-              <a:t>map</a:t>
-            </a:r>
-          </a:p>
-        </p:txBody>
-      </p:sp>
-      <p:cxnSp>
-        <p:nvCxnSpPr>
-          <p:cNvPr id="30" name="Elbow Connector 29">
-            <a:extLst>
-              <a:ext uri="{FF2B5EF4-FFF2-40B4-BE49-F238E27FC236}">
-                <a16:creationId xmlns:a16="http://schemas.microsoft.com/office/drawing/2014/main" id="{FA7F6E20-FBE8-C940-8682-6401A6E023E0}"/>
-              </a:ext>
-            </a:extLst>
-          </p:cNvPr>
-          <p:cNvCxnSpPr>
-            <a:stCxn id="4" idx="2"/>
-            <a:endCxn id="65" idx="1"/>
-          </p:cNvCxnSpPr>
-          <p:nvPr/>
-        </p:nvCxnSpPr>
-        <p:spPr>
-          <a:xfrm rot="16200000" flipH="1">
-            <a:off x="4710134" y="3821734"/>
-            <a:ext cx="488687" cy="111587"/>
-          </a:xfrm>
-          <a:prstGeom prst="bentConnector2">
-            <a:avLst/>
-          </a:prstGeom>
-        </p:spPr>
-        <p:style>
-          <a:lnRef idx="1">
-            <a:schemeClr val="accent1"/>
-          </a:lnRef>
-          <a:fillRef idx="0">
-            <a:schemeClr val="accent1"/>
-          </a:fillRef>
-          <a:effectRef idx="0">
-            <a:schemeClr val="accent1"/>
-          </a:effectRef>
-          <a:fontRef idx="minor">
-            <a:schemeClr val="tx1"/>
-          </a:fontRef>
-        </p:style>
-      </p:cxnSp>
-      <p:cxnSp>
-        <p:nvCxnSpPr>
-          <p:cNvPr id="68" name="Elbow Connector 67">
-            <a:extLst>
-              <a:ext uri="{FF2B5EF4-FFF2-40B4-BE49-F238E27FC236}">
-                <a16:creationId xmlns:a16="http://schemas.microsoft.com/office/drawing/2014/main" id="{80176919-9845-ED40-ACA9-805AB4F59E09}"/>
-              </a:ext>
-            </a:extLst>
-          </p:cNvPr>
-          <p:cNvCxnSpPr>
-            <a:cxnSpLocks/>
-            <a:stCxn id="4" idx="2"/>
-            <a:endCxn id="75" idx="1"/>
-          </p:cNvCxnSpPr>
-          <p:nvPr/>
-        </p:nvCxnSpPr>
-        <p:spPr>
-          <a:xfrm rot="16200000" flipH="1">
-            <a:off x="4146626" y="4385242"/>
-            <a:ext cx="1615702" cy="111587"/>
-          </a:xfrm>
-          <a:prstGeom prst="bentConnector2">
-            <a:avLst/>
-          </a:prstGeom>
-        </p:spPr>
-        <p:style>
-          <a:lnRef idx="1">
-            <a:schemeClr val="accent1"/>
-          </a:lnRef>
-          <a:fillRef idx="0">
-            <a:schemeClr val="accent1"/>
-          </a:fillRef>
-          <a:effectRef idx="0">
-            <a:schemeClr val="accent1"/>
-          </a:effectRef>
-          <a:fontRef idx="minor">
-            <a:schemeClr val="tx1"/>
-          </a:fontRef>
-        </p:style>
-      </p:cxnSp>
-      <p:grpSp>
-        <p:nvGrpSpPr>
-          <p:cNvPr id="74" name="Group 73">
-            <a:extLst>
-              <a:ext uri="{FF2B5EF4-FFF2-40B4-BE49-F238E27FC236}">
-                <a16:creationId xmlns:a16="http://schemas.microsoft.com/office/drawing/2014/main" id="{54912444-0CCE-C04B-8416-6BEEA8834402}"/>
-              </a:ext>
-            </a:extLst>
-          </p:cNvPr>
-          <p:cNvGrpSpPr/>
-          <p:nvPr/>
-        </p:nvGrpSpPr>
-        <p:grpSpPr>
-          <a:xfrm>
-            <a:off x="5627286" y="5011958"/>
-            <a:ext cx="361848" cy="361848"/>
-            <a:chOff x="3897202" y="1492216"/>
-            <a:chExt cx="361848" cy="361848"/>
-          </a:xfrm>
-        </p:grpSpPr>
-        <p:cxnSp>
-          <p:nvCxnSpPr>
-            <p:cNvPr id="76" name="Straight Connector 75">
-              <a:extLst>
-                <a:ext uri="{FF2B5EF4-FFF2-40B4-BE49-F238E27FC236}">
-                  <a16:creationId xmlns:a16="http://schemas.microsoft.com/office/drawing/2014/main" id="{AAEBB5A9-AABD-DB4F-A0C0-47C0DD8F1036}"/>
-                </a:ext>
-              </a:extLst>
-            </p:cNvPr>
-            <p:cNvCxnSpPr>
-              <a:cxnSpLocks/>
-            </p:cNvCxnSpPr>
-            <p:nvPr/>
-          </p:nvCxnSpPr>
-          <p:spPr>
-            <a:xfrm>
-              <a:off x="3897202" y="1673140"/>
-              <a:ext cx="361848" cy="0"/>
-            </a:xfrm>
-            <a:prstGeom prst="line">
-              <a:avLst/>
-            </a:prstGeom>
-            <a:ln w="12700">
-              <a:solidFill>
-                <a:schemeClr val="tx1"/>
-              </a:solidFill>
-            </a:ln>
-          </p:spPr>
-          <p:style>
-            <a:lnRef idx="1">
-              <a:schemeClr val="accent1"/>
-            </a:lnRef>
-            <a:fillRef idx="0">
-              <a:schemeClr val="accent1"/>
-            </a:fillRef>
-            <a:effectRef idx="0">
-              <a:schemeClr val="accent1"/>
-            </a:effectRef>
-            <a:fontRef idx="minor">
-              <a:schemeClr val="tx1"/>
-            </a:fontRef>
-          </p:style>
-        </p:cxnSp>
-        <p:cxnSp>
-          <p:nvCxnSpPr>
-            <p:cNvPr id="77" name="Straight Connector 76">
-              <a:extLst>
-                <a:ext uri="{FF2B5EF4-FFF2-40B4-BE49-F238E27FC236}">
-                  <a16:creationId xmlns:a16="http://schemas.microsoft.com/office/drawing/2014/main" id="{4F101204-7DEC-E947-9DDE-FA1BDDD304F6}"/>
-                </a:ext>
-              </a:extLst>
-            </p:cNvPr>
-            <p:cNvCxnSpPr>
-              <a:cxnSpLocks/>
-            </p:cNvCxnSpPr>
-            <p:nvPr/>
-          </p:nvCxnSpPr>
-          <p:spPr>
-            <a:xfrm rot="16200000">
-              <a:off x="4078126" y="1673140"/>
-              <a:ext cx="361848" cy="0"/>
-            </a:xfrm>
-            <a:prstGeom prst="line">
-              <a:avLst/>
-            </a:prstGeom>
-            <a:ln w="12700">
-              <a:solidFill>
-                <a:schemeClr val="tx1"/>
-              </a:solidFill>
-            </a:ln>
-          </p:spPr>
-          <p:style>
-            <a:lnRef idx="1">
-              <a:schemeClr val="accent1"/>
-            </a:lnRef>
-            <a:fillRef idx="0">
-              <a:schemeClr val="accent1"/>
-            </a:fillRef>
-            <a:effectRef idx="0">
-              <a:schemeClr val="accent1"/>
-            </a:effectRef>
-            <a:fontRef idx="minor">
-              <a:schemeClr val="tx1"/>
-            </a:fontRef>
-          </p:style>
-        </p:cxnSp>
-      </p:grpSp>
-      <p:sp>
-        <p:nvSpPr>
-          <p:cNvPr id="79" name="TextBox 78">
-            <a:extLst>
-              <a:ext uri="{FF2B5EF4-FFF2-40B4-BE49-F238E27FC236}">
-                <a16:creationId xmlns:a16="http://schemas.microsoft.com/office/drawing/2014/main" id="{74BA60DA-78B8-2440-9602-8CED3329CF00}"/>
-              </a:ext>
-            </a:extLst>
-          </p:cNvPr>
-          <p:cNvSpPr txBox="1"/>
-          <p:nvPr/>
-        </p:nvSpPr>
-        <p:spPr>
-          <a:xfrm>
-            <a:off x="6200212" y="4558555"/>
-            <a:ext cx="848309" cy="253916"/>
-          </a:xfrm>
-          <a:prstGeom prst="rect">
-            <a:avLst/>
-          </a:prstGeom>
-          <a:solidFill>
-            <a:schemeClr val="bg1"/>
-          </a:solidFill>
-        </p:spPr>
-        <p:txBody>
-          <a:bodyPr wrap="none" rtlCol="0">
-            <a:spAutoFit/>
-          </a:bodyPr>
-          <a:lstStyle/>
-          <a:p>
-            <a:r>
-              <a:rPr lang="en-US" sz="1050" dirty="0">
-                <a:latin typeface="Consolas" panose="020B0609020204030204" pitchFamily="49" charset="0"/>
-                <a:cs typeface="Consolas" panose="020B0609020204030204" pitchFamily="49" charset="0"/>
-              </a:rPr>
-              <a:t>/</a:t>
-            </a:r>
-            <a:r>
-              <a:rPr lang="en-US" sz="1050" dirty="0" err="1">
-                <a:latin typeface="Consolas" panose="020B0609020204030204" pitchFamily="49" charset="0"/>
-                <a:cs typeface="Consolas" panose="020B0609020204030204" pitchFamily="49" charset="0"/>
-              </a:rPr>
-              <a:t>tunables</a:t>
-            </a:r>
-            <a:endParaRPr lang="en-US" sz="1050" dirty="0">
-              <a:latin typeface="Consolas" panose="020B0609020204030204" pitchFamily="49" charset="0"/>
-              <a:cs typeface="Consolas" panose="020B0609020204030204" pitchFamily="49" charset="0"/>
-            </a:endParaRPr>
-          </a:p>
-        </p:txBody>
-      </p:sp>
       <p:grpSp>
         <p:nvGrpSpPr>
           <p:cNvPr id="81" name="Group 80">
@@ -12811,55 +12163,6 @@
           </p:style>
         </p:cxnSp>
       </p:grpSp>
-      <p:sp>
-        <p:nvSpPr>
-          <p:cNvPr id="43" name="Right Brace 42">
-            <a:extLst>
-              <a:ext uri="{FF2B5EF4-FFF2-40B4-BE49-F238E27FC236}">
-                <a16:creationId xmlns:a16="http://schemas.microsoft.com/office/drawing/2014/main" id="{D954B14C-0206-5E45-A17B-6DDB6E4E63BE}"/>
-              </a:ext>
-            </a:extLst>
-          </p:cNvPr>
-          <p:cNvSpPr/>
-          <p:nvPr/>
-        </p:nvSpPr>
-        <p:spPr>
-          <a:xfrm>
-            <a:off x="6052683" y="4121871"/>
-            <a:ext cx="171145" cy="1127015"/>
-          </a:xfrm>
-          <a:prstGeom prst="rightBrace">
-            <a:avLst/>
-          </a:prstGeom>
-          <a:ln w="12700">
-            <a:solidFill>
-              <a:schemeClr val="tx1"/>
-            </a:solidFill>
-          </a:ln>
-        </p:spPr>
-        <p:style>
-          <a:lnRef idx="1">
-            <a:schemeClr val="accent1"/>
-          </a:lnRef>
-          <a:fillRef idx="0">
-            <a:schemeClr val="accent1"/>
-          </a:fillRef>
-          <a:effectRef idx="0">
-            <a:schemeClr val="accent1"/>
-          </a:effectRef>
-          <a:fontRef idx="minor">
-            <a:schemeClr val="tx1"/>
-          </a:fontRef>
-        </p:style>
-        <p:txBody>
-          <a:bodyPr rtlCol="0" anchor="ctr"/>
-          <a:lstStyle/>
-          <a:p>
-            <a:pPr algn="ctr"/>
-            <a:endParaRPr lang="en-US"/>
-          </a:p>
-        </p:txBody>
-      </p:sp>
       <p:sp>
         <p:nvSpPr>
           <p:cNvPr id="89" name="TextBox 88">
@@ -14002,929 +13305,6 @@
           </a:p>
         </p:txBody>
       </p:sp>
-      <p:sp>
-        <p:nvSpPr>
-          <p:cNvPr id="4" name="Rounded Rectangle 3">
-            <a:extLst>
-              <a:ext uri="{FF2B5EF4-FFF2-40B4-BE49-F238E27FC236}">
-                <a16:creationId xmlns:a16="http://schemas.microsoft.com/office/drawing/2014/main" id="{5F97C001-C49E-8840-86A2-D1C7102A1272}"/>
-              </a:ext>
-            </a:extLst>
-          </p:cNvPr>
-          <p:cNvSpPr/>
-          <p:nvPr/>
-        </p:nvSpPr>
-        <p:spPr>
-          <a:xfrm>
-            <a:off x="4171326" y="2348036"/>
-            <a:ext cx="1454716" cy="1285149"/>
-          </a:xfrm>
-          <a:prstGeom prst="roundRect">
-            <a:avLst/>
-          </a:prstGeom>
-        </p:spPr>
-        <p:style>
-          <a:lnRef idx="1">
-            <a:schemeClr val="accent3"/>
-          </a:lnRef>
-          <a:fillRef idx="2">
-            <a:schemeClr val="accent3"/>
-          </a:fillRef>
-          <a:effectRef idx="1">
-            <a:schemeClr val="accent3"/>
-          </a:effectRef>
-          <a:fontRef idx="minor">
-            <a:schemeClr val="dk1"/>
-          </a:fontRef>
-        </p:style>
-        <p:txBody>
-          <a:bodyPr rtlCol="0" anchor="ctr"/>
-          <a:lstStyle/>
-          <a:p>
-            <a:pPr algn="ctr"/>
-            <a:endParaRPr lang="en-US" dirty="0"/>
-          </a:p>
-        </p:txBody>
-      </p:sp>
-      <p:sp>
-        <p:nvSpPr>
-          <p:cNvPr id="51" name="TextBox 50">
-            <a:extLst>
-              <a:ext uri="{FF2B5EF4-FFF2-40B4-BE49-F238E27FC236}">
-                <a16:creationId xmlns:a16="http://schemas.microsoft.com/office/drawing/2014/main" id="{EFA19876-E4A0-474D-A884-DD0BC6C463C2}"/>
-              </a:ext>
-            </a:extLst>
-          </p:cNvPr>
-          <p:cNvSpPr txBox="1"/>
-          <p:nvPr/>
-        </p:nvSpPr>
-        <p:spPr>
-          <a:xfrm>
-            <a:off x="4233438" y="2836722"/>
-            <a:ext cx="1330493" cy="307777"/>
-          </a:xfrm>
-          <a:prstGeom prst="rect">
-            <a:avLst/>
-          </a:prstGeom>
-          <a:noFill/>
-        </p:spPr>
-        <p:txBody>
-          <a:bodyPr wrap="none" rtlCol="0">
-            <a:spAutoFit/>
-          </a:bodyPr>
-          <a:lstStyle/>
-          <a:p>
-            <a:pPr algn="ctr"/>
-            <a:r>
-              <a:rPr lang="en-US" sz="1400" dirty="0"/>
-              <a:t>Application Pod</a:t>
-            </a:r>
-          </a:p>
-        </p:txBody>
-      </p:sp>
-      <p:sp>
-        <p:nvSpPr>
-          <p:cNvPr id="167" name="Rounded Rectangle 166">
-            <a:extLst>
-              <a:ext uri="{FF2B5EF4-FFF2-40B4-BE49-F238E27FC236}">
-                <a16:creationId xmlns:a16="http://schemas.microsoft.com/office/drawing/2014/main" id="{C00103C6-779F-544C-AA47-D8D21BF9F2F3}"/>
-              </a:ext>
-            </a:extLst>
-          </p:cNvPr>
-          <p:cNvSpPr/>
-          <p:nvPr/>
-        </p:nvSpPr>
-        <p:spPr>
-          <a:xfrm>
-            <a:off x="502644" y="2002794"/>
-            <a:ext cx="2004832" cy="3803379"/>
-          </a:xfrm>
-          <a:prstGeom prst="roundRect">
-            <a:avLst>
-              <a:gd name="adj" fmla="val 2799"/>
-            </a:avLst>
-          </a:prstGeom>
-          <a:noFill/>
-        </p:spPr>
-        <p:style>
-          <a:lnRef idx="1">
-            <a:schemeClr val="accent3"/>
-          </a:lnRef>
-          <a:fillRef idx="2">
-            <a:schemeClr val="accent3"/>
-          </a:fillRef>
-          <a:effectRef idx="1">
-            <a:schemeClr val="accent3"/>
-          </a:effectRef>
-          <a:fontRef idx="minor">
-            <a:schemeClr val="dk1"/>
-          </a:fontRef>
-        </p:style>
-        <p:txBody>
-          <a:bodyPr rtlCol="0" anchor="ctr"/>
-          <a:lstStyle/>
-          <a:p>
-            <a:pPr algn="ctr"/>
-            <a:endParaRPr lang="en-US" dirty="0"/>
-          </a:p>
-        </p:txBody>
-      </p:sp>
-      <p:grpSp>
-        <p:nvGrpSpPr>
-          <p:cNvPr id="168" name="Group 167">
-            <a:extLst>
-              <a:ext uri="{FF2B5EF4-FFF2-40B4-BE49-F238E27FC236}">
-                <a16:creationId xmlns:a16="http://schemas.microsoft.com/office/drawing/2014/main" id="{3C9F1AE8-8688-CB4A-82AD-AC9267EC8B9E}"/>
-              </a:ext>
-            </a:extLst>
-          </p:cNvPr>
-          <p:cNvGrpSpPr/>
-          <p:nvPr/>
-        </p:nvGrpSpPr>
-        <p:grpSpPr>
-          <a:xfrm>
-            <a:off x="2266659" y="4032595"/>
-            <a:ext cx="361848" cy="361848"/>
-            <a:chOff x="3897202" y="1492216"/>
-            <a:chExt cx="361848" cy="361848"/>
-          </a:xfrm>
-        </p:grpSpPr>
-        <p:cxnSp>
-          <p:nvCxnSpPr>
-            <p:cNvPr id="169" name="Straight Connector 168">
-              <a:extLst>
-                <a:ext uri="{FF2B5EF4-FFF2-40B4-BE49-F238E27FC236}">
-                  <a16:creationId xmlns:a16="http://schemas.microsoft.com/office/drawing/2014/main" id="{65C03E6B-C449-A644-8C85-53D8F6BE6503}"/>
-                </a:ext>
-              </a:extLst>
-            </p:cNvPr>
-            <p:cNvCxnSpPr>
-              <a:cxnSpLocks/>
-            </p:cNvCxnSpPr>
-            <p:nvPr/>
-          </p:nvCxnSpPr>
-          <p:spPr>
-            <a:xfrm>
-              <a:off x="3897202" y="1673140"/>
-              <a:ext cx="361848" cy="0"/>
-            </a:xfrm>
-            <a:prstGeom prst="line">
-              <a:avLst/>
-            </a:prstGeom>
-            <a:ln w="12700">
-              <a:solidFill>
-                <a:schemeClr val="tx1"/>
-              </a:solidFill>
-            </a:ln>
-          </p:spPr>
-          <p:style>
-            <a:lnRef idx="1">
-              <a:schemeClr val="accent1"/>
-            </a:lnRef>
-            <a:fillRef idx="0">
-              <a:schemeClr val="accent1"/>
-            </a:fillRef>
-            <a:effectRef idx="0">
-              <a:schemeClr val="accent1"/>
-            </a:effectRef>
-            <a:fontRef idx="minor">
-              <a:schemeClr val="tx1"/>
-            </a:fontRef>
-          </p:style>
-        </p:cxnSp>
-        <p:cxnSp>
-          <p:nvCxnSpPr>
-            <p:cNvPr id="170" name="Straight Connector 169">
-              <a:extLst>
-                <a:ext uri="{FF2B5EF4-FFF2-40B4-BE49-F238E27FC236}">
-                  <a16:creationId xmlns:a16="http://schemas.microsoft.com/office/drawing/2014/main" id="{30321345-E29F-9A4C-A9AE-CBA0B4735733}"/>
-                </a:ext>
-              </a:extLst>
-            </p:cNvPr>
-            <p:cNvCxnSpPr>
-              <a:cxnSpLocks/>
-            </p:cNvCxnSpPr>
-            <p:nvPr/>
-          </p:nvCxnSpPr>
-          <p:spPr>
-            <a:xfrm rot="16200000">
-              <a:off x="4078126" y="1673140"/>
-              <a:ext cx="361848" cy="0"/>
-            </a:xfrm>
-            <a:prstGeom prst="line">
-              <a:avLst/>
-            </a:prstGeom>
-            <a:ln w="12700">
-              <a:solidFill>
-                <a:schemeClr val="tx1"/>
-              </a:solidFill>
-            </a:ln>
-          </p:spPr>
-          <p:style>
-            <a:lnRef idx="1">
-              <a:schemeClr val="accent1"/>
-            </a:lnRef>
-            <a:fillRef idx="0">
-              <a:schemeClr val="accent1"/>
-            </a:fillRef>
-            <a:effectRef idx="0">
-              <a:schemeClr val="accent1"/>
-            </a:effectRef>
-            <a:fontRef idx="minor">
-              <a:schemeClr val="tx1"/>
-            </a:fontRef>
-          </p:style>
-        </p:cxnSp>
-      </p:grpSp>
-      <p:sp>
-        <p:nvSpPr>
-          <p:cNvPr id="171" name="Folded Corner 170">
-            <a:extLst>
-              <a:ext uri="{FF2B5EF4-FFF2-40B4-BE49-F238E27FC236}">
-                <a16:creationId xmlns:a16="http://schemas.microsoft.com/office/drawing/2014/main" id="{FF1EEE3E-5A28-0249-B645-BFAB24CDD7A8}"/>
-              </a:ext>
-            </a:extLst>
-          </p:cNvPr>
-          <p:cNvSpPr/>
-          <p:nvPr/>
-        </p:nvSpPr>
-        <p:spPr>
-          <a:xfrm>
-            <a:off x="1744176" y="3956361"/>
-            <a:ext cx="615771" cy="742625"/>
-          </a:xfrm>
-          <a:prstGeom prst="foldedCorner">
-            <a:avLst/>
-          </a:prstGeom>
-        </p:spPr>
-        <p:style>
-          <a:lnRef idx="2">
-            <a:schemeClr val="accent1">
-              <a:shade val="50000"/>
-            </a:schemeClr>
-          </a:lnRef>
-          <a:fillRef idx="1">
-            <a:schemeClr val="accent1"/>
-          </a:fillRef>
-          <a:effectRef idx="0">
-            <a:schemeClr val="accent1"/>
-          </a:effectRef>
-          <a:fontRef idx="minor">
-            <a:schemeClr val="lt1"/>
-          </a:fontRef>
-        </p:style>
-        <p:txBody>
-          <a:bodyPr rtlCol="0" anchor="ctr"/>
-          <a:lstStyle/>
-          <a:p>
-            <a:pPr algn="ctr"/>
-            <a:r>
-              <a:rPr lang="en-US" sz="1100" dirty="0"/>
-              <a:t>Config</a:t>
-            </a:r>
-          </a:p>
-          <a:p>
-            <a:pPr algn="ctr"/>
-            <a:r>
-              <a:rPr lang="en-US" sz="1100" dirty="0"/>
-              <a:t>map</a:t>
-            </a:r>
-          </a:p>
-        </p:txBody>
-      </p:sp>
-      <p:sp>
-        <p:nvSpPr>
-          <p:cNvPr id="172" name="Folded Corner 171">
-            <a:extLst>
-              <a:ext uri="{FF2B5EF4-FFF2-40B4-BE49-F238E27FC236}">
-                <a16:creationId xmlns:a16="http://schemas.microsoft.com/office/drawing/2014/main" id="{77C5BF83-3888-C042-9880-FEE619CE5A8A}"/>
-              </a:ext>
-            </a:extLst>
-          </p:cNvPr>
-          <p:cNvSpPr/>
-          <p:nvPr/>
-        </p:nvSpPr>
-        <p:spPr>
-          <a:xfrm>
-            <a:off x="1699355" y="3872421"/>
-            <a:ext cx="615771" cy="742625"/>
-          </a:xfrm>
-          <a:prstGeom prst="foldedCorner">
-            <a:avLst/>
-          </a:prstGeom>
-        </p:spPr>
-        <p:style>
-          <a:lnRef idx="2">
-            <a:schemeClr val="accent1">
-              <a:shade val="50000"/>
-            </a:schemeClr>
-          </a:lnRef>
-          <a:fillRef idx="1">
-            <a:schemeClr val="accent1"/>
-          </a:fillRef>
-          <a:effectRef idx="0">
-            <a:schemeClr val="accent1"/>
-          </a:effectRef>
-          <a:fontRef idx="minor">
-            <a:schemeClr val="lt1"/>
-          </a:fontRef>
-        </p:style>
-        <p:txBody>
-          <a:bodyPr rtlCol="0" anchor="ctr"/>
-          <a:lstStyle/>
-          <a:p>
-            <a:pPr algn="ctr"/>
-            <a:r>
-              <a:rPr lang="en-US" sz="1100" dirty="0"/>
-              <a:t>Config</a:t>
-            </a:r>
-          </a:p>
-          <a:p>
-            <a:pPr algn="ctr"/>
-            <a:r>
-              <a:rPr lang="en-US" sz="1100" dirty="0"/>
-              <a:t>map</a:t>
-            </a:r>
-          </a:p>
-        </p:txBody>
-      </p:sp>
-      <p:sp>
-        <p:nvSpPr>
-          <p:cNvPr id="173" name="Folded Corner 172">
-            <a:extLst>
-              <a:ext uri="{FF2B5EF4-FFF2-40B4-BE49-F238E27FC236}">
-                <a16:creationId xmlns:a16="http://schemas.microsoft.com/office/drawing/2014/main" id="{1C13D402-EB4F-A944-9D5A-618E34DB4A9F}"/>
-              </a:ext>
-            </a:extLst>
-          </p:cNvPr>
-          <p:cNvSpPr/>
-          <p:nvPr/>
-        </p:nvSpPr>
-        <p:spPr>
-          <a:xfrm>
-            <a:off x="1649644" y="4900827"/>
-            <a:ext cx="615771" cy="742625"/>
-          </a:xfrm>
-          <a:prstGeom prst="foldedCorner">
-            <a:avLst/>
-          </a:prstGeom>
-        </p:spPr>
-        <p:style>
-          <a:lnRef idx="2">
-            <a:schemeClr val="accent1">
-              <a:shade val="50000"/>
-            </a:schemeClr>
-          </a:lnRef>
-          <a:fillRef idx="1">
-            <a:schemeClr val="accent1"/>
-          </a:fillRef>
-          <a:effectRef idx="0">
-            <a:schemeClr val="accent1"/>
-          </a:effectRef>
-          <a:fontRef idx="minor">
-            <a:schemeClr val="lt1"/>
-          </a:fontRef>
-        </p:style>
-        <p:txBody>
-          <a:bodyPr rtlCol="0" anchor="ctr"/>
-          <a:lstStyle/>
-          <a:p>
-            <a:pPr algn="ctr"/>
-            <a:r>
-              <a:rPr lang="en-US" sz="1100" dirty="0"/>
-              <a:t>Res.</a:t>
-            </a:r>
-          </a:p>
-          <a:p>
-            <a:pPr algn="ctr"/>
-            <a:r>
-              <a:rPr lang="en-US" sz="1100" dirty="0"/>
-              <a:t>Limits</a:t>
-            </a:r>
-          </a:p>
-        </p:txBody>
-      </p:sp>
-      <p:grpSp>
-        <p:nvGrpSpPr>
-          <p:cNvPr id="174" name="Group 173">
-            <a:extLst>
-              <a:ext uri="{FF2B5EF4-FFF2-40B4-BE49-F238E27FC236}">
-                <a16:creationId xmlns:a16="http://schemas.microsoft.com/office/drawing/2014/main" id="{96BE93E4-7064-9446-A2B9-DE5D239AF7E3}"/>
-              </a:ext>
-            </a:extLst>
-          </p:cNvPr>
-          <p:cNvGrpSpPr/>
-          <p:nvPr/>
-        </p:nvGrpSpPr>
-        <p:grpSpPr>
-          <a:xfrm>
-            <a:off x="2266659" y="2831039"/>
-            <a:ext cx="361848" cy="361848"/>
-            <a:chOff x="3897202" y="1492216"/>
-            <a:chExt cx="361848" cy="361848"/>
-          </a:xfrm>
-        </p:grpSpPr>
-        <p:cxnSp>
-          <p:nvCxnSpPr>
-            <p:cNvPr id="175" name="Straight Connector 174">
-              <a:extLst>
-                <a:ext uri="{FF2B5EF4-FFF2-40B4-BE49-F238E27FC236}">
-                  <a16:creationId xmlns:a16="http://schemas.microsoft.com/office/drawing/2014/main" id="{F6F16CF0-E2E2-4D42-B216-39845062384F}"/>
-                </a:ext>
-              </a:extLst>
-            </p:cNvPr>
-            <p:cNvCxnSpPr>
-              <a:cxnSpLocks/>
-            </p:cNvCxnSpPr>
-            <p:nvPr/>
-          </p:nvCxnSpPr>
-          <p:spPr>
-            <a:xfrm>
-              <a:off x="3897202" y="1673140"/>
-              <a:ext cx="361848" cy="0"/>
-            </a:xfrm>
-            <a:prstGeom prst="line">
-              <a:avLst/>
-            </a:prstGeom>
-            <a:ln w="12700">
-              <a:solidFill>
-                <a:schemeClr val="tx1"/>
-              </a:solidFill>
-            </a:ln>
-          </p:spPr>
-          <p:style>
-            <a:lnRef idx="1">
-              <a:schemeClr val="accent1"/>
-            </a:lnRef>
-            <a:fillRef idx="0">
-              <a:schemeClr val="accent1"/>
-            </a:fillRef>
-            <a:effectRef idx="0">
-              <a:schemeClr val="accent1"/>
-            </a:effectRef>
-            <a:fontRef idx="minor">
-              <a:schemeClr val="tx1"/>
-            </a:fontRef>
-          </p:style>
-        </p:cxnSp>
-        <p:cxnSp>
-          <p:nvCxnSpPr>
-            <p:cNvPr id="176" name="Straight Connector 175">
-              <a:extLst>
-                <a:ext uri="{FF2B5EF4-FFF2-40B4-BE49-F238E27FC236}">
-                  <a16:creationId xmlns:a16="http://schemas.microsoft.com/office/drawing/2014/main" id="{F4C7C1F8-5A18-CF42-A50E-5E4DA1273654}"/>
-                </a:ext>
-              </a:extLst>
-            </p:cNvPr>
-            <p:cNvCxnSpPr>
-              <a:cxnSpLocks/>
-            </p:cNvCxnSpPr>
-            <p:nvPr/>
-          </p:nvCxnSpPr>
-          <p:spPr>
-            <a:xfrm rot="16200000">
-              <a:off x="4078126" y="1673140"/>
-              <a:ext cx="361848" cy="0"/>
-            </a:xfrm>
-            <a:prstGeom prst="line">
-              <a:avLst/>
-            </a:prstGeom>
-            <a:ln w="12700">
-              <a:solidFill>
-                <a:schemeClr val="tx1"/>
-              </a:solidFill>
-            </a:ln>
-          </p:spPr>
-          <p:style>
-            <a:lnRef idx="1">
-              <a:schemeClr val="accent1"/>
-            </a:lnRef>
-            <a:fillRef idx="0">
-              <a:schemeClr val="accent1"/>
-            </a:fillRef>
-            <a:effectRef idx="0">
-              <a:schemeClr val="accent1"/>
-            </a:effectRef>
-            <a:fontRef idx="minor">
-              <a:schemeClr val="tx1"/>
-            </a:fontRef>
-          </p:style>
-        </p:cxnSp>
-      </p:grpSp>
-      <p:sp>
-        <p:nvSpPr>
-          <p:cNvPr id="177" name="TextBox 176">
-            <a:extLst>
-              <a:ext uri="{FF2B5EF4-FFF2-40B4-BE49-F238E27FC236}">
-                <a16:creationId xmlns:a16="http://schemas.microsoft.com/office/drawing/2014/main" id="{73F39317-7F6F-084C-94C4-6FB71101672A}"/>
-              </a:ext>
-            </a:extLst>
-          </p:cNvPr>
-          <p:cNvSpPr txBox="1"/>
-          <p:nvPr/>
-        </p:nvSpPr>
-        <p:spPr>
-          <a:xfrm>
-            <a:off x="2628507" y="2888951"/>
-            <a:ext cx="800219" cy="261610"/>
-          </a:xfrm>
-          <a:prstGeom prst="rect">
-            <a:avLst/>
-          </a:prstGeom>
-          <a:noFill/>
-        </p:spPr>
-        <p:txBody>
-          <a:bodyPr wrap="none" rtlCol="0">
-            <a:spAutoFit/>
-          </a:bodyPr>
-          <a:lstStyle/>
-          <a:p>
-            <a:r>
-              <a:rPr lang="en-US" sz="1050" dirty="0">
-                <a:latin typeface="Consolas" panose="020B0609020204030204" pitchFamily="49" charset="0"/>
-                <a:cs typeface="Consolas" panose="020B0609020204030204" pitchFamily="49" charset="0"/>
-              </a:rPr>
-              <a:t>/metrics</a:t>
-            </a:r>
-          </a:p>
-        </p:txBody>
-      </p:sp>
-      <p:sp>
-        <p:nvSpPr>
-          <p:cNvPr id="178" name="TextBox 177">
-            <a:extLst>
-              <a:ext uri="{FF2B5EF4-FFF2-40B4-BE49-F238E27FC236}">
-                <a16:creationId xmlns:a16="http://schemas.microsoft.com/office/drawing/2014/main" id="{2C15A952-A006-6C4A-939E-E437DB1A9764}"/>
-              </a:ext>
-            </a:extLst>
-          </p:cNvPr>
-          <p:cNvSpPr txBox="1"/>
-          <p:nvPr/>
-        </p:nvSpPr>
-        <p:spPr>
-          <a:xfrm>
-            <a:off x="477546" y="2013593"/>
-            <a:ext cx="1082925" cy="307777"/>
-          </a:xfrm>
-          <a:prstGeom prst="rect">
-            <a:avLst/>
-          </a:prstGeom>
-          <a:noFill/>
-        </p:spPr>
-        <p:txBody>
-          <a:bodyPr wrap="none" rtlCol="0">
-            <a:spAutoFit/>
-          </a:bodyPr>
-          <a:lstStyle/>
-          <a:p>
-            <a:pPr algn="ctr"/>
-            <a:r>
-              <a:rPr lang="en-US" sz="1400" dirty="0"/>
-              <a:t>Deployment</a:t>
-            </a:r>
-          </a:p>
-        </p:txBody>
-      </p:sp>
-      <p:sp>
-        <p:nvSpPr>
-          <p:cNvPr id="179" name="Folded Corner 178">
-            <a:extLst>
-              <a:ext uri="{FF2B5EF4-FFF2-40B4-BE49-F238E27FC236}">
-                <a16:creationId xmlns:a16="http://schemas.microsoft.com/office/drawing/2014/main" id="{CE67AFA2-B47F-924F-B13D-57506EC21E8D}"/>
-              </a:ext>
-            </a:extLst>
-          </p:cNvPr>
-          <p:cNvSpPr/>
-          <p:nvPr/>
-        </p:nvSpPr>
-        <p:spPr>
-          <a:xfrm>
-            <a:off x="1649644" y="3773812"/>
-            <a:ext cx="615771" cy="742625"/>
-          </a:xfrm>
-          <a:prstGeom prst="foldedCorner">
-            <a:avLst/>
-          </a:prstGeom>
-        </p:spPr>
-        <p:style>
-          <a:lnRef idx="2">
-            <a:schemeClr val="accent1">
-              <a:shade val="50000"/>
-            </a:schemeClr>
-          </a:lnRef>
-          <a:fillRef idx="1">
-            <a:schemeClr val="accent1"/>
-          </a:fillRef>
-          <a:effectRef idx="0">
-            <a:schemeClr val="accent1"/>
-          </a:effectRef>
-          <a:fontRef idx="minor">
-            <a:schemeClr val="lt1"/>
-          </a:fontRef>
-        </p:style>
-        <p:txBody>
-          <a:bodyPr rtlCol="0" anchor="ctr"/>
-          <a:lstStyle/>
-          <a:p>
-            <a:pPr algn="ctr"/>
-            <a:r>
-              <a:rPr lang="en-US" sz="1100" dirty="0"/>
-              <a:t>Config</a:t>
-            </a:r>
-          </a:p>
-          <a:p>
-            <a:pPr algn="ctr"/>
-            <a:r>
-              <a:rPr lang="en-US" sz="1100" dirty="0"/>
-              <a:t>map</a:t>
-            </a:r>
-          </a:p>
-        </p:txBody>
-      </p:sp>
-      <p:cxnSp>
-        <p:nvCxnSpPr>
-          <p:cNvPr id="180" name="Elbow Connector 179">
-            <a:extLst>
-              <a:ext uri="{FF2B5EF4-FFF2-40B4-BE49-F238E27FC236}">
-                <a16:creationId xmlns:a16="http://schemas.microsoft.com/office/drawing/2014/main" id="{4BBC12D6-A8AB-CF47-B40D-8739D9028091}"/>
-              </a:ext>
-            </a:extLst>
-          </p:cNvPr>
-          <p:cNvCxnSpPr>
-            <a:stCxn id="188" idx="2"/>
-            <a:endCxn id="179" idx="1"/>
-          </p:cNvCxnSpPr>
-          <p:nvPr/>
-        </p:nvCxnSpPr>
-        <p:spPr>
-          <a:xfrm rot="16200000" flipH="1">
-            <a:off x="1349507" y="3844987"/>
-            <a:ext cx="488687" cy="111587"/>
-          </a:xfrm>
-          <a:prstGeom prst="bentConnector2">
-            <a:avLst/>
-          </a:prstGeom>
-        </p:spPr>
-        <p:style>
-          <a:lnRef idx="1">
-            <a:schemeClr val="accent1"/>
-          </a:lnRef>
-          <a:fillRef idx="0">
-            <a:schemeClr val="accent1"/>
-          </a:fillRef>
-          <a:effectRef idx="0">
-            <a:schemeClr val="accent1"/>
-          </a:effectRef>
-          <a:fontRef idx="minor">
-            <a:schemeClr val="tx1"/>
-          </a:fontRef>
-        </p:style>
-      </p:cxnSp>
-      <p:cxnSp>
-        <p:nvCxnSpPr>
-          <p:cNvPr id="181" name="Elbow Connector 180">
-            <a:extLst>
-              <a:ext uri="{FF2B5EF4-FFF2-40B4-BE49-F238E27FC236}">
-                <a16:creationId xmlns:a16="http://schemas.microsoft.com/office/drawing/2014/main" id="{C6D10021-F144-9741-A4F3-02147AC032F8}"/>
-              </a:ext>
-            </a:extLst>
-          </p:cNvPr>
-          <p:cNvCxnSpPr>
-            <a:cxnSpLocks/>
-            <a:stCxn id="188" idx="2"/>
-            <a:endCxn id="173" idx="1"/>
-          </p:cNvCxnSpPr>
-          <p:nvPr/>
-        </p:nvCxnSpPr>
-        <p:spPr>
-          <a:xfrm rot="16200000" flipH="1">
-            <a:off x="785999" y="4408495"/>
-            <a:ext cx="1615702" cy="111587"/>
-          </a:xfrm>
-          <a:prstGeom prst="bentConnector2">
-            <a:avLst/>
-          </a:prstGeom>
-        </p:spPr>
-        <p:style>
-          <a:lnRef idx="1">
-            <a:schemeClr val="accent1"/>
-          </a:lnRef>
-          <a:fillRef idx="0">
-            <a:schemeClr val="accent1"/>
-          </a:fillRef>
-          <a:effectRef idx="0">
-            <a:schemeClr val="accent1"/>
-          </a:effectRef>
-          <a:fontRef idx="minor">
-            <a:schemeClr val="tx1"/>
-          </a:fontRef>
-        </p:style>
-      </p:cxnSp>
-      <p:grpSp>
-        <p:nvGrpSpPr>
-          <p:cNvPr id="182" name="Group 181">
-            <a:extLst>
-              <a:ext uri="{FF2B5EF4-FFF2-40B4-BE49-F238E27FC236}">
-                <a16:creationId xmlns:a16="http://schemas.microsoft.com/office/drawing/2014/main" id="{FE7465F7-5177-8B40-AD75-3E9469D7C3E1}"/>
-              </a:ext>
-            </a:extLst>
-          </p:cNvPr>
-          <p:cNvGrpSpPr/>
-          <p:nvPr/>
-        </p:nvGrpSpPr>
-        <p:grpSpPr>
-          <a:xfrm>
-            <a:off x="2266659" y="5035211"/>
-            <a:ext cx="361848" cy="361848"/>
-            <a:chOff x="3897202" y="1492216"/>
-            <a:chExt cx="361848" cy="361848"/>
-          </a:xfrm>
-        </p:grpSpPr>
-        <p:cxnSp>
-          <p:nvCxnSpPr>
-            <p:cNvPr id="183" name="Straight Connector 182">
-              <a:extLst>
-                <a:ext uri="{FF2B5EF4-FFF2-40B4-BE49-F238E27FC236}">
-                  <a16:creationId xmlns:a16="http://schemas.microsoft.com/office/drawing/2014/main" id="{01BB18CD-29D8-3B4D-B053-23EE23D542B6}"/>
-                </a:ext>
-              </a:extLst>
-            </p:cNvPr>
-            <p:cNvCxnSpPr>
-              <a:cxnSpLocks/>
-            </p:cNvCxnSpPr>
-            <p:nvPr/>
-          </p:nvCxnSpPr>
-          <p:spPr>
-            <a:xfrm>
-              <a:off x="3897202" y="1673140"/>
-              <a:ext cx="361848" cy="0"/>
-            </a:xfrm>
-            <a:prstGeom prst="line">
-              <a:avLst/>
-            </a:prstGeom>
-            <a:ln w="12700">
-              <a:solidFill>
-                <a:schemeClr val="tx1"/>
-              </a:solidFill>
-            </a:ln>
-          </p:spPr>
-          <p:style>
-            <a:lnRef idx="1">
-              <a:schemeClr val="accent1"/>
-            </a:lnRef>
-            <a:fillRef idx="0">
-              <a:schemeClr val="accent1"/>
-            </a:fillRef>
-            <a:effectRef idx="0">
-              <a:schemeClr val="accent1"/>
-            </a:effectRef>
-            <a:fontRef idx="minor">
-              <a:schemeClr val="tx1"/>
-            </a:fontRef>
-          </p:style>
-        </p:cxnSp>
-        <p:cxnSp>
-          <p:nvCxnSpPr>
-            <p:cNvPr id="184" name="Straight Connector 183">
-              <a:extLst>
-                <a:ext uri="{FF2B5EF4-FFF2-40B4-BE49-F238E27FC236}">
-                  <a16:creationId xmlns:a16="http://schemas.microsoft.com/office/drawing/2014/main" id="{9D802553-68A8-6F44-AEB1-19C3252FDBB2}"/>
-                </a:ext>
-              </a:extLst>
-            </p:cNvPr>
-            <p:cNvCxnSpPr>
-              <a:cxnSpLocks/>
-            </p:cNvCxnSpPr>
-            <p:nvPr/>
-          </p:nvCxnSpPr>
-          <p:spPr>
-            <a:xfrm rot="16200000">
-              <a:off x="4078126" y="1673140"/>
-              <a:ext cx="361848" cy="0"/>
-            </a:xfrm>
-            <a:prstGeom prst="line">
-              <a:avLst/>
-            </a:prstGeom>
-            <a:ln w="12700">
-              <a:solidFill>
-                <a:schemeClr val="tx1"/>
-              </a:solidFill>
-            </a:ln>
-          </p:spPr>
-          <p:style>
-            <a:lnRef idx="1">
-              <a:schemeClr val="accent1"/>
-            </a:lnRef>
-            <a:fillRef idx="0">
-              <a:schemeClr val="accent1"/>
-            </a:fillRef>
-            <a:effectRef idx="0">
-              <a:schemeClr val="accent1"/>
-            </a:effectRef>
-            <a:fontRef idx="minor">
-              <a:schemeClr val="tx1"/>
-            </a:fontRef>
-          </p:style>
-        </p:cxnSp>
-      </p:grpSp>
-      <p:sp>
-        <p:nvSpPr>
-          <p:cNvPr id="185" name="TextBox 184">
-            <a:extLst>
-              <a:ext uri="{FF2B5EF4-FFF2-40B4-BE49-F238E27FC236}">
-                <a16:creationId xmlns:a16="http://schemas.microsoft.com/office/drawing/2014/main" id="{70C896C7-09E5-8342-8443-45FA6AF85765}"/>
-              </a:ext>
-            </a:extLst>
-          </p:cNvPr>
-          <p:cNvSpPr txBox="1"/>
-          <p:nvPr/>
-        </p:nvSpPr>
-        <p:spPr>
-          <a:xfrm>
-            <a:off x="2839585" y="4572028"/>
-            <a:ext cx="848309" cy="253916"/>
-          </a:xfrm>
-          <a:prstGeom prst="rect">
-            <a:avLst/>
-          </a:prstGeom>
-          <a:noFill/>
-        </p:spPr>
-        <p:txBody>
-          <a:bodyPr wrap="none" rtlCol="0">
-            <a:spAutoFit/>
-          </a:bodyPr>
-          <a:lstStyle/>
-          <a:p>
-            <a:r>
-              <a:rPr lang="en-US" sz="1050" dirty="0">
-                <a:latin typeface="Consolas" panose="020B0609020204030204" pitchFamily="49" charset="0"/>
-                <a:cs typeface="Consolas" panose="020B0609020204030204" pitchFamily="49" charset="0"/>
-              </a:rPr>
-              <a:t>/</a:t>
-            </a:r>
-            <a:r>
-              <a:rPr lang="en-US" sz="1050" dirty="0" err="1">
-                <a:latin typeface="Consolas" panose="020B0609020204030204" pitchFamily="49" charset="0"/>
-                <a:cs typeface="Consolas" panose="020B0609020204030204" pitchFamily="49" charset="0"/>
-              </a:rPr>
-              <a:t>tunables</a:t>
-            </a:r>
-            <a:endParaRPr lang="en-US" sz="1050" dirty="0">
-              <a:latin typeface="Consolas" panose="020B0609020204030204" pitchFamily="49" charset="0"/>
-              <a:cs typeface="Consolas" panose="020B0609020204030204" pitchFamily="49" charset="0"/>
-            </a:endParaRPr>
-          </a:p>
-        </p:txBody>
-      </p:sp>
-      <p:sp>
-        <p:nvSpPr>
-          <p:cNvPr id="186" name="Right Brace 185">
-            <a:extLst>
-              <a:ext uri="{FF2B5EF4-FFF2-40B4-BE49-F238E27FC236}">
-                <a16:creationId xmlns:a16="http://schemas.microsoft.com/office/drawing/2014/main" id="{21688BB7-9336-4443-8D12-53A608FF103F}"/>
-              </a:ext>
-            </a:extLst>
-          </p:cNvPr>
-          <p:cNvSpPr/>
-          <p:nvPr/>
-        </p:nvSpPr>
-        <p:spPr>
-          <a:xfrm>
-            <a:off x="2692056" y="4145124"/>
-            <a:ext cx="171145" cy="1127015"/>
-          </a:xfrm>
-          <a:prstGeom prst="rightBrace">
-            <a:avLst/>
-          </a:prstGeom>
-          <a:ln w="12700">
-            <a:solidFill>
-              <a:schemeClr val="tx1"/>
-            </a:solidFill>
-          </a:ln>
-        </p:spPr>
-        <p:style>
-          <a:lnRef idx="1">
-            <a:schemeClr val="accent1"/>
-          </a:lnRef>
-          <a:fillRef idx="0">
-            <a:schemeClr val="accent1"/>
-          </a:fillRef>
-          <a:effectRef idx="0">
-            <a:schemeClr val="accent1"/>
-          </a:effectRef>
-          <a:fontRef idx="minor">
-            <a:schemeClr val="tx1"/>
-          </a:fontRef>
-        </p:style>
-        <p:txBody>
-          <a:bodyPr rtlCol="0" anchor="ctr"/>
-          <a:lstStyle/>
-          <a:p>
-            <a:pPr algn="ctr"/>
-            <a:endParaRPr lang="en-US"/>
-          </a:p>
-        </p:txBody>
-      </p:sp>
       <p:cxnSp>
         <p:nvCxnSpPr>
           <p:cNvPr id="187" name="Elbow Connector 186">
@@ -14971,86 +13351,6 @@
           </a:fontRef>
         </p:style>
       </p:cxnSp>
-      <p:sp>
-        <p:nvSpPr>
-          <p:cNvPr id="188" name="Rounded Rectangle 187">
-            <a:extLst>
-              <a:ext uri="{FF2B5EF4-FFF2-40B4-BE49-F238E27FC236}">
-                <a16:creationId xmlns:a16="http://schemas.microsoft.com/office/drawing/2014/main" id="{327AD188-6892-784B-9E69-8D5B16673810}"/>
-              </a:ext>
-            </a:extLst>
-          </p:cNvPr>
-          <p:cNvSpPr/>
-          <p:nvPr/>
-        </p:nvSpPr>
-        <p:spPr>
-          <a:xfrm>
-            <a:off x="810699" y="2371289"/>
-            <a:ext cx="1454716" cy="1285149"/>
-          </a:xfrm>
-          <a:prstGeom prst="roundRect">
-            <a:avLst/>
-          </a:prstGeom>
-        </p:spPr>
-        <p:style>
-          <a:lnRef idx="1">
-            <a:schemeClr val="accent3"/>
-          </a:lnRef>
-          <a:fillRef idx="2">
-            <a:schemeClr val="accent3"/>
-          </a:fillRef>
-          <a:effectRef idx="1">
-            <a:schemeClr val="accent3"/>
-          </a:effectRef>
-          <a:fontRef idx="minor">
-            <a:schemeClr val="dk1"/>
-          </a:fontRef>
-        </p:style>
-        <p:txBody>
-          <a:bodyPr rtlCol="0" anchor="ctr"/>
-          <a:lstStyle/>
-          <a:p>
-            <a:pPr algn="ctr"/>
-            <a:endParaRPr lang="en-US" dirty="0"/>
-          </a:p>
-        </p:txBody>
-      </p:sp>
-      <p:sp>
-        <p:nvSpPr>
-          <p:cNvPr id="189" name="TextBox 188">
-            <a:extLst>
-              <a:ext uri="{FF2B5EF4-FFF2-40B4-BE49-F238E27FC236}">
-                <a16:creationId xmlns:a16="http://schemas.microsoft.com/office/drawing/2014/main" id="{1F96D965-EDC9-B545-8A88-F4547F20511D}"/>
-              </a:ext>
-            </a:extLst>
-          </p:cNvPr>
-          <p:cNvSpPr txBox="1"/>
-          <p:nvPr/>
-        </p:nvSpPr>
-        <p:spPr>
-          <a:xfrm>
-            <a:off x="872811" y="2859975"/>
-            <a:ext cx="1330493" cy="307777"/>
-          </a:xfrm>
-          <a:prstGeom prst="rect">
-            <a:avLst/>
-          </a:prstGeom>
-          <a:noFill/>
-        </p:spPr>
-        <p:txBody>
-          <a:bodyPr wrap="none" rtlCol="0">
-            <a:spAutoFit/>
-          </a:bodyPr>
-          <a:lstStyle/>
-          <a:p>
-            <a:pPr algn="ctr"/>
-            <a:r>
-              <a:rPr lang="en-US" sz="1400" dirty="0"/>
-              <a:t>Application Pod</a:t>
-            </a:r>
-          </a:p>
-        </p:txBody>
-      </p:sp>
       <p:cxnSp>
         <p:nvCxnSpPr>
           <p:cNvPr id="191" name="Elbow Connector 190">
@@ -15101,92 +13401,997 @@
           </a:fontRef>
         </p:style>
       </p:cxnSp>
-      <p:cxnSp>
-        <p:nvCxnSpPr>
-          <p:cNvPr id="1083" name="Straight Arrow Connector 1082">
+      <p:grpSp>
+        <p:nvGrpSpPr>
+          <p:cNvPr id="6" name="Group 5">
             <a:extLst>
               <a:ext uri="{FF2B5EF4-FFF2-40B4-BE49-F238E27FC236}">
-                <a16:creationId xmlns:a16="http://schemas.microsoft.com/office/drawing/2014/main" id="{09ECF441-AE97-B440-AC19-87C722EACF0F}"/>
+                <a16:creationId xmlns:a16="http://schemas.microsoft.com/office/drawing/2014/main" id="{514F00F5-72AE-E240-AFF8-5988B0278009}"/>
               </a:ext>
             </a:extLst>
           </p:cNvPr>
-          <p:cNvCxnSpPr>
-            <a:cxnSpLocks/>
-            <a:stCxn id="161" idx="2"/>
-            <a:endCxn id="188" idx="0"/>
-          </p:cNvCxnSpPr>
+          <p:cNvGrpSpPr/>
           <p:nvPr/>
-        </p:nvCxnSpPr>
-        <p:spPr>
-          <a:xfrm flipH="1">
-            <a:off x="1538057" y="1114883"/>
-            <a:ext cx="1665583" cy="1256406"/>
-          </a:xfrm>
-          <a:prstGeom prst="straightConnector1">
-            <a:avLst/>
-          </a:prstGeom>
-          <a:ln>
-            <a:tailEnd type="triangle"/>
-          </a:ln>
-        </p:spPr>
-        <p:style>
-          <a:lnRef idx="1">
-            <a:schemeClr val="accent1"/>
-          </a:lnRef>
-          <a:fillRef idx="0">
-            <a:schemeClr val="accent1"/>
-          </a:fillRef>
-          <a:effectRef idx="0">
-            <a:schemeClr val="accent1"/>
-          </a:effectRef>
-          <a:fontRef idx="minor">
-            <a:schemeClr val="tx1"/>
-          </a:fontRef>
-        </p:style>
-      </p:cxnSp>
-      <p:cxnSp>
-        <p:nvCxnSpPr>
-          <p:cNvPr id="1085" name="Straight Arrow Connector 1084">
-            <a:extLst>
-              <a:ext uri="{FF2B5EF4-FFF2-40B4-BE49-F238E27FC236}">
-                <a16:creationId xmlns:a16="http://schemas.microsoft.com/office/drawing/2014/main" id="{EF353246-1384-D041-81C9-FA7542AB4385}"/>
-              </a:ext>
-            </a:extLst>
-          </p:cNvPr>
-          <p:cNvCxnSpPr>
-            <a:cxnSpLocks/>
-            <a:stCxn id="161" idx="2"/>
-            <a:endCxn id="4" idx="0"/>
-          </p:cNvCxnSpPr>
-          <p:nvPr/>
-        </p:nvCxnSpPr>
-        <p:spPr>
+        </p:nvGrpSpPr>
+        <p:grpSpPr>
           <a:xfrm>
             <a:off x="3203640" y="1114883"/>
-            <a:ext cx="1695044" cy="1233153"/>
+            <a:ext cx="3844881" cy="4668037"/>
+            <a:chOff x="3203640" y="1114883"/>
+            <a:chExt cx="3844881" cy="4668037"/>
           </a:xfrm>
-          <a:prstGeom prst="straightConnector1">
-            <a:avLst/>
-          </a:prstGeom>
-          <a:ln>
-            <a:tailEnd type="triangle"/>
-          </a:ln>
-        </p:spPr>
-        <p:style>
-          <a:lnRef idx="1">
-            <a:schemeClr val="accent1"/>
-          </a:lnRef>
-          <a:fillRef idx="0">
-            <a:schemeClr val="accent1"/>
-          </a:fillRef>
-          <a:effectRef idx="0">
-            <a:schemeClr val="accent1"/>
-          </a:effectRef>
-          <a:fontRef idx="minor">
-            <a:schemeClr val="tx1"/>
-          </a:fontRef>
-        </p:style>
-      </p:cxnSp>
+        </p:grpSpPr>
+        <p:sp>
+          <p:nvSpPr>
+            <p:cNvPr id="61" name="Rounded Rectangle 60">
+              <a:extLst>
+                <a:ext uri="{FF2B5EF4-FFF2-40B4-BE49-F238E27FC236}">
+                  <a16:creationId xmlns:a16="http://schemas.microsoft.com/office/drawing/2014/main" id="{9A33A676-203F-634B-84E1-2F596C3B264A}"/>
+                </a:ext>
+              </a:extLst>
+            </p:cNvPr>
+            <p:cNvSpPr/>
+            <p:nvPr/>
+          </p:nvSpPr>
+          <p:spPr>
+            <a:xfrm>
+              <a:off x="3863271" y="1979541"/>
+              <a:ext cx="2004832" cy="3803379"/>
+            </a:xfrm>
+            <a:prstGeom prst="roundRect">
+              <a:avLst>
+                <a:gd name="adj" fmla="val 2799"/>
+              </a:avLst>
+            </a:prstGeom>
+            <a:solidFill>
+              <a:schemeClr val="bg1"/>
+            </a:solidFill>
+          </p:spPr>
+          <p:style>
+            <a:lnRef idx="1">
+              <a:schemeClr val="accent3"/>
+            </a:lnRef>
+            <a:fillRef idx="2">
+              <a:schemeClr val="accent3"/>
+            </a:fillRef>
+            <a:effectRef idx="1">
+              <a:schemeClr val="accent3"/>
+            </a:effectRef>
+            <a:fontRef idx="minor">
+              <a:schemeClr val="dk1"/>
+            </a:fontRef>
+          </p:style>
+          <p:txBody>
+            <a:bodyPr rtlCol="0" anchor="ctr"/>
+            <a:lstStyle/>
+            <a:p>
+              <a:pPr algn="ctr"/>
+              <a:endParaRPr lang="en-US" dirty="0"/>
+            </a:p>
+          </p:txBody>
+        </p:sp>
+        <p:grpSp>
+          <p:nvGrpSpPr>
+            <p:cNvPr id="71" name="Group 70">
+              <a:extLst>
+                <a:ext uri="{FF2B5EF4-FFF2-40B4-BE49-F238E27FC236}">
+                  <a16:creationId xmlns:a16="http://schemas.microsoft.com/office/drawing/2014/main" id="{DB794BAA-DA21-6445-A6ED-BC0D42F7D5B4}"/>
+                </a:ext>
+              </a:extLst>
+            </p:cNvPr>
+            <p:cNvGrpSpPr/>
+            <p:nvPr/>
+          </p:nvGrpSpPr>
+          <p:grpSpPr>
+            <a:xfrm>
+              <a:off x="5627286" y="4009342"/>
+              <a:ext cx="361848" cy="361848"/>
+              <a:chOff x="3897202" y="1492216"/>
+              <a:chExt cx="361848" cy="361848"/>
+            </a:xfrm>
+          </p:grpSpPr>
+          <p:cxnSp>
+            <p:nvCxnSpPr>
+              <p:cNvPr id="72" name="Straight Connector 71">
+                <a:extLst>
+                  <a:ext uri="{FF2B5EF4-FFF2-40B4-BE49-F238E27FC236}">
+                    <a16:creationId xmlns:a16="http://schemas.microsoft.com/office/drawing/2014/main" id="{015F702A-F787-1A43-88B4-54381150BEA5}"/>
+                  </a:ext>
+                </a:extLst>
+              </p:cNvPr>
+              <p:cNvCxnSpPr>
+                <a:cxnSpLocks/>
+              </p:cNvCxnSpPr>
+              <p:nvPr/>
+            </p:nvCxnSpPr>
+            <p:spPr>
+              <a:xfrm>
+                <a:off x="3897202" y="1673140"/>
+                <a:ext cx="361848" cy="0"/>
+              </a:xfrm>
+              <a:prstGeom prst="line">
+                <a:avLst/>
+              </a:prstGeom>
+              <a:ln w="12700">
+                <a:solidFill>
+                  <a:schemeClr val="tx1"/>
+                </a:solidFill>
+              </a:ln>
+            </p:spPr>
+            <p:style>
+              <a:lnRef idx="1">
+                <a:schemeClr val="accent1"/>
+              </a:lnRef>
+              <a:fillRef idx="0">
+                <a:schemeClr val="accent1"/>
+              </a:fillRef>
+              <a:effectRef idx="0">
+                <a:schemeClr val="accent1"/>
+              </a:effectRef>
+              <a:fontRef idx="minor">
+                <a:schemeClr val="tx1"/>
+              </a:fontRef>
+            </p:style>
+          </p:cxnSp>
+          <p:cxnSp>
+            <p:nvCxnSpPr>
+              <p:cNvPr id="73" name="Straight Connector 72">
+                <a:extLst>
+                  <a:ext uri="{FF2B5EF4-FFF2-40B4-BE49-F238E27FC236}">
+                    <a16:creationId xmlns:a16="http://schemas.microsoft.com/office/drawing/2014/main" id="{CA338B73-D899-0943-BDB5-AEF8270B7E16}"/>
+                  </a:ext>
+                </a:extLst>
+              </p:cNvPr>
+              <p:cNvCxnSpPr>
+                <a:cxnSpLocks/>
+              </p:cNvCxnSpPr>
+              <p:nvPr/>
+            </p:nvCxnSpPr>
+            <p:spPr>
+              <a:xfrm rot="16200000">
+                <a:off x="4078126" y="1673140"/>
+                <a:ext cx="361848" cy="0"/>
+              </a:xfrm>
+              <a:prstGeom prst="line">
+                <a:avLst/>
+              </a:prstGeom>
+              <a:ln w="12700">
+                <a:solidFill>
+                  <a:schemeClr val="tx1"/>
+                </a:solidFill>
+              </a:ln>
+            </p:spPr>
+            <p:style>
+              <a:lnRef idx="1">
+                <a:schemeClr val="accent1"/>
+              </a:lnRef>
+              <a:fillRef idx="0">
+                <a:schemeClr val="accent1"/>
+              </a:fillRef>
+              <a:effectRef idx="0">
+                <a:schemeClr val="accent1"/>
+              </a:effectRef>
+              <a:fontRef idx="minor">
+                <a:schemeClr val="tx1"/>
+              </a:fontRef>
+            </p:style>
+          </p:cxnSp>
+        </p:grpSp>
+        <p:sp>
+          <p:nvSpPr>
+            <p:cNvPr id="67" name="Folded Corner 66">
+              <a:extLst>
+                <a:ext uri="{FF2B5EF4-FFF2-40B4-BE49-F238E27FC236}">
+                  <a16:creationId xmlns:a16="http://schemas.microsoft.com/office/drawing/2014/main" id="{9F56A421-45CE-6E41-821F-5E66354DD644}"/>
+                </a:ext>
+              </a:extLst>
+            </p:cNvPr>
+            <p:cNvSpPr/>
+            <p:nvPr/>
+          </p:nvSpPr>
+          <p:spPr>
+            <a:xfrm>
+              <a:off x="5104803" y="3933108"/>
+              <a:ext cx="615771" cy="742625"/>
+            </a:xfrm>
+            <a:prstGeom prst="foldedCorner">
+              <a:avLst/>
+            </a:prstGeom>
+          </p:spPr>
+          <p:style>
+            <a:lnRef idx="2">
+              <a:schemeClr val="accent1">
+                <a:shade val="50000"/>
+              </a:schemeClr>
+            </a:lnRef>
+            <a:fillRef idx="1">
+              <a:schemeClr val="accent1"/>
+            </a:fillRef>
+            <a:effectRef idx="0">
+              <a:schemeClr val="accent1"/>
+            </a:effectRef>
+            <a:fontRef idx="minor">
+              <a:schemeClr val="lt1"/>
+            </a:fontRef>
+          </p:style>
+          <p:txBody>
+            <a:bodyPr rtlCol="0" anchor="ctr"/>
+            <a:lstStyle/>
+            <a:p>
+              <a:pPr algn="ctr"/>
+              <a:r>
+                <a:rPr lang="en-US" sz="1100" dirty="0"/>
+                <a:t>Config</a:t>
+              </a:r>
+            </a:p>
+            <a:p>
+              <a:pPr algn="ctr"/>
+              <a:r>
+                <a:rPr lang="en-US" sz="1100" dirty="0"/>
+                <a:t>map</a:t>
+              </a:r>
+            </a:p>
+          </p:txBody>
+        </p:sp>
+        <p:sp>
+          <p:nvSpPr>
+            <p:cNvPr id="66" name="Folded Corner 65">
+              <a:extLst>
+                <a:ext uri="{FF2B5EF4-FFF2-40B4-BE49-F238E27FC236}">
+                  <a16:creationId xmlns:a16="http://schemas.microsoft.com/office/drawing/2014/main" id="{63BE1930-DBD4-A644-80C5-CB4050F900C7}"/>
+                </a:ext>
+              </a:extLst>
+            </p:cNvPr>
+            <p:cNvSpPr/>
+            <p:nvPr/>
+          </p:nvSpPr>
+          <p:spPr>
+            <a:xfrm>
+              <a:off x="5059982" y="3849168"/>
+              <a:ext cx="615771" cy="742625"/>
+            </a:xfrm>
+            <a:prstGeom prst="foldedCorner">
+              <a:avLst/>
+            </a:prstGeom>
+          </p:spPr>
+          <p:style>
+            <a:lnRef idx="2">
+              <a:schemeClr val="accent1">
+                <a:shade val="50000"/>
+              </a:schemeClr>
+            </a:lnRef>
+            <a:fillRef idx="1">
+              <a:schemeClr val="accent1"/>
+            </a:fillRef>
+            <a:effectRef idx="0">
+              <a:schemeClr val="accent1"/>
+            </a:effectRef>
+            <a:fontRef idx="minor">
+              <a:schemeClr val="lt1"/>
+            </a:fontRef>
+          </p:style>
+          <p:txBody>
+            <a:bodyPr rtlCol="0" anchor="ctr"/>
+            <a:lstStyle/>
+            <a:p>
+              <a:pPr algn="ctr"/>
+              <a:r>
+                <a:rPr lang="en-US" sz="1100" dirty="0"/>
+                <a:t>Config</a:t>
+              </a:r>
+            </a:p>
+            <a:p>
+              <a:pPr algn="ctr"/>
+              <a:r>
+                <a:rPr lang="en-US" sz="1100" dirty="0"/>
+                <a:t>map</a:t>
+              </a:r>
+            </a:p>
+          </p:txBody>
+        </p:sp>
+        <p:sp>
+          <p:nvSpPr>
+            <p:cNvPr id="75" name="Folded Corner 74">
+              <a:extLst>
+                <a:ext uri="{FF2B5EF4-FFF2-40B4-BE49-F238E27FC236}">
+                  <a16:creationId xmlns:a16="http://schemas.microsoft.com/office/drawing/2014/main" id="{AD3E16F7-11EE-0042-8478-4886C562136E}"/>
+                </a:ext>
+              </a:extLst>
+            </p:cNvPr>
+            <p:cNvSpPr/>
+            <p:nvPr/>
+          </p:nvSpPr>
+          <p:spPr>
+            <a:xfrm>
+              <a:off x="5010271" y="4877574"/>
+              <a:ext cx="615771" cy="742625"/>
+            </a:xfrm>
+            <a:prstGeom prst="foldedCorner">
+              <a:avLst/>
+            </a:prstGeom>
+          </p:spPr>
+          <p:style>
+            <a:lnRef idx="2">
+              <a:schemeClr val="accent1">
+                <a:shade val="50000"/>
+              </a:schemeClr>
+            </a:lnRef>
+            <a:fillRef idx="1">
+              <a:schemeClr val="accent1"/>
+            </a:fillRef>
+            <a:effectRef idx="0">
+              <a:schemeClr val="accent1"/>
+            </a:effectRef>
+            <a:fontRef idx="minor">
+              <a:schemeClr val="lt1"/>
+            </a:fontRef>
+          </p:style>
+          <p:txBody>
+            <a:bodyPr rtlCol="0" anchor="ctr"/>
+            <a:lstStyle/>
+            <a:p>
+              <a:pPr algn="ctr"/>
+              <a:r>
+                <a:rPr lang="en-US" sz="1100" dirty="0"/>
+                <a:t>Res.</a:t>
+              </a:r>
+            </a:p>
+            <a:p>
+              <a:pPr algn="ctr"/>
+              <a:r>
+                <a:rPr lang="en-US" sz="1100" dirty="0"/>
+                <a:t>Limits</a:t>
+              </a:r>
+            </a:p>
+          </p:txBody>
+        </p:sp>
+        <p:grpSp>
+          <p:nvGrpSpPr>
+            <p:cNvPr id="55" name="Group 54">
+              <a:extLst>
+                <a:ext uri="{FF2B5EF4-FFF2-40B4-BE49-F238E27FC236}">
+                  <a16:creationId xmlns:a16="http://schemas.microsoft.com/office/drawing/2014/main" id="{D6A5B715-4A61-0747-ABB5-A136FBB9DB5C}"/>
+                </a:ext>
+              </a:extLst>
+            </p:cNvPr>
+            <p:cNvGrpSpPr/>
+            <p:nvPr/>
+          </p:nvGrpSpPr>
+          <p:grpSpPr>
+            <a:xfrm>
+              <a:off x="5627286" y="2807786"/>
+              <a:ext cx="361848" cy="361848"/>
+              <a:chOff x="3897202" y="1492216"/>
+              <a:chExt cx="361848" cy="361848"/>
+            </a:xfrm>
+          </p:grpSpPr>
+          <p:cxnSp>
+            <p:nvCxnSpPr>
+              <p:cNvPr id="56" name="Straight Connector 55">
+                <a:extLst>
+                  <a:ext uri="{FF2B5EF4-FFF2-40B4-BE49-F238E27FC236}">
+                    <a16:creationId xmlns:a16="http://schemas.microsoft.com/office/drawing/2014/main" id="{FB71D895-3E6D-6A48-BD55-1DDCB217E725}"/>
+                  </a:ext>
+                </a:extLst>
+              </p:cNvPr>
+              <p:cNvCxnSpPr>
+                <a:cxnSpLocks/>
+              </p:cNvCxnSpPr>
+              <p:nvPr/>
+            </p:nvCxnSpPr>
+            <p:spPr>
+              <a:xfrm>
+                <a:off x="3897202" y="1673140"/>
+                <a:ext cx="361848" cy="0"/>
+              </a:xfrm>
+              <a:prstGeom prst="line">
+                <a:avLst/>
+              </a:prstGeom>
+              <a:ln w="12700">
+                <a:solidFill>
+                  <a:schemeClr val="tx1"/>
+                </a:solidFill>
+              </a:ln>
+            </p:spPr>
+            <p:style>
+              <a:lnRef idx="1">
+                <a:schemeClr val="accent1"/>
+              </a:lnRef>
+              <a:fillRef idx="0">
+                <a:schemeClr val="accent1"/>
+              </a:fillRef>
+              <a:effectRef idx="0">
+                <a:schemeClr val="accent1"/>
+              </a:effectRef>
+              <a:fontRef idx="minor">
+                <a:schemeClr val="tx1"/>
+              </a:fontRef>
+            </p:style>
+          </p:cxnSp>
+          <p:cxnSp>
+            <p:nvCxnSpPr>
+              <p:cNvPr id="57" name="Straight Connector 56">
+                <a:extLst>
+                  <a:ext uri="{FF2B5EF4-FFF2-40B4-BE49-F238E27FC236}">
+                    <a16:creationId xmlns:a16="http://schemas.microsoft.com/office/drawing/2014/main" id="{657353CC-FA53-F745-8756-4046D5C945AF}"/>
+                  </a:ext>
+                </a:extLst>
+              </p:cNvPr>
+              <p:cNvCxnSpPr>
+                <a:cxnSpLocks/>
+              </p:cNvCxnSpPr>
+              <p:nvPr/>
+            </p:nvCxnSpPr>
+            <p:spPr>
+              <a:xfrm rot="16200000">
+                <a:off x="4078126" y="1673140"/>
+                <a:ext cx="361848" cy="0"/>
+              </a:xfrm>
+              <a:prstGeom prst="line">
+                <a:avLst/>
+              </a:prstGeom>
+              <a:ln w="12700">
+                <a:solidFill>
+                  <a:schemeClr val="tx1"/>
+                </a:solidFill>
+              </a:ln>
+            </p:spPr>
+            <p:style>
+              <a:lnRef idx="1">
+                <a:schemeClr val="accent1"/>
+              </a:lnRef>
+              <a:fillRef idx="0">
+                <a:schemeClr val="accent1"/>
+              </a:fillRef>
+              <a:effectRef idx="0">
+                <a:schemeClr val="accent1"/>
+              </a:effectRef>
+              <a:fontRef idx="minor">
+                <a:schemeClr val="tx1"/>
+              </a:fontRef>
+            </p:style>
+          </p:cxnSp>
+        </p:grpSp>
+        <p:sp>
+          <p:nvSpPr>
+            <p:cNvPr id="23" name="TextBox 22">
+              <a:extLst>
+                <a:ext uri="{FF2B5EF4-FFF2-40B4-BE49-F238E27FC236}">
+                  <a16:creationId xmlns:a16="http://schemas.microsoft.com/office/drawing/2014/main" id="{00DB3B05-D0D9-6446-91C5-5AF3183C182E}"/>
+                </a:ext>
+              </a:extLst>
+            </p:cNvPr>
+            <p:cNvSpPr txBox="1"/>
+            <p:nvPr/>
+          </p:nvSpPr>
+          <p:spPr>
+            <a:xfrm>
+              <a:off x="5989134" y="2865698"/>
+              <a:ext cx="800219" cy="261610"/>
+            </a:xfrm>
+            <a:prstGeom prst="rect">
+              <a:avLst/>
+            </a:prstGeom>
+            <a:noFill/>
+          </p:spPr>
+          <p:txBody>
+            <a:bodyPr wrap="none" rtlCol="0">
+              <a:spAutoFit/>
+            </a:bodyPr>
+            <a:lstStyle/>
+            <a:p>
+              <a:r>
+                <a:rPr lang="en-US" sz="1050" dirty="0">
+                  <a:latin typeface="Consolas" panose="020B0609020204030204" pitchFamily="49" charset="0"/>
+                  <a:cs typeface="Consolas" panose="020B0609020204030204" pitchFamily="49" charset="0"/>
+                </a:rPr>
+                <a:t>/metrics</a:t>
+              </a:r>
+            </a:p>
+          </p:txBody>
+        </p:sp>
+        <p:sp>
+          <p:nvSpPr>
+            <p:cNvPr id="64" name="TextBox 63">
+              <a:extLst>
+                <a:ext uri="{FF2B5EF4-FFF2-40B4-BE49-F238E27FC236}">
+                  <a16:creationId xmlns:a16="http://schemas.microsoft.com/office/drawing/2014/main" id="{2509C6B5-D110-234C-806C-0D56A48587A5}"/>
+                </a:ext>
+              </a:extLst>
+            </p:cNvPr>
+            <p:cNvSpPr txBox="1"/>
+            <p:nvPr/>
+          </p:nvSpPr>
+          <p:spPr>
+            <a:xfrm>
+              <a:off x="3838173" y="1990340"/>
+              <a:ext cx="1082925" cy="307777"/>
+            </a:xfrm>
+            <a:prstGeom prst="rect">
+              <a:avLst/>
+            </a:prstGeom>
+            <a:noFill/>
+          </p:spPr>
+          <p:txBody>
+            <a:bodyPr wrap="none" rtlCol="0">
+              <a:spAutoFit/>
+            </a:bodyPr>
+            <a:lstStyle/>
+            <a:p>
+              <a:pPr algn="ctr"/>
+              <a:r>
+                <a:rPr lang="en-US" sz="1400" dirty="0"/>
+                <a:t>Deployment</a:t>
+              </a:r>
+            </a:p>
+          </p:txBody>
+        </p:sp>
+        <p:sp>
+          <p:nvSpPr>
+            <p:cNvPr id="65" name="Folded Corner 64">
+              <a:extLst>
+                <a:ext uri="{FF2B5EF4-FFF2-40B4-BE49-F238E27FC236}">
+                  <a16:creationId xmlns:a16="http://schemas.microsoft.com/office/drawing/2014/main" id="{0F6D6FA6-D025-F94C-96AD-5A4E9C21B136}"/>
+                </a:ext>
+              </a:extLst>
+            </p:cNvPr>
+            <p:cNvSpPr/>
+            <p:nvPr/>
+          </p:nvSpPr>
+          <p:spPr>
+            <a:xfrm>
+              <a:off x="5010271" y="3750559"/>
+              <a:ext cx="615771" cy="742625"/>
+            </a:xfrm>
+            <a:prstGeom prst="foldedCorner">
+              <a:avLst/>
+            </a:prstGeom>
+          </p:spPr>
+          <p:style>
+            <a:lnRef idx="2">
+              <a:schemeClr val="accent1">
+                <a:shade val="50000"/>
+              </a:schemeClr>
+            </a:lnRef>
+            <a:fillRef idx="1">
+              <a:schemeClr val="accent1"/>
+            </a:fillRef>
+            <a:effectRef idx="0">
+              <a:schemeClr val="accent1"/>
+            </a:effectRef>
+            <a:fontRef idx="minor">
+              <a:schemeClr val="lt1"/>
+            </a:fontRef>
+          </p:style>
+          <p:txBody>
+            <a:bodyPr rtlCol="0" anchor="ctr"/>
+            <a:lstStyle/>
+            <a:p>
+              <a:pPr algn="ctr"/>
+              <a:r>
+                <a:rPr lang="en-US" sz="1100" dirty="0"/>
+                <a:t>Config</a:t>
+              </a:r>
+            </a:p>
+            <a:p>
+              <a:pPr algn="ctr"/>
+              <a:r>
+                <a:rPr lang="en-US" sz="1100" dirty="0"/>
+                <a:t>map</a:t>
+              </a:r>
+            </a:p>
+          </p:txBody>
+        </p:sp>
+        <p:cxnSp>
+          <p:nvCxnSpPr>
+            <p:cNvPr id="30" name="Elbow Connector 29">
+              <a:extLst>
+                <a:ext uri="{FF2B5EF4-FFF2-40B4-BE49-F238E27FC236}">
+                  <a16:creationId xmlns:a16="http://schemas.microsoft.com/office/drawing/2014/main" id="{FA7F6E20-FBE8-C940-8682-6401A6E023E0}"/>
+                </a:ext>
+              </a:extLst>
+            </p:cNvPr>
+            <p:cNvCxnSpPr>
+              <a:stCxn id="4" idx="2"/>
+              <a:endCxn id="65" idx="1"/>
+            </p:cNvCxnSpPr>
+            <p:nvPr/>
+          </p:nvCxnSpPr>
+          <p:spPr>
+            <a:xfrm rot="16200000" flipH="1">
+              <a:off x="4710134" y="3821734"/>
+              <a:ext cx="488687" cy="111587"/>
+            </a:xfrm>
+            <a:prstGeom prst="bentConnector2">
+              <a:avLst/>
+            </a:prstGeom>
+          </p:spPr>
+          <p:style>
+            <a:lnRef idx="1">
+              <a:schemeClr val="accent1"/>
+            </a:lnRef>
+            <a:fillRef idx="0">
+              <a:schemeClr val="accent1"/>
+            </a:fillRef>
+            <a:effectRef idx="0">
+              <a:schemeClr val="accent1"/>
+            </a:effectRef>
+            <a:fontRef idx="minor">
+              <a:schemeClr val="tx1"/>
+            </a:fontRef>
+          </p:style>
+        </p:cxnSp>
+        <p:cxnSp>
+          <p:nvCxnSpPr>
+            <p:cNvPr id="68" name="Elbow Connector 67">
+              <a:extLst>
+                <a:ext uri="{FF2B5EF4-FFF2-40B4-BE49-F238E27FC236}">
+                  <a16:creationId xmlns:a16="http://schemas.microsoft.com/office/drawing/2014/main" id="{80176919-9845-ED40-ACA9-805AB4F59E09}"/>
+                </a:ext>
+              </a:extLst>
+            </p:cNvPr>
+            <p:cNvCxnSpPr>
+              <a:cxnSpLocks/>
+              <a:stCxn id="4" idx="2"/>
+              <a:endCxn id="75" idx="1"/>
+            </p:cNvCxnSpPr>
+            <p:nvPr/>
+          </p:nvCxnSpPr>
+          <p:spPr>
+            <a:xfrm rot="16200000" flipH="1">
+              <a:off x="4146626" y="4385242"/>
+              <a:ext cx="1615702" cy="111587"/>
+            </a:xfrm>
+            <a:prstGeom prst="bentConnector2">
+              <a:avLst/>
+            </a:prstGeom>
+          </p:spPr>
+          <p:style>
+            <a:lnRef idx="1">
+              <a:schemeClr val="accent1"/>
+            </a:lnRef>
+            <a:fillRef idx="0">
+              <a:schemeClr val="accent1"/>
+            </a:fillRef>
+            <a:effectRef idx="0">
+              <a:schemeClr val="accent1"/>
+            </a:effectRef>
+            <a:fontRef idx="minor">
+              <a:schemeClr val="tx1"/>
+            </a:fontRef>
+          </p:style>
+        </p:cxnSp>
+        <p:grpSp>
+          <p:nvGrpSpPr>
+            <p:cNvPr id="74" name="Group 73">
+              <a:extLst>
+                <a:ext uri="{FF2B5EF4-FFF2-40B4-BE49-F238E27FC236}">
+                  <a16:creationId xmlns:a16="http://schemas.microsoft.com/office/drawing/2014/main" id="{54912444-0CCE-C04B-8416-6BEEA8834402}"/>
+                </a:ext>
+              </a:extLst>
+            </p:cNvPr>
+            <p:cNvGrpSpPr/>
+            <p:nvPr/>
+          </p:nvGrpSpPr>
+          <p:grpSpPr>
+            <a:xfrm>
+              <a:off x="5627286" y="5011958"/>
+              <a:ext cx="361848" cy="361848"/>
+              <a:chOff x="3897202" y="1492216"/>
+              <a:chExt cx="361848" cy="361848"/>
+            </a:xfrm>
+          </p:grpSpPr>
+          <p:cxnSp>
+            <p:nvCxnSpPr>
+              <p:cNvPr id="76" name="Straight Connector 75">
+                <a:extLst>
+                  <a:ext uri="{FF2B5EF4-FFF2-40B4-BE49-F238E27FC236}">
+                    <a16:creationId xmlns:a16="http://schemas.microsoft.com/office/drawing/2014/main" id="{AAEBB5A9-AABD-DB4F-A0C0-47C0DD8F1036}"/>
+                  </a:ext>
+                </a:extLst>
+              </p:cNvPr>
+              <p:cNvCxnSpPr>
+                <a:cxnSpLocks/>
+              </p:cNvCxnSpPr>
+              <p:nvPr/>
+            </p:nvCxnSpPr>
+            <p:spPr>
+              <a:xfrm>
+                <a:off x="3897202" y="1673140"/>
+                <a:ext cx="361848" cy="0"/>
+              </a:xfrm>
+              <a:prstGeom prst="line">
+                <a:avLst/>
+              </a:prstGeom>
+              <a:ln w="12700">
+                <a:solidFill>
+                  <a:schemeClr val="tx1"/>
+                </a:solidFill>
+              </a:ln>
+            </p:spPr>
+            <p:style>
+              <a:lnRef idx="1">
+                <a:schemeClr val="accent1"/>
+              </a:lnRef>
+              <a:fillRef idx="0">
+                <a:schemeClr val="accent1"/>
+              </a:fillRef>
+              <a:effectRef idx="0">
+                <a:schemeClr val="accent1"/>
+              </a:effectRef>
+              <a:fontRef idx="minor">
+                <a:schemeClr val="tx1"/>
+              </a:fontRef>
+            </p:style>
+          </p:cxnSp>
+          <p:cxnSp>
+            <p:nvCxnSpPr>
+              <p:cNvPr id="77" name="Straight Connector 76">
+                <a:extLst>
+                  <a:ext uri="{FF2B5EF4-FFF2-40B4-BE49-F238E27FC236}">
+                    <a16:creationId xmlns:a16="http://schemas.microsoft.com/office/drawing/2014/main" id="{4F101204-7DEC-E947-9DDE-FA1BDDD304F6}"/>
+                  </a:ext>
+                </a:extLst>
+              </p:cNvPr>
+              <p:cNvCxnSpPr>
+                <a:cxnSpLocks/>
+              </p:cNvCxnSpPr>
+              <p:nvPr/>
+            </p:nvCxnSpPr>
+            <p:spPr>
+              <a:xfrm rot="16200000">
+                <a:off x="4078126" y="1673140"/>
+                <a:ext cx="361848" cy="0"/>
+              </a:xfrm>
+              <a:prstGeom prst="line">
+                <a:avLst/>
+              </a:prstGeom>
+              <a:ln w="12700">
+                <a:solidFill>
+                  <a:schemeClr val="tx1"/>
+                </a:solidFill>
+              </a:ln>
+            </p:spPr>
+            <p:style>
+              <a:lnRef idx="1">
+                <a:schemeClr val="accent1"/>
+              </a:lnRef>
+              <a:fillRef idx="0">
+                <a:schemeClr val="accent1"/>
+              </a:fillRef>
+              <a:effectRef idx="0">
+                <a:schemeClr val="accent1"/>
+              </a:effectRef>
+              <a:fontRef idx="minor">
+                <a:schemeClr val="tx1"/>
+              </a:fontRef>
+            </p:style>
+          </p:cxnSp>
+        </p:grpSp>
+        <p:sp>
+          <p:nvSpPr>
+            <p:cNvPr id="79" name="TextBox 78">
+              <a:extLst>
+                <a:ext uri="{FF2B5EF4-FFF2-40B4-BE49-F238E27FC236}">
+                  <a16:creationId xmlns:a16="http://schemas.microsoft.com/office/drawing/2014/main" id="{74BA60DA-78B8-2440-9602-8CED3329CF00}"/>
+                </a:ext>
+              </a:extLst>
+            </p:cNvPr>
+            <p:cNvSpPr txBox="1"/>
+            <p:nvPr/>
+          </p:nvSpPr>
+          <p:spPr>
+            <a:xfrm>
+              <a:off x="6200212" y="4558555"/>
+              <a:ext cx="848309" cy="253916"/>
+            </a:xfrm>
+            <a:prstGeom prst="rect">
+              <a:avLst/>
+            </a:prstGeom>
+            <a:solidFill>
+              <a:schemeClr val="bg1"/>
+            </a:solidFill>
+          </p:spPr>
+          <p:txBody>
+            <a:bodyPr wrap="none" rtlCol="0">
+              <a:spAutoFit/>
+            </a:bodyPr>
+            <a:lstStyle/>
+            <a:p>
+              <a:r>
+                <a:rPr lang="en-US" sz="1050" dirty="0">
+                  <a:latin typeface="Consolas" panose="020B0609020204030204" pitchFamily="49" charset="0"/>
+                  <a:cs typeface="Consolas" panose="020B0609020204030204" pitchFamily="49" charset="0"/>
+                </a:rPr>
+                <a:t>/</a:t>
+              </a:r>
+              <a:r>
+                <a:rPr lang="en-US" sz="1050" dirty="0" err="1">
+                  <a:latin typeface="Consolas" panose="020B0609020204030204" pitchFamily="49" charset="0"/>
+                  <a:cs typeface="Consolas" panose="020B0609020204030204" pitchFamily="49" charset="0"/>
+                </a:rPr>
+                <a:t>tunables</a:t>
+              </a:r>
+              <a:endParaRPr lang="en-US" sz="1050" dirty="0">
+                <a:latin typeface="Consolas" panose="020B0609020204030204" pitchFamily="49" charset="0"/>
+                <a:cs typeface="Consolas" panose="020B0609020204030204" pitchFamily="49" charset="0"/>
+              </a:endParaRPr>
+            </a:p>
+          </p:txBody>
+        </p:sp>
+        <p:sp>
+          <p:nvSpPr>
+            <p:cNvPr id="43" name="Right Brace 42">
+              <a:extLst>
+                <a:ext uri="{FF2B5EF4-FFF2-40B4-BE49-F238E27FC236}">
+                  <a16:creationId xmlns:a16="http://schemas.microsoft.com/office/drawing/2014/main" id="{D954B14C-0206-5E45-A17B-6DDB6E4E63BE}"/>
+                </a:ext>
+              </a:extLst>
+            </p:cNvPr>
+            <p:cNvSpPr/>
+            <p:nvPr/>
+          </p:nvSpPr>
+          <p:spPr>
+            <a:xfrm>
+              <a:off x="6052683" y="4121871"/>
+              <a:ext cx="171145" cy="1127015"/>
+            </a:xfrm>
+            <a:prstGeom prst="rightBrace">
+              <a:avLst/>
+            </a:prstGeom>
+            <a:ln w="12700">
+              <a:solidFill>
+                <a:schemeClr val="tx1"/>
+              </a:solidFill>
+            </a:ln>
+          </p:spPr>
+          <p:style>
+            <a:lnRef idx="1">
+              <a:schemeClr val="accent1"/>
+            </a:lnRef>
+            <a:fillRef idx="0">
+              <a:schemeClr val="accent1"/>
+            </a:fillRef>
+            <a:effectRef idx="0">
+              <a:schemeClr val="accent1"/>
+            </a:effectRef>
+            <a:fontRef idx="minor">
+              <a:schemeClr val="tx1"/>
+            </a:fontRef>
+          </p:style>
+          <p:txBody>
+            <a:bodyPr rtlCol="0" anchor="ctr"/>
+            <a:lstStyle/>
+            <a:p>
+              <a:pPr algn="ctr"/>
+              <a:endParaRPr lang="en-US"/>
+            </a:p>
+          </p:txBody>
+        </p:sp>
+        <p:sp>
+          <p:nvSpPr>
+            <p:cNvPr id="4" name="Rounded Rectangle 3">
+              <a:extLst>
+                <a:ext uri="{FF2B5EF4-FFF2-40B4-BE49-F238E27FC236}">
+                  <a16:creationId xmlns:a16="http://schemas.microsoft.com/office/drawing/2014/main" id="{5F97C001-C49E-8840-86A2-D1C7102A1272}"/>
+                </a:ext>
+              </a:extLst>
+            </p:cNvPr>
+            <p:cNvSpPr/>
+            <p:nvPr/>
+          </p:nvSpPr>
+          <p:spPr>
+            <a:xfrm>
+              <a:off x="4171326" y="2348036"/>
+              <a:ext cx="1454716" cy="1285149"/>
+            </a:xfrm>
+            <a:prstGeom prst="roundRect">
+              <a:avLst/>
+            </a:prstGeom>
+          </p:spPr>
+          <p:style>
+            <a:lnRef idx="1">
+              <a:schemeClr val="accent3"/>
+            </a:lnRef>
+            <a:fillRef idx="2">
+              <a:schemeClr val="accent3"/>
+            </a:fillRef>
+            <a:effectRef idx="1">
+              <a:schemeClr val="accent3"/>
+            </a:effectRef>
+            <a:fontRef idx="minor">
+              <a:schemeClr val="dk1"/>
+            </a:fontRef>
+          </p:style>
+          <p:txBody>
+            <a:bodyPr rtlCol="0" anchor="ctr"/>
+            <a:lstStyle/>
+            <a:p>
+              <a:pPr algn="ctr"/>
+              <a:endParaRPr lang="en-US" dirty="0"/>
+            </a:p>
+          </p:txBody>
+        </p:sp>
+        <p:sp>
+          <p:nvSpPr>
+            <p:cNvPr id="51" name="TextBox 50">
+              <a:extLst>
+                <a:ext uri="{FF2B5EF4-FFF2-40B4-BE49-F238E27FC236}">
+                  <a16:creationId xmlns:a16="http://schemas.microsoft.com/office/drawing/2014/main" id="{EFA19876-E4A0-474D-A884-DD0BC6C463C2}"/>
+                </a:ext>
+              </a:extLst>
+            </p:cNvPr>
+            <p:cNvSpPr txBox="1"/>
+            <p:nvPr/>
+          </p:nvSpPr>
+          <p:spPr>
+            <a:xfrm>
+              <a:off x="4233438" y="2836722"/>
+              <a:ext cx="1330493" cy="307777"/>
+            </a:xfrm>
+            <a:prstGeom prst="rect">
+              <a:avLst/>
+            </a:prstGeom>
+            <a:noFill/>
+          </p:spPr>
+          <p:txBody>
+            <a:bodyPr wrap="none" rtlCol="0">
+              <a:spAutoFit/>
+            </a:bodyPr>
+            <a:lstStyle/>
+            <a:p>
+              <a:pPr algn="ctr"/>
+              <a:r>
+                <a:rPr lang="en-US" sz="1400" dirty="0"/>
+                <a:t>Application Pod</a:t>
+              </a:r>
+            </a:p>
+          </p:txBody>
+        </p:sp>
+        <p:cxnSp>
+          <p:nvCxnSpPr>
+            <p:cNvPr id="1085" name="Straight Arrow Connector 1084">
+              <a:extLst>
+                <a:ext uri="{FF2B5EF4-FFF2-40B4-BE49-F238E27FC236}">
+                  <a16:creationId xmlns:a16="http://schemas.microsoft.com/office/drawing/2014/main" id="{EF353246-1384-D041-81C9-FA7542AB4385}"/>
+                </a:ext>
+              </a:extLst>
+            </p:cNvPr>
+            <p:cNvCxnSpPr>
+              <a:cxnSpLocks/>
+              <a:stCxn id="161" idx="2"/>
+              <a:endCxn id="4" idx="0"/>
+            </p:cNvCxnSpPr>
+            <p:nvPr/>
+          </p:nvCxnSpPr>
+          <p:spPr>
+            <a:xfrm>
+              <a:off x="3203640" y="1114883"/>
+              <a:ext cx="1695044" cy="1233153"/>
+            </a:xfrm>
+            <a:prstGeom prst="straightConnector1">
+              <a:avLst/>
+            </a:prstGeom>
+            <a:ln>
+              <a:tailEnd type="triangle"/>
+            </a:ln>
+          </p:spPr>
+          <p:style>
+            <a:lnRef idx="1">
+              <a:schemeClr val="accent1"/>
+            </a:lnRef>
+            <a:fillRef idx="0">
+              <a:schemeClr val="accent1"/>
+            </a:fillRef>
+            <a:effectRef idx="0">
+              <a:schemeClr val="accent1"/>
+            </a:effectRef>
+            <a:fontRef idx="minor">
+              <a:schemeClr val="tx1"/>
+            </a:fontRef>
+          </p:style>
+        </p:cxnSp>
+      </p:grpSp>
       <p:sp>
         <p:nvSpPr>
           <p:cNvPr id="131" name="Rounded Rectangle 130">
@@ -15279,55 +14484,1042 @@
           </a:fontRef>
         </p:style>
       </p:cxnSp>
-      <p:sp>
-        <p:nvSpPr>
-          <p:cNvPr id="161" name="Rounded Rectangle 160">
+      <p:grpSp>
+        <p:nvGrpSpPr>
+          <p:cNvPr id="2" name="Group 1">
             <a:extLst>
               <a:ext uri="{FF2B5EF4-FFF2-40B4-BE49-F238E27FC236}">
-                <a16:creationId xmlns:a16="http://schemas.microsoft.com/office/drawing/2014/main" id="{F1E8FBD1-158A-0F4E-966E-70519877A64D}"/>
+                <a16:creationId xmlns:a16="http://schemas.microsoft.com/office/drawing/2014/main" id="{18FEC4DA-6DA8-6C4B-98D0-5D3FDBB32BE9}"/>
               </a:ext>
             </a:extLst>
           </p:cNvPr>
-          <p:cNvSpPr/>
+          <p:cNvGrpSpPr/>
           <p:nvPr/>
-        </p:nvSpPr>
-        <p:spPr>
+        </p:nvGrpSpPr>
+        <p:grpSpPr>
           <a:xfrm>
-            <a:off x="502644" y="616120"/>
-            <a:ext cx="5401991" cy="498763"/>
+            <a:off x="477546" y="616120"/>
+            <a:ext cx="5427089" cy="5190053"/>
+            <a:chOff x="477546" y="616120"/>
+            <a:chExt cx="5427089" cy="5190053"/>
           </a:xfrm>
-          <a:prstGeom prst="roundRect">
-            <a:avLst/>
-          </a:prstGeom>
-        </p:spPr>
-        <p:style>
-          <a:lnRef idx="2">
-            <a:schemeClr val="accent1">
-              <a:shade val="50000"/>
-            </a:schemeClr>
-          </a:lnRef>
-          <a:fillRef idx="1">
-            <a:schemeClr val="accent1"/>
-          </a:fillRef>
-          <a:effectRef idx="0">
-            <a:schemeClr val="accent1"/>
-          </a:effectRef>
-          <a:fontRef idx="minor">
-            <a:schemeClr val="lt1"/>
-          </a:fontRef>
-        </p:style>
-        <p:txBody>
-          <a:bodyPr rtlCol="0" anchor="ctr"/>
-          <a:lstStyle/>
-          <a:p>
-            <a:pPr algn="ctr"/>
-            <a:r>
-              <a:rPr lang="en-US" dirty="0"/>
-              <a:t>Service</a:t>
-            </a:r>
-          </a:p>
-        </p:txBody>
-      </p:sp>
+        </p:grpSpPr>
+        <p:sp>
+          <p:nvSpPr>
+            <p:cNvPr id="167" name="Rounded Rectangle 166">
+              <a:extLst>
+                <a:ext uri="{FF2B5EF4-FFF2-40B4-BE49-F238E27FC236}">
+                  <a16:creationId xmlns:a16="http://schemas.microsoft.com/office/drawing/2014/main" id="{C00103C6-779F-544C-AA47-D8D21BF9F2F3}"/>
+                </a:ext>
+              </a:extLst>
+            </p:cNvPr>
+            <p:cNvSpPr/>
+            <p:nvPr/>
+          </p:nvSpPr>
+          <p:spPr>
+            <a:xfrm>
+              <a:off x="502644" y="2002794"/>
+              <a:ext cx="2004832" cy="3803379"/>
+            </a:xfrm>
+            <a:prstGeom prst="roundRect">
+              <a:avLst>
+                <a:gd name="adj" fmla="val 2799"/>
+              </a:avLst>
+            </a:prstGeom>
+            <a:noFill/>
+          </p:spPr>
+          <p:style>
+            <a:lnRef idx="1">
+              <a:schemeClr val="accent3"/>
+            </a:lnRef>
+            <a:fillRef idx="2">
+              <a:schemeClr val="accent3"/>
+            </a:fillRef>
+            <a:effectRef idx="1">
+              <a:schemeClr val="accent3"/>
+            </a:effectRef>
+            <a:fontRef idx="minor">
+              <a:schemeClr val="dk1"/>
+            </a:fontRef>
+          </p:style>
+          <p:txBody>
+            <a:bodyPr rtlCol="0" anchor="ctr"/>
+            <a:lstStyle/>
+            <a:p>
+              <a:pPr algn="ctr"/>
+              <a:endParaRPr lang="en-US" dirty="0"/>
+            </a:p>
+          </p:txBody>
+        </p:sp>
+        <p:grpSp>
+          <p:nvGrpSpPr>
+            <p:cNvPr id="168" name="Group 167">
+              <a:extLst>
+                <a:ext uri="{FF2B5EF4-FFF2-40B4-BE49-F238E27FC236}">
+                  <a16:creationId xmlns:a16="http://schemas.microsoft.com/office/drawing/2014/main" id="{3C9F1AE8-8688-CB4A-82AD-AC9267EC8B9E}"/>
+                </a:ext>
+              </a:extLst>
+            </p:cNvPr>
+            <p:cNvGrpSpPr/>
+            <p:nvPr/>
+          </p:nvGrpSpPr>
+          <p:grpSpPr>
+            <a:xfrm>
+              <a:off x="2266659" y="4032595"/>
+              <a:ext cx="361848" cy="361848"/>
+              <a:chOff x="3897202" y="1492216"/>
+              <a:chExt cx="361848" cy="361848"/>
+            </a:xfrm>
+          </p:grpSpPr>
+          <p:cxnSp>
+            <p:nvCxnSpPr>
+              <p:cNvPr id="169" name="Straight Connector 168">
+                <a:extLst>
+                  <a:ext uri="{FF2B5EF4-FFF2-40B4-BE49-F238E27FC236}">
+                    <a16:creationId xmlns:a16="http://schemas.microsoft.com/office/drawing/2014/main" id="{65C03E6B-C449-A644-8C85-53D8F6BE6503}"/>
+                  </a:ext>
+                </a:extLst>
+              </p:cNvPr>
+              <p:cNvCxnSpPr>
+                <a:cxnSpLocks/>
+              </p:cNvCxnSpPr>
+              <p:nvPr/>
+            </p:nvCxnSpPr>
+            <p:spPr>
+              <a:xfrm>
+                <a:off x="3897202" y="1673140"/>
+                <a:ext cx="361848" cy="0"/>
+              </a:xfrm>
+              <a:prstGeom prst="line">
+                <a:avLst/>
+              </a:prstGeom>
+              <a:ln w="12700">
+                <a:solidFill>
+                  <a:schemeClr val="tx1"/>
+                </a:solidFill>
+              </a:ln>
+            </p:spPr>
+            <p:style>
+              <a:lnRef idx="1">
+                <a:schemeClr val="accent1"/>
+              </a:lnRef>
+              <a:fillRef idx="0">
+                <a:schemeClr val="accent1"/>
+              </a:fillRef>
+              <a:effectRef idx="0">
+                <a:schemeClr val="accent1"/>
+              </a:effectRef>
+              <a:fontRef idx="minor">
+                <a:schemeClr val="tx1"/>
+              </a:fontRef>
+            </p:style>
+          </p:cxnSp>
+          <p:cxnSp>
+            <p:nvCxnSpPr>
+              <p:cNvPr id="170" name="Straight Connector 169">
+                <a:extLst>
+                  <a:ext uri="{FF2B5EF4-FFF2-40B4-BE49-F238E27FC236}">
+                    <a16:creationId xmlns:a16="http://schemas.microsoft.com/office/drawing/2014/main" id="{30321345-E29F-9A4C-A9AE-CBA0B4735733}"/>
+                  </a:ext>
+                </a:extLst>
+              </p:cNvPr>
+              <p:cNvCxnSpPr>
+                <a:cxnSpLocks/>
+              </p:cNvCxnSpPr>
+              <p:nvPr/>
+            </p:nvCxnSpPr>
+            <p:spPr>
+              <a:xfrm rot="16200000">
+                <a:off x="4078126" y="1673140"/>
+                <a:ext cx="361848" cy="0"/>
+              </a:xfrm>
+              <a:prstGeom prst="line">
+                <a:avLst/>
+              </a:prstGeom>
+              <a:ln w="12700">
+                <a:solidFill>
+                  <a:schemeClr val="tx1"/>
+                </a:solidFill>
+              </a:ln>
+            </p:spPr>
+            <p:style>
+              <a:lnRef idx="1">
+                <a:schemeClr val="accent1"/>
+              </a:lnRef>
+              <a:fillRef idx="0">
+                <a:schemeClr val="accent1"/>
+              </a:fillRef>
+              <a:effectRef idx="0">
+                <a:schemeClr val="accent1"/>
+              </a:effectRef>
+              <a:fontRef idx="minor">
+                <a:schemeClr val="tx1"/>
+              </a:fontRef>
+            </p:style>
+          </p:cxnSp>
+        </p:grpSp>
+        <p:sp>
+          <p:nvSpPr>
+            <p:cNvPr id="171" name="Folded Corner 170">
+              <a:extLst>
+                <a:ext uri="{FF2B5EF4-FFF2-40B4-BE49-F238E27FC236}">
+                  <a16:creationId xmlns:a16="http://schemas.microsoft.com/office/drawing/2014/main" id="{FF1EEE3E-5A28-0249-B645-BFAB24CDD7A8}"/>
+                </a:ext>
+              </a:extLst>
+            </p:cNvPr>
+            <p:cNvSpPr/>
+            <p:nvPr/>
+          </p:nvSpPr>
+          <p:spPr>
+            <a:xfrm>
+              <a:off x="1744176" y="3956361"/>
+              <a:ext cx="615771" cy="742625"/>
+            </a:xfrm>
+            <a:prstGeom prst="foldedCorner">
+              <a:avLst/>
+            </a:prstGeom>
+          </p:spPr>
+          <p:style>
+            <a:lnRef idx="2">
+              <a:schemeClr val="accent1">
+                <a:shade val="50000"/>
+              </a:schemeClr>
+            </a:lnRef>
+            <a:fillRef idx="1">
+              <a:schemeClr val="accent1"/>
+            </a:fillRef>
+            <a:effectRef idx="0">
+              <a:schemeClr val="accent1"/>
+            </a:effectRef>
+            <a:fontRef idx="minor">
+              <a:schemeClr val="lt1"/>
+            </a:fontRef>
+          </p:style>
+          <p:txBody>
+            <a:bodyPr rtlCol="0" anchor="ctr"/>
+            <a:lstStyle/>
+            <a:p>
+              <a:pPr algn="ctr"/>
+              <a:r>
+                <a:rPr lang="en-US" sz="1100" dirty="0"/>
+                <a:t>Config</a:t>
+              </a:r>
+            </a:p>
+            <a:p>
+              <a:pPr algn="ctr"/>
+              <a:r>
+                <a:rPr lang="en-US" sz="1100" dirty="0"/>
+                <a:t>map</a:t>
+              </a:r>
+            </a:p>
+          </p:txBody>
+        </p:sp>
+        <p:sp>
+          <p:nvSpPr>
+            <p:cNvPr id="172" name="Folded Corner 171">
+              <a:extLst>
+                <a:ext uri="{FF2B5EF4-FFF2-40B4-BE49-F238E27FC236}">
+                  <a16:creationId xmlns:a16="http://schemas.microsoft.com/office/drawing/2014/main" id="{77C5BF83-3888-C042-9880-FEE619CE5A8A}"/>
+                </a:ext>
+              </a:extLst>
+            </p:cNvPr>
+            <p:cNvSpPr/>
+            <p:nvPr/>
+          </p:nvSpPr>
+          <p:spPr>
+            <a:xfrm>
+              <a:off x="1699355" y="3872421"/>
+              <a:ext cx="615771" cy="742625"/>
+            </a:xfrm>
+            <a:prstGeom prst="foldedCorner">
+              <a:avLst/>
+            </a:prstGeom>
+          </p:spPr>
+          <p:style>
+            <a:lnRef idx="2">
+              <a:schemeClr val="accent1">
+                <a:shade val="50000"/>
+              </a:schemeClr>
+            </a:lnRef>
+            <a:fillRef idx="1">
+              <a:schemeClr val="accent1"/>
+            </a:fillRef>
+            <a:effectRef idx="0">
+              <a:schemeClr val="accent1"/>
+            </a:effectRef>
+            <a:fontRef idx="minor">
+              <a:schemeClr val="lt1"/>
+            </a:fontRef>
+          </p:style>
+          <p:txBody>
+            <a:bodyPr rtlCol="0" anchor="ctr"/>
+            <a:lstStyle/>
+            <a:p>
+              <a:pPr algn="ctr"/>
+              <a:r>
+                <a:rPr lang="en-US" sz="1100" dirty="0"/>
+                <a:t>Config</a:t>
+              </a:r>
+            </a:p>
+            <a:p>
+              <a:pPr algn="ctr"/>
+              <a:r>
+                <a:rPr lang="en-US" sz="1100" dirty="0"/>
+                <a:t>map</a:t>
+              </a:r>
+            </a:p>
+          </p:txBody>
+        </p:sp>
+        <p:sp>
+          <p:nvSpPr>
+            <p:cNvPr id="173" name="Folded Corner 172">
+              <a:extLst>
+                <a:ext uri="{FF2B5EF4-FFF2-40B4-BE49-F238E27FC236}">
+                  <a16:creationId xmlns:a16="http://schemas.microsoft.com/office/drawing/2014/main" id="{1C13D402-EB4F-A944-9D5A-618E34DB4A9F}"/>
+                </a:ext>
+              </a:extLst>
+            </p:cNvPr>
+            <p:cNvSpPr/>
+            <p:nvPr/>
+          </p:nvSpPr>
+          <p:spPr>
+            <a:xfrm>
+              <a:off x="1649644" y="4900827"/>
+              <a:ext cx="615771" cy="742625"/>
+            </a:xfrm>
+            <a:prstGeom prst="foldedCorner">
+              <a:avLst/>
+            </a:prstGeom>
+          </p:spPr>
+          <p:style>
+            <a:lnRef idx="2">
+              <a:schemeClr val="accent1">
+                <a:shade val="50000"/>
+              </a:schemeClr>
+            </a:lnRef>
+            <a:fillRef idx="1">
+              <a:schemeClr val="accent1"/>
+            </a:fillRef>
+            <a:effectRef idx="0">
+              <a:schemeClr val="accent1"/>
+            </a:effectRef>
+            <a:fontRef idx="minor">
+              <a:schemeClr val="lt1"/>
+            </a:fontRef>
+          </p:style>
+          <p:txBody>
+            <a:bodyPr rtlCol="0" anchor="ctr"/>
+            <a:lstStyle/>
+            <a:p>
+              <a:pPr algn="ctr"/>
+              <a:r>
+                <a:rPr lang="en-US" sz="1100" dirty="0"/>
+                <a:t>Res.</a:t>
+              </a:r>
+            </a:p>
+            <a:p>
+              <a:pPr algn="ctr"/>
+              <a:r>
+                <a:rPr lang="en-US" sz="1100" dirty="0"/>
+                <a:t>Limits</a:t>
+              </a:r>
+            </a:p>
+          </p:txBody>
+        </p:sp>
+        <p:grpSp>
+          <p:nvGrpSpPr>
+            <p:cNvPr id="174" name="Group 173">
+              <a:extLst>
+                <a:ext uri="{FF2B5EF4-FFF2-40B4-BE49-F238E27FC236}">
+                  <a16:creationId xmlns:a16="http://schemas.microsoft.com/office/drawing/2014/main" id="{96BE93E4-7064-9446-A2B9-DE5D239AF7E3}"/>
+                </a:ext>
+              </a:extLst>
+            </p:cNvPr>
+            <p:cNvGrpSpPr/>
+            <p:nvPr/>
+          </p:nvGrpSpPr>
+          <p:grpSpPr>
+            <a:xfrm>
+              <a:off x="2266659" y="2831039"/>
+              <a:ext cx="361848" cy="361848"/>
+              <a:chOff x="3897202" y="1492216"/>
+              <a:chExt cx="361848" cy="361848"/>
+            </a:xfrm>
+          </p:grpSpPr>
+          <p:cxnSp>
+            <p:nvCxnSpPr>
+              <p:cNvPr id="175" name="Straight Connector 174">
+                <a:extLst>
+                  <a:ext uri="{FF2B5EF4-FFF2-40B4-BE49-F238E27FC236}">
+                    <a16:creationId xmlns:a16="http://schemas.microsoft.com/office/drawing/2014/main" id="{F6F16CF0-E2E2-4D42-B216-39845062384F}"/>
+                  </a:ext>
+                </a:extLst>
+              </p:cNvPr>
+              <p:cNvCxnSpPr>
+                <a:cxnSpLocks/>
+              </p:cNvCxnSpPr>
+              <p:nvPr/>
+            </p:nvCxnSpPr>
+            <p:spPr>
+              <a:xfrm>
+                <a:off x="3897202" y="1673140"/>
+                <a:ext cx="361848" cy="0"/>
+              </a:xfrm>
+              <a:prstGeom prst="line">
+                <a:avLst/>
+              </a:prstGeom>
+              <a:ln w="12700">
+                <a:solidFill>
+                  <a:schemeClr val="tx1"/>
+                </a:solidFill>
+              </a:ln>
+            </p:spPr>
+            <p:style>
+              <a:lnRef idx="1">
+                <a:schemeClr val="accent1"/>
+              </a:lnRef>
+              <a:fillRef idx="0">
+                <a:schemeClr val="accent1"/>
+              </a:fillRef>
+              <a:effectRef idx="0">
+                <a:schemeClr val="accent1"/>
+              </a:effectRef>
+              <a:fontRef idx="minor">
+                <a:schemeClr val="tx1"/>
+              </a:fontRef>
+            </p:style>
+          </p:cxnSp>
+          <p:cxnSp>
+            <p:nvCxnSpPr>
+              <p:cNvPr id="176" name="Straight Connector 175">
+                <a:extLst>
+                  <a:ext uri="{FF2B5EF4-FFF2-40B4-BE49-F238E27FC236}">
+                    <a16:creationId xmlns:a16="http://schemas.microsoft.com/office/drawing/2014/main" id="{F4C7C1F8-5A18-CF42-A50E-5E4DA1273654}"/>
+                  </a:ext>
+                </a:extLst>
+              </p:cNvPr>
+              <p:cNvCxnSpPr>
+                <a:cxnSpLocks/>
+              </p:cNvCxnSpPr>
+              <p:nvPr/>
+            </p:nvCxnSpPr>
+            <p:spPr>
+              <a:xfrm rot="16200000">
+                <a:off x="4078126" y="1673140"/>
+                <a:ext cx="361848" cy="0"/>
+              </a:xfrm>
+              <a:prstGeom prst="line">
+                <a:avLst/>
+              </a:prstGeom>
+              <a:ln w="12700">
+                <a:solidFill>
+                  <a:schemeClr val="tx1"/>
+                </a:solidFill>
+              </a:ln>
+            </p:spPr>
+            <p:style>
+              <a:lnRef idx="1">
+                <a:schemeClr val="accent1"/>
+              </a:lnRef>
+              <a:fillRef idx="0">
+                <a:schemeClr val="accent1"/>
+              </a:fillRef>
+              <a:effectRef idx="0">
+                <a:schemeClr val="accent1"/>
+              </a:effectRef>
+              <a:fontRef idx="minor">
+                <a:schemeClr val="tx1"/>
+              </a:fontRef>
+            </p:style>
+          </p:cxnSp>
+        </p:grpSp>
+        <p:sp>
+          <p:nvSpPr>
+            <p:cNvPr id="177" name="TextBox 176">
+              <a:extLst>
+                <a:ext uri="{FF2B5EF4-FFF2-40B4-BE49-F238E27FC236}">
+                  <a16:creationId xmlns:a16="http://schemas.microsoft.com/office/drawing/2014/main" id="{73F39317-7F6F-084C-94C4-6FB71101672A}"/>
+                </a:ext>
+              </a:extLst>
+            </p:cNvPr>
+            <p:cNvSpPr txBox="1"/>
+            <p:nvPr/>
+          </p:nvSpPr>
+          <p:spPr>
+            <a:xfrm>
+              <a:off x="2628507" y="2888951"/>
+              <a:ext cx="800219" cy="261610"/>
+            </a:xfrm>
+            <a:prstGeom prst="rect">
+              <a:avLst/>
+            </a:prstGeom>
+            <a:noFill/>
+          </p:spPr>
+          <p:txBody>
+            <a:bodyPr wrap="none" rtlCol="0">
+              <a:spAutoFit/>
+            </a:bodyPr>
+            <a:lstStyle/>
+            <a:p>
+              <a:r>
+                <a:rPr lang="en-US" sz="1050" dirty="0">
+                  <a:latin typeface="Consolas" panose="020B0609020204030204" pitchFamily="49" charset="0"/>
+                  <a:cs typeface="Consolas" panose="020B0609020204030204" pitchFamily="49" charset="0"/>
+                </a:rPr>
+                <a:t>/metrics</a:t>
+              </a:r>
+            </a:p>
+          </p:txBody>
+        </p:sp>
+        <p:sp>
+          <p:nvSpPr>
+            <p:cNvPr id="178" name="TextBox 177">
+              <a:extLst>
+                <a:ext uri="{FF2B5EF4-FFF2-40B4-BE49-F238E27FC236}">
+                  <a16:creationId xmlns:a16="http://schemas.microsoft.com/office/drawing/2014/main" id="{2C15A952-A006-6C4A-939E-E437DB1A9764}"/>
+                </a:ext>
+              </a:extLst>
+            </p:cNvPr>
+            <p:cNvSpPr txBox="1"/>
+            <p:nvPr/>
+          </p:nvSpPr>
+          <p:spPr>
+            <a:xfrm>
+              <a:off x="477546" y="2013593"/>
+              <a:ext cx="1082925" cy="307777"/>
+            </a:xfrm>
+            <a:prstGeom prst="rect">
+              <a:avLst/>
+            </a:prstGeom>
+            <a:noFill/>
+          </p:spPr>
+          <p:txBody>
+            <a:bodyPr wrap="none" rtlCol="0">
+              <a:spAutoFit/>
+            </a:bodyPr>
+            <a:lstStyle/>
+            <a:p>
+              <a:pPr algn="ctr"/>
+              <a:r>
+                <a:rPr lang="en-US" sz="1400" dirty="0"/>
+                <a:t>Deployment</a:t>
+              </a:r>
+            </a:p>
+          </p:txBody>
+        </p:sp>
+        <p:sp>
+          <p:nvSpPr>
+            <p:cNvPr id="179" name="Folded Corner 178">
+              <a:extLst>
+                <a:ext uri="{FF2B5EF4-FFF2-40B4-BE49-F238E27FC236}">
+                  <a16:creationId xmlns:a16="http://schemas.microsoft.com/office/drawing/2014/main" id="{CE67AFA2-B47F-924F-B13D-57506EC21E8D}"/>
+                </a:ext>
+              </a:extLst>
+            </p:cNvPr>
+            <p:cNvSpPr/>
+            <p:nvPr/>
+          </p:nvSpPr>
+          <p:spPr>
+            <a:xfrm>
+              <a:off x="1649644" y="3773812"/>
+              <a:ext cx="615771" cy="742625"/>
+            </a:xfrm>
+            <a:prstGeom prst="foldedCorner">
+              <a:avLst/>
+            </a:prstGeom>
+          </p:spPr>
+          <p:style>
+            <a:lnRef idx="2">
+              <a:schemeClr val="accent1">
+                <a:shade val="50000"/>
+              </a:schemeClr>
+            </a:lnRef>
+            <a:fillRef idx="1">
+              <a:schemeClr val="accent1"/>
+            </a:fillRef>
+            <a:effectRef idx="0">
+              <a:schemeClr val="accent1"/>
+            </a:effectRef>
+            <a:fontRef idx="minor">
+              <a:schemeClr val="lt1"/>
+            </a:fontRef>
+          </p:style>
+          <p:txBody>
+            <a:bodyPr rtlCol="0" anchor="ctr"/>
+            <a:lstStyle/>
+            <a:p>
+              <a:pPr algn="ctr"/>
+              <a:r>
+                <a:rPr lang="en-US" sz="1100" dirty="0"/>
+                <a:t>Config</a:t>
+              </a:r>
+            </a:p>
+            <a:p>
+              <a:pPr algn="ctr"/>
+              <a:r>
+                <a:rPr lang="en-US" sz="1100" dirty="0"/>
+                <a:t>map</a:t>
+              </a:r>
+            </a:p>
+          </p:txBody>
+        </p:sp>
+        <p:cxnSp>
+          <p:nvCxnSpPr>
+            <p:cNvPr id="180" name="Elbow Connector 179">
+              <a:extLst>
+                <a:ext uri="{FF2B5EF4-FFF2-40B4-BE49-F238E27FC236}">
+                  <a16:creationId xmlns:a16="http://schemas.microsoft.com/office/drawing/2014/main" id="{4BBC12D6-A8AB-CF47-B40D-8739D9028091}"/>
+                </a:ext>
+              </a:extLst>
+            </p:cNvPr>
+            <p:cNvCxnSpPr>
+              <a:stCxn id="188" idx="2"/>
+              <a:endCxn id="179" idx="1"/>
+            </p:cNvCxnSpPr>
+            <p:nvPr/>
+          </p:nvCxnSpPr>
+          <p:spPr>
+            <a:xfrm rot="16200000" flipH="1">
+              <a:off x="1349507" y="3844987"/>
+              <a:ext cx="488687" cy="111587"/>
+            </a:xfrm>
+            <a:prstGeom prst="bentConnector2">
+              <a:avLst/>
+            </a:prstGeom>
+          </p:spPr>
+          <p:style>
+            <a:lnRef idx="1">
+              <a:schemeClr val="accent1"/>
+            </a:lnRef>
+            <a:fillRef idx="0">
+              <a:schemeClr val="accent1"/>
+            </a:fillRef>
+            <a:effectRef idx="0">
+              <a:schemeClr val="accent1"/>
+            </a:effectRef>
+            <a:fontRef idx="minor">
+              <a:schemeClr val="tx1"/>
+            </a:fontRef>
+          </p:style>
+        </p:cxnSp>
+        <p:cxnSp>
+          <p:nvCxnSpPr>
+            <p:cNvPr id="181" name="Elbow Connector 180">
+              <a:extLst>
+                <a:ext uri="{FF2B5EF4-FFF2-40B4-BE49-F238E27FC236}">
+                  <a16:creationId xmlns:a16="http://schemas.microsoft.com/office/drawing/2014/main" id="{C6D10021-F144-9741-A4F3-02147AC032F8}"/>
+                </a:ext>
+              </a:extLst>
+            </p:cNvPr>
+            <p:cNvCxnSpPr>
+              <a:cxnSpLocks/>
+              <a:stCxn id="188" idx="2"/>
+              <a:endCxn id="173" idx="1"/>
+            </p:cNvCxnSpPr>
+            <p:nvPr/>
+          </p:nvCxnSpPr>
+          <p:spPr>
+            <a:xfrm rot="16200000" flipH="1">
+              <a:off x="785999" y="4408495"/>
+              <a:ext cx="1615702" cy="111587"/>
+            </a:xfrm>
+            <a:prstGeom prst="bentConnector2">
+              <a:avLst/>
+            </a:prstGeom>
+          </p:spPr>
+          <p:style>
+            <a:lnRef idx="1">
+              <a:schemeClr val="accent1"/>
+            </a:lnRef>
+            <a:fillRef idx="0">
+              <a:schemeClr val="accent1"/>
+            </a:fillRef>
+            <a:effectRef idx="0">
+              <a:schemeClr val="accent1"/>
+            </a:effectRef>
+            <a:fontRef idx="minor">
+              <a:schemeClr val="tx1"/>
+            </a:fontRef>
+          </p:style>
+        </p:cxnSp>
+        <p:grpSp>
+          <p:nvGrpSpPr>
+            <p:cNvPr id="182" name="Group 181">
+              <a:extLst>
+                <a:ext uri="{FF2B5EF4-FFF2-40B4-BE49-F238E27FC236}">
+                  <a16:creationId xmlns:a16="http://schemas.microsoft.com/office/drawing/2014/main" id="{FE7465F7-5177-8B40-AD75-3E9469D7C3E1}"/>
+                </a:ext>
+              </a:extLst>
+            </p:cNvPr>
+            <p:cNvGrpSpPr/>
+            <p:nvPr/>
+          </p:nvGrpSpPr>
+          <p:grpSpPr>
+            <a:xfrm>
+              <a:off x="2266659" y="5035211"/>
+              <a:ext cx="361848" cy="361848"/>
+              <a:chOff x="3897202" y="1492216"/>
+              <a:chExt cx="361848" cy="361848"/>
+            </a:xfrm>
+          </p:grpSpPr>
+          <p:cxnSp>
+            <p:nvCxnSpPr>
+              <p:cNvPr id="183" name="Straight Connector 182">
+                <a:extLst>
+                  <a:ext uri="{FF2B5EF4-FFF2-40B4-BE49-F238E27FC236}">
+                    <a16:creationId xmlns:a16="http://schemas.microsoft.com/office/drawing/2014/main" id="{01BB18CD-29D8-3B4D-B053-23EE23D542B6}"/>
+                  </a:ext>
+                </a:extLst>
+              </p:cNvPr>
+              <p:cNvCxnSpPr>
+                <a:cxnSpLocks/>
+              </p:cNvCxnSpPr>
+              <p:nvPr/>
+            </p:nvCxnSpPr>
+            <p:spPr>
+              <a:xfrm>
+                <a:off x="3897202" y="1673140"/>
+                <a:ext cx="361848" cy="0"/>
+              </a:xfrm>
+              <a:prstGeom prst="line">
+                <a:avLst/>
+              </a:prstGeom>
+              <a:ln w="12700">
+                <a:solidFill>
+                  <a:schemeClr val="tx1"/>
+                </a:solidFill>
+              </a:ln>
+            </p:spPr>
+            <p:style>
+              <a:lnRef idx="1">
+                <a:schemeClr val="accent1"/>
+              </a:lnRef>
+              <a:fillRef idx="0">
+                <a:schemeClr val="accent1"/>
+              </a:fillRef>
+              <a:effectRef idx="0">
+                <a:schemeClr val="accent1"/>
+              </a:effectRef>
+              <a:fontRef idx="minor">
+                <a:schemeClr val="tx1"/>
+              </a:fontRef>
+            </p:style>
+          </p:cxnSp>
+          <p:cxnSp>
+            <p:nvCxnSpPr>
+              <p:cNvPr id="184" name="Straight Connector 183">
+                <a:extLst>
+                  <a:ext uri="{FF2B5EF4-FFF2-40B4-BE49-F238E27FC236}">
+                    <a16:creationId xmlns:a16="http://schemas.microsoft.com/office/drawing/2014/main" id="{9D802553-68A8-6F44-AEB1-19C3252FDBB2}"/>
+                  </a:ext>
+                </a:extLst>
+              </p:cNvPr>
+              <p:cNvCxnSpPr>
+                <a:cxnSpLocks/>
+              </p:cNvCxnSpPr>
+              <p:nvPr/>
+            </p:nvCxnSpPr>
+            <p:spPr>
+              <a:xfrm rot="16200000">
+                <a:off x="4078126" y="1673140"/>
+                <a:ext cx="361848" cy="0"/>
+              </a:xfrm>
+              <a:prstGeom prst="line">
+                <a:avLst/>
+              </a:prstGeom>
+              <a:ln w="12700">
+                <a:solidFill>
+                  <a:schemeClr val="tx1"/>
+                </a:solidFill>
+              </a:ln>
+            </p:spPr>
+            <p:style>
+              <a:lnRef idx="1">
+                <a:schemeClr val="accent1"/>
+              </a:lnRef>
+              <a:fillRef idx="0">
+                <a:schemeClr val="accent1"/>
+              </a:fillRef>
+              <a:effectRef idx="0">
+                <a:schemeClr val="accent1"/>
+              </a:effectRef>
+              <a:fontRef idx="minor">
+                <a:schemeClr val="tx1"/>
+              </a:fontRef>
+            </p:style>
+          </p:cxnSp>
+        </p:grpSp>
+        <p:sp>
+          <p:nvSpPr>
+            <p:cNvPr id="185" name="TextBox 184">
+              <a:extLst>
+                <a:ext uri="{FF2B5EF4-FFF2-40B4-BE49-F238E27FC236}">
+                  <a16:creationId xmlns:a16="http://schemas.microsoft.com/office/drawing/2014/main" id="{70C896C7-09E5-8342-8443-45FA6AF85765}"/>
+                </a:ext>
+              </a:extLst>
+            </p:cNvPr>
+            <p:cNvSpPr txBox="1"/>
+            <p:nvPr/>
+          </p:nvSpPr>
+          <p:spPr>
+            <a:xfrm>
+              <a:off x="2839585" y="4572028"/>
+              <a:ext cx="848309" cy="253916"/>
+            </a:xfrm>
+            <a:prstGeom prst="rect">
+              <a:avLst/>
+            </a:prstGeom>
+            <a:noFill/>
+          </p:spPr>
+          <p:txBody>
+            <a:bodyPr wrap="none" rtlCol="0">
+              <a:spAutoFit/>
+            </a:bodyPr>
+            <a:lstStyle/>
+            <a:p>
+              <a:r>
+                <a:rPr lang="en-US" sz="1050" dirty="0">
+                  <a:latin typeface="Consolas" panose="020B0609020204030204" pitchFamily="49" charset="0"/>
+                  <a:cs typeface="Consolas" panose="020B0609020204030204" pitchFamily="49" charset="0"/>
+                </a:rPr>
+                <a:t>/</a:t>
+              </a:r>
+              <a:r>
+                <a:rPr lang="en-US" sz="1050" dirty="0" err="1">
+                  <a:latin typeface="Consolas" panose="020B0609020204030204" pitchFamily="49" charset="0"/>
+                  <a:cs typeface="Consolas" panose="020B0609020204030204" pitchFamily="49" charset="0"/>
+                </a:rPr>
+                <a:t>tunables</a:t>
+              </a:r>
+              <a:endParaRPr lang="en-US" sz="1050" dirty="0">
+                <a:latin typeface="Consolas" panose="020B0609020204030204" pitchFamily="49" charset="0"/>
+                <a:cs typeface="Consolas" panose="020B0609020204030204" pitchFamily="49" charset="0"/>
+              </a:endParaRPr>
+            </a:p>
+          </p:txBody>
+        </p:sp>
+        <p:sp>
+          <p:nvSpPr>
+            <p:cNvPr id="186" name="Right Brace 185">
+              <a:extLst>
+                <a:ext uri="{FF2B5EF4-FFF2-40B4-BE49-F238E27FC236}">
+                  <a16:creationId xmlns:a16="http://schemas.microsoft.com/office/drawing/2014/main" id="{21688BB7-9336-4443-8D12-53A608FF103F}"/>
+                </a:ext>
+              </a:extLst>
+            </p:cNvPr>
+            <p:cNvSpPr/>
+            <p:nvPr/>
+          </p:nvSpPr>
+          <p:spPr>
+            <a:xfrm>
+              <a:off x="2692056" y="4145124"/>
+              <a:ext cx="171145" cy="1127015"/>
+            </a:xfrm>
+            <a:prstGeom prst="rightBrace">
+              <a:avLst/>
+            </a:prstGeom>
+            <a:ln w="12700">
+              <a:solidFill>
+                <a:schemeClr val="tx1"/>
+              </a:solidFill>
+            </a:ln>
+          </p:spPr>
+          <p:style>
+            <a:lnRef idx="1">
+              <a:schemeClr val="accent1"/>
+            </a:lnRef>
+            <a:fillRef idx="0">
+              <a:schemeClr val="accent1"/>
+            </a:fillRef>
+            <a:effectRef idx="0">
+              <a:schemeClr val="accent1"/>
+            </a:effectRef>
+            <a:fontRef idx="minor">
+              <a:schemeClr val="tx1"/>
+            </a:fontRef>
+          </p:style>
+          <p:txBody>
+            <a:bodyPr rtlCol="0" anchor="ctr"/>
+            <a:lstStyle/>
+            <a:p>
+              <a:pPr algn="ctr"/>
+              <a:endParaRPr lang="en-US"/>
+            </a:p>
+          </p:txBody>
+        </p:sp>
+        <p:sp>
+          <p:nvSpPr>
+            <p:cNvPr id="188" name="Rounded Rectangle 187">
+              <a:extLst>
+                <a:ext uri="{FF2B5EF4-FFF2-40B4-BE49-F238E27FC236}">
+                  <a16:creationId xmlns:a16="http://schemas.microsoft.com/office/drawing/2014/main" id="{327AD188-6892-784B-9E69-8D5B16673810}"/>
+                </a:ext>
+              </a:extLst>
+            </p:cNvPr>
+            <p:cNvSpPr/>
+            <p:nvPr/>
+          </p:nvSpPr>
+          <p:spPr>
+            <a:xfrm>
+              <a:off x="810699" y="2371289"/>
+              <a:ext cx="1454716" cy="1285149"/>
+            </a:xfrm>
+            <a:prstGeom prst="roundRect">
+              <a:avLst/>
+            </a:prstGeom>
+          </p:spPr>
+          <p:style>
+            <a:lnRef idx="1">
+              <a:schemeClr val="accent3"/>
+            </a:lnRef>
+            <a:fillRef idx="2">
+              <a:schemeClr val="accent3"/>
+            </a:fillRef>
+            <a:effectRef idx="1">
+              <a:schemeClr val="accent3"/>
+            </a:effectRef>
+            <a:fontRef idx="minor">
+              <a:schemeClr val="dk1"/>
+            </a:fontRef>
+          </p:style>
+          <p:txBody>
+            <a:bodyPr rtlCol="0" anchor="ctr"/>
+            <a:lstStyle/>
+            <a:p>
+              <a:pPr algn="ctr"/>
+              <a:endParaRPr lang="en-US" dirty="0"/>
+            </a:p>
+          </p:txBody>
+        </p:sp>
+        <p:sp>
+          <p:nvSpPr>
+            <p:cNvPr id="189" name="TextBox 188">
+              <a:extLst>
+                <a:ext uri="{FF2B5EF4-FFF2-40B4-BE49-F238E27FC236}">
+                  <a16:creationId xmlns:a16="http://schemas.microsoft.com/office/drawing/2014/main" id="{1F96D965-EDC9-B545-8A88-F4547F20511D}"/>
+                </a:ext>
+              </a:extLst>
+            </p:cNvPr>
+            <p:cNvSpPr txBox="1"/>
+            <p:nvPr/>
+          </p:nvSpPr>
+          <p:spPr>
+            <a:xfrm>
+              <a:off x="872811" y="2859975"/>
+              <a:ext cx="1330493" cy="307777"/>
+            </a:xfrm>
+            <a:prstGeom prst="rect">
+              <a:avLst/>
+            </a:prstGeom>
+            <a:noFill/>
+          </p:spPr>
+          <p:txBody>
+            <a:bodyPr wrap="none" rtlCol="0">
+              <a:spAutoFit/>
+            </a:bodyPr>
+            <a:lstStyle/>
+            <a:p>
+              <a:pPr algn="ctr"/>
+              <a:r>
+                <a:rPr lang="en-US" sz="1400" dirty="0"/>
+                <a:t>Application Pod</a:t>
+              </a:r>
+            </a:p>
+          </p:txBody>
+        </p:sp>
+        <p:cxnSp>
+          <p:nvCxnSpPr>
+            <p:cNvPr id="1083" name="Straight Arrow Connector 1082">
+              <a:extLst>
+                <a:ext uri="{FF2B5EF4-FFF2-40B4-BE49-F238E27FC236}">
+                  <a16:creationId xmlns:a16="http://schemas.microsoft.com/office/drawing/2014/main" id="{09ECF441-AE97-B440-AC19-87C722EACF0F}"/>
+                </a:ext>
+              </a:extLst>
+            </p:cNvPr>
+            <p:cNvCxnSpPr>
+              <a:cxnSpLocks/>
+              <a:stCxn id="161" idx="2"/>
+              <a:endCxn id="188" idx="0"/>
+            </p:cNvCxnSpPr>
+            <p:nvPr/>
+          </p:nvCxnSpPr>
+          <p:spPr>
+            <a:xfrm flipH="1">
+              <a:off x="1538057" y="1114883"/>
+              <a:ext cx="1665583" cy="1256406"/>
+            </a:xfrm>
+            <a:prstGeom prst="straightConnector1">
+              <a:avLst/>
+            </a:prstGeom>
+            <a:ln>
+              <a:tailEnd type="triangle"/>
+            </a:ln>
+          </p:spPr>
+          <p:style>
+            <a:lnRef idx="1">
+              <a:schemeClr val="accent1"/>
+            </a:lnRef>
+            <a:fillRef idx="0">
+              <a:schemeClr val="accent1"/>
+            </a:fillRef>
+            <a:effectRef idx="0">
+              <a:schemeClr val="accent1"/>
+            </a:effectRef>
+            <a:fontRef idx="minor">
+              <a:schemeClr val="tx1"/>
+            </a:fontRef>
+          </p:style>
+        </p:cxnSp>
+        <p:sp>
+          <p:nvSpPr>
+            <p:cNvPr id="161" name="Rounded Rectangle 160">
+              <a:extLst>
+                <a:ext uri="{FF2B5EF4-FFF2-40B4-BE49-F238E27FC236}">
+                  <a16:creationId xmlns:a16="http://schemas.microsoft.com/office/drawing/2014/main" id="{F1E8FBD1-158A-0F4E-966E-70519877A64D}"/>
+                </a:ext>
+              </a:extLst>
+            </p:cNvPr>
+            <p:cNvSpPr/>
+            <p:nvPr/>
+          </p:nvSpPr>
+          <p:spPr>
+            <a:xfrm>
+              <a:off x="502644" y="616120"/>
+              <a:ext cx="5401991" cy="498763"/>
+            </a:xfrm>
+            <a:prstGeom prst="roundRect">
+              <a:avLst/>
+            </a:prstGeom>
+          </p:spPr>
+          <p:style>
+            <a:lnRef idx="2">
+              <a:schemeClr val="accent1">
+                <a:shade val="50000"/>
+              </a:schemeClr>
+            </a:lnRef>
+            <a:fillRef idx="1">
+              <a:schemeClr val="accent1"/>
+            </a:fillRef>
+            <a:effectRef idx="0">
+              <a:schemeClr val="accent1"/>
+            </a:effectRef>
+            <a:fontRef idx="minor">
+              <a:schemeClr val="lt1"/>
+            </a:fontRef>
+          </p:style>
+          <p:txBody>
+            <a:bodyPr rtlCol="0" anchor="ctr"/>
+            <a:lstStyle/>
+            <a:p>
+              <a:pPr algn="ctr"/>
+              <a:r>
+                <a:rPr lang="en-US" dirty="0"/>
+                <a:t>Service</a:t>
+              </a:r>
+            </a:p>
+          </p:txBody>
+        </p:sp>
+      </p:grpSp>
       <p:cxnSp>
         <p:nvCxnSpPr>
           <p:cNvPr id="196" name="Elbow Connector 195">
@@ -15521,6 +15713,173 @@
           </p:spPr>
         </p:pic>
       </p:grpSp>
+      <p:grpSp>
+        <p:nvGrpSpPr>
+          <p:cNvPr id="119" name="Group 118">
+            <a:extLst>
+              <a:ext uri="{FF2B5EF4-FFF2-40B4-BE49-F238E27FC236}">
+                <a16:creationId xmlns:a16="http://schemas.microsoft.com/office/drawing/2014/main" id="{789D8F33-05AF-C647-ADD9-8F153A918F39}"/>
+              </a:ext>
+            </a:extLst>
+          </p:cNvPr>
+          <p:cNvGrpSpPr/>
+          <p:nvPr/>
+        </p:nvGrpSpPr>
+        <p:grpSpPr>
+          <a:xfrm>
+            <a:off x="10429354" y="5746084"/>
+            <a:ext cx="987567" cy="810486"/>
+            <a:chOff x="9405499" y="4993966"/>
+            <a:chExt cx="1471979" cy="1208037"/>
+          </a:xfrm>
+        </p:grpSpPr>
+        <p:sp>
+          <p:nvSpPr>
+            <p:cNvPr id="120" name="Hexagon 119">
+              <a:extLst>
+                <a:ext uri="{FF2B5EF4-FFF2-40B4-BE49-F238E27FC236}">
+                  <a16:creationId xmlns:a16="http://schemas.microsoft.com/office/drawing/2014/main" id="{F664B585-9F00-CB4E-9882-048976F65CD9}"/>
+                </a:ext>
+              </a:extLst>
+            </p:cNvPr>
+            <p:cNvSpPr/>
+            <p:nvPr/>
+          </p:nvSpPr>
+          <p:spPr>
+            <a:xfrm>
+              <a:off x="9405499" y="4993966"/>
+              <a:ext cx="1471979" cy="1208037"/>
+            </a:xfrm>
+            <a:prstGeom prst="hexagon">
+              <a:avLst/>
+            </a:prstGeom>
+            <a:solidFill>
+              <a:srgbClr val="FFFFFF"/>
+            </a:solidFill>
+            <a:ln>
+              <a:solidFill>
+                <a:schemeClr val="tx1"/>
+              </a:solidFill>
+            </a:ln>
+          </p:spPr>
+          <p:style>
+            <a:lnRef idx="3">
+              <a:schemeClr val="lt1"/>
+            </a:lnRef>
+            <a:fillRef idx="1">
+              <a:schemeClr val="accent1"/>
+            </a:fillRef>
+            <a:effectRef idx="1">
+              <a:schemeClr val="accent1"/>
+            </a:effectRef>
+            <a:fontRef idx="minor">
+              <a:schemeClr val="lt1"/>
+            </a:fontRef>
+          </p:style>
+          <p:txBody>
+            <a:bodyPr tIns="0" bIns="0" rtlCol="0" anchor="b" anchorCtr="1"/>
+            <a:lstStyle/>
+            <a:p>
+              <a:pPr algn="ctr"/>
+              <a:endParaRPr lang="en-US" sz="1400" dirty="0">
+                <a:solidFill>
+                  <a:schemeClr val="tx1"/>
+                </a:solidFill>
+              </a:endParaRPr>
+            </a:p>
+          </p:txBody>
+        </p:sp>
+        <p:pic>
+          <p:nvPicPr>
+            <p:cNvPr id="122" name="Picture 2" descr="MongoDB logo and symbol, meaning, history, PNG">
+              <a:extLst>
+                <a:ext uri="{FF2B5EF4-FFF2-40B4-BE49-F238E27FC236}">
+                  <a16:creationId xmlns:a16="http://schemas.microsoft.com/office/drawing/2014/main" id="{DFD41A01-DE51-B048-8DBC-A88635B3011C}"/>
+                </a:ext>
+              </a:extLst>
+            </p:cNvPr>
+            <p:cNvPicPr>
+              <a:picLocks noChangeAspect="1" noChangeArrowheads="1"/>
+            </p:cNvPicPr>
+            <p:nvPr/>
+          </p:nvPicPr>
+          <p:blipFill rotWithShape="1">
+            <a:blip r:embed="rId17">
+              <a:extLst>
+                <a:ext uri="{28A0092B-C50C-407E-A947-70E740481C1C}">
+                  <a14:useLocalDpi xmlns:a14="http://schemas.microsoft.com/office/drawing/2010/main" val="0"/>
+                </a:ext>
+              </a:extLst>
+            </a:blip>
+            <a:srcRect l="22110" r="22492"/>
+            <a:stretch/>
+          </p:blipFill>
+          <p:spPr bwMode="auto">
+            <a:xfrm>
+              <a:off x="9694126" y="5086432"/>
+              <a:ext cx="860338" cy="970632"/>
+            </a:xfrm>
+            <a:prstGeom prst="ellipse">
+              <a:avLst/>
+            </a:prstGeom>
+            <a:noFill/>
+            <a:extLst>
+              <a:ext uri="{909E8E84-426E-40DD-AFC4-6F175D3DCCD1}">
+                <a14:hiddenFill xmlns:a14="http://schemas.microsoft.com/office/drawing/2010/main">
+                  <a:solidFill>
+                    <a:srgbClr val="FFFFFF"/>
+                  </a:solidFill>
+                </a14:hiddenFill>
+              </a:ext>
+            </a:extLst>
+          </p:spPr>
+        </p:pic>
+      </p:grpSp>
+      <p:sp>
+        <p:nvSpPr>
+          <p:cNvPr id="123" name="Up Arrow 122">
+            <a:extLst>
+              <a:ext uri="{FF2B5EF4-FFF2-40B4-BE49-F238E27FC236}">
+                <a16:creationId xmlns:a16="http://schemas.microsoft.com/office/drawing/2014/main" id="{4562BF1D-7879-7746-B80A-A1519A88A139}"/>
+              </a:ext>
+            </a:extLst>
+          </p:cNvPr>
+          <p:cNvSpPr/>
+          <p:nvPr/>
+        </p:nvSpPr>
+        <p:spPr>
+          <a:xfrm rot="9227750">
+            <a:off x="10402498" y="5006342"/>
+            <a:ext cx="154578" cy="876126"/>
+          </a:xfrm>
+          <a:prstGeom prst="upArrow">
+            <a:avLst/>
+          </a:prstGeom>
+          <a:ln w="9525"/>
+        </p:spPr>
+        <p:style>
+          <a:lnRef idx="3">
+            <a:schemeClr val="lt1"/>
+          </a:lnRef>
+          <a:fillRef idx="1">
+            <a:schemeClr val="dk1"/>
+          </a:fillRef>
+          <a:effectRef idx="1">
+            <a:schemeClr val="dk1"/>
+          </a:effectRef>
+          <a:fontRef idx="minor">
+            <a:schemeClr val="lt1"/>
+          </a:fontRef>
+        </p:style>
+        <p:txBody>
+          <a:bodyPr rtlCol="0" anchor="ctr"/>
+          <a:lstStyle/>
+          <a:p>
+            <a:pPr algn="ctr"/>
+            <a:endParaRPr lang="en-US"/>
+          </a:p>
+        </p:txBody>
+      </p:sp>
     </p:spTree>
     <p:extLst>
       <p:ext uri="{BB962C8B-B14F-4D97-AF65-F5344CB8AC3E}">
@@ -15531,6 +15890,892 @@
   <p:clrMapOvr>
     <a:masterClrMapping/>
   </p:clrMapOvr>
+  <p:timing>
+    <p:tnLst>
+      <p:par>
+        <p:cTn id="1" dur="indefinite" restart="never" nodeType="tmRoot">
+          <p:childTnLst>
+            <p:seq concurrent="1" nextAc="seek">
+              <p:cTn id="2" dur="indefinite" nodeType="mainSeq">
+                <p:childTnLst>
+                  <p:par>
+                    <p:cTn id="3" fill="hold">
+                      <p:stCondLst>
+                        <p:cond delay="indefinite"/>
+                      </p:stCondLst>
+                      <p:childTnLst>
+                        <p:par>
+                          <p:cTn id="4" fill="hold">
+                            <p:stCondLst>
+                              <p:cond delay="0"/>
+                            </p:stCondLst>
+                            <p:childTnLst>
+                              <p:par>
+                                <p:cTn id="5" presetID="1" presetClass="entr" presetSubtype="0" fill="hold" nodeType="clickEffect">
+                                  <p:stCondLst>
+                                    <p:cond delay="0"/>
+                                  </p:stCondLst>
+                                  <p:childTnLst>
+                                    <p:set>
+                                      <p:cBhvr>
+                                        <p:cTn id="6" dur="1" fill="hold">
+                                          <p:stCondLst>
+                                            <p:cond delay="0"/>
+                                          </p:stCondLst>
+                                        </p:cTn>
+                                        <p:tgtEl>
+                                          <p:spTgt spid="2"/>
+                                        </p:tgtEl>
+                                        <p:attrNameLst>
+                                          <p:attrName>style.visibility</p:attrName>
+                                        </p:attrNameLst>
+                                      </p:cBhvr>
+                                      <p:to>
+                                        <p:strVal val="visible"/>
+                                      </p:to>
+                                    </p:set>
+                                  </p:childTnLst>
+                                </p:cTn>
+                              </p:par>
+                            </p:childTnLst>
+                          </p:cTn>
+                        </p:par>
+                      </p:childTnLst>
+                    </p:cTn>
+                  </p:par>
+                  <p:par>
+                    <p:cTn id="7" fill="hold">
+                      <p:stCondLst>
+                        <p:cond delay="indefinite"/>
+                      </p:stCondLst>
+                      <p:childTnLst>
+                        <p:par>
+                          <p:cTn id="8" fill="hold">
+                            <p:stCondLst>
+                              <p:cond delay="0"/>
+                            </p:stCondLst>
+                            <p:childTnLst>
+                              <p:par>
+                                <p:cTn id="9" presetID="35" presetClass="emph" presetSubtype="0" fill="hold" nodeType="clickEffect">
+                                  <p:stCondLst>
+                                    <p:cond delay="0"/>
+                                  </p:stCondLst>
+                                  <p:childTnLst>
+                                    <p:anim calcmode="discrete" valueType="str">
+                                      <p:cBhvr>
+                                        <p:cTn id="10" dur="1000" fill="hold"/>
+                                        <p:tgtEl>
+                                          <p:spTgt spid="101"/>
+                                        </p:tgtEl>
+                                        <p:attrNameLst>
+                                          <p:attrName>style.visibility</p:attrName>
+                                        </p:attrNameLst>
+                                      </p:cBhvr>
+                                      <p:tavLst>
+                                        <p:tav tm="0">
+                                          <p:val>
+                                            <p:strVal val="hidden"/>
+                                          </p:val>
+                                        </p:tav>
+                                        <p:tav tm="50000">
+                                          <p:val>
+                                            <p:strVal val="visible"/>
+                                          </p:val>
+                                        </p:tav>
+                                      </p:tavLst>
+                                    </p:anim>
+                                  </p:childTnLst>
+                                </p:cTn>
+                              </p:par>
+                            </p:childTnLst>
+                          </p:cTn>
+                        </p:par>
+                      </p:childTnLst>
+                    </p:cTn>
+                  </p:par>
+                  <p:par>
+                    <p:cTn id="11" fill="hold">
+                      <p:stCondLst>
+                        <p:cond delay="indefinite"/>
+                      </p:stCondLst>
+                      <p:childTnLst>
+                        <p:par>
+                          <p:cTn id="12" fill="hold">
+                            <p:stCondLst>
+                              <p:cond delay="0"/>
+                            </p:stCondLst>
+                            <p:childTnLst>
+                              <p:par>
+                                <p:cTn id="13" presetID="1" presetClass="entr" presetSubtype="0" fill="hold" nodeType="clickEffect">
+                                  <p:stCondLst>
+                                    <p:cond delay="0"/>
+                                  </p:stCondLst>
+                                  <p:childTnLst>
+                                    <p:set>
+                                      <p:cBhvr>
+                                        <p:cTn id="14" dur="1" fill="hold">
+                                          <p:stCondLst>
+                                            <p:cond delay="0"/>
+                                          </p:stCondLst>
+                                        </p:cTn>
+                                        <p:tgtEl>
+                                          <p:spTgt spid="6"/>
+                                        </p:tgtEl>
+                                        <p:attrNameLst>
+                                          <p:attrName>style.visibility</p:attrName>
+                                        </p:attrNameLst>
+                                      </p:cBhvr>
+                                      <p:to>
+                                        <p:strVal val="visible"/>
+                                      </p:to>
+                                    </p:set>
+                                  </p:childTnLst>
+                                </p:cTn>
+                              </p:par>
+                            </p:childTnLst>
+                          </p:cTn>
+                        </p:par>
+                      </p:childTnLst>
+                    </p:cTn>
+                  </p:par>
+                  <p:par>
+                    <p:cTn id="15" fill="hold">
+                      <p:stCondLst>
+                        <p:cond delay="indefinite"/>
+                      </p:stCondLst>
+                      <p:childTnLst>
+                        <p:par>
+                          <p:cTn id="16" fill="hold">
+                            <p:stCondLst>
+                              <p:cond delay="0"/>
+                            </p:stCondLst>
+                            <p:childTnLst>
+                              <p:par>
+                                <p:cTn id="17" presetID="1" presetClass="entr" presetSubtype="0" fill="hold" nodeType="clickEffect">
+                                  <p:stCondLst>
+                                    <p:cond delay="0"/>
+                                  </p:stCondLst>
+                                  <p:childTnLst>
+                                    <p:set>
+                                      <p:cBhvr>
+                                        <p:cTn id="18" dur="1" fill="hold">
+                                          <p:stCondLst>
+                                            <p:cond delay="0"/>
+                                          </p:stCondLst>
+                                        </p:cTn>
+                                        <p:tgtEl>
+                                          <p:spTgt spid="135"/>
+                                        </p:tgtEl>
+                                        <p:attrNameLst>
+                                          <p:attrName>style.visibility</p:attrName>
+                                        </p:attrNameLst>
+                                      </p:cBhvr>
+                                      <p:to>
+                                        <p:strVal val="visible"/>
+                                      </p:to>
+                                    </p:set>
+                                  </p:childTnLst>
+                                </p:cTn>
+                              </p:par>
+                              <p:par>
+                                <p:cTn id="19" presetID="1" presetClass="entr" presetSubtype="0" fill="hold" grpId="0" nodeType="withEffect">
+                                  <p:stCondLst>
+                                    <p:cond delay="0"/>
+                                  </p:stCondLst>
+                                  <p:childTnLst>
+                                    <p:set>
+                                      <p:cBhvr>
+                                        <p:cTn id="20" dur="1" fill="hold">
+                                          <p:stCondLst>
+                                            <p:cond delay="0"/>
+                                          </p:stCondLst>
+                                        </p:cTn>
+                                        <p:tgtEl>
+                                          <p:spTgt spid="131"/>
+                                        </p:tgtEl>
+                                        <p:attrNameLst>
+                                          <p:attrName>style.visibility</p:attrName>
+                                        </p:attrNameLst>
+                                      </p:cBhvr>
+                                      <p:to>
+                                        <p:strVal val="visible"/>
+                                      </p:to>
+                                    </p:set>
+                                  </p:childTnLst>
+                                </p:cTn>
+                              </p:par>
+                              <p:par>
+                                <p:cTn id="21" presetID="1" presetClass="entr" presetSubtype="0" fill="hold" nodeType="withEffect">
+                                  <p:stCondLst>
+                                    <p:cond delay="0"/>
+                                  </p:stCondLst>
+                                  <p:childTnLst>
+                                    <p:set>
+                                      <p:cBhvr>
+                                        <p:cTn id="22" dur="1" fill="hold">
+                                          <p:stCondLst>
+                                            <p:cond delay="0"/>
+                                          </p:stCondLst>
+                                        </p:cTn>
+                                        <p:tgtEl>
+                                          <p:spTgt spid="196"/>
+                                        </p:tgtEl>
+                                        <p:attrNameLst>
+                                          <p:attrName>style.visibility</p:attrName>
+                                        </p:attrNameLst>
+                                      </p:cBhvr>
+                                      <p:to>
+                                        <p:strVal val="visible"/>
+                                      </p:to>
+                                    </p:set>
+                                  </p:childTnLst>
+                                </p:cTn>
+                              </p:par>
+                              <p:par>
+                                <p:cTn id="23" presetID="1" presetClass="entr" presetSubtype="0" fill="hold" nodeType="withEffect">
+                                  <p:stCondLst>
+                                    <p:cond delay="0"/>
+                                  </p:stCondLst>
+                                  <p:childTnLst>
+                                    <p:set>
+                                      <p:cBhvr>
+                                        <p:cTn id="24" dur="1" fill="hold">
+                                          <p:stCondLst>
+                                            <p:cond delay="0"/>
+                                          </p:stCondLst>
+                                        </p:cTn>
+                                        <p:tgtEl>
+                                          <p:spTgt spid="205"/>
+                                        </p:tgtEl>
+                                        <p:attrNameLst>
+                                          <p:attrName>style.visibility</p:attrName>
+                                        </p:attrNameLst>
+                                      </p:cBhvr>
+                                      <p:to>
+                                        <p:strVal val="visible"/>
+                                      </p:to>
+                                    </p:set>
+                                  </p:childTnLst>
+                                </p:cTn>
+                              </p:par>
+                              <p:par>
+                                <p:cTn id="25" presetID="1" presetClass="entr" presetSubtype="0" fill="hold" nodeType="withEffect">
+                                  <p:stCondLst>
+                                    <p:cond delay="0"/>
+                                  </p:stCondLst>
+                                  <p:childTnLst>
+                                    <p:set>
+                                      <p:cBhvr>
+                                        <p:cTn id="26" dur="1" fill="hold">
+                                          <p:stCondLst>
+                                            <p:cond delay="0"/>
+                                          </p:stCondLst>
+                                        </p:cTn>
+                                        <p:tgtEl>
+                                          <p:spTgt spid="198"/>
+                                        </p:tgtEl>
+                                        <p:attrNameLst>
+                                          <p:attrName>style.visibility</p:attrName>
+                                        </p:attrNameLst>
+                                      </p:cBhvr>
+                                      <p:to>
+                                        <p:strVal val="visible"/>
+                                      </p:to>
+                                    </p:set>
+                                  </p:childTnLst>
+                                </p:cTn>
+                              </p:par>
+                            </p:childTnLst>
+                          </p:cTn>
+                        </p:par>
+                      </p:childTnLst>
+                    </p:cTn>
+                  </p:par>
+                  <p:par>
+                    <p:cTn id="27" fill="hold">
+                      <p:stCondLst>
+                        <p:cond delay="indefinite"/>
+                      </p:stCondLst>
+                      <p:childTnLst>
+                        <p:par>
+                          <p:cTn id="28" fill="hold">
+                            <p:stCondLst>
+                              <p:cond delay="0"/>
+                            </p:stCondLst>
+                            <p:childTnLst>
+                              <p:par>
+                                <p:cTn id="29" presetID="35" presetClass="emph" presetSubtype="0" fill="hold" nodeType="clickEffect">
+                                  <p:stCondLst>
+                                    <p:cond delay="0"/>
+                                  </p:stCondLst>
+                                  <p:childTnLst>
+                                    <p:anim calcmode="discrete" valueType="str">
+                                      <p:cBhvr>
+                                        <p:cTn id="30" dur="1000" fill="hold"/>
+                                        <p:tgtEl>
+                                          <p:spTgt spid="113"/>
+                                        </p:tgtEl>
+                                        <p:attrNameLst>
+                                          <p:attrName>style.visibility</p:attrName>
+                                        </p:attrNameLst>
+                                      </p:cBhvr>
+                                      <p:tavLst>
+                                        <p:tav tm="0">
+                                          <p:val>
+                                            <p:strVal val="hidden"/>
+                                          </p:val>
+                                        </p:tav>
+                                        <p:tav tm="50000">
+                                          <p:val>
+                                            <p:strVal val="visible"/>
+                                          </p:val>
+                                        </p:tav>
+                                      </p:tavLst>
+                                    </p:anim>
+                                  </p:childTnLst>
+                                </p:cTn>
+                              </p:par>
+                            </p:childTnLst>
+                          </p:cTn>
+                        </p:par>
+                      </p:childTnLst>
+                    </p:cTn>
+                  </p:par>
+                  <p:par>
+                    <p:cTn id="31" fill="hold">
+                      <p:stCondLst>
+                        <p:cond delay="indefinite"/>
+                      </p:stCondLst>
+                      <p:childTnLst>
+                        <p:par>
+                          <p:cTn id="32" fill="hold">
+                            <p:stCondLst>
+                              <p:cond delay="0"/>
+                            </p:stCondLst>
+                            <p:childTnLst>
+                              <p:par>
+                                <p:cTn id="33" presetID="1" presetClass="entr" presetSubtype="0" fill="hold" nodeType="clickEffect">
+                                  <p:stCondLst>
+                                    <p:cond delay="0"/>
+                                  </p:stCondLst>
+                                  <p:childTnLst>
+                                    <p:set>
+                                      <p:cBhvr>
+                                        <p:cTn id="34" dur="1" fill="hold">
+                                          <p:stCondLst>
+                                            <p:cond delay="0"/>
+                                          </p:stCondLst>
+                                        </p:cTn>
+                                        <p:tgtEl>
+                                          <p:spTgt spid="187"/>
+                                        </p:tgtEl>
+                                        <p:attrNameLst>
+                                          <p:attrName>style.visibility</p:attrName>
+                                        </p:attrNameLst>
+                                      </p:cBhvr>
+                                      <p:to>
+                                        <p:strVal val="visible"/>
+                                      </p:to>
+                                    </p:set>
+                                  </p:childTnLst>
+                                </p:cTn>
+                              </p:par>
+                              <p:par>
+                                <p:cTn id="35" presetID="1" presetClass="entr" presetSubtype="0" fill="hold" nodeType="withEffect">
+                                  <p:stCondLst>
+                                    <p:cond delay="0"/>
+                                  </p:stCondLst>
+                                  <p:childTnLst>
+                                    <p:set>
+                                      <p:cBhvr>
+                                        <p:cTn id="36" dur="1" fill="hold">
+                                          <p:stCondLst>
+                                            <p:cond delay="0"/>
+                                          </p:stCondLst>
+                                        </p:cTn>
+                                        <p:tgtEl>
+                                          <p:spTgt spid="70"/>
+                                        </p:tgtEl>
+                                        <p:attrNameLst>
+                                          <p:attrName>style.visibility</p:attrName>
+                                        </p:attrNameLst>
+                                      </p:cBhvr>
+                                      <p:to>
+                                        <p:strVal val="visible"/>
+                                      </p:to>
+                                    </p:set>
+                                  </p:childTnLst>
+                                </p:cTn>
+                              </p:par>
+                              <p:par>
+                                <p:cTn id="37" presetID="1" presetClass="entr" presetSubtype="0" fill="hold" nodeType="withEffect">
+                                  <p:stCondLst>
+                                    <p:cond delay="0"/>
+                                  </p:stCondLst>
+                                  <p:childTnLst>
+                                    <p:set>
+                                      <p:cBhvr>
+                                        <p:cTn id="38" dur="1" fill="hold">
+                                          <p:stCondLst>
+                                            <p:cond delay="0"/>
+                                          </p:stCondLst>
+                                        </p:cTn>
+                                        <p:tgtEl>
+                                          <p:spTgt spid="81"/>
+                                        </p:tgtEl>
+                                        <p:attrNameLst>
+                                          <p:attrName>style.visibility</p:attrName>
+                                        </p:attrNameLst>
+                                      </p:cBhvr>
+                                      <p:to>
+                                        <p:strVal val="visible"/>
+                                      </p:to>
+                                    </p:set>
+                                  </p:childTnLst>
+                                </p:cTn>
+                              </p:par>
+                              <p:par>
+                                <p:cTn id="39" presetID="1" presetClass="entr" presetSubtype="0" fill="hold" nodeType="withEffect">
+                                  <p:stCondLst>
+                                    <p:cond delay="0"/>
+                                  </p:stCondLst>
+                                  <p:childTnLst>
+                                    <p:set>
+                                      <p:cBhvr>
+                                        <p:cTn id="40" dur="1" fill="hold">
+                                          <p:stCondLst>
+                                            <p:cond delay="0"/>
+                                          </p:stCondLst>
+                                        </p:cTn>
+                                        <p:tgtEl>
+                                          <p:spTgt spid="86"/>
+                                        </p:tgtEl>
+                                        <p:attrNameLst>
+                                          <p:attrName>style.visibility</p:attrName>
+                                        </p:attrNameLst>
+                                      </p:cBhvr>
+                                      <p:to>
+                                        <p:strVal val="visible"/>
+                                      </p:to>
+                                    </p:set>
+                                  </p:childTnLst>
+                                </p:cTn>
+                              </p:par>
+                              <p:par>
+                                <p:cTn id="41" presetID="1" presetClass="entr" presetSubtype="0" fill="hold" grpId="0" nodeType="withEffect">
+                                  <p:stCondLst>
+                                    <p:cond delay="0"/>
+                                  </p:stCondLst>
+                                  <p:childTnLst>
+                                    <p:set>
+                                      <p:cBhvr>
+                                        <p:cTn id="42" dur="1" fill="hold">
+                                          <p:stCondLst>
+                                            <p:cond delay="0"/>
+                                          </p:stCondLst>
+                                        </p:cTn>
+                                        <p:tgtEl>
+                                          <p:spTgt spid="89"/>
+                                        </p:tgtEl>
+                                        <p:attrNameLst>
+                                          <p:attrName>style.visibility</p:attrName>
+                                        </p:attrNameLst>
+                                      </p:cBhvr>
+                                      <p:to>
+                                        <p:strVal val="visible"/>
+                                      </p:to>
+                                    </p:set>
+                                  </p:childTnLst>
+                                </p:cTn>
+                              </p:par>
+                              <p:par>
+                                <p:cTn id="43" presetID="1" presetClass="entr" presetSubtype="0" fill="hold" nodeType="withEffect">
+                                  <p:stCondLst>
+                                    <p:cond delay="0"/>
+                                  </p:stCondLst>
+                                  <p:childTnLst>
+                                    <p:set>
+                                      <p:cBhvr>
+                                        <p:cTn id="44" dur="1" fill="hold">
+                                          <p:stCondLst>
+                                            <p:cond delay="0"/>
+                                          </p:stCondLst>
+                                        </p:cTn>
+                                        <p:tgtEl>
+                                          <p:spTgt spid="191"/>
+                                        </p:tgtEl>
+                                        <p:attrNameLst>
+                                          <p:attrName>style.visibility</p:attrName>
+                                        </p:attrNameLst>
+                                      </p:cBhvr>
+                                      <p:to>
+                                        <p:strVal val="visible"/>
+                                      </p:to>
+                                    </p:set>
+                                  </p:childTnLst>
+                                </p:cTn>
+                              </p:par>
+                              <p:par>
+                                <p:cTn id="45" presetID="1" presetClass="entr" presetSubtype="0" fill="hold" nodeType="withEffect">
+                                  <p:stCondLst>
+                                    <p:cond delay="0"/>
+                                  </p:stCondLst>
+                                  <p:childTnLst>
+                                    <p:set>
+                                      <p:cBhvr>
+                                        <p:cTn id="46" dur="1" fill="hold">
+                                          <p:stCondLst>
+                                            <p:cond delay="0"/>
+                                          </p:stCondLst>
+                                        </p:cTn>
+                                        <p:tgtEl>
+                                          <p:spTgt spid="121"/>
+                                        </p:tgtEl>
+                                        <p:attrNameLst>
+                                          <p:attrName>style.visibility</p:attrName>
+                                        </p:attrNameLst>
+                                      </p:cBhvr>
+                                      <p:to>
+                                        <p:strVal val="visible"/>
+                                      </p:to>
+                                    </p:set>
+                                  </p:childTnLst>
+                                </p:cTn>
+                              </p:par>
+                              <p:par>
+                                <p:cTn id="47" presetID="35" presetClass="emph" presetSubtype="0" fill="hold" grpId="0" nodeType="withEffect">
+                                  <p:stCondLst>
+                                    <p:cond delay="0"/>
+                                  </p:stCondLst>
+                                  <p:childTnLst>
+                                    <p:anim calcmode="discrete" valueType="str">
+                                      <p:cBhvr>
+                                        <p:cTn id="48" dur="1000" fill="hold"/>
+                                        <p:tgtEl>
+                                          <p:spTgt spid="1030"/>
+                                        </p:tgtEl>
+                                        <p:attrNameLst>
+                                          <p:attrName>style.visibility</p:attrName>
+                                        </p:attrNameLst>
+                                      </p:cBhvr>
+                                      <p:tavLst>
+                                        <p:tav tm="0">
+                                          <p:val>
+                                            <p:strVal val="hidden"/>
+                                          </p:val>
+                                        </p:tav>
+                                        <p:tav tm="50000">
+                                          <p:val>
+                                            <p:strVal val="visible"/>
+                                          </p:val>
+                                        </p:tav>
+                                      </p:tavLst>
+                                    </p:anim>
+                                  </p:childTnLst>
+                                </p:cTn>
+                              </p:par>
+                              <p:par>
+                                <p:cTn id="49" presetID="35" presetClass="emph" presetSubtype="0" fill="hold" nodeType="withEffect">
+                                  <p:stCondLst>
+                                    <p:cond delay="0"/>
+                                  </p:stCondLst>
+                                  <p:childTnLst>
+                                    <p:anim calcmode="discrete" valueType="str">
+                                      <p:cBhvr>
+                                        <p:cTn id="50" dur="1000" fill="hold"/>
+                                        <p:tgtEl>
+                                          <p:spTgt spid="110"/>
+                                        </p:tgtEl>
+                                        <p:attrNameLst>
+                                          <p:attrName>style.visibility</p:attrName>
+                                        </p:attrNameLst>
+                                      </p:cBhvr>
+                                      <p:tavLst>
+                                        <p:tav tm="0">
+                                          <p:val>
+                                            <p:strVal val="hidden"/>
+                                          </p:val>
+                                        </p:tav>
+                                        <p:tav tm="50000">
+                                          <p:val>
+                                            <p:strVal val="visible"/>
+                                          </p:val>
+                                        </p:tav>
+                                      </p:tavLst>
+                                    </p:anim>
+                                  </p:childTnLst>
+                                </p:cTn>
+                              </p:par>
+                              <p:par>
+                                <p:cTn id="51" presetID="35" presetClass="emph" presetSubtype="0" fill="hold" grpId="1" nodeType="withEffect">
+                                  <p:stCondLst>
+                                    <p:cond delay="0"/>
+                                  </p:stCondLst>
+                                  <p:childTnLst>
+                                    <p:anim calcmode="discrete" valueType="str">
+                                      <p:cBhvr>
+                                        <p:cTn id="52" dur="1000" fill="hold"/>
+                                        <p:tgtEl>
+                                          <p:spTgt spid="108"/>
+                                        </p:tgtEl>
+                                        <p:attrNameLst>
+                                          <p:attrName>style.visibility</p:attrName>
+                                        </p:attrNameLst>
+                                      </p:cBhvr>
+                                      <p:tavLst>
+                                        <p:tav tm="0">
+                                          <p:val>
+                                            <p:strVal val="hidden"/>
+                                          </p:val>
+                                        </p:tav>
+                                        <p:tav tm="50000">
+                                          <p:val>
+                                            <p:strVal val="visible"/>
+                                          </p:val>
+                                        </p:tav>
+                                      </p:tavLst>
+                                    </p:anim>
+                                  </p:childTnLst>
+                                </p:cTn>
+                              </p:par>
+                            </p:childTnLst>
+                          </p:cTn>
+                        </p:par>
+                      </p:childTnLst>
+                    </p:cTn>
+                  </p:par>
+                  <p:par>
+                    <p:cTn id="53" fill="hold">
+                      <p:stCondLst>
+                        <p:cond delay="indefinite"/>
+                      </p:stCondLst>
+                      <p:childTnLst>
+                        <p:par>
+                          <p:cTn id="54" fill="hold">
+                            <p:stCondLst>
+                              <p:cond delay="0"/>
+                            </p:stCondLst>
+                            <p:childTnLst>
+                              <p:par>
+                                <p:cTn id="55" presetID="35" presetClass="emph" presetSubtype="0" fill="hold" nodeType="clickEffect">
+                                  <p:stCondLst>
+                                    <p:cond delay="0"/>
+                                  </p:stCondLst>
+                                  <p:childTnLst>
+                                    <p:anim calcmode="discrete" valueType="str">
+                                      <p:cBhvr>
+                                        <p:cTn id="56" dur="1000" fill="hold"/>
+                                        <p:tgtEl>
+                                          <p:spTgt spid="104"/>
+                                        </p:tgtEl>
+                                        <p:attrNameLst>
+                                          <p:attrName>style.visibility</p:attrName>
+                                        </p:attrNameLst>
+                                      </p:cBhvr>
+                                      <p:tavLst>
+                                        <p:tav tm="0">
+                                          <p:val>
+                                            <p:strVal val="hidden"/>
+                                          </p:val>
+                                        </p:tav>
+                                        <p:tav tm="50000">
+                                          <p:val>
+                                            <p:strVal val="visible"/>
+                                          </p:val>
+                                        </p:tav>
+                                      </p:tavLst>
+                                    </p:anim>
+                                  </p:childTnLst>
+                                </p:cTn>
+                              </p:par>
+                            </p:childTnLst>
+                          </p:cTn>
+                        </p:par>
+                      </p:childTnLst>
+                    </p:cTn>
+                  </p:par>
+                  <p:par>
+                    <p:cTn id="57" fill="hold">
+                      <p:stCondLst>
+                        <p:cond delay="indefinite"/>
+                      </p:stCondLst>
+                      <p:childTnLst>
+                        <p:par>
+                          <p:cTn id="58" fill="hold">
+                            <p:stCondLst>
+                              <p:cond delay="0"/>
+                            </p:stCondLst>
+                            <p:childTnLst>
+                              <p:par>
+                                <p:cTn id="59" presetID="1" presetClass="entr" presetSubtype="0" fill="hold" nodeType="clickEffect">
+                                  <p:stCondLst>
+                                    <p:cond delay="0"/>
+                                  </p:stCondLst>
+                                  <p:childTnLst>
+                                    <p:set>
+                                      <p:cBhvr>
+                                        <p:cTn id="60" dur="1" fill="hold">
+                                          <p:stCondLst>
+                                            <p:cond delay="0"/>
+                                          </p:stCondLst>
+                                        </p:cTn>
+                                        <p:tgtEl>
+                                          <p:spTgt spid="126"/>
+                                        </p:tgtEl>
+                                        <p:attrNameLst>
+                                          <p:attrName>style.visibility</p:attrName>
+                                        </p:attrNameLst>
+                                      </p:cBhvr>
+                                      <p:to>
+                                        <p:strVal val="visible"/>
+                                      </p:to>
+                                    </p:set>
+                                  </p:childTnLst>
+                                </p:cTn>
+                              </p:par>
+                              <p:par>
+                                <p:cTn id="61" presetID="1" presetClass="entr" presetSubtype="0" fill="hold" nodeType="withEffect">
+                                  <p:stCondLst>
+                                    <p:cond delay="0"/>
+                                  </p:stCondLst>
+                                  <p:childTnLst>
+                                    <p:set>
+                                      <p:cBhvr>
+                                        <p:cTn id="62" dur="1" fill="hold">
+                                          <p:stCondLst>
+                                            <p:cond delay="0"/>
+                                          </p:stCondLst>
+                                        </p:cTn>
+                                        <p:tgtEl>
+                                          <p:spTgt spid="199"/>
+                                        </p:tgtEl>
+                                        <p:attrNameLst>
+                                          <p:attrName>style.visibility</p:attrName>
+                                        </p:attrNameLst>
+                                      </p:cBhvr>
+                                      <p:to>
+                                        <p:strVal val="visible"/>
+                                      </p:to>
+                                    </p:set>
+                                  </p:childTnLst>
+                                </p:cTn>
+                              </p:par>
+                            </p:childTnLst>
+                          </p:cTn>
+                        </p:par>
+                      </p:childTnLst>
+                    </p:cTn>
+                  </p:par>
+                  <p:par>
+                    <p:cTn id="63" fill="hold">
+                      <p:stCondLst>
+                        <p:cond delay="indefinite"/>
+                      </p:stCondLst>
+                      <p:childTnLst>
+                        <p:par>
+                          <p:cTn id="64" fill="hold">
+                            <p:stCondLst>
+                              <p:cond delay="0"/>
+                            </p:stCondLst>
+                            <p:childTnLst>
+                              <p:par>
+                                <p:cTn id="65" presetID="35" presetClass="emph" presetSubtype="0" fill="hold" nodeType="clickEffect">
+                                  <p:stCondLst>
+                                    <p:cond delay="0"/>
+                                  </p:stCondLst>
+                                  <p:childTnLst>
+                                    <p:anim calcmode="discrete" valueType="str">
+                                      <p:cBhvr>
+                                        <p:cTn id="66" dur="1000" fill="hold"/>
+                                        <p:tgtEl>
+                                          <p:spTgt spid="96"/>
+                                        </p:tgtEl>
+                                        <p:attrNameLst>
+                                          <p:attrName>style.visibility</p:attrName>
+                                        </p:attrNameLst>
+                                      </p:cBhvr>
+                                      <p:tavLst>
+                                        <p:tav tm="0">
+                                          <p:val>
+                                            <p:strVal val="hidden"/>
+                                          </p:val>
+                                        </p:tav>
+                                        <p:tav tm="50000">
+                                          <p:val>
+                                            <p:strVal val="visible"/>
+                                          </p:val>
+                                        </p:tav>
+                                      </p:tavLst>
+                                    </p:anim>
+                                  </p:childTnLst>
+                                </p:cTn>
+                              </p:par>
+                              <p:par>
+                                <p:cTn id="67" presetID="35" presetClass="emph" presetSubtype="0" fill="hold" nodeType="withEffect">
+                                  <p:stCondLst>
+                                    <p:cond delay="0"/>
+                                  </p:stCondLst>
+                                  <p:childTnLst>
+                                    <p:anim calcmode="discrete" valueType="str">
+                                      <p:cBhvr>
+                                        <p:cTn id="68" dur="1000" fill="hold"/>
+                                        <p:tgtEl>
+                                          <p:spTgt spid="6"/>
+                                        </p:tgtEl>
+                                        <p:attrNameLst>
+                                          <p:attrName>style.visibility</p:attrName>
+                                        </p:attrNameLst>
+                                      </p:cBhvr>
+                                      <p:tavLst>
+                                        <p:tav tm="0">
+                                          <p:val>
+                                            <p:strVal val="hidden"/>
+                                          </p:val>
+                                        </p:tav>
+                                        <p:tav tm="50000">
+                                          <p:val>
+                                            <p:strVal val="visible"/>
+                                          </p:val>
+                                        </p:tav>
+                                      </p:tavLst>
+                                    </p:anim>
+                                  </p:childTnLst>
+                                </p:cTn>
+                              </p:par>
+                            </p:childTnLst>
+                          </p:cTn>
+                        </p:par>
+                      </p:childTnLst>
+                    </p:cTn>
+                  </p:par>
+                </p:childTnLst>
+              </p:cTn>
+              <p:prevCondLst>
+                <p:cond evt="onPrev" delay="0">
+                  <p:tgtEl>
+                    <p:sldTgt/>
+                  </p:tgtEl>
+                </p:cond>
+              </p:prevCondLst>
+              <p:nextCondLst>
+                <p:cond evt="onNext" delay="0">
+                  <p:tgtEl>
+                    <p:sldTgt/>
+                  </p:tgtEl>
+                </p:cond>
+              </p:nextCondLst>
+            </p:seq>
+          </p:childTnLst>
+        </p:cTn>
+      </p:par>
+    </p:tnLst>
+    <p:bldLst>
+      <p:bldP spid="89" grpId="0"/>
+      <p:bldP spid="108" grpId="1" animBg="1"/>
+      <p:bldP spid="1030" grpId="0" animBg="1"/>
+      <p:bldP spid="131" grpId="0" animBg="1"/>
+    </p:bldLst>
+  </p:timing>
 </p:sld>
 </file>
 

--- a/optimization/docs/st-architecture.pptx
+++ b/optimization/docs/st-architecture.pptx
@@ -4,6 +4,9 @@
   <p:sldMasterIdLst>
     <p:sldMasterId id="2147483876" r:id="rId1"/>
   </p:sldMasterIdLst>
+  <p:notesMasterIdLst>
+    <p:notesMasterId r:id="rId6"/>
+  </p:notesMasterIdLst>
   <p:sldIdLst>
     <p:sldId id="259" r:id="rId2"/>
     <p:sldId id="261" r:id="rId3"/>
@@ -2705,12 +2708,25 @@
         <a:lstStyle/>
         <a:p>
           <a:r>
-            <a:rPr lang="en-US">
-              <a:hlinkClick xmlns:r="http://schemas.openxmlformats.org/officeDocument/2006/relationships" r:id="rId1"/>
+            <a:rPr lang="en-US" dirty="0">
+              <a:solidFill>
+                <a:schemeClr val="bg1"/>
+              </a:solidFill>
+              <a:hlinkClick xmlns:r="http://schemas.openxmlformats.org/officeDocument/2006/relationships" r:id="rId1">
+                <a:extLst>
+                  <a:ext uri="{A12FA001-AC4F-418D-AE19-62706E023703}">
+                    <ahyp:hlinkClr xmlns:ahyp="http://schemas.microsoft.com/office/drawing/2018/hyperlinkcolor" val="tx"/>
+                  </a:ext>
+                </a:extLst>
+              </a:hlinkClick>
             </a:rPr>
             <a:t>https://github.com/stakater/Reloader</a:t>
           </a:r>
-          <a:endParaRPr lang="en-CA"/>
+          <a:endParaRPr lang="en-CA" dirty="0">
+            <a:solidFill>
+              <a:schemeClr val="bg1"/>
+            </a:solidFill>
+          </a:endParaRPr>
         </a:p>
       </dgm:t>
     </dgm:pt>
@@ -4768,12 +4784,25 @@
             <a:buChar char="•"/>
           </a:pPr>
           <a:r>
-            <a:rPr lang="en-US" sz="600" kern="1200">
-              <a:hlinkClick xmlns:r="http://schemas.openxmlformats.org/officeDocument/2006/relationships" r:id="rId3"/>
+            <a:rPr lang="en-US" sz="600" kern="1200" dirty="0">
+              <a:solidFill>
+                <a:schemeClr val="bg1"/>
+              </a:solidFill>
+              <a:hlinkClick xmlns:r="http://schemas.openxmlformats.org/officeDocument/2006/relationships" r:id="rId3">
+                <a:extLst>
+                  <a:ext uri="{A12FA001-AC4F-418D-AE19-62706E023703}">
+                    <ahyp:hlinkClr xmlns:ahyp="http://schemas.microsoft.com/office/drawing/2018/hyperlinkcolor" val="tx"/>
+                  </a:ext>
+                </a:extLst>
+              </a:hlinkClick>
             </a:rPr>
             <a:t>https://github.com/stakater/Reloader</a:t>
           </a:r>
-          <a:endParaRPr lang="en-CA" sz="600" kern="1200"/>
+          <a:endParaRPr lang="en-CA" sz="600" kern="1200" dirty="0">
+            <a:solidFill>
+              <a:schemeClr val="bg1"/>
+            </a:solidFill>
+          </a:endParaRPr>
         </a:p>
       </dsp:txBody>
       <dsp:txXfrm rot="10800000">
@@ -7853,6 +7882,439 @@
     </dgm:style>
   </dgm:styleLbl>
 </dgm:styleDef>
+</file>
+
+<file path=ppt/notesMasters/notesMaster1.xml><?xml version="1.0" encoding="utf-8"?>
+<p:notesMaster xmlns:a="http://schemas.openxmlformats.org/drawingml/2006/main" xmlns:r="http://schemas.openxmlformats.org/officeDocument/2006/relationships" xmlns:p="http://schemas.openxmlformats.org/presentationml/2006/main">
+  <p:cSld>
+    <p:bg>
+      <p:bgRef idx="1001">
+        <a:schemeClr val="bg1"/>
+      </p:bgRef>
+    </p:bg>
+    <p:spTree>
+      <p:nvGrpSpPr>
+        <p:cNvPr id="1" name=""/>
+        <p:cNvGrpSpPr/>
+        <p:nvPr/>
+      </p:nvGrpSpPr>
+      <p:grpSpPr>
+        <a:xfrm>
+          <a:off x="0" y="0"/>
+          <a:ext cx="0" cy="0"/>
+          <a:chOff x="0" y="0"/>
+          <a:chExt cx="0" cy="0"/>
+        </a:xfrm>
+      </p:grpSpPr>
+      <p:sp>
+        <p:nvSpPr>
+          <p:cNvPr id="2" name="Header Placeholder 1"/>
+          <p:cNvSpPr>
+            <a:spLocks noGrp="1"/>
+          </p:cNvSpPr>
+          <p:nvPr>
+            <p:ph type="hdr" sz="quarter"/>
+          </p:nvPr>
+        </p:nvSpPr>
+        <p:spPr>
+          <a:xfrm>
+            <a:off x="0" y="0"/>
+            <a:ext cx="2971800" cy="458788"/>
+          </a:xfrm>
+          <a:prstGeom prst="rect">
+            <a:avLst/>
+          </a:prstGeom>
+        </p:spPr>
+        <p:txBody>
+          <a:bodyPr vert="horz" lIns="91440" tIns="45720" rIns="91440" bIns="45720" rtlCol="0"/>
+          <a:lstStyle>
+            <a:lvl1pPr algn="l">
+              <a:defRPr sz="1200"/>
+            </a:lvl1pPr>
+          </a:lstStyle>
+          <a:p>
+            <a:endParaRPr lang="en-US"/>
+          </a:p>
+        </p:txBody>
+      </p:sp>
+      <p:sp>
+        <p:nvSpPr>
+          <p:cNvPr id="3" name="Date Placeholder 2"/>
+          <p:cNvSpPr>
+            <a:spLocks noGrp="1"/>
+          </p:cNvSpPr>
+          <p:nvPr>
+            <p:ph type="dt" idx="1"/>
+          </p:nvPr>
+        </p:nvSpPr>
+        <p:spPr>
+          <a:xfrm>
+            <a:off x="3884613" y="0"/>
+            <a:ext cx="2971800" cy="458788"/>
+          </a:xfrm>
+          <a:prstGeom prst="rect">
+            <a:avLst/>
+          </a:prstGeom>
+        </p:spPr>
+        <p:txBody>
+          <a:bodyPr vert="horz" lIns="91440" tIns="45720" rIns="91440" bIns="45720" rtlCol="0"/>
+          <a:lstStyle>
+            <a:lvl1pPr algn="r">
+              <a:defRPr sz="1200"/>
+            </a:lvl1pPr>
+          </a:lstStyle>
+          <a:p>
+            <a:fld id="{407FA39D-479C-4B4B-A682-57FED4042024}" type="datetimeFigureOut">
+              <a:rPr lang="en-US" smtClean="0"/>
+              <a:t>10/7/21</a:t>
+            </a:fld>
+            <a:endParaRPr lang="en-US"/>
+          </a:p>
+        </p:txBody>
+      </p:sp>
+      <p:sp>
+        <p:nvSpPr>
+          <p:cNvPr id="4" name="Slide Image Placeholder 3"/>
+          <p:cNvSpPr>
+            <a:spLocks noGrp="1" noRot="1" noChangeAspect="1"/>
+          </p:cNvSpPr>
+          <p:nvPr>
+            <p:ph type="sldImg" idx="2"/>
+          </p:nvPr>
+        </p:nvSpPr>
+        <p:spPr>
+          <a:xfrm>
+            <a:off x="685800" y="1143000"/>
+            <a:ext cx="5486400" cy="3086100"/>
+          </a:xfrm>
+          <a:prstGeom prst="rect">
+            <a:avLst/>
+          </a:prstGeom>
+          <a:noFill/>
+          <a:ln w="12700">
+            <a:solidFill>
+              <a:prstClr val="black"/>
+            </a:solidFill>
+          </a:ln>
+        </p:spPr>
+        <p:txBody>
+          <a:bodyPr vert="horz" lIns="91440" tIns="45720" rIns="91440" bIns="45720" rtlCol="0" anchor="ctr"/>
+          <a:lstStyle/>
+          <a:p>
+            <a:endParaRPr lang="en-US"/>
+          </a:p>
+        </p:txBody>
+      </p:sp>
+      <p:sp>
+        <p:nvSpPr>
+          <p:cNvPr id="5" name="Notes Placeholder 4"/>
+          <p:cNvSpPr>
+            <a:spLocks noGrp="1"/>
+          </p:cNvSpPr>
+          <p:nvPr>
+            <p:ph type="body" sz="quarter" idx="3"/>
+          </p:nvPr>
+        </p:nvSpPr>
+        <p:spPr>
+          <a:xfrm>
+            <a:off x="685800" y="4400550"/>
+            <a:ext cx="5486400" cy="3600450"/>
+          </a:xfrm>
+          <a:prstGeom prst="rect">
+            <a:avLst/>
+          </a:prstGeom>
+        </p:spPr>
+        <p:txBody>
+          <a:bodyPr vert="horz" lIns="91440" tIns="45720" rIns="91440" bIns="45720" rtlCol="0"/>
+          <a:lstStyle/>
+          <a:p>
+            <a:pPr lvl="0"/>
+            <a:r>
+              <a:rPr lang="en-US"/>
+              <a:t>Click to edit Master text styles</a:t>
+            </a:r>
+          </a:p>
+          <a:p>
+            <a:pPr lvl="1"/>
+            <a:r>
+              <a:rPr lang="en-US"/>
+              <a:t>Second level</a:t>
+            </a:r>
+          </a:p>
+          <a:p>
+            <a:pPr lvl="2"/>
+            <a:r>
+              <a:rPr lang="en-US"/>
+              <a:t>Third level</a:t>
+            </a:r>
+          </a:p>
+          <a:p>
+            <a:pPr lvl="3"/>
+            <a:r>
+              <a:rPr lang="en-US"/>
+              <a:t>Fourth level</a:t>
+            </a:r>
+          </a:p>
+          <a:p>
+            <a:pPr lvl="4"/>
+            <a:r>
+              <a:rPr lang="en-US"/>
+              <a:t>Fifth level</a:t>
+            </a:r>
+          </a:p>
+        </p:txBody>
+      </p:sp>
+      <p:sp>
+        <p:nvSpPr>
+          <p:cNvPr id="6" name="Footer Placeholder 5"/>
+          <p:cNvSpPr>
+            <a:spLocks noGrp="1"/>
+          </p:cNvSpPr>
+          <p:nvPr>
+            <p:ph type="ftr" sz="quarter" idx="4"/>
+          </p:nvPr>
+        </p:nvSpPr>
+        <p:spPr>
+          <a:xfrm>
+            <a:off x="0" y="8685213"/>
+            <a:ext cx="2971800" cy="458787"/>
+          </a:xfrm>
+          <a:prstGeom prst="rect">
+            <a:avLst/>
+          </a:prstGeom>
+        </p:spPr>
+        <p:txBody>
+          <a:bodyPr vert="horz" lIns="91440" tIns="45720" rIns="91440" bIns="45720" rtlCol="0" anchor="b"/>
+          <a:lstStyle>
+            <a:lvl1pPr algn="l">
+              <a:defRPr sz="1200"/>
+            </a:lvl1pPr>
+          </a:lstStyle>
+          <a:p>
+            <a:endParaRPr lang="en-US"/>
+          </a:p>
+        </p:txBody>
+      </p:sp>
+      <p:sp>
+        <p:nvSpPr>
+          <p:cNvPr id="7" name="Slide Number Placeholder 6"/>
+          <p:cNvSpPr>
+            <a:spLocks noGrp="1"/>
+          </p:cNvSpPr>
+          <p:nvPr>
+            <p:ph type="sldNum" sz="quarter" idx="5"/>
+          </p:nvPr>
+        </p:nvSpPr>
+        <p:spPr>
+          <a:xfrm>
+            <a:off x="3884613" y="8685213"/>
+            <a:ext cx="2971800" cy="458787"/>
+          </a:xfrm>
+          <a:prstGeom prst="rect">
+            <a:avLst/>
+          </a:prstGeom>
+        </p:spPr>
+        <p:txBody>
+          <a:bodyPr vert="horz" lIns="91440" tIns="45720" rIns="91440" bIns="45720" rtlCol="0" anchor="b"/>
+          <a:lstStyle>
+            <a:lvl1pPr algn="r">
+              <a:defRPr sz="1200"/>
+            </a:lvl1pPr>
+          </a:lstStyle>
+          <a:p>
+            <a:fld id="{9040DE20-258B-B74D-B473-B4A35AF6BB54}" type="slidenum">
+              <a:rPr lang="en-US" smtClean="0"/>
+              <a:t>‹#›</a:t>
+            </a:fld>
+            <a:endParaRPr lang="en-US"/>
+          </a:p>
+        </p:txBody>
+      </p:sp>
+    </p:spTree>
+    <p:extLst>
+      <p:ext uri="{BB962C8B-B14F-4D97-AF65-F5344CB8AC3E}">
+        <p14:creationId xmlns:p14="http://schemas.microsoft.com/office/powerpoint/2010/main" val="3611538302"/>
+      </p:ext>
+    </p:extLst>
+  </p:cSld>
+  <p:clrMap bg1="lt1" tx1="dk1" bg2="lt2" tx2="dk2" accent1="accent1" accent2="accent2" accent3="accent3" accent4="accent4" accent5="accent5" accent6="accent6" hlink="hlink" folHlink="folHlink"/>
+  <p:notesStyle>
+    <a:lvl1pPr marL="0" algn="l" defTabSz="914400" rtl="0" eaLnBrk="1" latinLnBrk="0" hangingPunct="1">
+      <a:defRPr sz="1200" kern="1200">
+        <a:solidFill>
+          <a:schemeClr val="tx1"/>
+        </a:solidFill>
+        <a:latin typeface="+mn-lt"/>
+        <a:ea typeface="+mn-ea"/>
+        <a:cs typeface="+mn-cs"/>
+      </a:defRPr>
+    </a:lvl1pPr>
+    <a:lvl2pPr marL="457200" algn="l" defTabSz="914400" rtl="0" eaLnBrk="1" latinLnBrk="0" hangingPunct="1">
+      <a:defRPr sz="1200" kern="1200">
+        <a:solidFill>
+          <a:schemeClr val="tx1"/>
+        </a:solidFill>
+        <a:latin typeface="+mn-lt"/>
+        <a:ea typeface="+mn-ea"/>
+        <a:cs typeface="+mn-cs"/>
+      </a:defRPr>
+    </a:lvl2pPr>
+    <a:lvl3pPr marL="914400" algn="l" defTabSz="914400" rtl="0" eaLnBrk="1" latinLnBrk="0" hangingPunct="1">
+      <a:defRPr sz="1200" kern="1200">
+        <a:solidFill>
+          <a:schemeClr val="tx1"/>
+        </a:solidFill>
+        <a:latin typeface="+mn-lt"/>
+        <a:ea typeface="+mn-ea"/>
+        <a:cs typeface="+mn-cs"/>
+      </a:defRPr>
+    </a:lvl3pPr>
+    <a:lvl4pPr marL="1371600" algn="l" defTabSz="914400" rtl="0" eaLnBrk="1" latinLnBrk="0" hangingPunct="1">
+      <a:defRPr sz="1200" kern="1200">
+        <a:solidFill>
+          <a:schemeClr val="tx1"/>
+        </a:solidFill>
+        <a:latin typeface="+mn-lt"/>
+        <a:ea typeface="+mn-ea"/>
+        <a:cs typeface="+mn-cs"/>
+      </a:defRPr>
+    </a:lvl4pPr>
+    <a:lvl5pPr marL="1828800" algn="l" defTabSz="914400" rtl="0" eaLnBrk="1" latinLnBrk="0" hangingPunct="1">
+      <a:defRPr sz="1200" kern="1200">
+        <a:solidFill>
+          <a:schemeClr val="tx1"/>
+        </a:solidFill>
+        <a:latin typeface="+mn-lt"/>
+        <a:ea typeface="+mn-ea"/>
+        <a:cs typeface="+mn-cs"/>
+      </a:defRPr>
+    </a:lvl5pPr>
+    <a:lvl6pPr marL="2286000" algn="l" defTabSz="914400" rtl="0" eaLnBrk="1" latinLnBrk="0" hangingPunct="1">
+      <a:defRPr sz="1200" kern="1200">
+        <a:solidFill>
+          <a:schemeClr val="tx1"/>
+        </a:solidFill>
+        <a:latin typeface="+mn-lt"/>
+        <a:ea typeface="+mn-ea"/>
+        <a:cs typeface="+mn-cs"/>
+      </a:defRPr>
+    </a:lvl6pPr>
+    <a:lvl7pPr marL="2743200" algn="l" defTabSz="914400" rtl="0" eaLnBrk="1" latinLnBrk="0" hangingPunct="1">
+      <a:defRPr sz="1200" kern="1200">
+        <a:solidFill>
+          <a:schemeClr val="tx1"/>
+        </a:solidFill>
+        <a:latin typeface="+mn-lt"/>
+        <a:ea typeface="+mn-ea"/>
+        <a:cs typeface="+mn-cs"/>
+      </a:defRPr>
+    </a:lvl7pPr>
+    <a:lvl8pPr marL="3200400" algn="l" defTabSz="914400" rtl="0" eaLnBrk="1" latinLnBrk="0" hangingPunct="1">
+      <a:defRPr sz="1200" kern="1200">
+        <a:solidFill>
+          <a:schemeClr val="tx1"/>
+        </a:solidFill>
+        <a:latin typeface="+mn-lt"/>
+        <a:ea typeface="+mn-ea"/>
+        <a:cs typeface="+mn-cs"/>
+      </a:defRPr>
+    </a:lvl8pPr>
+    <a:lvl9pPr marL="3657600" algn="l" defTabSz="914400" rtl="0" eaLnBrk="1" latinLnBrk="0" hangingPunct="1">
+      <a:defRPr sz="1200" kern="1200">
+        <a:solidFill>
+          <a:schemeClr val="tx1"/>
+        </a:solidFill>
+        <a:latin typeface="+mn-lt"/>
+        <a:ea typeface="+mn-ea"/>
+        <a:cs typeface="+mn-cs"/>
+      </a:defRPr>
+    </a:lvl9pPr>
+  </p:notesStyle>
+</p:notesMaster>
+</file>
+
+<file path=ppt/notesSlides/notesSlide1.xml><?xml version="1.0" encoding="utf-8"?>
+<p:notes xmlns:a="http://schemas.openxmlformats.org/drawingml/2006/main" xmlns:r="http://schemas.openxmlformats.org/officeDocument/2006/relationships" xmlns:p="http://schemas.openxmlformats.org/presentationml/2006/main">
+  <p:cSld>
+    <p:spTree>
+      <p:nvGrpSpPr>
+        <p:cNvPr id="1" name=""/>
+        <p:cNvGrpSpPr/>
+        <p:nvPr/>
+      </p:nvGrpSpPr>
+      <p:grpSpPr>
+        <a:xfrm>
+          <a:off x="0" y="0"/>
+          <a:ext cx="0" cy="0"/>
+          <a:chOff x="0" y="0"/>
+          <a:chExt cx="0" cy="0"/>
+        </a:xfrm>
+      </p:grpSpPr>
+      <p:sp>
+        <p:nvSpPr>
+          <p:cNvPr id="2" name="Slide Image Placeholder 1"/>
+          <p:cNvSpPr>
+            <a:spLocks noGrp="1" noRot="1" noChangeAspect="1"/>
+          </p:cNvSpPr>
+          <p:nvPr>
+            <p:ph type="sldImg"/>
+          </p:nvPr>
+        </p:nvSpPr>
+        <p:spPr/>
+      </p:sp>
+      <p:sp>
+        <p:nvSpPr>
+          <p:cNvPr id="3" name="Notes Placeholder 2"/>
+          <p:cNvSpPr>
+            <a:spLocks noGrp="1"/>
+          </p:cNvSpPr>
+          <p:nvPr>
+            <p:ph type="body" idx="1"/>
+          </p:nvPr>
+        </p:nvSpPr>
+        <p:spPr/>
+        <p:txBody>
+          <a:bodyPr/>
+          <a:lstStyle/>
+          <a:p>
+            <a:endParaRPr lang="en-US" dirty="0"/>
+          </a:p>
+        </p:txBody>
+      </p:sp>
+      <p:sp>
+        <p:nvSpPr>
+          <p:cNvPr id="4" name="Slide Number Placeholder 3"/>
+          <p:cNvSpPr>
+            <a:spLocks noGrp="1"/>
+          </p:cNvSpPr>
+          <p:nvPr>
+            <p:ph type="sldNum" sz="quarter" idx="5"/>
+          </p:nvPr>
+        </p:nvSpPr>
+        <p:spPr/>
+        <p:txBody>
+          <a:bodyPr/>
+          <a:lstStyle/>
+          <a:p>
+            <a:fld id="{9040DE20-258B-B74D-B473-B4A35AF6BB54}" type="slidenum">
+              <a:rPr lang="en-US" smtClean="0"/>
+              <a:t>2</a:t>
+            </a:fld>
+            <a:endParaRPr lang="en-US"/>
+          </a:p>
+        </p:txBody>
+      </p:sp>
+    </p:spTree>
+    <p:extLst>
+      <p:ext uri="{BB962C8B-B14F-4D97-AF65-F5344CB8AC3E}">
+        <p14:creationId xmlns:p14="http://schemas.microsoft.com/office/powerpoint/2010/main" val="1816063772"/>
+      </p:ext>
+    </p:extLst>
+  </p:cSld>
+  <p:clrMapOvr>
+    <a:masterClrMapping/>
+  </p:clrMapOvr>
+</p:notes>
 </file>
 
 <file path=ppt/slideLayouts/slideLayout1.xml><?xml version="1.0" encoding="utf-8"?>
@@ -12023,7 +12485,7 @@
             <p:nvPr/>
           </p:nvPicPr>
           <p:blipFill>
-            <a:blip r:embed="rId2">
+            <a:blip r:embed="rId3">
               <a:extLst>
                 <a:ext uri="{28A0092B-C50C-407E-A947-70E740481C1C}">
                   <a14:useLocalDpi xmlns:a14="http://schemas.microsoft.com/office/drawing/2010/main" val="0"/>
@@ -12393,10 +12855,10 @@
             <p:nvPr/>
           </p:nvPicPr>
           <p:blipFill>
-            <a:blip r:embed="rId3">
+            <a:blip r:embed="rId4">
               <a:extLst>
                 <a:ext uri="{96DAC541-7B7A-43D3-8B79-37D633B846F1}">
-                  <asvg:svgBlip xmlns:asvg="http://schemas.microsoft.com/office/drawing/2016/SVG/main" r:embed="rId4"/>
+                  <asvg:svgBlip xmlns:asvg="http://schemas.microsoft.com/office/drawing/2016/SVG/main" r:embed="rId5"/>
                 </a:ext>
               </a:extLst>
             </a:blip>
@@ -12558,10 +13020,10 @@
             <p:nvPr/>
           </p:nvPicPr>
           <p:blipFill>
-            <a:blip r:embed="rId5">
+            <a:blip r:embed="rId6">
               <a:extLst>
                 <a:ext uri="{96DAC541-7B7A-43D3-8B79-37D633B846F1}">
-                  <asvg:svgBlip xmlns:asvg="http://schemas.microsoft.com/office/drawing/2016/SVG/main" r:embed="rId6"/>
+                  <asvg:svgBlip xmlns:asvg="http://schemas.microsoft.com/office/drawing/2016/SVG/main" r:embed="rId7"/>
                 </a:ext>
               </a:extLst>
             </a:blip>
@@ -12679,10 +13141,10 @@
             <p:nvPr/>
           </p:nvPicPr>
           <p:blipFill>
-            <a:blip r:embed="rId7">
+            <a:blip r:embed="rId8">
               <a:extLst>
                 <a:ext uri="{96DAC541-7B7A-43D3-8B79-37D633B846F1}">
-                  <asvg:svgBlip xmlns:asvg="http://schemas.microsoft.com/office/drawing/2016/SVG/main" r:embed="rId8"/>
+                  <asvg:svgBlip xmlns:asvg="http://schemas.microsoft.com/office/drawing/2016/SVG/main" r:embed="rId9"/>
                 </a:ext>
               </a:extLst>
             </a:blip>
@@ -12769,7 +13231,7 @@
           <p:nvPr/>
         </p:nvPicPr>
         <p:blipFill>
-          <a:blip r:embed="rId2">
+          <a:blip r:embed="rId3">
             <a:extLst>
               <a:ext uri="{28A0092B-C50C-407E-A947-70E740481C1C}">
                 <a14:useLocalDpi xmlns:a14="http://schemas.microsoft.com/office/drawing/2010/main" val="0"/>
@@ -12900,10 +13362,10 @@
             <p:nvPr/>
           </p:nvPicPr>
           <p:blipFill>
-            <a:blip r:embed="rId9">
+            <a:blip r:embed="rId10">
               <a:extLst>
                 <a:ext uri="{96DAC541-7B7A-43D3-8B79-37D633B846F1}">
-                  <asvg:svgBlip xmlns:asvg="http://schemas.microsoft.com/office/drawing/2016/SVG/main" r:embed="rId10"/>
+                  <asvg:svgBlip xmlns:asvg="http://schemas.microsoft.com/office/drawing/2016/SVG/main" r:embed="rId11"/>
                 </a:ext>
               </a:extLst>
             </a:blip>
@@ -13021,10 +13483,10 @@
             <p:nvPr/>
           </p:nvPicPr>
           <p:blipFill>
-            <a:blip r:embed="rId11">
+            <a:blip r:embed="rId12">
               <a:extLst>
                 <a:ext uri="{96DAC541-7B7A-43D3-8B79-37D633B846F1}">
-                  <asvg:svgBlip xmlns:asvg="http://schemas.microsoft.com/office/drawing/2016/SVG/main" r:embed="rId12"/>
+                  <asvg:svgBlip xmlns:asvg="http://schemas.microsoft.com/office/drawing/2016/SVG/main" r:embed="rId13"/>
                 </a:ext>
               </a:extLst>
             </a:blip>
@@ -13137,10 +13599,10 @@
             <p:nvPr/>
           </p:nvPicPr>
           <p:blipFill>
-            <a:blip r:embed="rId13">
+            <a:blip r:embed="rId14">
               <a:extLst>
                 <a:ext uri="{96DAC541-7B7A-43D3-8B79-37D633B846F1}">
-                  <asvg:svgBlip xmlns:asvg="http://schemas.microsoft.com/office/drawing/2016/SVG/main" r:embed="rId14"/>
+                  <asvg:svgBlip xmlns:asvg="http://schemas.microsoft.com/office/drawing/2016/SVG/main" r:embed="rId15"/>
                 </a:ext>
               </a:extLst>
             </a:blip>
@@ -15691,10 +16153,10 @@
             <p:nvPr/>
           </p:nvPicPr>
           <p:blipFill>
-            <a:blip r:embed="rId15">
+            <a:blip r:embed="rId16">
               <a:extLst>
                 <a:ext uri="{96DAC541-7B7A-43D3-8B79-37D633B846F1}">
-                  <asvg:svgBlip xmlns:asvg="http://schemas.microsoft.com/office/drawing/2016/SVG/main" r:embed="rId16"/>
+                  <asvg:svgBlip xmlns:asvg="http://schemas.microsoft.com/office/drawing/2016/SVG/main" r:embed="rId17"/>
                 </a:ext>
               </a:extLst>
             </a:blip>
@@ -15804,7 +16266,7 @@
             <p:nvPr/>
           </p:nvPicPr>
           <p:blipFill rotWithShape="1">
-            <a:blip r:embed="rId17">
+            <a:blip r:embed="rId18">
               <a:extLst>
                 <a:ext uri="{28A0092B-C50C-407E-A947-70E740481C1C}">
                   <a14:useLocalDpi xmlns:a14="http://schemas.microsoft.com/office/drawing/2010/main" val="0"/>
@@ -17887,7 +18349,13 @@
             </a:extLst>
           </p:cNvPr>
           <p:cNvGraphicFramePr/>
-          <p:nvPr/>
+          <p:nvPr>
+            <p:extLst>
+              <p:ext uri="{D42A27DB-BD31-4B8C-83A1-F6EECF244321}">
+                <p14:modId xmlns:p14="http://schemas.microsoft.com/office/powerpoint/2010/main" val="1413790410"/>
+              </p:ext>
+            </p:extLst>
+          </p:nvPr>
         </p:nvGraphicFramePr>
         <p:xfrm>
           <a:off x="5648457" y="379824"/>
@@ -18770,4 +19238,299 @@
     </a:ext>
   </a:extLst>
 </a:theme>
+</file>
+
+<file path=ppt/theme/theme2.xml><?xml version="1.0" encoding="utf-8"?>
+<a:theme xmlns:a="http://schemas.openxmlformats.org/drawingml/2006/main" name="Office Theme">
+  <a:themeElements>
+    <a:clrScheme name="Office">
+      <a:dk1>
+        <a:sysClr val="windowText" lastClr="000000"/>
+      </a:dk1>
+      <a:lt1>
+        <a:sysClr val="window" lastClr="FFFFFF"/>
+      </a:lt1>
+      <a:dk2>
+        <a:srgbClr val="44546A"/>
+      </a:dk2>
+      <a:lt2>
+        <a:srgbClr val="E7E6E6"/>
+      </a:lt2>
+      <a:accent1>
+        <a:srgbClr val="4472C4"/>
+      </a:accent1>
+      <a:accent2>
+        <a:srgbClr val="ED7D31"/>
+      </a:accent2>
+      <a:accent3>
+        <a:srgbClr val="A5A5A5"/>
+      </a:accent3>
+      <a:accent4>
+        <a:srgbClr val="FFC000"/>
+      </a:accent4>
+      <a:accent5>
+        <a:srgbClr val="5B9BD5"/>
+      </a:accent5>
+      <a:accent6>
+        <a:srgbClr val="70AD47"/>
+      </a:accent6>
+      <a:hlink>
+        <a:srgbClr val="0563C1"/>
+      </a:hlink>
+      <a:folHlink>
+        <a:srgbClr val="954F72"/>
+      </a:folHlink>
+    </a:clrScheme>
+    <a:fontScheme name="Office">
+      <a:majorFont>
+        <a:latin typeface="Calibri Light" panose="020F0302020204030204"/>
+        <a:ea typeface=""/>
+        <a:cs typeface=""/>
+        <a:font script="Jpan" typeface="游ゴシック Light"/>
+        <a:font script="Hang" typeface="맑은 고딕"/>
+        <a:font script="Hans" typeface="等线 Light"/>
+        <a:font script="Hant" typeface="新細明體"/>
+        <a:font script="Arab" typeface="Times New Roman"/>
+        <a:font script="Hebr" typeface="Times New Roman"/>
+        <a:font script="Thai" typeface="Angsana New"/>
+        <a:font script="Ethi" typeface="Nyala"/>
+        <a:font script="Beng" typeface="Vrinda"/>
+        <a:font script="Gujr" typeface="Shruti"/>
+        <a:font script="Khmr" typeface="MoolBoran"/>
+        <a:font script="Knda" typeface="Tunga"/>
+        <a:font script="Guru" typeface="Raavi"/>
+        <a:font script="Cans" typeface="Euphemia"/>
+        <a:font script="Cher" typeface="Plantagenet Cherokee"/>
+        <a:font script="Yiii" typeface="Microsoft Yi Baiti"/>
+        <a:font script="Tibt" typeface="Microsoft Himalaya"/>
+        <a:font script="Thaa" typeface="MV Boli"/>
+        <a:font script="Deva" typeface="Mangal"/>
+        <a:font script="Telu" typeface="Gautami"/>
+        <a:font script="Taml" typeface="Latha"/>
+        <a:font script="Syrc" typeface="Estrangelo Edessa"/>
+        <a:font script="Orya" typeface="Kalinga"/>
+        <a:font script="Mlym" typeface="Kartika"/>
+        <a:font script="Laoo" typeface="DokChampa"/>
+        <a:font script="Sinh" typeface="Iskoola Pota"/>
+        <a:font script="Mong" typeface="Mongolian Baiti"/>
+        <a:font script="Viet" typeface="Times New Roman"/>
+        <a:font script="Uigh" typeface="Microsoft Uighur"/>
+        <a:font script="Geor" typeface="Sylfaen"/>
+        <a:font script="Armn" typeface="Arial"/>
+        <a:font script="Bugi" typeface="Leelawadee UI"/>
+        <a:font script="Bopo" typeface="Microsoft JhengHei"/>
+        <a:font script="Java" typeface="Javanese Text"/>
+        <a:font script="Lisu" typeface="Segoe UI"/>
+        <a:font script="Mymr" typeface="Myanmar Text"/>
+        <a:font script="Nkoo" typeface="Ebrima"/>
+        <a:font script="Olck" typeface="Nirmala UI"/>
+        <a:font script="Osma" typeface="Ebrima"/>
+        <a:font script="Phag" typeface="Phagspa"/>
+        <a:font script="Syrn" typeface="Estrangelo Edessa"/>
+        <a:font script="Syrj" typeface="Estrangelo Edessa"/>
+        <a:font script="Syre" typeface="Estrangelo Edessa"/>
+        <a:font script="Sora" typeface="Nirmala UI"/>
+        <a:font script="Tale" typeface="Microsoft Tai Le"/>
+        <a:font script="Talu" typeface="Microsoft New Tai Lue"/>
+        <a:font script="Tfng" typeface="Ebrima"/>
+      </a:majorFont>
+      <a:minorFont>
+        <a:latin typeface="Calibri" panose="020F0502020204030204"/>
+        <a:ea typeface=""/>
+        <a:cs typeface=""/>
+        <a:font script="Jpan" typeface="游ゴシック"/>
+        <a:font script="Hang" typeface="맑은 고딕"/>
+        <a:font script="Hans" typeface="等线"/>
+        <a:font script="Hant" typeface="新細明體"/>
+        <a:font script="Arab" typeface="Arial"/>
+        <a:font script="Hebr" typeface="Arial"/>
+        <a:font script="Thai" typeface="Cordia New"/>
+        <a:font script="Ethi" typeface="Nyala"/>
+        <a:font script="Beng" typeface="Vrinda"/>
+        <a:font script="Gujr" typeface="Shruti"/>
+        <a:font script="Khmr" typeface="DaunPenh"/>
+        <a:font script="Knda" typeface="Tunga"/>
+        <a:font script="Guru" typeface="Raavi"/>
+        <a:font script="Cans" typeface="Euphemia"/>
+        <a:font script="Cher" typeface="Plantagenet Cherokee"/>
+        <a:font script="Yiii" typeface="Microsoft Yi Baiti"/>
+        <a:font script="Tibt" typeface="Microsoft Himalaya"/>
+        <a:font script="Thaa" typeface="MV Boli"/>
+        <a:font script="Deva" typeface="Mangal"/>
+        <a:font script="Telu" typeface="Gautami"/>
+        <a:font script="Taml" typeface="Latha"/>
+        <a:font script="Syrc" typeface="Estrangelo Edessa"/>
+        <a:font script="Orya" typeface="Kalinga"/>
+        <a:font script="Mlym" typeface="Kartika"/>
+        <a:font script="Laoo" typeface="DokChampa"/>
+        <a:font script="Sinh" typeface="Iskoola Pota"/>
+        <a:font script="Mong" typeface="Mongolian Baiti"/>
+        <a:font script="Viet" typeface="Arial"/>
+        <a:font script="Uigh" typeface="Microsoft Uighur"/>
+        <a:font script="Geor" typeface="Sylfaen"/>
+        <a:font script="Armn" typeface="Arial"/>
+        <a:font script="Bugi" typeface="Leelawadee UI"/>
+        <a:font script="Bopo" typeface="Microsoft JhengHei"/>
+        <a:font script="Java" typeface="Javanese Text"/>
+        <a:font script="Lisu" typeface="Segoe UI"/>
+        <a:font script="Mymr" typeface="Myanmar Text"/>
+        <a:font script="Nkoo" typeface="Ebrima"/>
+        <a:font script="Olck" typeface="Nirmala UI"/>
+        <a:font script="Osma" typeface="Ebrima"/>
+        <a:font script="Phag" typeface="Phagspa"/>
+        <a:font script="Syrn" typeface="Estrangelo Edessa"/>
+        <a:font script="Syrj" typeface="Estrangelo Edessa"/>
+        <a:font script="Syre" typeface="Estrangelo Edessa"/>
+        <a:font script="Sora" typeface="Nirmala UI"/>
+        <a:font script="Tale" typeface="Microsoft Tai Le"/>
+        <a:font script="Talu" typeface="Microsoft New Tai Lue"/>
+        <a:font script="Tfng" typeface="Ebrima"/>
+      </a:minorFont>
+    </a:fontScheme>
+    <a:fmtScheme name="Office">
+      <a:fillStyleLst>
+        <a:solidFill>
+          <a:schemeClr val="phClr"/>
+        </a:solidFill>
+        <a:gradFill rotWithShape="1">
+          <a:gsLst>
+            <a:gs pos="0">
+              <a:schemeClr val="phClr">
+                <a:lumMod val="110000"/>
+                <a:satMod val="105000"/>
+                <a:tint val="67000"/>
+              </a:schemeClr>
+            </a:gs>
+            <a:gs pos="50000">
+              <a:schemeClr val="phClr">
+                <a:lumMod val="105000"/>
+                <a:satMod val="103000"/>
+                <a:tint val="73000"/>
+              </a:schemeClr>
+            </a:gs>
+            <a:gs pos="100000">
+              <a:schemeClr val="phClr">
+                <a:lumMod val="105000"/>
+                <a:satMod val="109000"/>
+                <a:tint val="81000"/>
+              </a:schemeClr>
+            </a:gs>
+          </a:gsLst>
+          <a:lin ang="5400000" scaled="0"/>
+        </a:gradFill>
+        <a:gradFill rotWithShape="1">
+          <a:gsLst>
+            <a:gs pos="0">
+              <a:schemeClr val="phClr">
+                <a:satMod val="103000"/>
+                <a:lumMod val="102000"/>
+                <a:tint val="94000"/>
+              </a:schemeClr>
+            </a:gs>
+            <a:gs pos="50000">
+              <a:schemeClr val="phClr">
+                <a:satMod val="110000"/>
+                <a:lumMod val="100000"/>
+                <a:shade val="100000"/>
+              </a:schemeClr>
+            </a:gs>
+            <a:gs pos="100000">
+              <a:schemeClr val="phClr">
+                <a:lumMod val="99000"/>
+                <a:satMod val="120000"/>
+                <a:shade val="78000"/>
+              </a:schemeClr>
+            </a:gs>
+          </a:gsLst>
+          <a:lin ang="5400000" scaled="0"/>
+        </a:gradFill>
+      </a:fillStyleLst>
+      <a:lnStyleLst>
+        <a:ln w="6350" cap="flat" cmpd="sng" algn="ctr">
+          <a:solidFill>
+            <a:schemeClr val="phClr"/>
+          </a:solidFill>
+          <a:prstDash val="solid"/>
+          <a:miter lim="800000"/>
+        </a:ln>
+        <a:ln w="12700" cap="flat" cmpd="sng" algn="ctr">
+          <a:solidFill>
+            <a:schemeClr val="phClr"/>
+          </a:solidFill>
+          <a:prstDash val="solid"/>
+          <a:miter lim="800000"/>
+        </a:ln>
+        <a:ln w="19050" cap="flat" cmpd="sng" algn="ctr">
+          <a:solidFill>
+            <a:schemeClr val="phClr"/>
+          </a:solidFill>
+          <a:prstDash val="solid"/>
+          <a:miter lim="800000"/>
+        </a:ln>
+      </a:lnStyleLst>
+      <a:effectStyleLst>
+        <a:effectStyle>
+          <a:effectLst/>
+        </a:effectStyle>
+        <a:effectStyle>
+          <a:effectLst/>
+        </a:effectStyle>
+        <a:effectStyle>
+          <a:effectLst>
+            <a:outerShdw blurRad="57150" dist="19050" dir="5400000" algn="ctr" rotWithShape="0">
+              <a:srgbClr val="000000">
+                <a:alpha val="63000"/>
+              </a:srgbClr>
+            </a:outerShdw>
+          </a:effectLst>
+        </a:effectStyle>
+      </a:effectStyleLst>
+      <a:bgFillStyleLst>
+        <a:solidFill>
+          <a:schemeClr val="phClr"/>
+        </a:solidFill>
+        <a:solidFill>
+          <a:schemeClr val="phClr">
+            <a:tint val="95000"/>
+            <a:satMod val="170000"/>
+          </a:schemeClr>
+        </a:solidFill>
+        <a:gradFill rotWithShape="1">
+          <a:gsLst>
+            <a:gs pos="0">
+              <a:schemeClr val="phClr">
+                <a:tint val="93000"/>
+                <a:satMod val="150000"/>
+                <a:shade val="98000"/>
+                <a:lumMod val="102000"/>
+              </a:schemeClr>
+            </a:gs>
+            <a:gs pos="50000">
+              <a:schemeClr val="phClr">
+                <a:tint val="98000"/>
+                <a:satMod val="130000"/>
+                <a:shade val="90000"/>
+                <a:lumMod val="103000"/>
+              </a:schemeClr>
+            </a:gs>
+            <a:gs pos="100000">
+              <a:schemeClr val="phClr">
+                <a:shade val="63000"/>
+                <a:satMod val="120000"/>
+              </a:schemeClr>
+            </a:gs>
+          </a:gsLst>
+          <a:lin ang="5400000" scaled="0"/>
+        </a:gradFill>
+      </a:bgFillStyleLst>
+    </a:fmtScheme>
+  </a:themeElements>
+  <a:objectDefaults/>
+  <a:extraClrSchemeLst/>
+  <a:extLst>
+    <a:ext uri="{05A4C25C-085E-4340-85A3-A5531E510DB2}">
+      <thm15:themeFamily xmlns:thm15="http://schemas.microsoft.com/office/thememl/2012/main" name="Office Theme" id="{62F939B6-93AF-4DB8-9C6B-D6C7DFDC589F}" vid="{4A3C46E8-61CC-4603-A589-7422A47A8E4A}"/>
+    </a:ext>
+  </a:extLst>
+</a:theme>
 </file>